--- a/4_Presentation_générale/Sourice_Pierre_4_solution technique_08022024.pptx
+++ b/4_Presentation_générale/Sourice_Pierre_4_solution technique_08022024.pptx
@@ -5,12 +5,12 @@
     <p:sldMasterId id="2147483659" r:id="rId1"/>
   </p:sldMasterIdLst>
   <p:notesMasterIdLst>
-    <p:notesMasterId r:id="rId16"/>
+    <p:notesMasterId r:id="rId15"/>
   </p:notesMasterIdLst>
   <p:sldIdLst>
     <p:sldId id="256" r:id="rId2"/>
     <p:sldId id="257" r:id="rId3"/>
-    <p:sldId id="258" r:id="rId4"/>
+    <p:sldId id="268" r:id="rId4"/>
     <p:sldId id="259" r:id="rId5"/>
     <p:sldId id="260" r:id="rId6"/>
     <p:sldId id="261" r:id="rId7"/>
@@ -20,39 +20,38 @@
     <p:sldId id="265" r:id="rId11"/>
     <p:sldId id="266" r:id="rId12"/>
     <p:sldId id="267" r:id="rId13"/>
-    <p:sldId id="268" r:id="rId14"/>
-    <p:sldId id="269" r:id="rId15"/>
+    <p:sldId id="269" r:id="rId14"/>
   </p:sldIdLst>
   <p:sldSz cx="18288000" cy="10287000"/>
   <p:notesSz cx="6858000" cy="9144000"/>
   <p:embeddedFontLst>
     <p:embeddedFont>
       <p:font typeface="Epilogue" panose="020B0604020202020204" charset="0"/>
-      <p:regular r:id="rId17"/>
-      <p:bold r:id="rId18"/>
-      <p:italic r:id="rId19"/>
-      <p:boldItalic r:id="rId20"/>
+      <p:regular r:id="rId16"/>
+      <p:bold r:id="rId17"/>
+      <p:italic r:id="rId18"/>
+      <p:boldItalic r:id="rId19"/>
     </p:embeddedFont>
     <p:embeddedFont>
       <p:font typeface="Montserrat" pitchFamily="2" charset="0"/>
-      <p:regular r:id="rId21"/>
-      <p:bold r:id="rId22"/>
-      <p:italic r:id="rId23"/>
-      <p:boldItalic r:id="rId24"/>
+      <p:regular r:id="rId20"/>
+      <p:bold r:id="rId21"/>
+      <p:italic r:id="rId22"/>
+      <p:boldItalic r:id="rId23"/>
     </p:embeddedFont>
     <p:embeddedFont>
       <p:font typeface="Work Sans" pitchFamily="2" charset="0"/>
-      <p:regular r:id="rId25"/>
-      <p:bold r:id="rId26"/>
-      <p:italic r:id="rId27"/>
-      <p:boldItalic r:id="rId28"/>
+      <p:regular r:id="rId24"/>
+      <p:bold r:id="rId25"/>
+      <p:italic r:id="rId26"/>
+      <p:boldItalic r:id="rId27"/>
     </p:embeddedFont>
     <p:embeddedFont>
       <p:font typeface="Work Sans ExtraLight" pitchFamily="2" charset="0"/>
-      <p:regular r:id="rId29"/>
-      <p:bold r:id="rId30"/>
-      <p:italic r:id="rId31"/>
-      <p:boldItalic r:id="rId32"/>
+      <p:regular r:id="rId28"/>
+      <p:bold r:id="rId29"/>
+      <p:italic r:id="rId30"/>
+      <p:boldItalic r:id="rId31"/>
     </p:embeddedFont>
   </p:embeddedFontLst>
   <p:defaultTextStyle>
@@ -877,8 +876,8 @@
         </p:nvSpPr>
         <p:spPr>
           <a:xfrm>
-            <a:off x="1143225" y="685800"/>
-            <a:ext cx="4572300" cy="3429000"/>
+            <a:off x="381000" y="685800"/>
+            <a:ext cx="6096000" cy="3429000"/>
           </a:xfrm>
           <a:custGeom>
             <a:avLst/>
@@ -981,8 +980,8 @@
         </p:nvSpPr>
         <p:spPr>
           <a:xfrm>
-            <a:off x="1143225" y="685800"/>
-            <a:ext cx="4572300" cy="3429000"/>
+            <a:off x="381000" y="685800"/>
+            <a:ext cx="6096000" cy="3429000"/>
           </a:xfrm>
           <a:custGeom>
             <a:avLst/>
@@ -1061,7 +1060,7 @@
   <p:cSld>
     <p:spTree>
       <p:nvGrpSpPr>
-        <p:cNvPr id="1" name="Shape 213"/>
+        <p:cNvPr id="1" name="Shape 212"/>
         <p:cNvGrpSpPr/>
         <p:nvPr/>
       </p:nvGrpSpPr>
@@ -1075,215 +1074,7 @@
       </p:grpSpPr>
       <p:sp>
         <p:nvSpPr>
-          <p:cNvPr id="214" name="Google Shape;214;g2bb40ad0cf6_0_255:notes"/>
-          <p:cNvSpPr>
-            <a:spLocks noGrp="1" noRot="1" noChangeAspect="1"/>
-          </p:cNvSpPr>
-          <p:nvPr>
-            <p:ph type="sldImg" idx="2"/>
-          </p:nvPr>
-        </p:nvSpPr>
-        <p:spPr>
-          <a:xfrm>
-            <a:off x="1143225" y="685800"/>
-            <a:ext cx="4572300" cy="3429000"/>
-          </a:xfrm>
-          <a:custGeom>
-            <a:avLst/>
-            <a:gdLst/>
-            <a:ahLst/>
-            <a:cxnLst/>
-            <a:rect l="l" t="t" r="r" b="b"/>
-            <a:pathLst>
-              <a:path w="120000" h="120000" extrusionOk="0">
-                <a:moveTo>
-                  <a:pt x="0" y="0"/>
-                </a:moveTo>
-                <a:lnTo>
-                  <a:pt x="120000" y="0"/>
-                </a:lnTo>
-                <a:lnTo>
-                  <a:pt x="120000" y="120000"/>
-                </a:lnTo>
-                <a:lnTo>
-                  <a:pt x="0" y="120000"/>
-                </a:lnTo>
-                <a:close/>
-              </a:path>
-            </a:pathLst>
-          </a:custGeom>
-        </p:spPr>
-      </p:sp>
-      <p:sp>
-        <p:nvSpPr>
-          <p:cNvPr id="215" name="Google Shape;215;g2bb40ad0cf6_0_255:notes"/>
-          <p:cNvSpPr txBox="1">
-            <a:spLocks noGrp="1"/>
-          </p:cNvSpPr>
-          <p:nvPr>
-            <p:ph type="body" idx="1"/>
-          </p:nvPr>
-        </p:nvSpPr>
-        <p:spPr>
-          <a:xfrm>
-            <a:off x="685800" y="4343400"/>
-            <a:ext cx="5486400" cy="4114800"/>
-          </a:xfrm>
-          <a:prstGeom prst="rect">
-            <a:avLst/>
-          </a:prstGeom>
-        </p:spPr>
-        <p:txBody>
-          <a:bodyPr spcFirstLastPara="1" wrap="square" lIns="91425" tIns="91425" rIns="91425" bIns="91425" anchor="t" anchorCtr="0">
-            <a:noAutofit/>
-          </a:bodyPr>
-          <a:lstStyle/>
-          <a:p>
-            <a:pPr marL="0" lvl="0" indent="0" algn="l" rtl="0">
-              <a:spcBef>
-                <a:spcPts val="0"/>
-              </a:spcBef>
-              <a:spcAft>
-                <a:spcPts val="0"/>
-              </a:spcAft>
-              <a:buNone/>
-            </a:pPr>
-            <a:endParaRPr/>
-          </a:p>
-        </p:txBody>
-      </p:sp>
-    </p:spTree>
-  </p:cSld>
-  <p:clrMapOvr>
-    <a:masterClrMapping/>
-  </p:clrMapOvr>
-</p:notes>
-</file>
-
-<file path=ppt/notesSlides/notesSlide13.xml><?xml version="1.0" encoding="utf-8"?>
-<p:notes xmlns:a="http://schemas.openxmlformats.org/drawingml/2006/main" xmlns:r="http://schemas.openxmlformats.org/officeDocument/2006/relationships" xmlns:p="http://schemas.openxmlformats.org/presentationml/2006/main" showMasterSp="0" showMasterPhAnim="0">
-  <p:cSld>
-    <p:spTree>
-      <p:nvGrpSpPr>
-        <p:cNvPr id="1" name="Shape 224"/>
-        <p:cNvGrpSpPr/>
-        <p:nvPr/>
-      </p:nvGrpSpPr>
-      <p:grpSpPr>
-        <a:xfrm>
-          <a:off x="0" y="0"/>
-          <a:ext cx="0" cy="0"/>
-          <a:chOff x="0" y="0"/>
-          <a:chExt cx="0" cy="0"/>
-        </a:xfrm>
-      </p:grpSpPr>
-      <p:sp>
-        <p:nvSpPr>
-          <p:cNvPr id="225" name="Google Shape;225;g2bb40ad0cf6_0_268:notes"/>
-          <p:cNvSpPr>
-            <a:spLocks noGrp="1" noRot="1" noChangeAspect="1"/>
-          </p:cNvSpPr>
-          <p:nvPr>
-            <p:ph type="sldImg" idx="2"/>
-          </p:nvPr>
-        </p:nvSpPr>
-        <p:spPr>
-          <a:xfrm>
-            <a:off x="1143225" y="685800"/>
-            <a:ext cx="4572300" cy="3429000"/>
-          </a:xfrm>
-          <a:custGeom>
-            <a:avLst/>
-            <a:gdLst/>
-            <a:ahLst/>
-            <a:cxnLst/>
-            <a:rect l="l" t="t" r="r" b="b"/>
-            <a:pathLst>
-              <a:path w="120000" h="120000" extrusionOk="0">
-                <a:moveTo>
-                  <a:pt x="0" y="0"/>
-                </a:moveTo>
-                <a:lnTo>
-                  <a:pt x="120000" y="0"/>
-                </a:lnTo>
-                <a:lnTo>
-                  <a:pt x="120000" y="120000"/>
-                </a:lnTo>
-                <a:lnTo>
-                  <a:pt x="0" y="120000"/>
-                </a:lnTo>
-                <a:close/>
-              </a:path>
-            </a:pathLst>
-          </a:custGeom>
-        </p:spPr>
-      </p:sp>
-      <p:sp>
-        <p:nvSpPr>
-          <p:cNvPr id="226" name="Google Shape;226;g2bb40ad0cf6_0_268:notes"/>
-          <p:cNvSpPr txBox="1">
-            <a:spLocks noGrp="1"/>
-          </p:cNvSpPr>
-          <p:nvPr>
-            <p:ph type="body" idx="1"/>
-          </p:nvPr>
-        </p:nvSpPr>
-        <p:spPr>
-          <a:xfrm>
-            <a:off x="685800" y="4343400"/>
-            <a:ext cx="5486400" cy="4114800"/>
-          </a:xfrm>
-          <a:prstGeom prst="rect">
-            <a:avLst/>
-          </a:prstGeom>
-        </p:spPr>
-        <p:txBody>
-          <a:bodyPr spcFirstLastPara="1" wrap="square" lIns="91425" tIns="91425" rIns="91425" bIns="91425" anchor="t" anchorCtr="0">
-            <a:noAutofit/>
-          </a:bodyPr>
-          <a:lstStyle/>
-          <a:p>
-            <a:pPr marL="0" lvl="0" indent="0" algn="l" rtl="0">
-              <a:spcBef>
-                <a:spcPts val="0"/>
-              </a:spcBef>
-              <a:spcAft>
-                <a:spcPts val="0"/>
-              </a:spcAft>
-              <a:buNone/>
-            </a:pPr>
-            <a:endParaRPr/>
-          </a:p>
-        </p:txBody>
-      </p:sp>
-    </p:spTree>
-  </p:cSld>
-  <p:clrMapOvr>
-    <a:masterClrMapping/>
-  </p:clrMapOvr>
-</p:notes>
-</file>
-
-<file path=ppt/notesSlides/notesSlide14.xml><?xml version="1.0" encoding="utf-8"?>
-<p:notes xmlns:a="http://schemas.openxmlformats.org/drawingml/2006/main" xmlns:r="http://schemas.openxmlformats.org/officeDocument/2006/relationships" xmlns:p="http://schemas.openxmlformats.org/presentationml/2006/main" showMasterSp="0" showMasterPhAnim="0">
-  <p:cSld>
-    <p:spTree>
-      <p:nvGrpSpPr>
-        <p:cNvPr id="1" name="Shape 235"/>
-        <p:cNvGrpSpPr/>
-        <p:nvPr/>
-      </p:nvGrpSpPr>
-      <p:grpSpPr>
-        <a:xfrm>
-          <a:off x="0" y="0"/>
-          <a:ext cx="0" cy="0"/>
-          <a:chOff x="0" y="0"/>
-          <a:chExt cx="0" cy="0"/>
-        </a:xfrm>
-      </p:grpSpPr>
-      <p:sp>
-        <p:nvSpPr>
-          <p:cNvPr id="236" name="Google Shape;236;g2bb40ad0cf6_0_295:notes"/>
+          <p:cNvPr id="213" name="Google Shape;213;g2bb40ad0cf6_0_255:notes"/>
           <p:cNvSpPr>
             <a:spLocks noGrp="1" noRot="1" noChangeAspect="1"/>
           </p:cNvSpPr>
@@ -1324,7 +1115,111 @@
       </p:sp>
       <p:sp>
         <p:nvSpPr>
-          <p:cNvPr id="237" name="Google Shape;237;g2bb40ad0cf6_0_295:notes"/>
+          <p:cNvPr id="214" name="Google Shape;214;g2bb40ad0cf6_0_255:notes"/>
+          <p:cNvSpPr txBox="1">
+            <a:spLocks noGrp="1"/>
+          </p:cNvSpPr>
+          <p:nvPr>
+            <p:ph type="body" idx="1"/>
+          </p:nvPr>
+        </p:nvSpPr>
+        <p:spPr>
+          <a:xfrm>
+            <a:off x="685800" y="4343400"/>
+            <a:ext cx="5486400" cy="4114800"/>
+          </a:xfrm>
+          <a:prstGeom prst="rect">
+            <a:avLst/>
+          </a:prstGeom>
+        </p:spPr>
+        <p:txBody>
+          <a:bodyPr spcFirstLastPara="1" wrap="square" lIns="91425" tIns="91425" rIns="91425" bIns="91425" anchor="t" anchorCtr="0">
+            <a:noAutofit/>
+          </a:bodyPr>
+          <a:lstStyle/>
+          <a:p>
+            <a:pPr marL="0" lvl="0" indent="0" algn="l" rtl="0">
+              <a:spcBef>
+                <a:spcPts val="0"/>
+              </a:spcBef>
+              <a:spcAft>
+                <a:spcPts val="0"/>
+              </a:spcAft>
+              <a:buNone/>
+            </a:pPr>
+            <a:endParaRPr/>
+          </a:p>
+        </p:txBody>
+      </p:sp>
+    </p:spTree>
+  </p:cSld>
+  <p:clrMapOvr>
+    <a:masterClrMapping/>
+  </p:clrMapOvr>
+</p:notes>
+</file>
+
+<file path=ppt/notesSlides/notesSlide13.xml><?xml version="1.0" encoding="utf-8"?>
+<p:notes xmlns:a="http://schemas.openxmlformats.org/drawingml/2006/main" xmlns:r="http://schemas.openxmlformats.org/officeDocument/2006/relationships" xmlns:p="http://schemas.openxmlformats.org/presentationml/2006/main" showMasterSp="0" showMasterPhAnim="0">
+  <p:cSld>
+    <p:spTree>
+      <p:nvGrpSpPr>
+        <p:cNvPr id="1" name="Shape 234"/>
+        <p:cNvGrpSpPr/>
+        <p:nvPr/>
+      </p:nvGrpSpPr>
+      <p:grpSpPr>
+        <a:xfrm>
+          <a:off x="0" y="0"/>
+          <a:ext cx="0" cy="0"/>
+          <a:chOff x="0" y="0"/>
+          <a:chExt cx="0" cy="0"/>
+        </a:xfrm>
+      </p:grpSpPr>
+      <p:sp>
+        <p:nvSpPr>
+          <p:cNvPr id="235" name="Google Shape;235;g2bb40ad0cf6_0_295:notes"/>
+          <p:cNvSpPr>
+            <a:spLocks noGrp="1" noRot="1" noChangeAspect="1"/>
+          </p:cNvSpPr>
+          <p:nvPr>
+            <p:ph type="sldImg" idx="2"/>
+          </p:nvPr>
+        </p:nvSpPr>
+        <p:spPr>
+          <a:xfrm>
+            <a:off x="381000" y="685800"/>
+            <a:ext cx="6096000" cy="3429000"/>
+          </a:xfrm>
+          <a:custGeom>
+            <a:avLst/>
+            <a:gdLst/>
+            <a:ahLst/>
+            <a:cxnLst/>
+            <a:rect l="l" t="t" r="r" b="b"/>
+            <a:pathLst>
+              <a:path w="120000" h="120000" extrusionOk="0">
+                <a:moveTo>
+                  <a:pt x="0" y="0"/>
+                </a:moveTo>
+                <a:lnTo>
+                  <a:pt x="120000" y="0"/>
+                </a:lnTo>
+                <a:lnTo>
+                  <a:pt x="120000" y="120000"/>
+                </a:lnTo>
+                <a:lnTo>
+                  <a:pt x="0" y="120000"/>
+                </a:lnTo>
+                <a:close/>
+              </a:path>
+            </a:pathLst>
+          </a:custGeom>
+        </p:spPr>
+      </p:sp>
+      <p:sp>
+        <p:nvSpPr>
+          <p:cNvPr id="236" name="Google Shape;236;g2bb40ad0cf6_0_295:notes"/>
           <p:cNvSpPr txBox="1">
             <a:spLocks noGrp="1"/>
           </p:cNvSpPr>
@@ -1397,8 +1292,8 @@
         </p:nvSpPr>
         <p:spPr>
           <a:xfrm>
-            <a:off x="381000" y="685800"/>
-            <a:ext cx="6096000" cy="3429000"/>
+            <a:off x="1143225" y="685800"/>
+            <a:ext cx="4572300" cy="3429000"/>
           </a:xfrm>
           <a:custGeom>
             <a:avLst/>
@@ -1477,7 +1372,7 @@
   <p:cSld>
     <p:spTree>
       <p:nvGrpSpPr>
-        <p:cNvPr id="1" name="Shape 108"/>
+        <p:cNvPr id="1" name="Shape 223"/>
         <p:cNvGrpSpPr/>
         <p:nvPr/>
       </p:nvGrpSpPr>
@@ -1491,7 +1386,7 @@
       </p:grpSpPr>
       <p:sp>
         <p:nvSpPr>
-          <p:cNvPr id="109" name="Google Shape;109;g2bb40ad0cf6_0_11:notes"/>
+          <p:cNvPr id="224" name="Google Shape;224;g2bb40ad0cf6_0_268:notes"/>
           <p:cNvSpPr>
             <a:spLocks noGrp="1" noRot="1" noChangeAspect="1"/>
           </p:cNvSpPr>
@@ -1532,7 +1427,7 @@
       </p:sp>
       <p:sp>
         <p:nvSpPr>
-          <p:cNvPr id="110" name="Google Shape;110;g2bb40ad0cf6_0_11:notes"/>
+          <p:cNvPr id="225" name="Google Shape;225;g2bb40ad0cf6_0_268:notes"/>
           <p:cNvSpPr txBox="1">
             <a:spLocks noGrp="1"/>
           </p:cNvSpPr>
@@ -1605,8 +1500,8 @@
         </p:nvSpPr>
         <p:spPr>
           <a:xfrm>
-            <a:off x="1143225" y="685800"/>
-            <a:ext cx="4572300" cy="3429000"/>
+            <a:off x="381000" y="685800"/>
+            <a:ext cx="6096000" cy="3429000"/>
           </a:xfrm>
           <a:custGeom>
             <a:avLst/>
@@ -1709,8 +1604,8 @@
         </p:nvSpPr>
         <p:spPr>
           <a:xfrm>
-            <a:off x="1143225" y="685800"/>
-            <a:ext cx="4572300" cy="3429000"/>
+            <a:off x="381000" y="685800"/>
+            <a:ext cx="6096000" cy="3429000"/>
           </a:xfrm>
           <a:custGeom>
             <a:avLst/>
@@ -1813,8 +1708,8 @@
         </p:nvSpPr>
         <p:spPr>
           <a:xfrm>
-            <a:off x="1143225" y="685800"/>
-            <a:ext cx="4572300" cy="3429000"/>
+            <a:off x="381000" y="685800"/>
+            <a:ext cx="6096000" cy="3429000"/>
           </a:xfrm>
           <a:custGeom>
             <a:avLst/>
@@ -1917,8 +1812,8 @@
         </p:nvSpPr>
         <p:spPr>
           <a:xfrm>
-            <a:off x="1143225" y="685800"/>
-            <a:ext cx="4572300" cy="3429000"/>
+            <a:off x="381000" y="685800"/>
+            <a:ext cx="6096000" cy="3429000"/>
           </a:xfrm>
           <a:custGeom>
             <a:avLst/>
@@ -2021,8 +1916,8 @@
         </p:nvSpPr>
         <p:spPr>
           <a:xfrm>
-            <a:off x="1143225" y="685800"/>
-            <a:ext cx="4572300" cy="3429000"/>
+            <a:off x="381000" y="685800"/>
+            <a:ext cx="6096000" cy="3429000"/>
           </a:xfrm>
           <a:custGeom>
             <a:avLst/>
@@ -2125,8 +2020,8 @@
         </p:nvSpPr>
         <p:spPr>
           <a:xfrm>
-            <a:off x="1143225" y="685800"/>
-            <a:ext cx="4572300" cy="3429000"/>
+            <a:off x="381000" y="685800"/>
+            <a:ext cx="6096000" cy="3429000"/>
           </a:xfrm>
           <a:custGeom>
             <a:avLst/>
@@ -13645,18 +13540,17 @@
           <p:cNvPicPr preferRelativeResize="0"/>
           <p:nvPr/>
         </p:nvPicPr>
-        <p:blipFill>
+        <p:blipFill rotWithShape="1">
           <a:blip r:embed="rId3">
             <a:alphaModFix/>
           </a:blip>
-          <a:stretch>
-            <a:fillRect/>
-          </a:stretch>
+          <a:srcRect t="4902" b="1183"/>
+          <a:stretch/>
         </p:blipFill>
         <p:spPr>
           <a:xfrm>
-            <a:off x="716325" y="1618000"/>
-            <a:ext cx="17079900" cy="8623348"/>
+            <a:off x="1656800" y="1552450"/>
+            <a:ext cx="15923973" cy="8156650"/>
           </a:xfrm>
           <a:prstGeom prst="rect">
             <a:avLst/>
@@ -13670,55 +13564,6 @@
       <p:sp>
         <p:nvSpPr>
           <p:cNvPr id="208" name="Google Shape;208;p23"/>
-          <p:cNvSpPr/>
-          <p:nvPr/>
-        </p:nvSpPr>
-        <p:spPr>
-          <a:xfrm>
-            <a:off x="604050" y="1734625"/>
-            <a:ext cx="17079900" cy="8187300"/>
-          </a:xfrm>
-          <a:prstGeom prst="rect">
-            <a:avLst/>
-          </a:prstGeom>
-          <a:noFill/>
-          <a:ln w="9525" cap="flat" cmpd="sng">
-            <a:solidFill>
-              <a:srgbClr val="C5A073"/>
-            </a:solidFill>
-            <a:prstDash val="solid"/>
-            <a:round/>
-            <a:headEnd type="none" w="sm" len="sm"/>
-            <a:tailEnd type="none" w="sm" len="sm"/>
-          </a:ln>
-        </p:spPr>
-        <p:txBody>
-          <a:bodyPr spcFirstLastPara="1" wrap="square" lIns="91425" tIns="91425" rIns="91425" bIns="91425" anchor="ctr" anchorCtr="0">
-            <a:noAutofit/>
-          </a:bodyPr>
-          <a:lstStyle/>
-          <a:p>
-            <a:pPr marL="0" lvl="0" indent="0" algn="ctr" rtl="0">
-              <a:spcBef>
-                <a:spcPts val="0"/>
-              </a:spcBef>
-              <a:spcAft>
-                <a:spcPts val="0"/>
-              </a:spcAft>
-              <a:buNone/>
-            </a:pPr>
-            <a:endParaRPr>
-              <a:latin typeface="Calibri"/>
-              <a:ea typeface="Calibri"/>
-              <a:cs typeface="Calibri"/>
-              <a:sym typeface="Calibri"/>
-            </a:endParaRPr>
-          </a:p>
-        </p:txBody>
-      </p:sp>
-      <p:sp>
-        <p:nvSpPr>
-          <p:cNvPr id="209" name="Google Shape;209;p23"/>
           <p:cNvSpPr txBox="1"/>
           <p:nvPr/>
         </p:nvSpPr>
@@ -13776,7 +13621,7 @@
       </p:sp>
       <p:sp>
         <p:nvSpPr>
-          <p:cNvPr id="210" name="Google Shape;210;p23"/>
+          <p:cNvPr id="209" name="Google Shape;209;p23"/>
           <p:cNvSpPr txBox="1">
             <a:spLocks noGrp="1"/>
           </p:cNvSpPr>
@@ -13822,7 +13667,7 @@
       </p:sp>
       <p:pic>
         <p:nvPicPr>
-          <p:cNvPr id="211" name="Google Shape;211;p23"/>
+          <p:cNvPr id="210" name="Google Shape;210;p23"/>
           <p:cNvPicPr preferRelativeResize="0"/>
           <p:nvPr/>
         </p:nvPicPr>
@@ -13850,14 +13695,14 @@
       </p:pic>
       <p:sp>
         <p:nvSpPr>
-          <p:cNvPr id="212" name="Google Shape;212;p23"/>
+          <p:cNvPr id="211" name="Google Shape;211;p23"/>
           <p:cNvSpPr txBox="1"/>
           <p:nvPr/>
         </p:nvSpPr>
         <p:spPr>
           <a:xfrm>
-            <a:off x="9748675" y="3429000"/>
-            <a:ext cx="8047500" cy="6390300"/>
+            <a:off x="5270150" y="5117975"/>
+            <a:ext cx="12376500" cy="4469400"/>
           </a:xfrm>
           <a:prstGeom prst="rect">
             <a:avLst/>
@@ -13893,7 +13738,7 @@
             <a:r>
               <a:rPr lang="en-US" sz="2800">
                 <a:solidFill>
-                  <a:schemeClr val="lt1"/>
+                  <a:schemeClr val="dk1"/>
                 </a:solidFill>
                 <a:latin typeface="Work Sans"/>
                 <a:ea typeface="Work Sans"/>
@@ -13904,7 +13749,7 @@
             </a:r>
             <a:endParaRPr sz="2800">
               <a:solidFill>
-                <a:schemeClr val="lt1"/>
+                <a:schemeClr val="dk1"/>
               </a:solidFill>
               <a:latin typeface="Work Sans"/>
               <a:ea typeface="Work Sans"/>
@@ -13932,7 +13777,7 @@
             </a:pPr>
             <a:endParaRPr sz="2800">
               <a:solidFill>
-                <a:schemeClr val="lt1"/>
+                <a:schemeClr val="dk1"/>
               </a:solidFill>
               <a:latin typeface="Work Sans"/>
               <a:ea typeface="Work Sans"/>
@@ -13961,7 +13806,7 @@
             <a:r>
               <a:rPr lang="en-US" sz="2800">
                 <a:solidFill>
-                  <a:schemeClr val="lt1"/>
+                  <a:schemeClr val="dk1"/>
                 </a:solidFill>
                 <a:latin typeface="Work Sans"/>
                 <a:ea typeface="Work Sans"/>
@@ -13972,7 +13817,7 @@
             </a:r>
             <a:endParaRPr sz="3200">
               <a:solidFill>
-                <a:schemeClr val="lt1"/>
+                <a:schemeClr val="dk1"/>
               </a:solidFill>
               <a:latin typeface="Calibri"/>
               <a:ea typeface="Calibri"/>
@@ -14018,7 +13863,7 @@
   <p:cSld>
     <p:spTree>
       <p:nvGrpSpPr>
-        <p:cNvPr id="1" name="Shape 216"/>
+        <p:cNvPr id="1" name="Shape 215"/>
         <p:cNvGrpSpPr/>
         <p:nvPr/>
       </p:nvGrpSpPr>
@@ -14032,7 +13877,7 @@
       </p:grpSpPr>
       <p:sp>
         <p:nvSpPr>
-          <p:cNvPr id="217" name="Google Shape;217;p24"/>
+          <p:cNvPr id="216" name="Google Shape;216;p24"/>
           <p:cNvSpPr/>
           <p:nvPr/>
         </p:nvSpPr>
@@ -14081,7 +13926,7 @@
       </p:sp>
       <p:sp>
         <p:nvSpPr>
-          <p:cNvPr id="218" name="Google Shape;218;p24"/>
+          <p:cNvPr id="217" name="Google Shape;217;p24"/>
           <p:cNvSpPr/>
           <p:nvPr/>
         </p:nvSpPr>
@@ -14132,7 +13977,7 @@
       </p:sp>
       <p:sp>
         <p:nvSpPr>
-          <p:cNvPr id="219" name="Google Shape;219;p24"/>
+          <p:cNvPr id="218" name="Google Shape;218;p24"/>
           <p:cNvSpPr txBox="1"/>
           <p:nvPr/>
         </p:nvSpPr>
@@ -14190,7 +14035,7 @@
       </p:sp>
       <p:sp>
         <p:nvSpPr>
-          <p:cNvPr id="220" name="Google Shape;220;p24"/>
+          <p:cNvPr id="219" name="Google Shape;219;p24"/>
           <p:cNvSpPr txBox="1"/>
           <p:nvPr/>
         </p:nvSpPr>
@@ -14367,7 +14212,7 @@
       </p:sp>
       <p:sp>
         <p:nvSpPr>
-          <p:cNvPr id="221" name="Google Shape;221;p24"/>
+          <p:cNvPr id="220" name="Google Shape;220;p24"/>
           <p:cNvSpPr txBox="1">
             <a:spLocks noGrp="1"/>
           </p:cNvSpPr>
@@ -14413,7 +14258,7 @@
       </p:sp>
       <p:pic>
         <p:nvPicPr>
-          <p:cNvPr id="222" name="Google Shape;222;p24"/>
+          <p:cNvPr id="221" name="Google Shape;221;p24"/>
           <p:cNvPicPr preferRelativeResize="0"/>
           <p:nvPr/>
         </p:nvPicPr>
@@ -14441,7 +14286,7 @@
       </p:pic>
       <p:pic>
         <p:nvPicPr>
-          <p:cNvPr id="223" name="Google Shape;223;p24"/>
+          <p:cNvPr id="222" name="Google Shape;222;p24"/>
           <p:cNvPicPr preferRelativeResize="0"/>
           <p:nvPr/>
         </p:nvPicPr>
@@ -14487,7 +14332,7 @@
   <p:cSld>
     <p:spTree>
       <p:nvGrpSpPr>
-        <p:cNvPr id="1" name="Shape 227"/>
+        <p:cNvPr id="1" name="Shape 237"/>
         <p:cNvGrpSpPr/>
         <p:nvPr/>
       </p:nvGrpSpPr>
@@ -14501,7 +14346,7 @@
       </p:grpSpPr>
       <p:sp>
         <p:nvSpPr>
-          <p:cNvPr id="228" name="Google Shape;228;p25"/>
+          <p:cNvPr id="238" name="Google Shape;238;p26"/>
           <p:cNvSpPr/>
           <p:nvPr/>
         </p:nvSpPr>
@@ -14550,7 +14395,7 @@
       </p:sp>
       <p:sp>
         <p:nvSpPr>
-          <p:cNvPr id="229" name="Google Shape;229;p25"/>
+          <p:cNvPr id="239" name="Google Shape;239;p26"/>
           <p:cNvSpPr/>
           <p:nvPr/>
         </p:nvSpPr>
@@ -14601,7 +14446,7 @@
       </p:sp>
       <p:sp>
         <p:nvSpPr>
-          <p:cNvPr id="230" name="Google Shape;230;p25"/>
+          <p:cNvPr id="240" name="Google Shape;240;p26"/>
           <p:cNvSpPr txBox="1"/>
           <p:nvPr/>
         </p:nvSpPr>
@@ -14646,7 +14491,7 @@
                 <a:cs typeface="Epilogue"/>
                 <a:sym typeface="Epilogue"/>
               </a:rPr>
-              <a:t>L’Arborescence du site</a:t>
+              <a:t>Liens utiles</a:t>
             </a:r>
             <a:endParaRPr b="1">
               <a:latin typeface="Epilogue"/>
@@ -14659,14 +14504,14 @@
       </p:sp>
       <p:sp>
         <p:nvSpPr>
-          <p:cNvPr id="231" name="Google Shape;231;p25"/>
+          <p:cNvPr id="241" name="Google Shape;241;p26"/>
           <p:cNvSpPr txBox="1"/>
           <p:nvPr/>
         </p:nvSpPr>
         <p:spPr>
           <a:xfrm>
-            <a:off x="716325" y="2278100"/>
-            <a:ext cx="4443300" cy="7525500"/>
+            <a:off x="1021950" y="2278100"/>
+            <a:ext cx="16774200" cy="7541100"/>
           </a:xfrm>
           <a:prstGeom prst="rect">
             <a:avLst/>
@@ -14682,7 +14527,7 @@
           </a:bodyPr>
           <a:lstStyle/>
           <a:p>
-            <a:pPr marL="0" lvl="0" indent="0" algn="l" rtl="0">
+            <a:pPr marL="0" lvl="0" indent="0" algn="ctr" rtl="0">
               <a:lnSpc>
                 <a:spcPct val="115000"/>
               </a:lnSpc>
@@ -14695,7 +14540,7 @@
               <a:buNone/>
             </a:pPr>
             <a:r>
-              <a:rPr lang="en-US" sz="2700">
+              <a:rPr lang="en-US" sz="2800" b="1">
                 <a:solidFill>
                   <a:schemeClr val="dk1"/>
                 </a:solidFill>
@@ -14704,10 +14549,88 @@
                 <a:cs typeface="Work Sans"/>
                 <a:sym typeface="Work Sans"/>
               </a:rPr>
-              <a:t>La structure du site “Menu maker by Qwenta” est </a:t>
+              <a:t>Spécifications techniques </a:t>
             </a:r>
+            <a:endParaRPr sz="2800" b="1">
+              <a:solidFill>
+                <a:schemeClr val="dk1"/>
+              </a:solidFill>
+              <a:latin typeface="Work Sans"/>
+              <a:ea typeface="Work Sans"/>
+              <a:cs typeface="Work Sans"/>
+              <a:sym typeface="Work Sans"/>
+            </a:endParaRPr>
+          </a:p>
+          <a:p>
+            <a:pPr marL="0" lvl="0" indent="0" algn="ctr" rtl="0">
+              <a:lnSpc>
+                <a:spcPct val="115000"/>
+              </a:lnSpc>
+              <a:spcBef>
+                <a:spcPts val="0"/>
+              </a:spcBef>
+              <a:spcAft>
+                <a:spcPts val="0"/>
+              </a:spcAft>
+              <a:buNone/>
+            </a:pPr>
             <a:r>
-              <a:rPr lang="en-US" sz="2700" b="1">
+              <a:rPr lang="en-US" sz="1100" u="sng">
+                <a:solidFill>
+                  <a:schemeClr val="hlink"/>
+                </a:solidFill>
+                <a:hlinkClick r:id="rId3"/>
+              </a:rPr>
+              <a:t>Sourice_Pierre_2_spécifications techniques_08022024.docx</a:t>
+            </a:r>
+            <a:endParaRPr sz="2800">
+              <a:solidFill>
+                <a:schemeClr val="dk1"/>
+              </a:solidFill>
+              <a:latin typeface="Work Sans"/>
+              <a:ea typeface="Work Sans"/>
+              <a:cs typeface="Work Sans"/>
+              <a:sym typeface="Work Sans"/>
+            </a:endParaRPr>
+          </a:p>
+          <a:p>
+            <a:pPr marL="0" lvl="0" indent="0" algn="ctr" rtl="0">
+              <a:lnSpc>
+                <a:spcPct val="115000"/>
+              </a:lnSpc>
+              <a:spcBef>
+                <a:spcPts val="0"/>
+              </a:spcBef>
+              <a:spcAft>
+                <a:spcPts val="0"/>
+              </a:spcAft>
+              <a:buNone/>
+            </a:pPr>
+            <a:endParaRPr sz="2800">
+              <a:solidFill>
+                <a:schemeClr val="dk1"/>
+              </a:solidFill>
+              <a:latin typeface="Work Sans"/>
+              <a:ea typeface="Work Sans"/>
+              <a:cs typeface="Work Sans"/>
+              <a:sym typeface="Work Sans"/>
+            </a:endParaRPr>
+          </a:p>
+          <a:p>
+            <a:pPr marL="0" lvl="0" indent="0" algn="ctr" rtl="0">
+              <a:lnSpc>
+                <a:spcPct val="115000"/>
+              </a:lnSpc>
+              <a:spcBef>
+                <a:spcPts val="0"/>
+              </a:spcBef>
+              <a:spcAft>
+                <a:spcPts val="0"/>
+              </a:spcAft>
+              <a:buNone/>
+            </a:pPr>
+            <a:r>
+              <a:rPr lang="en-US" sz="2800" b="1">
                 <a:solidFill>
                   <a:schemeClr val="dk1"/>
                 </a:solidFill>
@@ -14716,10 +14639,88 @@
                 <a:cs typeface="Work Sans"/>
                 <a:sym typeface="Work Sans"/>
               </a:rPr>
-              <a:t>pensée de façon intuitive</a:t>
+              <a:t>Kanban</a:t>
             </a:r>
+            <a:endParaRPr sz="2800" b="1">
+              <a:solidFill>
+                <a:schemeClr val="dk1"/>
+              </a:solidFill>
+              <a:latin typeface="Work Sans"/>
+              <a:ea typeface="Work Sans"/>
+              <a:cs typeface="Work Sans"/>
+              <a:sym typeface="Work Sans"/>
+            </a:endParaRPr>
+          </a:p>
+          <a:p>
+            <a:pPr marL="0" lvl="0" indent="0" algn="ctr" rtl="0">
+              <a:lnSpc>
+                <a:spcPct val="115000"/>
+              </a:lnSpc>
+              <a:spcBef>
+                <a:spcPts val="0"/>
+              </a:spcBef>
+              <a:spcAft>
+                <a:spcPts val="0"/>
+              </a:spcAft>
+              <a:buNone/>
+            </a:pPr>
             <a:r>
-              <a:rPr lang="en-US" sz="2700">
+              <a:rPr lang="en-US" sz="1100" u="sng">
+                <a:solidFill>
+                  <a:schemeClr val="hlink"/>
+                </a:solidFill>
+              </a:rPr>
+              <a:t>https://alpine-carver-af7.notion.site/ca52b808d67d4dd5a16240199411c0c8?v=b26eb4c1554b4a7cb96f451264cee32c&amp;pvs=4</a:t>
+            </a:r>
+            <a:endParaRPr sz="1100" u="sng">
+              <a:solidFill>
+                <a:schemeClr val="hlink"/>
+              </a:solidFill>
+            </a:endParaRPr>
+          </a:p>
+          <a:p>
+            <a:pPr marL="0" lvl="0" indent="0" algn="ctr" rtl="0">
+              <a:lnSpc>
+                <a:spcPct val="115000"/>
+              </a:lnSpc>
+              <a:spcBef>
+                <a:spcPts val="0"/>
+              </a:spcBef>
+              <a:spcAft>
+                <a:spcPts val="0"/>
+              </a:spcAft>
+              <a:buNone/>
+            </a:pPr>
+            <a:endParaRPr sz="2800" b="1">
+              <a:solidFill>
+                <a:schemeClr val="dk1"/>
+              </a:solidFill>
+              <a:latin typeface="Work Sans"/>
+              <a:ea typeface="Work Sans"/>
+              <a:cs typeface="Work Sans"/>
+              <a:sym typeface="Work Sans"/>
+            </a:endParaRPr>
+          </a:p>
+          <a:p>
+            <a:pPr marL="0" lvl="0" indent="0" algn="ctr" rtl="0">
+              <a:lnSpc>
+                <a:spcPct val="115000"/>
+              </a:lnSpc>
+              <a:spcBef>
+                <a:spcPts val="0"/>
+              </a:spcBef>
+              <a:spcAft>
+                <a:spcPts val="0"/>
+              </a:spcAft>
+              <a:buClr>
+                <a:schemeClr val="dk1"/>
+              </a:buClr>
+              <a:buSzPts val="1100"/>
+              <a:buFont typeface="Arial"/>
+              <a:buNone/>
+            </a:pPr>
+            <a:r>
+              <a:rPr lang="en-US" sz="2800" b="1">
                 <a:solidFill>
                   <a:schemeClr val="dk1"/>
                 </a:solidFill>
@@ -14728,9 +14729,75 @@
                 <a:cs typeface="Work Sans"/>
                 <a:sym typeface="Work Sans"/>
               </a:rPr>
-              <a:t>, permettant une navigation aisée pour les restaurateurs. Elle est organisée en sections essentielles comme l'élaboration de menus, la personnalisation de l'apparence, et la manipulation des fonctionnalités sophistiquées.</a:t>
+              <a:t>Spécifications fonctionnelles</a:t>
             </a:r>
-            <a:endParaRPr sz="2700">
+            <a:endParaRPr sz="1100" u="sng">
+              <a:solidFill>
+                <a:schemeClr val="hlink"/>
+              </a:solidFill>
+            </a:endParaRPr>
+          </a:p>
+          <a:p>
+            <a:pPr marL="0" lvl="0" indent="0" algn="ctr" rtl="0">
+              <a:lnSpc>
+                <a:spcPct val="115000"/>
+              </a:lnSpc>
+              <a:spcBef>
+                <a:spcPts val="0"/>
+              </a:spcBef>
+              <a:spcAft>
+                <a:spcPts val="0"/>
+              </a:spcAft>
+              <a:buNone/>
+            </a:pPr>
+            <a:endParaRPr sz="1100" u="sng">
+              <a:solidFill>
+                <a:schemeClr val="hlink"/>
+              </a:solidFill>
+            </a:endParaRPr>
+          </a:p>
+          <a:p>
+            <a:pPr marL="0" lvl="0" indent="0" algn="ctr" rtl="0">
+              <a:lnSpc>
+                <a:spcPct val="115000"/>
+              </a:lnSpc>
+              <a:spcBef>
+                <a:spcPts val="0"/>
+              </a:spcBef>
+              <a:spcAft>
+                <a:spcPts val="0"/>
+              </a:spcAft>
+              <a:buNone/>
+            </a:pPr>
+            <a:r>
+              <a:rPr lang="en-US" sz="1100" u="sng">
+                <a:solidFill>
+                  <a:schemeClr val="hlink"/>
+                </a:solidFill>
+                <a:hlinkClick r:id="rId4"/>
+              </a:rPr>
+              <a:t>Menu+Maker+by+Qwenta+–+Spécifications+fonctionnelles.pdf (oc-static.com)</a:t>
+            </a:r>
+            <a:endParaRPr sz="1100" u="sng">
+              <a:solidFill>
+                <a:schemeClr val="hlink"/>
+              </a:solidFill>
+            </a:endParaRPr>
+          </a:p>
+          <a:p>
+            <a:pPr marL="0" lvl="0" indent="0" algn="ctr" rtl="0">
+              <a:lnSpc>
+                <a:spcPct val="115000"/>
+              </a:lnSpc>
+              <a:spcBef>
+                <a:spcPts val="0"/>
+              </a:spcBef>
+              <a:spcAft>
+                <a:spcPts val="0"/>
+              </a:spcAft>
+              <a:buNone/>
+            </a:pPr>
+            <a:endParaRPr sz="2800">
               <a:solidFill>
                 <a:schemeClr val="dk1"/>
               </a:solidFill>
@@ -14740,11 +14807,183 @@
               <a:sym typeface="Work Sans"/>
             </a:endParaRPr>
           </a:p>
+          <a:p>
+            <a:pPr marL="0" lvl="0" indent="0" algn="ctr" rtl="0">
+              <a:lnSpc>
+                <a:spcPct val="115000"/>
+              </a:lnSpc>
+              <a:spcBef>
+                <a:spcPts val="0"/>
+              </a:spcBef>
+              <a:spcAft>
+                <a:spcPts val="0"/>
+              </a:spcAft>
+              <a:buNone/>
+            </a:pPr>
+            <a:r>
+              <a:rPr lang="en-US" sz="2800" b="1">
+                <a:solidFill>
+                  <a:schemeClr val="dk1"/>
+                </a:solidFill>
+                <a:latin typeface="Work Sans"/>
+                <a:ea typeface="Work Sans"/>
+                <a:cs typeface="Work Sans"/>
+                <a:sym typeface="Work Sans"/>
+              </a:rPr>
+              <a:t>Veille informationnelle</a:t>
+            </a:r>
+            <a:endParaRPr sz="2800" b="1">
+              <a:solidFill>
+                <a:schemeClr val="dk1"/>
+              </a:solidFill>
+              <a:latin typeface="Work Sans"/>
+              <a:ea typeface="Work Sans"/>
+              <a:cs typeface="Work Sans"/>
+              <a:sym typeface="Work Sans"/>
+            </a:endParaRPr>
+          </a:p>
+          <a:p>
+            <a:pPr marL="0" lvl="0" indent="0" algn="ctr" rtl="0">
+              <a:lnSpc>
+                <a:spcPct val="115000"/>
+              </a:lnSpc>
+              <a:spcBef>
+                <a:spcPts val="0"/>
+              </a:spcBef>
+              <a:spcAft>
+                <a:spcPts val="0"/>
+              </a:spcAft>
+              <a:buNone/>
+            </a:pPr>
+            <a:r>
+              <a:rPr lang="en-US" sz="1100" u="sng">
+                <a:solidFill>
+                  <a:schemeClr val="hlink"/>
+                </a:solidFill>
+                <a:hlinkClick r:id="rId5"/>
+              </a:rPr>
+              <a:t>All Personal Feeds (feedly.com)</a:t>
+            </a:r>
+            <a:endParaRPr sz="2800" b="1">
+              <a:solidFill>
+                <a:schemeClr val="dk1"/>
+              </a:solidFill>
+              <a:latin typeface="Work Sans"/>
+              <a:ea typeface="Work Sans"/>
+              <a:cs typeface="Work Sans"/>
+              <a:sym typeface="Work Sans"/>
+            </a:endParaRPr>
+          </a:p>
+          <a:p>
+            <a:pPr marL="0" lvl="0" indent="0" algn="ctr" rtl="0">
+              <a:lnSpc>
+                <a:spcPct val="115000"/>
+              </a:lnSpc>
+              <a:spcBef>
+                <a:spcPts val="0"/>
+              </a:spcBef>
+              <a:spcAft>
+                <a:spcPts val="0"/>
+              </a:spcAft>
+              <a:buClr>
+                <a:schemeClr val="dk1"/>
+              </a:buClr>
+              <a:buSzPts val="1100"/>
+              <a:buFont typeface="Arial"/>
+              <a:buNone/>
+            </a:pPr>
+            <a:endParaRPr sz="2800">
+              <a:solidFill>
+                <a:schemeClr val="dk1"/>
+              </a:solidFill>
+              <a:latin typeface="Work Sans"/>
+              <a:ea typeface="Work Sans"/>
+              <a:cs typeface="Work Sans"/>
+              <a:sym typeface="Work Sans"/>
+            </a:endParaRPr>
+          </a:p>
+          <a:p>
+            <a:pPr marL="0" lvl="0" indent="0" algn="ctr" rtl="0">
+              <a:lnSpc>
+                <a:spcPct val="115000"/>
+              </a:lnSpc>
+              <a:spcBef>
+                <a:spcPts val="0"/>
+              </a:spcBef>
+              <a:spcAft>
+                <a:spcPts val="0"/>
+              </a:spcAft>
+              <a:buClr>
+                <a:schemeClr val="dk1"/>
+              </a:buClr>
+              <a:buSzPts val="1100"/>
+              <a:buFont typeface="Arial"/>
+              <a:buNone/>
+            </a:pPr>
+            <a:r>
+              <a:rPr lang="en-US" sz="2800" b="1">
+                <a:solidFill>
+                  <a:schemeClr val="dk1"/>
+                </a:solidFill>
+                <a:latin typeface="Work Sans"/>
+                <a:ea typeface="Work Sans"/>
+                <a:cs typeface="Work Sans"/>
+                <a:sym typeface="Work Sans"/>
+              </a:rPr>
+              <a:t>Maquette</a:t>
+            </a:r>
+            <a:endParaRPr sz="2800" b="1">
+              <a:solidFill>
+                <a:schemeClr val="dk1"/>
+              </a:solidFill>
+              <a:latin typeface="Work Sans"/>
+              <a:ea typeface="Work Sans"/>
+              <a:cs typeface="Work Sans"/>
+              <a:sym typeface="Work Sans"/>
+            </a:endParaRPr>
+          </a:p>
+          <a:p>
+            <a:pPr marL="0" lvl="0" indent="0" algn="ctr" rtl="0">
+              <a:lnSpc>
+                <a:spcPct val="115000"/>
+              </a:lnSpc>
+              <a:spcBef>
+                <a:spcPts val="0"/>
+              </a:spcBef>
+              <a:spcAft>
+                <a:spcPts val="0"/>
+              </a:spcAft>
+              <a:buClr>
+                <a:schemeClr val="dk1"/>
+              </a:buClr>
+              <a:buSzPts val="1100"/>
+              <a:buFont typeface="Arial"/>
+              <a:buNone/>
+            </a:pPr>
+            <a:r>
+              <a:rPr lang="en-US" sz="1100" u="sng">
+                <a:solidFill>
+                  <a:schemeClr val="hlink"/>
+                </a:solidFill>
+                <a:hlinkClick r:id="rId6"/>
+              </a:rPr>
+              <a:t>Maquette desktop - Menu Maker by Qwenta – Figma</a:t>
+            </a:r>
+            <a:endParaRPr sz="2800" b="1">
+              <a:solidFill>
+                <a:schemeClr val="dk1"/>
+              </a:solidFill>
+              <a:latin typeface="Work Sans"/>
+              <a:ea typeface="Work Sans"/>
+              <a:cs typeface="Work Sans"/>
+              <a:sym typeface="Work Sans"/>
+            </a:endParaRPr>
+          </a:p>
         </p:txBody>
       </p:sp>
       <p:sp>
         <p:nvSpPr>
-          <p:cNvPr id="232" name="Google Shape;232;p25"/>
+          <p:cNvPr id="242" name="Google Shape;242;p26"/>
           <p:cNvSpPr txBox="1">
             <a:spLocks noGrp="1"/>
           </p:cNvSpPr>
@@ -14790,854 +15029,12 @@
       </p:sp>
       <p:pic>
         <p:nvPicPr>
-          <p:cNvPr id="233" name="Google Shape;233;p25"/>
+          <p:cNvPr id="243" name="Google Shape;243;p26"/>
           <p:cNvPicPr preferRelativeResize="0"/>
           <p:nvPr/>
         </p:nvPicPr>
         <p:blipFill>
-          <a:blip r:embed="rId3">
-            <a:alphaModFix/>
-          </a:blip>
-          <a:stretch>
-            <a:fillRect/>
-          </a:stretch>
-        </p:blipFill>
-        <p:spPr>
-          <a:xfrm>
-            <a:off x="0" y="0"/>
-            <a:ext cx="1454400" cy="666550"/>
-          </a:xfrm>
-          <a:prstGeom prst="rect">
-            <a:avLst/>
-          </a:prstGeom>
-          <a:noFill/>
-          <a:ln>
-            <a:noFill/>
-          </a:ln>
-        </p:spPr>
-      </p:pic>
-      <p:pic>
-        <p:nvPicPr>
-          <p:cNvPr id="234" name="Google Shape;234;p25"/>
-          <p:cNvPicPr preferRelativeResize="0"/>
-          <p:nvPr/>
-        </p:nvPicPr>
-        <p:blipFill rotWithShape="1">
-          <a:blip r:embed="rId4">
-            <a:alphaModFix/>
-          </a:blip>
-          <a:srcRect b="3614"/>
-          <a:stretch/>
-        </p:blipFill>
-        <p:spPr>
-          <a:xfrm>
-            <a:off x="5159725" y="2293750"/>
-            <a:ext cx="12636500" cy="7525574"/>
-          </a:xfrm>
-          <a:prstGeom prst="rect">
-            <a:avLst/>
-          </a:prstGeom>
-          <a:noFill/>
-          <a:ln>
-            <a:noFill/>
-          </a:ln>
-        </p:spPr>
-      </p:pic>
-    </p:spTree>
-  </p:cSld>
-  <p:clrMapOvr>
-    <a:masterClrMapping/>
-  </p:clrMapOvr>
-</p:sld>
-</file>
-
-<file path=ppt/slides/slide14.xml><?xml version="1.0" encoding="utf-8"?>
-<p:sld xmlns:a="http://schemas.openxmlformats.org/drawingml/2006/main" xmlns:r="http://schemas.openxmlformats.org/officeDocument/2006/relationships" xmlns:p="http://schemas.openxmlformats.org/presentationml/2006/main">
-  <p:cSld>
-    <p:spTree>
-      <p:nvGrpSpPr>
-        <p:cNvPr id="1" name="Shape 238"/>
-        <p:cNvGrpSpPr/>
-        <p:nvPr/>
-      </p:nvGrpSpPr>
-      <p:grpSpPr>
-        <a:xfrm>
-          <a:off x="0" y="0"/>
-          <a:ext cx="0" cy="0"/>
-          <a:chOff x="0" y="0"/>
-          <a:chExt cx="0" cy="0"/>
-        </a:xfrm>
-      </p:grpSpPr>
-      <p:sp>
-        <p:nvSpPr>
-          <p:cNvPr id="239" name="Google Shape;239;p26"/>
-          <p:cNvSpPr/>
-          <p:nvPr/>
-        </p:nvSpPr>
-        <p:spPr>
-          <a:xfrm>
-            <a:off x="604050" y="2380825"/>
-            <a:ext cx="17079900" cy="7541100"/>
-          </a:xfrm>
-          <a:prstGeom prst="rect">
-            <a:avLst/>
-          </a:prstGeom>
-          <a:noFill/>
-          <a:ln w="9525" cap="flat" cmpd="sng">
-            <a:solidFill>
-              <a:srgbClr val="C5A073"/>
-            </a:solidFill>
-            <a:prstDash val="solid"/>
-            <a:round/>
-            <a:headEnd type="none" w="sm" len="sm"/>
-            <a:tailEnd type="none" w="sm" len="sm"/>
-          </a:ln>
-        </p:spPr>
-        <p:txBody>
-          <a:bodyPr spcFirstLastPara="1" wrap="square" lIns="91425" tIns="91425" rIns="91425" bIns="91425" anchor="ctr" anchorCtr="0">
-            <a:noAutofit/>
-          </a:bodyPr>
-          <a:lstStyle/>
-          <a:p>
-            <a:pPr marL="0" lvl="0" indent="0" algn="ctr" rtl="0">
-              <a:spcBef>
-                <a:spcPts val="0"/>
-              </a:spcBef>
-              <a:spcAft>
-                <a:spcPts val="0"/>
-              </a:spcAft>
-              <a:buNone/>
-            </a:pPr>
-            <a:endParaRPr>
-              <a:latin typeface="Calibri"/>
-              <a:ea typeface="Calibri"/>
-              <a:cs typeface="Calibri"/>
-              <a:sym typeface="Calibri"/>
-            </a:endParaRPr>
-          </a:p>
-        </p:txBody>
-      </p:sp>
-      <p:sp>
-        <p:nvSpPr>
-          <p:cNvPr id="240" name="Google Shape;240;p26"/>
-          <p:cNvSpPr/>
-          <p:nvPr/>
-        </p:nvSpPr>
-        <p:spPr>
-          <a:xfrm>
-            <a:off x="716325" y="2278225"/>
-            <a:ext cx="17079900" cy="7541100"/>
-          </a:xfrm>
-          <a:prstGeom prst="rect">
-            <a:avLst/>
-          </a:prstGeom>
-          <a:solidFill>
-            <a:schemeClr val="lt1"/>
-          </a:solidFill>
-          <a:ln w="9525" cap="flat" cmpd="sng">
-            <a:solidFill>
-              <a:srgbClr val="C5A073"/>
-            </a:solidFill>
-            <a:prstDash val="solid"/>
-            <a:round/>
-            <a:headEnd type="none" w="sm" len="sm"/>
-            <a:tailEnd type="none" w="sm" len="sm"/>
-          </a:ln>
-        </p:spPr>
-        <p:txBody>
-          <a:bodyPr spcFirstLastPara="1" wrap="square" lIns="91425" tIns="91425" rIns="91425" bIns="91425" anchor="ctr" anchorCtr="0">
-            <a:noAutofit/>
-          </a:bodyPr>
-          <a:lstStyle/>
-          <a:p>
-            <a:pPr marL="0" lvl="0" indent="0" algn="ctr" rtl="0">
-              <a:spcBef>
-                <a:spcPts val="0"/>
-              </a:spcBef>
-              <a:spcAft>
-                <a:spcPts val="0"/>
-              </a:spcAft>
-              <a:buNone/>
-            </a:pPr>
-            <a:endParaRPr>
-              <a:latin typeface="Calibri"/>
-              <a:ea typeface="Calibri"/>
-              <a:cs typeface="Calibri"/>
-              <a:sym typeface="Calibri"/>
-            </a:endParaRPr>
-          </a:p>
-        </p:txBody>
-      </p:sp>
-      <p:sp>
-        <p:nvSpPr>
-          <p:cNvPr id="241" name="Google Shape;241;p26"/>
-          <p:cNvSpPr txBox="1"/>
-          <p:nvPr/>
-        </p:nvSpPr>
-        <p:spPr>
-          <a:xfrm>
-            <a:off x="1021947" y="805261"/>
-            <a:ext cx="16244100" cy="1154400"/>
-          </a:xfrm>
-          <a:prstGeom prst="rect">
-            <a:avLst/>
-          </a:prstGeom>
-          <a:noFill/>
-          <a:ln>
-            <a:noFill/>
-          </a:ln>
-        </p:spPr>
-        <p:txBody>
-          <a:bodyPr spcFirstLastPara="1" wrap="square" lIns="0" tIns="0" rIns="0" bIns="0" anchor="t" anchorCtr="0">
-            <a:spAutoFit/>
-          </a:bodyPr>
-          <a:lstStyle/>
-          <a:p>
-            <a:pPr marL="0" marR="0" lvl="0" indent="0" algn="ctr" rtl="0">
-              <a:lnSpc>
-                <a:spcPct val="120000"/>
-              </a:lnSpc>
-              <a:spcBef>
-                <a:spcPts val="0"/>
-              </a:spcBef>
-              <a:spcAft>
-                <a:spcPts val="0"/>
-              </a:spcAft>
-              <a:buNone/>
-            </a:pPr>
-            <a:r>
-              <a:rPr lang="en-US" sz="7500" b="1">
-                <a:solidFill>
-                  <a:srgbClr val="0B1320"/>
-                </a:solidFill>
-                <a:latin typeface="Epilogue"/>
-                <a:ea typeface="Epilogue"/>
-                <a:cs typeface="Epilogue"/>
-                <a:sym typeface="Epilogue"/>
-              </a:rPr>
-              <a:t>Liens utiles</a:t>
-            </a:r>
-            <a:endParaRPr b="1">
-              <a:latin typeface="Epilogue"/>
-              <a:ea typeface="Epilogue"/>
-              <a:cs typeface="Epilogue"/>
-              <a:sym typeface="Epilogue"/>
-            </a:endParaRPr>
-          </a:p>
-        </p:txBody>
-      </p:sp>
-      <p:sp>
-        <p:nvSpPr>
-          <p:cNvPr id="242" name="Google Shape;242;p26"/>
-          <p:cNvSpPr txBox="1"/>
-          <p:nvPr/>
-        </p:nvSpPr>
-        <p:spPr>
-          <a:xfrm>
-            <a:off x="1021950" y="2278100"/>
-            <a:ext cx="16774200" cy="7541100"/>
-          </a:xfrm>
-          <a:prstGeom prst="rect">
-            <a:avLst/>
-          </a:prstGeom>
-          <a:noFill/>
-          <a:ln>
-            <a:noFill/>
-          </a:ln>
-        </p:spPr>
-        <p:txBody>
-          <a:bodyPr spcFirstLastPara="1" wrap="square" lIns="91425" tIns="91425" rIns="91425" bIns="91425" anchor="ctr" anchorCtr="0">
-            <a:noAutofit/>
-          </a:bodyPr>
-          <a:lstStyle/>
-          <a:p>
-            <a:pPr marL="0" lvl="0" indent="0" algn="ctr" rtl="0">
-              <a:lnSpc>
-                <a:spcPct val="115000"/>
-              </a:lnSpc>
-              <a:spcBef>
-                <a:spcPts val="0"/>
-              </a:spcBef>
-              <a:spcAft>
-                <a:spcPts val="0"/>
-              </a:spcAft>
-              <a:buNone/>
-            </a:pPr>
-            <a:r>
-              <a:rPr lang="en-US" sz="2800" b="1" dirty="0" err="1">
-                <a:solidFill>
-                  <a:schemeClr val="dk1"/>
-                </a:solidFill>
-                <a:latin typeface="Work Sans"/>
-                <a:ea typeface="Work Sans"/>
-                <a:cs typeface="Work Sans"/>
-                <a:sym typeface="Work Sans"/>
-              </a:rPr>
-              <a:t>Spécifications</a:t>
-            </a:r>
-            <a:r>
-              <a:rPr lang="en-US" sz="2800" b="1" dirty="0">
-                <a:solidFill>
-                  <a:schemeClr val="dk1"/>
-                </a:solidFill>
-                <a:latin typeface="Work Sans"/>
-                <a:ea typeface="Work Sans"/>
-                <a:cs typeface="Work Sans"/>
-                <a:sym typeface="Work Sans"/>
-              </a:rPr>
-              <a:t> techniques </a:t>
-            </a:r>
-            <a:endParaRPr sz="2800" b="1" dirty="0">
-              <a:solidFill>
-                <a:schemeClr val="dk1"/>
-              </a:solidFill>
-              <a:latin typeface="Work Sans"/>
-              <a:ea typeface="Work Sans"/>
-              <a:cs typeface="Work Sans"/>
-              <a:sym typeface="Work Sans"/>
-            </a:endParaRPr>
-          </a:p>
-          <a:p>
-            <a:pPr marL="0" lvl="0" indent="0" algn="ctr" rtl="0">
-              <a:lnSpc>
-                <a:spcPct val="115000"/>
-              </a:lnSpc>
-              <a:spcBef>
-                <a:spcPts val="0"/>
-              </a:spcBef>
-              <a:spcAft>
-                <a:spcPts val="0"/>
-              </a:spcAft>
-              <a:buNone/>
-            </a:pPr>
-            <a:r>
-              <a:rPr lang="en-US" sz="1100" u="sng" dirty="0">
-                <a:solidFill>
-                  <a:schemeClr val="hlink"/>
-                </a:solidFill>
-                <a:hlinkClick r:id="rId3"/>
-              </a:rPr>
-              <a:t>Sourice_Pierre_2_spécifications techniques_08022024.docx</a:t>
-            </a:r>
-            <a:endParaRPr sz="2800" dirty="0">
-              <a:solidFill>
-                <a:schemeClr val="dk1"/>
-              </a:solidFill>
-              <a:latin typeface="Work Sans"/>
-              <a:ea typeface="Work Sans"/>
-              <a:cs typeface="Work Sans"/>
-              <a:sym typeface="Work Sans"/>
-            </a:endParaRPr>
-          </a:p>
-          <a:p>
-            <a:pPr marL="0" lvl="0" indent="0" algn="ctr" rtl="0">
-              <a:lnSpc>
-                <a:spcPct val="115000"/>
-              </a:lnSpc>
-              <a:spcBef>
-                <a:spcPts val="0"/>
-              </a:spcBef>
-              <a:spcAft>
-                <a:spcPts val="0"/>
-              </a:spcAft>
-              <a:buNone/>
-            </a:pPr>
-            <a:endParaRPr sz="2800" dirty="0">
-              <a:solidFill>
-                <a:schemeClr val="dk1"/>
-              </a:solidFill>
-              <a:latin typeface="Work Sans"/>
-              <a:ea typeface="Work Sans"/>
-              <a:cs typeface="Work Sans"/>
-              <a:sym typeface="Work Sans"/>
-            </a:endParaRPr>
-          </a:p>
-          <a:p>
-            <a:pPr marL="0" lvl="0" indent="0" algn="ctr" rtl="0">
-              <a:lnSpc>
-                <a:spcPct val="115000"/>
-              </a:lnSpc>
-              <a:spcBef>
-                <a:spcPts val="0"/>
-              </a:spcBef>
-              <a:spcAft>
-                <a:spcPts val="0"/>
-              </a:spcAft>
-              <a:buNone/>
-            </a:pPr>
-            <a:r>
-              <a:rPr lang="en-US" sz="2800" b="1" dirty="0">
-                <a:solidFill>
-                  <a:schemeClr val="dk1"/>
-                </a:solidFill>
-                <a:latin typeface="Work Sans"/>
-                <a:ea typeface="Work Sans"/>
-                <a:cs typeface="Work Sans"/>
-                <a:sym typeface="Work Sans"/>
-              </a:rPr>
-              <a:t>Kanban</a:t>
-            </a:r>
-            <a:endParaRPr sz="2800" b="1" dirty="0">
-              <a:solidFill>
-                <a:schemeClr val="dk1"/>
-              </a:solidFill>
-              <a:latin typeface="Work Sans"/>
-              <a:ea typeface="Work Sans"/>
-              <a:cs typeface="Work Sans"/>
-              <a:sym typeface="Work Sans"/>
-            </a:endParaRPr>
-          </a:p>
-          <a:p>
-            <a:pPr marL="0" lvl="0" indent="0" algn="ctr" rtl="0">
-              <a:lnSpc>
-                <a:spcPct val="115000"/>
-              </a:lnSpc>
-              <a:spcBef>
-                <a:spcPts val="0"/>
-              </a:spcBef>
-              <a:spcAft>
-                <a:spcPts val="0"/>
-              </a:spcAft>
-              <a:buNone/>
-            </a:pPr>
-            <a:r>
-              <a:rPr lang="en-US" sz="1100" u="sng" dirty="0">
-                <a:solidFill>
-                  <a:schemeClr val="hlink"/>
-                </a:solidFill>
-                <a:hlinkClick r:id="rId4"/>
-              </a:rPr>
-              <a:t>https://pierre-sourice.notion.site/c412bf65a8aa469e8ac9346ff02841d2?v=9c7fb42d6e974e2fa623702136393766&amp;pvs=4</a:t>
-            </a:r>
-            <a:endParaRPr lang="en-US" sz="1100" u="sng" dirty="0">
-              <a:solidFill>
-                <a:schemeClr val="hlink"/>
-              </a:solidFill>
-            </a:endParaRPr>
-          </a:p>
-          <a:p>
-            <a:pPr marL="0" lvl="0" indent="0" algn="ctr" rtl="0">
-              <a:lnSpc>
-                <a:spcPct val="115000"/>
-              </a:lnSpc>
-              <a:spcBef>
-                <a:spcPts val="0"/>
-              </a:spcBef>
-              <a:spcAft>
-                <a:spcPts val="0"/>
-              </a:spcAft>
-              <a:buNone/>
-            </a:pPr>
-            <a:endParaRPr sz="2800" b="1" dirty="0">
-              <a:solidFill>
-                <a:schemeClr val="dk1"/>
-              </a:solidFill>
-              <a:latin typeface="Work Sans"/>
-              <a:ea typeface="Work Sans"/>
-              <a:cs typeface="Work Sans"/>
-              <a:sym typeface="Work Sans"/>
-            </a:endParaRPr>
-          </a:p>
-          <a:p>
-            <a:pPr marL="0" lvl="0" indent="0" algn="ctr" rtl="0">
-              <a:lnSpc>
-                <a:spcPct val="115000"/>
-              </a:lnSpc>
-              <a:spcBef>
-                <a:spcPts val="0"/>
-              </a:spcBef>
-              <a:spcAft>
-                <a:spcPts val="0"/>
-              </a:spcAft>
-              <a:buClr>
-                <a:schemeClr val="dk1"/>
-              </a:buClr>
-              <a:buSzPts val="1100"/>
-              <a:buFont typeface="Arial"/>
-              <a:buNone/>
-            </a:pPr>
-            <a:r>
-              <a:rPr lang="en-US" sz="2800" b="1" dirty="0" err="1">
-                <a:solidFill>
-                  <a:schemeClr val="dk1"/>
-                </a:solidFill>
-                <a:latin typeface="Work Sans"/>
-                <a:ea typeface="Work Sans"/>
-                <a:cs typeface="Work Sans"/>
-                <a:sym typeface="Work Sans"/>
-              </a:rPr>
-              <a:t>Spécifications</a:t>
-            </a:r>
-            <a:r>
-              <a:rPr lang="en-US" sz="2800" b="1" dirty="0">
-                <a:solidFill>
-                  <a:schemeClr val="dk1"/>
-                </a:solidFill>
-                <a:latin typeface="Work Sans"/>
-                <a:ea typeface="Work Sans"/>
-                <a:cs typeface="Work Sans"/>
-                <a:sym typeface="Work Sans"/>
-              </a:rPr>
-              <a:t> </a:t>
-            </a:r>
-            <a:r>
-              <a:rPr lang="en-US" sz="2800" b="1" dirty="0" err="1">
-                <a:solidFill>
-                  <a:schemeClr val="dk1"/>
-                </a:solidFill>
-                <a:latin typeface="Work Sans"/>
-                <a:ea typeface="Work Sans"/>
-                <a:cs typeface="Work Sans"/>
-                <a:sym typeface="Work Sans"/>
-              </a:rPr>
-              <a:t>fonctionnelles</a:t>
-            </a:r>
-            <a:endParaRPr sz="1100" u="sng" dirty="0">
-              <a:solidFill>
-                <a:schemeClr val="hlink"/>
-              </a:solidFill>
-            </a:endParaRPr>
-          </a:p>
-          <a:p>
-            <a:pPr marL="0" lvl="0" indent="0" algn="ctr" rtl="0">
-              <a:lnSpc>
-                <a:spcPct val="115000"/>
-              </a:lnSpc>
-              <a:spcBef>
-                <a:spcPts val="0"/>
-              </a:spcBef>
-              <a:spcAft>
-                <a:spcPts val="0"/>
-              </a:spcAft>
-              <a:buNone/>
-            </a:pPr>
-            <a:endParaRPr sz="1100" u="sng" dirty="0">
-              <a:solidFill>
-                <a:schemeClr val="hlink"/>
-              </a:solidFill>
-            </a:endParaRPr>
-          </a:p>
-          <a:p>
-            <a:pPr marL="0" lvl="0" indent="0" algn="ctr" rtl="0">
-              <a:lnSpc>
-                <a:spcPct val="115000"/>
-              </a:lnSpc>
-              <a:spcBef>
-                <a:spcPts val="0"/>
-              </a:spcBef>
-              <a:spcAft>
-                <a:spcPts val="0"/>
-              </a:spcAft>
-              <a:buNone/>
-            </a:pPr>
-            <a:r>
-              <a:rPr lang="en-US" sz="1100" u="sng" dirty="0">
-                <a:solidFill>
-                  <a:schemeClr val="hlink"/>
-                </a:solidFill>
-                <a:hlinkClick r:id="rId5"/>
-              </a:rPr>
-              <a:t>Menu+Maker+by+Qwenta+–+Spécifications+fonctionnelles.pdf (oc-static.com)</a:t>
-            </a:r>
-            <a:endParaRPr sz="1100" u="sng" dirty="0">
-              <a:solidFill>
-                <a:schemeClr val="hlink"/>
-              </a:solidFill>
-            </a:endParaRPr>
-          </a:p>
-          <a:p>
-            <a:pPr marL="0" lvl="0" indent="0" algn="ctr" rtl="0">
-              <a:lnSpc>
-                <a:spcPct val="115000"/>
-              </a:lnSpc>
-              <a:spcBef>
-                <a:spcPts val="0"/>
-              </a:spcBef>
-              <a:spcAft>
-                <a:spcPts val="0"/>
-              </a:spcAft>
-              <a:buNone/>
-            </a:pPr>
-            <a:endParaRPr sz="2800" dirty="0">
-              <a:solidFill>
-                <a:schemeClr val="dk1"/>
-              </a:solidFill>
-              <a:latin typeface="Work Sans"/>
-              <a:ea typeface="Work Sans"/>
-              <a:cs typeface="Work Sans"/>
-              <a:sym typeface="Work Sans"/>
-            </a:endParaRPr>
-          </a:p>
-          <a:p>
-            <a:pPr marL="0" lvl="0" indent="0" algn="ctr" rtl="0">
-              <a:lnSpc>
-                <a:spcPct val="115000"/>
-              </a:lnSpc>
-              <a:spcBef>
-                <a:spcPts val="0"/>
-              </a:spcBef>
-              <a:spcAft>
-                <a:spcPts val="0"/>
-              </a:spcAft>
-              <a:buNone/>
-            </a:pPr>
-            <a:r>
-              <a:rPr lang="en-US" sz="2800" b="1" dirty="0" err="1">
-                <a:solidFill>
-                  <a:schemeClr val="dk1"/>
-                </a:solidFill>
-                <a:latin typeface="Work Sans"/>
-                <a:ea typeface="Work Sans"/>
-                <a:cs typeface="Work Sans"/>
-                <a:sym typeface="Work Sans"/>
-              </a:rPr>
-              <a:t>Veille</a:t>
-            </a:r>
-            <a:r>
-              <a:rPr lang="en-US" sz="2800" b="1" dirty="0">
-                <a:solidFill>
-                  <a:schemeClr val="dk1"/>
-                </a:solidFill>
-                <a:latin typeface="Work Sans"/>
-                <a:ea typeface="Work Sans"/>
-                <a:cs typeface="Work Sans"/>
-                <a:sym typeface="Work Sans"/>
-              </a:rPr>
-              <a:t> </a:t>
-            </a:r>
-            <a:r>
-              <a:rPr lang="en-US" sz="2800" b="1" dirty="0" err="1">
-                <a:solidFill>
-                  <a:schemeClr val="dk1"/>
-                </a:solidFill>
-                <a:latin typeface="Work Sans"/>
-                <a:ea typeface="Work Sans"/>
-                <a:cs typeface="Work Sans"/>
-                <a:sym typeface="Work Sans"/>
-              </a:rPr>
-              <a:t>informationnelle</a:t>
-            </a:r>
-            <a:endParaRPr sz="2800" b="1" dirty="0">
-              <a:solidFill>
-                <a:schemeClr val="dk1"/>
-              </a:solidFill>
-              <a:latin typeface="Work Sans"/>
-              <a:ea typeface="Work Sans"/>
-              <a:cs typeface="Work Sans"/>
-              <a:sym typeface="Work Sans"/>
-            </a:endParaRPr>
-          </a:p>
-          <a:p>
-            <a:pPr marL="0" lvl="0" indent="0" algn="ctr" rtl="0">
-              <a:lnSpc>
-                <a:spcPct val="115000"/>
-              </a:lnSpc>
-              <a:spcBef>
-                <a:spcPts val="0"/>
-              </a:spcBef>
-              <a:spcAft>
-                <a:spcPts val="0"/>
-              </a:spcAft>
-              <a:buNone/>
-            </a:pPr>
-            <a:r>
-              <a:rPr lang="en-US" sz="1100" u="sng" dirty="0">
-                <a:solidFill>
-                  <a:schemeClr val="hlink"/>
-                </a:solidFill>
-                <a:hlinkClick r:id="rId6"/>
-              </a:rPr>
-              <a:t>All Personal Feeds (feedly.com)</a:t>
-            </a:r>
-            <a:endParaRPr sz="2800" b="1" dirty="0">
-              <a:solidFill>
-                <a:schemeClr val="dk1"/>
-              </a:solidFill>
-              <a:latin typeface="Work Sans"/>
-              <a:ea typeface="Work Sans"/>
-              <a:cs typeface="Work Sans"/>
-              <a:sym typeface="Work Sans"/>
-            </a:endParaRPr>
-          </a:p>
-          <a:p>
-            <a:pPr marL="0" lvl="0" indent="0" algn="ctr" rtl="0">
-              <a:lnSpc>
-                <a:spcPct val="115000"/>
-              </a:lnSpc>
-              <a:spcBef>
-                <a:spcPts val="0"/>
-              </a:spcBef>
-              <a:spcAft>
-                <a:spcPts val="0"/>
-              </a:spcAft>
-              <a:buClr>
-                <a:schemeClr val="dk1"/>
-              </a:buClr>
-              <a:buSzPts val="1100"/>
-              <a:buFont typeface="Arial"/>
-              <a:buNone/>
-            </a:pPr>
-            <a:endParaRPr sz="2800" dirty="0">
-              <a:solidFill>
-                <a:schemeClr val="dk1"/>
-              </a:solidFill>
-              <a:latin typeface="Work Sans"/>
-              <a:ea typeface="Work Sans"/>
-              <a:cs typeface="Work Sans"/>
-              <a:sym typeface="Work Sans"/>
-            </a:endParaRPr>
-          </a:p>
-          <a:p>
-            <a:pPr marL="0" lvl="0" indent="0" algn="ctr" rtl="0">
-              <a:lnSpc>
-                <a:spcPct val="115000"/>
-              </a:lnSpc>
-              <a:spcBef>
-                <a:spcPts val="0"/>
-              </a:spcBef>
-              <a:spcAft>
-                <a:spcPts val="0"/>
-              </a:spcAft>
-              <a:buClr>
-                <a:schemeClr val="dk1"/>
-              </a:buClr>
-              <a:buSzPts val="1100"/>
-              <a:buFont typeface="Arial"/>
-              <a:buNone/>
-            </a:pPr>
-            <a:r>
-              <a:rPr lang="en-US" sz="2800" b="1" dirty="0">
-                <a:solidFill>
-                  <a:schemeClr val="dk1"/>
-                </a:solidFill>
-                <a:latin typeface="Work Sans"/>
-                <a:ea typeface="Work Sans"/>
-                <a:cs typeface="Work Sans"/>
-                <a:sym typeface="Work Sans"/>
-              </a:rPr>
-              <a:t>Maquette</a:t>
-            </a:r>
-            <a:endParaRPr sz="2800" b="1" dirty="0">
-              <a:solidFill>
-                <a:schemeClr val="dk1"/>
-              </a:solidFill>
-              <a:latin typeface="Work Sans"/>
-              <a:ea typeface="Work Sans"/>
-              <a:cs typeface="Work Sans"/>
-              <a:sym typeface="Work Sans"/>
-            </a:endParaRPr>
-          </a:p>
-          <a:p>
-            <a:pPr marL="0" lvl="0" indent="0" algn="ctr" rtl="0">
-              <a:lnSpc>
-                <a:spcPct val="115000"/>
-              </a:lnSpc>
-              <a:spcBef>
-                <a:spcPts val="0"/>
-              </a:spcBef>
-              <a:spcAft>
-                <a:spcPts val="0"/>
-              </a:spcAft>
-              <a:buClr>
-                <a:schemeClr val="dk1"/>
-              </a:buClr>
-              <a:buSzPts val="1100"/>
-              <a:buFont typeface="Arial"/>
-              <a:buNone/>
-            </a:pPr>
-            <a:r>
-              <a:rPr lang="en-US" sz="1100" u="sng" dirty="0">
-                <a:solidFill>
-                  <a:schemeClr val="hlink"/>
-                </a:solidFill>
-                <a:hlinkClick r:id="rId7"/>
-              </a:rPr>
-              <a:t>Maquette desktop - Menu Maker by </a:t>
-            </a:r>
-            <a:r>
-              <a:rPr lang="en-US" sz="1100" u="sng" dirty="0" err="1">
-                <a:solidFill>
-                  <a:schemeClr val="hlink"/>
-                </a:solidFill>
-                <a:hlinkClick r:id="rId7"/>
-              </a:rPr>
-              <a:t>Qwenta</a:t>
-            </a:r>
-            <a:r>
-              <a:rPr lang="en-US" sz="1100" u="sng" dirty="0">
-                <a:solidFill>
-                  <a:schemeClr val="hlink"/>
-                </a:solidFill>
-                <a:hlinkClick r:id="rId7"/>
-              </a:rPr>
-              <a:t> – Figma</a:t>
-            </a:r>
-            <a:endParaRPr sz="2800" b="1" dirty="0">
-              <a:solidFill>
-                <a:schemeClr val="dk1"/>
-              </a:solidFill>
-              <a:latin typeface="Work Sans"/>
-              <a:ea typeface="Work Sans"/>
-              <a:cs typeface="Work Sans"/>
-              <a:sym typeface="Work Sans"/>
-            </a:endParaRPr>
-          </a:p>
-        </p:txBody>
-      </p:sp>
-      <p:sp>
-        <p:nvSpPr>
-          <p:cNvPr id="243" name="Google Shape;243;p26"/>
-          <p:cNvSpPr txBox="1">
-            <a:spLocks noGrp="1"/>
-          </p:cNvSpPr>
-          <p:nvPr>
-            <p:ph type="sldNum" idx="12"/>
-          </p:nvPr>
-        </p:nvSpPr>
-        <p:spPr>
-          <a:xfrm>
-            <a:off x="0" y="9921900"/>
-            <a:ext cx="2133600" cy="365100"/>
-          </a:xfrm>
-          <a:prstGeom prst="rect">
-            <a:avLst/>
-          </a:prstGeom>
-        </p:spPr>
-        <p:txBody>
-          <a:bodyPr spcFirstLastPara="1" wrap="square" lIns="91425" tIns="45700" rIns="91425" bIns="45700" anchor="ctr" anchorCtr="0">
-            <a:noAutofit/>
-          </a:bodyPr>
-          <a:lstStyle/>
-          <a:p>
-            <a:pPr marL="0" lvl="0" indent="0" algn="r" rtl="0">
-              <a:spcBef>
-                <a:spcPts val="0"/>
-              </a:spcBef>
-              <a:spcAft>
-                <a:spcPts val="0"/>
-              </a:spcAft>
-              <a:buClr>
-                <a:srgbClr val="000000"/>
-              </a:buClr>
-              <a:buFont typeface="Arial"/>
-              <a:buNone/>
-            </a:pPr>
-            <a:fld id="{00000000-1234-1234-1234-123412341234}" type="slidenum">
-              <a:rPr lang="en-US"/>
-              <a:t>14</a:t>
-            </a:fld>
-            <a:endParaRPr/>
-          </a:p>
-        </p:txBody>
-      </p:sp>
-      <p:pic>
-        <p:nvPicPr>
-          <p:cNvPr id="244" name="Google Shape;244;p26"/>
-          <p:cNvPicPr preferRelativeResize="0"/>
-          <p:nvPr/>
-        </p:nvPicPr>
-        <p:blipFill>
-          <a:blip r:embed="rId8">
+          <a:blip r:embed="rId7">
             <a:alphaModFix/>
           </a:blip>
           <a:stretch>
@@ -16139,7 +15536,7 @@
   <p:cSld>
     <p:spTree>
       <p:nvGrpSpPr>
-        <p:cNvPr id="1" name="Shape 111"/>
+        <p:cNvPr id="1" name="Shape 226"/>
         <p:cNvGrpSpPr/>
         <p:nvPr/>
       </p:nvGrpSpPr>
@@ -16153,14 +15550,14 @@
       </p:grpSpPr>
       <p:sp>
         <p:nvSpPr>
-          <p:cNvPr id="112" name="Google Shape;112;p15"/>
+          <p:cNvPr id="227" name="Google Shape;227;p25"/>
           <p:cNvSpPr/>
           <p:nvPr/>
         </p:nvSpPr>
         <p:spPr>
           <a:xfrm>
             <a:off x="604050" y="2380825"/>
-            <a:ext cx="17079900" cy="6967500"/>
+            <a:ext cx="17079900" cy="7541100"/>
           </a:xfrm>
           <a:prstGeom prst="rect">
             <a:avLst/>
@@ -16202,14 +15599,14 @@
       </p:sp>
       <p:sp>
         <p:nvSpPr>
-          <p:cNvPr id="113" name="Google Shape;113;p15"/>
+          <p:cNvPr id="228" name="Google Shape;228;p25"/>
           <p:cNvSpPr/>
           <p:nvPr/>
         </p:nvSpPr>
         <p:spPr>
           <a:xfrm>
             <a:off x="716325" y="2278225"/>
-            <a:ext cx="17079900" cy="6967500"/>
+            <a:ext cx="17079900" cy="7541100"/>
           </a:xfrm>
           <a:prstGeom prst="rect">
             <a:avLst/>
@@ -16253,7 +15650,7 @@
       </p:sp>
       <p:sp>
         <p:nvSpPr>
-          <p:cNvPr id="114" name="Google Shape;114;p15"/>
+          <p:cNvPr id="229" name="Google Shape;229;p25"/>
           <p:cNvSpPr txBox="1"/>
           <p:nvPr/>
         </p:nvSpPr>
@@ -16298,7 +15695,7 @@
                 <a:cs typeface="Epilogue"/>
                 <a:sym typeface="Epilogue"/>
               </a:rPr>
-              <a:t>Veille informationnelle</a:t>
+              <a:t>L’Arborescence du site</a:t>
             </a:r>
             <a:endParaRPr b="1">
               <a:latin typeface="Epilogue"/>
@@ -16311,14 +15708,14 @@
       </p:sp>
       <p:sp>
         <p:nvSpPr>
-          <p:cNvPr id="115" name="Google Shape;115;p15"/>
+          <p:cNvPr id="230" name="Google Shape;230;p25"/>
           <p:cNvSpPr txBox="1"/>
           <p:nvPr/>
         </p:nvSpPr>
         <p:spPr>
           <a:xfrm>
             <a:off x="716325" y="2278100"/>
-            <a:ext cx="17079900" cy="6967500"/>
+            <a:ext cx="4443300" cy="7525500"/>
           </a:xfrm>
           <a:prstGeom prst="rect">
             <a:avLst/>
@@ -16329,7 +15726,7 @@
           </a:ln>
         </p:spPr>
         <p:txBody>
-          <a:bodyPr spcFirstLastPara="1" wrap="square" lIns="91425" tIns="91425" rIns="91425" bIns="91425" anchor="t" anchorCtr="0">
+          <a:bodyPr spcFirstLastPara="1" wrap="square" lIns="91425" tIns="91425" rIns="91425" bIns="91425" anchor="ctr" anchorCtr="0">
             <a:noAutofit/>
           </a:bodyPr>
           <a:lstStyle/>
@@ -16344,15 +15741,10 @@
               <a:spcAft>
                 <a:spcPts val="0"/>
               </a:spcAft>
-              <a:buClr>
-                <a:schemeClr val="dk1"/>
-              </a:buClr>
-              <a:buSzPts val="1100"/>
-              <a:buFont typeface="Arial"/>
               <a:buNone/>
             </a:pPr>
             <a:r>
-              <a:rPr lang="en-US" sz="3200">
+              <a:rPr lang="en-US" sz="2700">
                 <a:solidFill>
                   <a:schemeClr val="dk1"/>
                 </a:solidFill>
@@ -16361,61 +15753,10 @@
                 <a:cs typeface="Work Sans"/>
                 <a:sym typeface="Work Sans"/>
               </a:rPr>
-              <a:t>L’application d’une veille informationnelle rigoureuse a été cruciale dans la formulation des spécifications techniques du projet “Menu maker by Qwenta”.</a:t>
+              <a:t>La structure du site “Menu maker by Qwenta” est </a:t>
             </a:r>
-            <a:endParaRPr sz="3200">
-              <a:solidFill>
-                <a:schemeClr val="dk1"/>
-              </a:solidFill>
-              <a:latin typeface="Work Sans"/>
-              <a:ea typeface="Work Sans"/>
-              <a:cs typeface="Work Sans"/>
-              <a:sym typeface="Work Sans"/>
-            </a:endParaRPr>
-          </a:p>
-          <a:p>
-            <a:pPr marL="0" lvl="0" indent="0" algn="l" rtl="0">
-              <a:lnSpc>
-                <a:spcPct val="115000"/>
-              </a:lnSpc>
-              <a:spcBef>
-                <a:spcPts val="0"/>
-              </a:spcBef>
-              <a:spcAft>
-                <a:spcPts val="0"/>
-              </a:spcAft>
-              <a:buClr>
-                <a:schemeClr val="dk1"/>
-              </a:buClr>
-              <a:buSzPts val="1100"/>
-              <a:buFont typeface="Arial"/>
-              <a:buNone/>
-            </a:pPr>
-            <a:endParaRPr sz="3200">
-              <a:solidFill>
-                <a:schemeClr val="dk1"/>
-              </a:solidFill>
-              <a:latin typeface="Work Sans"/>
-              <a:ea typeface="Work Sans"/>
-              <a:cs typeface="Work Sans"/>
-              <a:sym typeface="Work Sans"/>
-            </a:endParaRPr>
-          </a:p>
-          <a:p>
-            <a:pPr marL="0" lvl="0" indent="0" algn="l" rtl="0">
-              <a:lnSpc>
-                <a:spcPct val="115000"/>
-              </a:lnSpc>
-              <a:spcBef>
-                <a:spcPts val="0"/>
-              </a:spcBef>
-              <a:spcAft>
-                <a:spcPts val="0"/>
-              </a:spcAft>
-              <a:buNone/>
-            </a:pPr>
             <a:r>
-              <a:rPr lang="en-US" sz="3200">
+              <a:rPr lang="en-US" sz="2700" b="1">
                 <a:solidFill>
                   <a:schemeClr val="dk1"/>
                 </a:solidFill>
@@ -16424,56 +15765,10 @@
                 <a:cs typeface="Work Sans"/>
                 <a:sym typeface="Work Sans"/>
               </a:rPr>
-              <a:t>La veille informationnelle nous a permis d’acquérir une connaissance approfondie des avancées récentes en matière de langages de programmation, de frameworks front-end et back-end, ainsi que des meilleures pratiques pour la sécurité des applications web. </a:t>
+              <a:t>pensée de façon intuitive</a:t>
             </a:r>
-            <a:endParaRPr sz="3200">
-              <a:solidFill>
-                <a:schemeClr val="dk1"/>
-              </a:solidFill>
-              <a:latin typeface="Work Sans"/>
-              <a:ea typeface="Work Sans"/>
-              <a:cs typeface="Work Sans"/>
-              <a:sym typeface="Work Sans"/>
-            </a:endParaRPr>
-          </a:p>
-          <a:p>
-            <a:pPr marL="0" lvl="0" indent="0" algn="l" rtl="0">
-              <a:lnSpc>
-                <a:spcPct val="115000"/>
-              </a:lnSpc>
-              <a:spcBef>
-                <a:spcPts val="0"/>
-              </a:spcBef>
-              <a:spcAft>
-                <a:spcPts val="0"/>
-              </a:spcAft>
-              <a:buNone/>
-            </a:pPr>
-            <a:endParaRPr sz="3200">
-              <a:solidFill>
-                <a:schemeClr val="dk1"/>
-              </a:solidFill>
-              <a:latin typeface="Work Sans"/>
-              <a:ea typeface="Work Sans"/>
-              <a:cs typeface="Work Sans"/>
-              <a:sym typeface="Work Sans"/>
-            </a:endParaRPr>
-          </a:p>
-          <a:p>
-            <a:pPr marL="0" lvl="0" indent="0" algn="l" rtl="0">
-              <a:lnSpc>
-                <a:spcPct val="115000"/>
-              </a:lnSpc>
-              <a:spcBef>
-                <a:spcPts val="0"/>
-              </a:spcBef>
-              <a:spcAft>
-                <a:spcPts val="0"/>
-              </a:spcAft>
-              <a:buNone/>
-            </a:pPr>
             <a:r>
-              <a:rPr lang="en-US" sz="3200">
+              <a:rPr lang="en-US" sz="2700">
                 <a:solidFill>
                   <a:schemeClr val="dk1"/>
                 </a:solidFill>
@@ -16482,9 +15777,9 @@
                 <a:cs typeface="Work Sans"/>
                 <a:sym typeface="Work Sans"/>
               </a:rPr>
-              <a:t>Ces informations à jour et pertinentes ont été judicieusement intégrées dans les spécifications techniques, assurant ainsi que le projet “Menu maker by Qwenta” utilise les technologies les plus efficaces possible et les méthodes les plus innovantes pour répondre aux attentes et aux besoins du marché</a:t>
+              <a:t>, permettant une navigation aisée pour les restaurateurs. Elle est organisée en sections essentielles comme l'élaboration de menus, la personnalisation de l'apparence, et la manipulation des fonctionnalités sophistiquées.</a:t>
             </a:r>
-            <a:endParaRPr sz="3200">
+            <a:endParaRPr sz="2700">
               <a:solidFill>
                 <a:schemeClr val="dk1"/>
               </a:solidFill>
@@ -16498,7 +15793,7 @@
       </p:sp>
       <p:sp>
         <p:nvSpPr>
-          <p:cNvPr id="116" name="Google Shape;116;p15"/>
+          <p:cNvPr id="231" name="Google Shape;231;p25"/>
           <p:cNvSpPr txBox="1">
             <a:spLocks noGrp="1"/>
           </p:cNvSpPr>
@@ -16544,7 +15839,7 @@
       </p:sp>
       <p:pic>
         <p:nvPicPr>
-          <p:cNvPr id="117" name="Google Shape;117;p15"/>
+          <p:cNvPr id="232" name="Google Shape;232;p25"/>
           <p:cNvPicPr preferRelativeResize="0"/>
           <p:nvPr/>
         </p:nvPicPr>
@@ -16560,6 +15855,33 @@
           <a:xfrm>
             <a:off x="0" y="0"/>
             <a:ext cx="1454400" cy="666550"/>
+          </a:xfrm>
+          <a:prstGeom prst="rect">
+            <a:avLst/>
+          </a:prstGeom>
+          <a:noFill/>
+          <a:ln>
+            <a:noFill/>
+          </a:ln>
+        </p:spPr>
+      </p:pic>
+      <p:pic>
+        <p:nvPicPr>
+          <p:cNvPr id="233" name="Google Shape;233;p25"/>
+          <p:cNvPicPr preferRelativeResize="0"/>
+          <p:nvPr/>
+        </p:nvPicPr>
+        <p:blipFill rotWithShape="1">
+          <a:blip r:embed="rId4">
+            <a:alphaModFix/>
+          </a:blip>
+          <a:srcRect b="3614"/>
+          <a:stretch/>
+        </p:blipFill>
+        <p:spPr>
+          <a:xfrm>
+            <a:off x="5159725" y="2293750"/>
+            <a:ext cx="12636500" cy="7525574"/>
           </a:xfrm>
           <a:prstGeom prst="rect">
             <a:avLst/>
@@ -16912,7 +16234,7 @@
                 <a:ea typeface="Work Sans ExtraLight"/>
                 <a:cs typeface="Work Sans ExtraLight"/>
                 <a:sym typeface="Work Sans ExtraLight"/>
-                <a:hlinkClick r:id="rId4">
+                <a:hlinkClick r:id="rId6">
                   <a:extLst>
                     <a:ext uri="{A12FA001-AC4F-418D-AE19-62706E023703}">
                       <ahyp:hlinkClr xmlns:ahyp="http://schemas.microsoft.com/office/drawing/2018/hyperlinkcolor" val="tx"/>
@@ -17892,7 +17214,7 @@
         </p:blipFill>
         <p:spPr>
           <a:xfrm>
-            <a:off x="10003850" y="5618500"/>
+            <a:off x="9880928" y="3719975"/>
             <a:ext cx="2847050" cy="2847050"/>
           </a:xfrm>
           <a:prstGeom prst="rect">
@@ -17906,42 +17228,12 @@
       </p:pic>
       <p:pic>
         <p:nvPicPr>
-          <p:cNvPr id="157" name="Google Shape;157;p18"/>
+          <p:cNvPr id="158" name="Google Shape;158;p18"/>
           <p:cNvPicPr preferRelativeResize="0"/>
           <p:nvPr/>
         </p:nvPicPr>
         <p:blipFill>
           <a:blip r:embed="rId10">
-            <a:alphaModFix/>
-          </a:blip>
-          <a:stretch>
-            <a:fillRect/>
-          </a:stretch>
-        </p:blipFill>
-        <p:spPr>
-          <a:xfrm>
-            <a:off x="10253050" y="2828375"/>
-            <a:ext cx="2348650" cy="2348650"/>
-          </a:xfrm>
-          <a:prstGeom prst="rect">
-            <a:avLst/>
-          </a:prstGeom>
-          <a:solidFill>
-            <a:schemeClr val="lt1"/>
-          </a:solidFill>
-          <a:ln>
-            <a:noFill/>
-          </a:ln>
-        </p:spPr>
-      </p:pic>
-      <p:pic>
-        <p:nvPicPr>
-          <p:cNvPr id="158" name="Google Shape;158;p18"/>
-          <p:cNvPicPr preferRelativeResize="0"/>
-          <p:nvPr/>
-        </p:nvPicPr>
-        <p:blipFill>
-          <a:blip r:embed="rId11">
             <a:alphaModFix/>
           </a:blip>
           <a:stretch>
@@ -17971,7 +17263,7 @@
           <p:nvPr/>
         </p:nvPicPr>
         <p:blipFill>
-          <a:blip r:embed="rId12">
+          <a:blip r:embed="rId11">
             <a:alphaModFix/>
           </a:blip>
           <a:stretch>
@@ -17999,7 +17291,7 @@
           <p:nvPr/>
         </p:nvPicPr>
         <p:blipFill>
-          <a:blip r:embed="rId13">
+          <a:blip r:embed="rId12">
             <a:alphaModFix/>
           </a:blip>
           <a:stretch>

--- a/4_Presentation_générale/Sourice_Pierre_4_solution technique_08022024.pptx
+++ b/4_Presentation_générale/Sourice_Pierre_4_solution technique_08022024.pptx
@@ -5,7 +5,7 @@
     <p:sldMasterId id="2147483659" r:id="rId1"/>
   </p:sldMasterIdLst>
   <p:notesMasterIdLst>
-    <p:notesMasterId r:id="rId15"/>
+    <p:notesMasterId r:id="rId14"/>
   </p:notesMasterIdLst>
   <p:sldIdLst>
     <p:sldId id="256" r:id="rId2"/>
@@ -19,39 +19,38 @@
     <p:sldId id="263" r:id="rId10"/>
     <p:sldId id="264" r:id="rId11"/>
     <p:sldId id="265" r:id="rId12"/>
-    <p:sldId id="267" r:id="rId13"/>
-    <p:sldId id="269" r:id="rId14"/>
+    <p:sldId id="269" r:id="rId13"/>
   </p:sldIdLst>
   <p:sldSz cx="18288000" cy="10287000"/>
   <p:notesSz cx="6858000" cy="9144000"/>
   <p:embeddedFontLst>
     <p:embeddedFont>
       <p:font typeface="Epilogue" panose="020B0604020202020204" charset="0"/>
-      <p:regular r:id="rId16"/>
-      <p:bold r:id="rId17"/>
-      <p:italic r:id="rId18"/>
-      <p:boldItalic r:id="rId19"/>
+      <p:regular r:id="rId15"/>
+      <p:bold r:id="rId16"/>
+      <p:italic r:id="rId17"/>
+      <p:boldItalic r:id="rId18"/>
     </p:embeddedFont>
     <p:embeddedFont>
       <p:font typeface="Montserrat" pitchFamily="2" charset="0"/>
-      <p:regular r:id="rId20"/>
-      <p:bold r:id="rId21"/>
-      <p:italic r:id="rId22"/>
-      <p:boldItalic r:id="rId23"/>
+      <p:regular r:id="rId19"/>
+      <p:bold r:id="rId20"/>
+      <p:italic r:id="rId21"/>
+      <p:boldItalic r:id="rId22"/>
     </p:embeddedFont>
     <p:embeddedFont>
       <p:font typeface="Work Sans" pitchFamily="2" charset="0"/>
-      <p:regular r:id="rId24"/>
-      <p:bold r:id="rId25"/>
-      <p:italic r:id="rId26"/>
-      <p:boldItalic r:id="rId27"/>
+      <p:regular r:id="rId23"/>
+      <p:bold r:id="rId24"/>
+      <p:italic r:id="rId25"/>
+      <p:boldItalic r:id="rId26"/>
     </p:embeddedFont>
     <p:embeddedFont>
       <p:font typeface="Work Sans ExtraLight" pitchFamily="2" charset="0"/>
-      <p:regular r:id="rId28"/>
-      <p:bold r:id="rId29"/>
-      <p:italic r:id="rId30"/>
-      <p:boldItalic r:id="rId31"/>
+      <p:regular r:id="rId27"/>
+      <p:bold r:id="rId28"/>
+      <p:italic r:id="rId29"/>
+      <p:boldItalic r:id="rId30"/>
     </p:embeddedFont>
   </p:embeddedFontLst>
   <p:defaultTextStyle>
@@ -952,110 +951,6 @@
 </file>
 
 <file path=ppt/notesSlides/notesSlide11.xml><?xml version="1.0" encoding="utf-8"?>
-<p:notes xmlns:a="http://schemas.openxmlformats.org/drawingml/2006/main" xmlns:r="http://schemas.openxmlformats.org/officeDocument/2006/relationships" xmlns:p="http://schemas.openxmlformats.org/presentationml/2006/main" showMasterSp="0" showMasterPhAnim="0">
-  <p:cSld>
-    <p:spTree>
-      <p:nvGrpSpPr>
-        <p:cNvPr id="1" name="Shape 212"/>
-        <p:cNvGrpSpPr/>
-        <p:nvPr/>
-      </p:nvGrpSpPr>
-      <p:grpSpPr>
-        <a:xfrm>
-          <a:off x="0" y="0"/>
-          <a:ext cx="0" cy="0"/>
-          <a:chOff x="0" y="0"/>
-          <a:chExt cx="0" cy="0"/>
-        </a:xfrm>
-      </p:grpSpPr>
-      <p:sp>
-        <p:nvSpPr>
-          <p:cNvPr id="213" name="Google Shape;213;g2bb40ad0cf6_0_255:notes"/>
-          <p:cNvSpPr>
-            <a:spLocks noGrp="1" noRot="1" noChangeAspect="1"/>
-          </p:cNvSpPr>
-          <p:nvPr>
-            <p:ph type="sldImg" idx="2"/>
-          </p:nvPr>
-        </p:nvSpPr>
-        <p:spPr>
-          <a:xfrm>
-            <a:off x="381000" y="685800"/>
-            <a:ext cx="6096000" cy="3429000"/>
-          </a:xfrm>
-          <a:custGeom>
-            <a:avLst/>
-            <a:gdLst/>
-            <a:ahLst/>
-            <a:cxnLst/>
-            <a:rect l="l" t="t" r="r" b="b"/>
-            <a:pathLst>
-              <a:path w="120000" h="120000" extrusionOk="0">
-                <a:moveTo>
-                  <a:pt x="0" y="0"/>
-                </a:moveTo>
-                <a:lnTo>
-                  <a:pt x="120000" y="0"/>
-                </a:lnTo>
-                <a:lnTo>
-                  <a:pt x="120000" y="120000"/>
-                </a:lnTo>
-                <a:lnTo>
-                  <a:pt x="0" y="120000"/>
-                </a:lnTo>
-                <a:close/>
-              </a:path>
-            </a:pathLst>
-          </a:custGeom>
-        </p:spPr>
-      </p:sp>
-      <p:sp>
-        <p:nvSpPr>
-          <p:cNvPr id="214" name="Google Shape;214;g2bb40ad0cf6_0_255:notes"/>
-          <p:cNvSpPr txBox="1">
-            <a:spLocks noGrp="1"/>
-          </p:cNvSpPr>
-          <p:nvPr>
-            <p:ph type="body" idx="1"/>
-          </p:nvPr>
-        </p:nvSpPr>
-        <p:spPr>
-          <a:xfrm>
-            <a:off x="685800" y="4343400"/>
-            <a:ext cx="5486400" cy="4114800"/>
-          </a:xfrm>
-          <a:prstGeom prst="rect">
-            <a:avLst/>
-          </a:prstGeom>
-        </p:spPr>
-        <p:txBody>
-          <a:bodyPr spcFirstLastPara="1" wrap="square" lIns="91425" tIns="91425" rIns="91425" bIns="91425" anchor="t" anchorCtr="0">
-            <a:noAutofit/>
-          </a:bodyPr>
-          <a:lstStyle/>
-          <a:p>
-            <a:pPr marL="0" lvl="0" indent="0" algn="l" rtl="0">
-              <a:spcBef>
-                <a:spcPts val="0"/>
-              </a:spcBef>
-              <a:spcAft>
-                <a:spcPts val="0"/>
-              </a:spcAft>
-              <a:buNone/>
-            </a:pPr>
-            <a:endParaRPr/>
-          </a:p>
-        </p:txBody>
-      </p:sp>
-    </p:spTree>
-  </p:cSld>
-  <p:clrMapOvr>
-    <a:masterClrMapping/>
-  </p:clrMapOvr>
-</p:notes>
-</file>
-
-<file path=ppt/notesSlides/notesSlide12.xml><?xml version="1.0" encoding="utf-8"?>
 <p:notes xmlns:a="http://schemas.openxmlformats.org/drawingml/2006/main" xmlns:r="http://schemas.openxmlformats.org/officeDocument/2006/relationships" xmlns:p="http://schemas.openxmlformats.org/presentationml/2006/main" showMasterSp="0" showMasterPhAnim="0">
   <p:cSld>
     <p:spTree>
@@ -15202,1700 +15097,6 @@
   <p:cSld>
     <p:spTree>
       <p:nvGrpSpPr>
-        <p:cNvPr id="1" name="Shape 215"/>
-        <p:cNvGrpSpPr/>
-        <p:nvPr/>
-      </p:nvGrpSpPr>
-      <p:grpSpPr>
-        <a:xfrm>
-          <a:off x="0" y="0"/>
-          <a:ext cx="0" cy="0"/>
-          <a:chOff x="0" y="0"/>
-          <a:chExt cx="0" cy="0"/>
-        </a:xfrm>
-      </p:grpSpPr>
-      <p:sp>
-        <p:nvSpPr>
-          <p:cNvPr id="216" name="Google Shape;216;p24"/>
-          <p:cNvSpPr/>
-          <p:nvPr/>
-        </p:nvSpPr>
-        <p:spPr>
-          <a:xfrm>
-            <a:off x="604050" y="2380825"/>
-            <a:ext cx="17079900" cy="7541100"/>
-          </a:xfrm>
-          <a:prstGeom prst="rect">
-            <a:avLst/>
-          </a:prstGeom>
-          <a:noFill/>
-          <a:ln w="9525" cap="flat" cmpd="sng">
-            <a:solidFill>
-              <a:srgbClr val="C5A073"/>
-            </a:solidFill>
-            <a:prstDash val="solid"/>
-            <a:round/>
-            <a:headEnd type="none" w="sm" len="sm"/>
-            <a:tailEnd type="none" w="sm" len="sm"/>
-          </a:ln>
-        </p:spPr>
-        <p:txBody>
-          <a:bodyPr spcFirstLastPara="1" wrap="square" lIns="91425" tIns="91425" rIns="91425" bIns="91425" anchor="ctr" anchorCtr="0">
-            <a:noAutofit/>
-          </a:bodyPr>
-          <a:lstStyle/>
-          <a:p>
-            <a:pPr marL="0" lvl="0" indent="0" algn="ctr" rtl="0">
-              <a:spcBef>
-                <a:spcPts val="0"/>
-              </a:spcBef>
-              <a:spcAft>
-                <a:spcPts val="0"/>
-              </a:spcAft>
-              <a:buNone/>
-            </a:pPr>
-            <a:endParaRPr>
-              <a:latin typeface="Calibri"/>
-              <a:ea typeface="Calibri"/>
-              <a:cs typeface="Calibri"/>
-              <a:sym typeface="Calibri"/>
-            </a:endParaRPr>
-          </a:p>
-        </p:txBody>
-      </p:sp>
-      <p:sp>
-        <p:nvSpPr>
-          <p:cNvPr id="217" name="Google Shape;217;p24"/>
-          <p:cNvSpPr/>
-          <p:nvPr/>
-        </p:nvSpPr>
-        <p:spPr>
-          <a:xfrm>
-            <a:off x="716325" y="2278225"/>
-            <a:ext cx="17079900" cy="7541100"/>
-          </a:xfrm>
-          <a:prstGeom prst="rect">
-            <a:avLst/>
-          </a:prstGeom>
-          <a:solidFill>
-            <a:schemeClr val="lt1"/>
-          </a:solidFill>
-          <a:ln w="9525" cap="flat" cmpd="sng">
-            <a:solidFill>
-              <a:srgbClr val="C5A073"/>
-            </a:solidFill>
-            <a:prstDash val="solid"/>
-            <a:round/>
-            <a:headEnd type="none" w="sm" len="sm"/>
-            <a:tailEnd type="none" w="sm" len="sm"/>
-          </a:ln>
-        </p:spPr>
-        <p:txBody>
-          <a:bodyPr spcFirstLastPara="1" wrap="square" lIns="91425" tIns="91425" rIns="91425" bIns="91425" anchor="ctr" anchorCtr="0">
-            <a:noAutofit/>
-          </a:bodyPr>
-          <a:lstStyle/>
-          <a:p>
-            <a:pPr marL="0" lvl="0" indent="0" algn="ctr" rtl="0">
-              <a:spcBef>
-                <a:spcPts val="0"/>
-              </a:spcBef>
-              <a:spcAft>
-                <a:spcPts val="0"/>
-              </a:spcAft>
-              <a:buNone/>
-            </a:pPr>
-            <a:endParaRPr>
-              <a:latin typeface="Calibri"/>
-              <a:ea typeface="Calibri"/>
-              <a:cs typeface="Calibri"/>
-              <a:sym typeface="Calibri"/>
-            </a:endParaRPr>
-          </a:p>
-        </p:txBody>
-      </p:sp>
-      <p:sp>
-        <p:nvSpPr>
-          <p:cNvPr id="218" name="Google Shape;218;p24"/>
-          <p:cNvSpPr txBox="1"/>
-          <p:nvPr/>
-        </p:nvSpPr>
-        <p:spPr>
-          <a:xfrm>
-            <a:off x="1021947" y="805261"/>
-            <a:ext cx="16244100" cy="1154400"/>
-          </a:xfrm>
-          <a:prstGeom prst="rect">
-            <a:avLst/>
-          </a:prstGeom>
-          <a:noFill/>
-          <a:ln>
-            <a:noFill/>
-          </a:ln>
-        </p:spPr>
-        <p:txBody>
-          <a:bodyPr spcFirstLastPara="1" wrap="square" lIns="0" tIns="0" rIns="0" bIns="0" anchor="t" anchorCtr="0">
-            <a:spAutoFit/>
-          </a:bodyPr>
-          <a:lstStyle/>
-          <a:p>
-            <a:pPr marL="0" marR="0" lvl="0" indent="0" algn="ctr" rtl="0">
-              <a:lnSpc>
-                <a:spcPct val="120000"/>
-              </a:lnSpc>
-              <a:spcBef>
-                <a:spcPts val="0"/>
-              </a:spcBef>
-              <a:spcAft>
-                <a:spcPts val="0"/>
-              </a:spcAft>
-              <a:buNone/>
-            </a:pPr>
-            <a:r>
-              <a:rPr lang="en-US" sz="7500" b="1">
-                <a:solidFill>
-                  <a:srgbClr val="0B1320"/>
-                </a:solidFill>
-                <a:latin typeface="Epilogue"/>
-                <a:ea typeface="Epilogue"/>
-                <a:cs typeface="Epilogue"/>
-                <a:sym typeface="Epilogue"/>
-              </a:rPr>
-              <a:t>La veille informationnelle</a:t>
-            </a:r>
-            <a:endParaRPr b="1">
-              <a:latin typeface="Epilogue"/>
-              <a:ea typeface="Epilogue"/>
-              <a:cs typeface="Epilogue"/>
-              <a:sym typeface="Epilogue"/>
-            </a:endParaRPr>
-          </a:p>
-        </p:txBody>
-      </p:sp>
-      <p:sp>
-        <p:nvSpPr>
-          <p:cNvPr id="219" name="Google Shape;219;p24"/>
-          <p:cNvSpPr txBox="1"/>
-          <p:nvPr/>
-        </p:nvSpPr>
-        <p:spPr>
-          <a:xfrm>
-            <a:off x="7736025" y="2278100"/>
-            <a:ext cx="10060200" cy="7541100"/>
-          </a:xfrm>
-          <a:prstGeom prst="rect">
-            <a:avLst/>
-          </a:prstGeom>
-          <a:noFill/>
-          <a:ln>
-            <a:noFill/>
-          </a:ln>
-        </p:spPr>
-        <p:txBody>
-          <a:bodyPr spcFirstLastPara="1" wrap="square" lIns="91425" tIns="91425" rIns="91425" bIns="91425" anchor="t" anchorCtr="0">
-            <a:noAutofit/>
-          </a:bodyPr>
-          <a:lstStyle/>
-          <a:p>
-            <a:pPr marL="0" lvl="0" indent="0" algn="l" rtl="0">
-              <a:lnSpc>
-                <a:spcPct val="115000"/>
-              </a:lnSpc>
-              <a:spcBef>
-                <a:spcPts val="0"/>
-              </a:spcBef>
-              <a:spcAft>
-                <a:spcPts val="0"/>
-              </a:spcAft>
-              <a:buNone/>
-            </a:pPr>
-            <a:r>
-              <a:rPr lang="en-US" sz="2800" dirty="0">
-                <a:solidFill>
-                  <a:schemeClr val="dk1"/>
-                </a:solidFill>
-                <a:latin typeface="Work Sans"/>
-                <a:ea typeface="Work Sans"/>
-                <a:cs typeface="Work Sans"/>
-                <a:sym typeface="Work Sans"/>
-              </a:rPr>
-              <a:t>La </a:t>
-            </a:r>
-            <a:r>
-              <a:rPr lang="en-US" sz="2800" dirty="0" err="1">
-                <a:solidFill>
-                  <a:schemeClr val="dk1"/>
-                </a:solidFill>
-                <a:latin typeface="Work Sans"/>
-                <a:ea typeface="Work Sans"/>
-                <a:cs typeface="Work Sans"/>
-                <a:sym typeface="Work Sans"/>
-              </a:rPr>
-              <a:t>veille</a:t>
-            </a:r>
-            <a:r>
-              <a:rPr lang="en-US" sz="2800" dirty="0">
-                <a:solidFill>
-                  <a:schemeClr val="dk1"/>
-                </a:solidFill>
-                <a:latin typeface="Work Sans"/>
-                <a:ea typeface="Work Sans"/>
-                <a:cs typeface="Work Sans"/>
-                <a:sym typeface="Work Sans"/>
-              </a:rPr>
-              <a:t> </a:t>
-            </a:r>
-            <a:r>
-              <a:rPr lang="en-US" sz="2800" dirty="0" err="1">
-                <a:solidFill>
-                  <a:schemeClr val="dk1"/>
-                </a:solidFill>
-                <a:latin typeface="Work Sans"/>
-                <a:ea typeface="Work Sans"/>
-                <a:cs typeface="Work Sans"/>
-                <a:sym typeface="Work Sans"/>
-              </a:rPr>
-              <a:t>informationnelle</a:t>
-            </a:r>
-            <a:r>
-              <a:rPr lang="en-US" sz="2800" dirty="0">
-                <a:solidFill>
-                  <a:schemeClr val="dk1"/>
-                </a:solidFill>
-                <a:latin typeface="Work Sans"/>
-                <a:ea typeface="Work Sans"/>
-                <a:cs typeface="Work Sans"/>
-                <a:sym typeface="Work Sans"/>
-              </a:rPr>
-              <a:t> </a:t>
-            </a:r>
-            <a:r>
-              <a:rPr lang="en-US" sz="2800" dirty="0" err="1">
-                <a:solidFill>
-                  <a:schemeClr val="dk1"/>
-                </a:solidFill>
-                <a:latin typeface="Work Sans"/>
-                <a:ea typeface="Work Sans"/>
-                <a:cs typeface="Work Sans"/>
-                <a:sym typeface="Work Sans"/>
-              </a:rPr>
-              <a:t>est</a:t>
-            </a:r>
-            <a:r>
-              <a:rPr lang="en-US" sz="2800" dirty="0">
-                <a:solidFill>
-                  <a:schemeClr val="dk1"/>
-                </a:solidFill>
-                <a:latin typeface="Work Sans"/>
-                <a:ea typeface="Work Sans"/>
-                <a:cs typeface="Work Sans"/>
-                <a:sym typeface="Work Sans"/>
-              </a:rPr>
-              <a:t> </a:t>
-            </a:r>
-            <a:r>
-              <a:rPr lang="en-US" sz="2800" dirty="0" err="1">
-                <a:solidFill>
-                  <a:schemeClr val="dk1"/>
-                </a:solidFill>
-                <a:latin typeface="Work Sans"/>
-                <a:ea typeface="Work Sans"/>
-                <a:cs typeface="Work Sans"/>
-                <a:sym typeface="Work Sans"/>
-              </a:rPr>
-              <a:t>une</a:t>
-            </a:r>
-            <a:r>
-              <a:rPr lang="en-US" sz="2800" dirty="0">
-                <a:solidFill>
-                  <a:schemeClr val="dk1"/>
-                </a:solidFill>
-                <a:latin typeface="Work Sans"/>
-                <a:ea typeface="Work Sans"/>
-                <a:cs typeface="Work Sans"/>
-                <a:sym typeface="Work Sans"/>
-              </a:rPr>
-              <a:t> pratique </a:t>
-            </a:r>
-            <a:r>
-              <a:rPr lang="en-US" sz="2800" dirty="0" err="1">
-                <a:solidFill>
-                  <a:schemeClr val="dk1"/>
-                </a:solidFill>
-                <a:latin typeface="Work Sans"/>
-                <a:ea typeface="Work Sans"/>
-                <a:cs typeface="Work Sans"/>
-                <a:sym typeface="Work Sans"/>
-              </a:rPr>
-              <a:t>essentielle</a:t>
-            </a:r>
-            <a:r>
-              <a:rPr lang="en-US" sz="2800" dirty="0">
-                <a:solidFill>
-                  <a:schemeClr val="dk1"/>
-                </a:solidFill>
-                <a:latin typeface="Work Sans"/>
-                <a:ea typeface="Work Sans"/>
-                <a:cs typeface="Work Sans"/>
-                <a:sym typeface="Work Sans"/>
-              </a:rPr>
-              <a:t> qui vise à </a:t>
-            </a:r>
-            <a:r>
-              <a:rPr lang="en-US" sz="2800" dirty="0" err="1">
-                <a:solidFill>
-                  <a:schemeClr val="dk1"/>
-                </a:solidFill>
-                <a:latin typeface="Work Sans"/>
-                <a:ea typeface="Work Sans"/>
-                <a:cs typeface="Work Sans"/>
-                <a:sym typeface="Work Sans"/>
-              </a:rPr>
-              <a:t>maintenir</a:t>
-            </a:r>
-            <a:r>
-              <a:rPr lang="en-US" sz="2800" dirty="0">
-                <a:solidFill>
-                  <a:schemeClr val="dk1"/>
-                </a:solidFill>
-                <a:latin typeface="Work Sans"/>
-                <a:ea typeface="Work Sans"/>
-                <a:cs typeface="Work Sans"/>
-                <a:sym typeface="Work Sans"/>
-              </a:rPr>
-              <a:t> </a:t>
-            </a:r>
-            <a:r>
-              <a:rPr lang="en-US" sz="2800" dirty="0" err="1">
-                <a:solidFill>
-                  <a:schemeClr val="dk1"/>
-                </a:solidFill>
-                <a:latin typeface="Work Sans"/>
-                <a:ea typeface="Work Sans"/>
-                <a:cs typeface="Work Sans"/>
-                <a:sym typeface="Work Sans"/>
-              </a:rPr>
-              <a:t>une</a:t>
-            </a:r>
-            <a:r>
-              <a:rPr lang="en-US" sz="2800" dirty="0">
-                <a:solidFill>
-                  <a:schemeClr val="dk1"/>
-                </a:solidFill>
-                <a:latin typeface="Work Sans"/>
-                <a:ea typeface="Work Sans"/>
-                <a:cs typeface="Work Sans"/>
-                <a:sym typeface="Work Sans"/>
-              </a:rPr>
-              <a:t> </a:t>
-            </a:r>
-            <a:r>
-              <a:rPr lang="en-US" sz="2800" dirty="0" err="1">
-                <a:solidFill>
-                  <a:schemeClr val="dk1"/>
-                </a:solidFill>
-                <a:latin typeface="Work Sans"/>
-                <a:ea typeface="Work Sans"/>
-                <a:cs typeface="Work Sans"/>
-                <a:sym typeface="Work Sans"/>
-              </a:rPr>
-              <a:t>connaissance</a:t>
-            </a:r>
-            <a:r>
-              <a:rPr lang="en-US" sz="2800" dirty="0">
-                <a:solidFill>
-                  <a:schemeClr val="dk1"/>
-                </a:solidFill>
-                <a:latin typeface="Work Sans"/>
-                <a:ea typeface="Work Sans"/>
-                <a:cs typeface="Work Sans"/>
-                <a:sym typeface="Work Sans"/>
-              </a:rPr>
-              <a:t> à jour des </a:t>
-            </a:r>
-            <a:r>
-              <a:rPr lang="en-US" sz="2800" dirty="0" err="1">
-                <a:solidFill>
-                  <a:schemeClr val="dk1"/>
-                </a:solidFill>
-                <a:latin typeface="Work Sans"/>
-                <a:ea typeface="Work Sans"/>
-                <a:cs typeface="Work Sans"/>
-                <a:sym typeface="Work Sans"/>
-              </a:rPr>
-              <a:t>développements</a:t>
-            </a:r>
-            <a:r>
-              <a:rPr lang="en-US" sz="2800" dirty="0">
-                <a:solidFill>
-                  <a:schemeClr val="dk1"/>
-                </a:solidFill>
-                <a:latin typeface="Work Sans"/>
-                <a:ea typeface="Work Sans"/>
-                <a:cs typeface="Work Sans"/>
-                <a:sym typeface="Work Sans"/>
-              </a:rPr>
-              <a:t>, des tendances </a:t>
-            </a:r>
-            <a:r>
-              <a:rPr lang="en-US" sz="2800" dirty="0" err="1">
-                <a:solidFill>
-                  <a:schemeClr val="dk1"/>
-                </a:solidFill>
-                <a:latin typeface="Work Sans"/>
-                <a:ea typeface="Work Sans"/>
-                <a:cs typeface="Work Sans"/>
-                <a:sym typeface="Work Sans"/>
-              </a:rPr>
-              <a:t>émergentes</a:t>
-            </a:r>
-            <a:r>
-              <a:rPr lang="en-US" sz="2800" dirty="0">
-                <a:solidFill>
-                  <a:schemeClr val="dk1"/>
-                </a:solidFill>
-                <a:latin typeface="Work Sans"/>
-                <a:ea typeface="Work Sans"/>
-                <a:cs typeface="Work Sans"/>
-                <a:sym typeface="Work Sans"/>
-              </a:rPr>
-              <a:t> et des </a:t>
-            </a:r>
-            <a:r>
-              <a:rPr lang="en-US" sz="2800" dirty="0" err="1">
-                <a:solidFill>
-                  <a:schemeClr val="dk1"/>
-                </a:solidFill>
-                <a:latin typeface="Work Sans"/>
-                <a:ea typeface="Work Sans"/>
-                <a:cs typeface="Work Sans"/>
-                <a:sym typeface="Work Sans"/>
-              </a:rPr>
-              <a:t>informations</a:t>
-            </a:r>
-            <a:r>
-              <a:rPr lang="en-US" sz="2800" dirty="0">
-                <a:solidFill>
-                  <a:schemeClr val="dk1"/>
-                </a:solidFill>
-                <a:latin typeface="Work Sans"/>
-                <a:ea typeface="Work Sans"/>
-                <a:cs typeface="Work Sans"/>
-                <a:sym typeface="Work Sans"/>
-              </a:rPr>
-              <a:t> </a:t>
-            </a:r>
-            <a:r>
-              <a:rPr lang="en-US" sz="2800" dirty="0" err="1">
-                <a:solidFill>
-                  <a:schemeClr val="dk1"/>
-                </a:solidFill>
-                <a:latin typeface="Work Sans"/>
-                <a:ea typeface="Work Sans"/>
-                <a:cs typeface="Work Sans"/>
-                <a:sym typeface="Work Sans"/>
-              </a:rPr>
-              <a:t>nouvelles</a:t>
-            </a:r>
-            <a:r>
-              <a:rPr lang="en-US" sz="2800" dirty="0">
-                <a:solidFill>
-                  <a:schemeClr val="dk1"/>
-                </a:solidFill>
-                <a:latin typeface="Work Sans"/>
-                <a:ea typeface="Work Sans"/>
-                <a:cs typeface="Work Sans"/>
-                <a:sym typeface="Work Sans"/>
-              </a:rPr>
-              <a:t> et </a:t>
-            </a:r>
-            <a:r>
-              <a:rPr lang="en-US" sz="2800" dirty="0" err="1">
-                <a:solidFill>
-                  <a:schemeClr val="dk1"/>
-                </a:solidFill>
-                <a:latin typeface="Work Sans"/>
-                <a:ea typeface="Work Sans"/>
-                <a:cs typeface="Work Sans"/>
-                <a:sym typeface="Work Sans"/>
-              </a:rPr>
-              <a:t>pertinentes</a:t>
-            </a:r>
-            <a:r>
-              <a:rPr lang="en-US" sz="2800" dirty="0">
-                <a:solidFill>
-                  <a:schemeClr val="dk1"/>
-                </a:solidFill>
-                <a:latin typeface="Work Sans"/>
-                <a:ea typeface="Work Sans"/>
-                <a:cs typeface="Work Sans"/>
-                <a:sym typeface="Work Sans"/>
-              </a:rPr>
-              <a:t> dans un </a:t>
-            </a:r>
-            <a:r>
-              <a:rPr lang="en-US" sz="2800" dirty="0" err="1">
-                <a:solidFill>
-                  <a:schemeClr val="dk1"/>
-                </a:solidFill>
-                <a:latin typeface="Work Sans"/>
-                <a:ea typeface="Work Sans"/>
-                <a:cs typeface="Work Sans"/>
-                <a:sym typeface="Work Sans"/>
-              </a:rPr>
-              <a:t>domaine</a:t>
-            </a:r>
-            <a:r>
-              <a:rPr lang="en-US" sz="2800" dirty="0">
-                <a:solidFill>
-                  <a:schemeClr val="dk1"/>
-                </a:solidFill>
-                <a:latin typeface="Work Sans"/>
-                <a:ea typeface="Work Sans"/>
-                <a:cs typeface="Work Sans"/>
-                <a:sym typeface="Work Sans"/>
-              </a:rPr>
-              <a:t> </a:t>
-            </a:r>
-            <a:r>
-              <a:rPr lang="en-US" sz="2800" dirty="0" err="1">
-                <a:solidFill>
-                  <a:schemeClr val="dk1"/>
-                </a:solidFill>
-                <a:latin typeface="Work Sans"/>
-                <a:ea typeface="Work Sans"/>
-                <a:cs typeface="Work Sans"/>
-                <a:sym typeface="Work Sans"/>
-              </a:rPr>
-              <a:t>spécifique</a:t>
-            </a:r>
-            <a:r>
-              <a:rPr lang="en-US" sz="2800" dirty="0">
-                <a:solidFill>
-                  <a:schemeClr val="dk1"/>
-                </a:solidFill>
-                <a:latin typeface="Work Sans"/>
-                <a:ea typeface="Work Sans"/>
-                <a:cs typeface="Work Sans"/>
-                <a:sym typeface="Work Sans"/>
-              </a:rPr>
-              <a:t>. </a:t>
-            </a:r>
-            <a:endParaRPr sz="2800" dirty="0">
-              <a:solidFill>
-                <a:schemeClr val="dk1"/>
-              </a:solidFill>
-              <a:latin typeface="Work Sans"/>
-              <a:ea typeface="Work Sans"/>
-              <a:cs typeface="Work Sans"/>
-              <a:sym typeface="Work Sans"/>
-            </a:endParaRPr>
-          </a:p>
-          <a:p>
-            <a:pPr marL="0" lvl="0" indent="0" algn="l" rtl="0">
-              <a:lnSpc>
-                <a:spcPct val="115000"/>
-              </a:lnSpc>
-              <a:spcBef>
-                <a:spcPts val="0"/>
-              </a:spcBef>
-              <a:spcAft>
-                <a:spcPts val="0"/>
-              </a:spcAft>
-              <a:buNone/>
-            </a:pPr>
-            <a:endParaRPr sz="2800" dirty="0">
-              <a:solidFill>
-                <a:schemeClr val="dk1"/>
-              </a:solidFill>
-              <a:latin typeface="Work Sans"/>
-              <a:ea typeface="Work Sans"/>
-              <a:cs typeface="Work Sans"/>
-              <a:sym typeface="Work Sans"/>
-            </a:endParaRPr>
-          </a:p>
-          <a:p>
-            <a:pPr marL="0" lvl="0" indent="0" algn="l" rtl="0">
-              <a:lnSpc>
-                <a:spcPct val="115000"/>
-              </a:lnSpc>
-              <a:spcBef>
-                <a:spcPts val="0"/>
-              </a:spcBef>
-              <a:spcAft>
-                <a:spcPts val="0"/>
-              </a:spcAft>
-              <a:buNone/>
-            </a:pPr>
-            <a:r>
-              <a:rPr lang="en-US" sz="2800" dirty="0">
-                <a:solidFill>
-                  <a:schemeClr val="dk1"/>
-                </a:solidFill>
-                <a:latin typeface="Work Sans"/>
-                <a:ea typeface="Work Sans"/>
-                <a:cs typeface="Work Sans"/>
-                <a:sym typeface="Work Sans"/>
-              </a:rPr>
-              <a:t>En </a:t>
-            </a:r>
-            <a:r>
-              <a:rPr lang="en-US" sz="2800" dirty="0" err="1">
-                <a:solidFill>
-                  <a:schemeClr val="dk1"/>
-                </a:solidFill>
-                <a:latin typeface="Work Sans"/>
-                <a:ea typeface="Work Sans"/>
-                <a:cs typeface="Work Sans"/>
-                <a:sym typeface="Work Sans"/>
-              </a:rPr>
-              <a:t>fournissant</a:t>
-            </a:r>
-            <a:r>
-              <a:rPr lang="en-US" sz="2800" dirty="0">
-                <a:solidFill>
-                  <a:schemeClr val="dk1"/>
-                </a:solidFill>
-                <a:latin typeface="Work Sans"/>
-                <a:ea typeface="Work Sans"/>
-                <a:cs typeface="Work Sans"/>
-                <a:sym typeface="Work Sans"/>
-              </a:rPr>
-              <a:t> un flux constant </a:t>
-            </a:r>
-            <a:r>
-              <a:rPr lang="en-US" sz="2800" dirty="0" err="1">
-                <a:solidFill>
-                  <a:schemeClr val="dk1"/>
-                </a:solidFill>
-                <a:latin typeface="Work Sans"/>
-                <a:ea typeface="Work Sans"/>
-                <a:cs typeface="Work Sans"/>
-                <a:sym typeface="Work Sans"/>
-              </a:rPr>
-              <a:t>d'informations</a:t>
-            </a:r>
-            <a:r>
-              <a:rPr lang="en-US" sz="2800" dirty="0">
-                <a:solidFill>
-                  <a:schemeClr val="dk1"/>
-                </a:solidFill>
-                <a:latin typeface="Work Sans"/>
-                <a:ea typeface="Work Sans"/>
-                <a:cs typeface="Work Sans"/>
-                <a:sym typeface="Work Sans"/>
-              </a:rPr>
-              <a:t> </a:t>
-            </a:r>
-            <a:r>
-              <a:rPr lang="en-US" sz="2800" dirty="0" err="1">
-                <a:solidFill>
-                  <a:schemeClr val="dk1"/>
-                </a:solidFill>
-                <a:latin typeface="Work Sans"/>
-                <a:ea typeface="Work Sans"/>
-                <a:cs typeface="Work Sans"/>
-                <a:sym typeface="Work Sans"/>
-              </a:rPr>
-              <a:t>actualisées</a:t>
-            </a:r>
-            <a:r>
-              <a:rPr lang="en-US" sz="2800" dirty="0">
-                <a:solidFill>
-                  <a:schemeClr val="dk1"/>
-                </a:solidFill>
-                <a:latin typeface="Work Sans"/>
-                <a:ea typeface="Work Sans"/>
-                <a:cs typeface="Work Sans"/>
-                <a:sym typeface="Work Sans"/>
-              </a:rPr>
-              <a:t>, </a:t>
-            </a:r>
-            <a:r>
-              <a:rPr lang="en-US" sz="2800" dirty="0" err="1">
-                <a:solidFill>
-                  <a:schemeClr val="dk1"/>
-                </a:solidFill>
-                <a:latin typeface="Work Sans"/>
-                <a:ea typeface="Work Sans"/>
-                <a:cs typeface="Work Sans"/>
-                <a:sym typeface="Work Sans"/>
-              </a:rPr>
-              <a:t>elle</a:t>
-            </a:r>
-            <a:r>
-              <a:rPr lang="en-US" sz="2800" dirty="0">
-                <a:solidFill>
-                  <a:schemeClr val="dk1"/>
-                </a:solidFill>
-                <a:latin typeface="Work Sans"/>
-                <a:ea typeface="Work Sans"/>
-                <a:cs typeface="Work Sans"/>
-                <a:sym typeface="Work Sans"/>
-              </a:rPr>
-              <a:t> </a:t>
-            </a:r>
-            <a:r>
-              <a:rPr lang="en-US" sz="2800" dirty="0" err="1">
-                <a:solidFill>
-                  <a:schemeClr val="dk1"/>
-                </a:solidFill>
-                <a:latin typeface="Work Sans"/>
-                <a:ea typeface="Work Sans"/>
-                <a:cs typeface="Work Sans"/>
-                <a:sym typeface="Work Sans"/>
-              </a:rPr>
-              <a:t>favorise</a:t>
-            </a:r>
-            <a:r>
-              <a:rPr lang="en-US" sz="2800" dirty="0">
-                <a:solidFill>
-                  <a:schemeClr val="dk1"/>
-                </a:solidFill>
-                <a:latin typeface="Work Sans"/>
-                <a:ea typeface="Work Sans"/>
-                <a:cs typeface="Work Sans"/>
-                <a:sym typeface="Work Sans"/>
-              </a:rPr>
-              <a:t> la </a:t>
-            </a:r>
-            <a:r>
-              <a:rPr lang="en-US" sz="2800" dirty="0" err="1">
-                <a:solidFill>
-                  <a:schemeClr val="dk1"/>
-                </a:solidFill>
-                <a:latin typeface="Work Sans"/>
-                <a:ea typeface="Work Sans"/>
-                <a:cs typeface="Work Sans"/>
-                <a:sym typeface="Work Sans"/>
-              </a:rPr>
-              <a:t>prise</a:t>
-            </a:r>
-            <a:r>
-              <a:rPr lang="en-US" sz="2800" dirty="0">
-                <a:solidFill>
-                  <a:schemeClr val="dk1"/>
-                </a:solidFill>
-                <a:latin typeface="Work Sans"/>
-                <a:ea typeface="Work Sans"/>
-                <a:cs typeface="Work Sans"/>
-                <a:sym typeface="Work Sans"/>
-              </a:rPr>
-              <a:t> de </a:t>
-            </a:r>
-            <a:r>
-              <a:rPr lang="en-US" sz="2800" dirty="0" err="1">
-                <a:solidFill>
-                  <a:schemeClr val="dk1"/>
-                </a:solidFill>
-                <a:latin typeface="Work Sans"/>
-                <a:ea typeface="Work Sans"/>
-                <a:cs typeface="Work Sans"/>
-                <a:sym typeface="Work Sans"/>
-              </a:rPr>
-              <a:t>décisions</a:t>
-            </a:r>
-            <a:r>
-              <a:rPr lang="en-US" sz="2800" dirty="0">
-                <a:solidFill>
-                  <a:schemeClr val="dk1"/>
-                </a:solidFill>
-                <a:latin typeface="Work Sans"/>
-                <a:ea typeface="Work Sans"/>
-                <a:cs typeface="Work Sans"/>
-                <a:sym typeface="Work Sans"/>
-              </a:rPr>
-              <a:t> </a:t>
-            </a:r>
-            <a:r>
-              <a:rPr lang="en-US" sz="2800" dirty="0" err="1">
-                <a:solidFill>
-                  <a:schemeClr val="dk1"/>
-                </a:solidFill>
-                <a:latin typeface="Work Sans"/>
-                <a:ea typeface="Work Sans"/>
-                <a:cs typeface="Work Sans"/>
-                <a:sym typeface="Work Sans"/>
-              </a:rPr>
-              <a:t>éclairées</a:t>
-            </a:r>
-            <a:r>
-              <a:rPr lang="en-US" sz="2800" dirty="0">
-                <a:solidFill>
-                  <a:schemeClr val="dk1"/>
-                </a:solidFill>
-                <a:latin typeface="Work Sans"/>
-                <a:ea typeface="Work Sans"/>
-                <a:cs typeface="Work Sans"/>
-                <a:sym typeface="Work Sans"/>
-              </a:rPr>
-              <a:t> </a:t>
-            </a:r>
-            <a:r>
-              <a:rPr lang="en-US" sz="2800" dirty="0" err="1">
-                <a:solidFill>
-                  <a:schemeClr val="dk1"/>
-                </a:solidFill>
-                <a:latin typeface="Work Sans"/>
-                <a:ea typeface="Work Sans"/>
-                <a:cs typeface="Work Sans"/>
-                <a:sym typeface="Work Sans"/>
-              </a:rPr>
-              <a:t>basées</a:t>
-            </a:r>
-            <a:r>
-              <a:rPr lang="en-US" sz="2800" dirty="0">
-                <a:solidFill>
-                  <a:schemeClr val="dk1"/>
-                </a:solidFill>
-                <a:latin typeface="Work Sans"/>
-                <a:ea typeface="Work Sans"/>
-                <a:cs typeface="Work Sans"/>
-                <a:sym typeface="Work Sans"/>
-              </a:rPr>
-              <a:t> sur les données les plus </a:t>
-            </a:r>
-            <a:r>
-              <a:rPr lang="en-US" sz="2800" dirty="0" err="1">
-                <a:solidFill>
-                  <a:schemeClr val="dk1"/>
-                </a:solidFill>
-                <a:latin typeface="Work Sans"/>
-                <a:ea typeface="Work Sans"/>
-                <a:cs typeface="Work Sans"/>
-                <a:sym typeface="Work Sans"/>
-              </a:rPr>
-              <a:t>récentes</a:t>
-            </a:r>
-            <a:r>
-              <a:rPr lang="en-US" sz="2800" dirty="0">
-                <a:solidFill>
-                  <a:schemeClr val="dk1"/>
-                </a:solidFill>
-                <a:latin typeface="Work Sans"/>
-                <a:ea typeface="Work Sans"/>
-                <a:cs typeface="Work Sans"/>
-                <a:sym typeface="Work Sans"/>
-              </a:rPr>
-              <a:t>. </a:t>
-            </a:r>
-            <a:endParaRPr sz="2800" dirty="0">
-              <a:solidFill>
-                <a:schemeClr val="dk1"/>
-              </a:solidFill>
-              <a:latin typeface="Work Sans"/>
-              <a:ea typeface="Work Sans"/>
-              <a:cs typeface="Work Sans"/>
-              <a:sym typeface="Work Sans"/>
-            </a:endParaRPr>
-          </a:p>
-          <a:p>
-            <a:pPr marL="0" lvl="0" indent="0" algn="l" rtl="0">
-              <a:lnSpc>
-                <a:spcPct val="115000"/>
-              </a:lnSpc>
-              <a:spcBef>
-                <a:spcPts val="0"/>
-              </a:spcBef>
-              <a:spcAft>
-                <a:spcPts val="0"/>
-              </a:spcAft>
-              <a:buNone/>
-            </a:pPr>
-            <a:endParaRPr sz="2800" dirty="0">
-              <a:solidFill>
-                <a:schemeClr val="dk1"/>
-              </a:solidFill>
-              <a:latin typeface="Work Sans"/>
-              <a:ea typeface="Work Sans"/>
-              <a:cs typeface="Work Sans"/>
-              <a:sym typeface="Work Sans"/>
-            </a:endParaRPr>
-          </a:p>
-          <a:p>
-            <a:pPr marL="0" lvl="0" indent="0" algn="l" rtl="0">
-              <a:lnSpc>
-                <a:spcPct val="115000"/>
-              </a:lnSpc>
-              <a:spcBef>
-                <a:spcPts val="0"/>
-              </a:spcBef>
-              <a:spcAft>
-                <a:spcPts val="0"/>
-              </a:spcAft>
-              <a:buNone/>
-            </a:pPr>
-            <a:r>
-              <a:rPr lang="en-US" sz="2800" dirty="0">
-                <a:solidFill>
-                  <a:schemeClr val="dk1"/>
-                </a:solidFill>
-                <a:latin typeface="Work Sans"/>
-                <a:ea typeface="Work Sans"/>
-                <a:cs typeface="Work Sans"/>
-                <a:sym typeface="Work Sans"/>
-              </a:rPr>
-              <a:t>De plus, </a:t>
-            </a:r>
-            <a:r>
-              <a:rPr lang="en-US" sz="2800" dirty="0" err="1">
-                <a:solidFill>
-                  <a:schemeClr val="dk1"/>
-                </a:solidFill>
-                <a:latin typeface="Work Sans"/>
-                <a:ea typeface="Work Sans"/>
-                <a:cs typeface="Work Sans"/>
-                <a:sym typeface="Work Sans"/>
-              </a:rPr>
-              <a:t>elle</a:t>
-            </a:r>
-            <a:r>
-              <a:rPr lang="en-US" sz="2800" dirty="0">
-                <a:solidFill>
-                  <a:schemeClr val="dk1"/>
-                </a:solidFill>
-                <a:latin typeface="Work Sans"/>
-                <a:ea typeface="Work Sans"/>
-                <a:cs typeface="Work Sans"/>
-                <a:sym typeface="Work Sans"/>
-              </a:rPr>
-              <a:t> </a:t>
-            </a:r>
-            <a:r>
-              <a:rPr lang="en-US" sz="2800" dirty="0" err="1">
-                <a:solidFill>
-                  <a:schemeClr val="dk1"/>
-                </a:solidFill>
-                <a:latin typeface="Work Sans"/>
-                <a:ea typeface="Work Sans"/>
-                <a:cs typeface="Work Sans"/>
-                <a:sym typeface="Work Sans"/>
-              </a:rPr>
-              <a:t>permet</a:t>
-            </a:r>
-            <a:r>
-              <a:rPr lang="en-US" sz="2800" dirty="0">
-                <a:solidFill>
-                  <a:schemeClr val="dk1"/>
-                </a:solidFill>
-                <a:latin typeface="Work Sans"/>
-                <a:ea typeface="Work Sans"/>
-                <a:cs typeface="Work Sans"/>
-                <a:sym typeface="Work Sans"/>
-              </a:rPr>
-              <a:t> </a:t>
-            </a:r>
-            <a:r>
-              <a:rPr lang="en-US" sz="2800" dirty="0" err="1">
-                <a:solidFill>
-                  <a:schemeClr val="dk1"/>
-                </a:solidFill>
-                <a:latin typeface="Work Sans"/>
-                <a:ea typeface="Work Sans"/>
-                <a:cs typeface="Work Sans"/>
-                <a:sym typeface="Work Sans"/>
-              </a:rPr>
-              <a:t>une</a:t>
-            </a:r>
-            <a:r>
-              <a:rPr lang="en-US" sz="2800" dirty="0">
-                <a:solidFill>
-                  <a:schemeClr val="dk1"/>
-                </a:solidFill>
-                <a:latin typeface="Work Sans"/>
-                <a:ea typeface="Work Sans"/>
-                <a:cs typeface="Work Sans"/>
-                <a:sym typeface="Work Sans"/>
-              </a:rPr>
-              <a:t> mise à jour </a:t>
-            </a:r>
-            <a:r>
-              <a:rPr lang="en-US" sz="2800" dirty="0" err="1">
-                <a:solidFill>
-                  <a:schemeClr val="dk1"/>
-                </a:solidFill>
-                <a:latin typeface="Work Sans"/>
-                <a:ea typeface="Work Sans"/>
-                <a:cs typeface="Work Sans"/>
-                <a:sym typeface="Work Sans"/>
-              </a:rPr>
-              <a:t>constante</a:t>
-            </a:r>
-            <a:r>
-              <a:rPr lang="en-US" sz="2800" dirty="0">
-                <a:solidFill>
-                  <a:schemeClr val="dk1"/>
-                </a:solidFill>
-                <a:latin typeface="Work Sans"/>
-                <a:ea typeface="Work Sans"/>
-                <a:cs typeface="Work Sans"/>
-                <a:sym typeface="Work Sans"/>
-              </a:rPr>
-              <a:t> des </a:t>
-            </a:r>
-            <a:r>
-              <a:rPr lang="en-US" sz="2800" dirty="0" err="1">
-                <a:solidFill>
-                  <a:schemeClr val="dk1"/>
-                </a:solidFill>
-                <a:latin typeface="Work Sans"/>
-                <a:ea typeface="Work Sans"/>
-                <a:cs typeface="Work Sans"/>
-                <a:sym typeface="Work Sans"/>
-              </a:rPr>
-              <a:t>connaissances</a:t>
-            </a:r>
-            <a:r>
-              <a:rPr lang="en-US" sz="2800" dirty="0">
-                <a:solidFill>
-                  <a:schemeClr val="dk1"/>
-                </a:solidFill>
-                <a:latin typeface="Work Sans"/>
-                <a:ea typeface="Work Sans"/>
-                <a:cs typeface="Work Sans"/>
-                <a:sym typeface="Work Sans"/>
-              </a:rPr>
-              <a:t> </a:t>
-            </a:r>
-            <a:r>
-              <a:rPr lang="en-US" sz="2800" dirty="0" err="1">
-                <a:solidFill>
-                  <a:schemeClr val="dk1"/>
-                </a:solidFill>
-                <a:latin typeface="Work Sans"/>
-                <a:ea typeface="Work Sans"/>
-                <a:cs typeface="Work Sans"/>
-                <a:sym typeface="Work Sans"/>
-              </a:rPr>
-              <a:t>professionnelles</a:t>
-            </a:r>
-            <a:r>
-              <a:rPr lang="en-US" sz="2800" dirty="0">
-                <a:solidFill>
-                  <a:schemeClr val="dk1"/>
-                </a:solidFill>
-                <a:latin typeface="Work Sans"/>
-                <a:ea typeface="Work Sans"/>
-                <a:cs typeface="Work Sans"/>
-                <a:sym typeface="Work Sans"/>
-              </a:rPr>
-              <a:t>, </a:t>
-            </a:r>
-            <a:r>
-              <a:rPr lang="en-US" sz="2800" dirty="0" err="1">
-                <a:solidFill>
-                  <a:schemeClr val="dk1"/>
-                </a:solidFill>
-                <a:latin typeface="Work Sans"/>
-                <a:ea typeface="Work Sans"/>
-                <a:cs typeface="Work Sans"/>
-                <a:sym typeface="Work Sans"/>
-              </a:rPr>
-              <a:t>permettant</a:t>
-            </a:r>
-            <a:r>
-              <a:rPr lang="en-US" sz="2800" dirty="0">
-                <a:solidFill>
-                  <a:schemeClr val="dk1"/>
-                </a:solidFill>
-                <a:latin typeface="Work Sans"/>
-                <a:ea typeface="Work Sans"/>
-                <a:cs typeface="Work Sans"/>
-                <a:sym typeface="Work Sans"/>
-              </a:rPr>
-              <a:t> </a:t>
-            </a:r>
-            <a:r>
-              <a:rPr lang="en-US" sz="2800" dirty="0" err="1">
-                <a:solidFill>
-                  <a:schemeClr val="dk1"/>
-                </a:solidFill>
-                <a:latin typeface="Work Sans"/>
-                <a:ea typeface="Work Sans"/>
-                <a:cs typeface="Work Sans"/>
-                <a:sym typeface="Work Sans"/>
-              </a:rPr>
-              <a:t>ainsi</a:t>
-            </a:r>
-            <a:r>
-              <a:rPr lang="en-US" sz="2800" dirty="0">
-                <a:solidFill>
-                  <a:schemeClr val="dk1"/>
-                </a:solidFill>
-                <a:latin typeface="Work Sans"/>
-                <a:ea typeface="Work Sans"/>
-                <a:cs typeface="Work Sans"/>
-                <a:sym typeface="Work Sans"/>
-              </a:rPr>
-              <a:t> de </a:t>
-            </a:r>
-            <a:r>
-              <a:rPr lang="en-US" sz="2800" dirty="0" err="1">
-                <a:solidFill>
-                  <a:schemeClr val="dk1"/>
-                </a:solidFill>
-                <a:latin typeface="Work Sans"/>
-                <a:ea typeface="Work Sans"/>
-                <a:cs typeface="Work Sans"/>
-                <a:sym typeface="Work Sans"/>
-              </a:rPr>
-              <a:t>rester</a:t>
-            </a:r>
-            <a:r>
-              <a:rPr lang="en-US" sz="2800" dirty="0">
-                <a:solidFill>
-                  <a:schemeClr val="dk1"/>
-                </a:solidFill>
-                <a:latin typeface="Work Sans"/>
-                <a:ea typeface="Work Sans"/>
-                <a:cs typeface="Work Sans"/>
-                <a:sym typeface="Work Sans"/>
-              </a:rPr>
-              <a:t> </a:t>
-            </a:r>
-            <a:r>
-              <a:rPr lang="en-US" sz="2800" dirty="0" err="1">
-                <a:solidFill>
-                  <a:schemeClr val="dk1"/>
-                </a:solidFill>
-                <a:latin typeface="Work Sans"/>
-                <a:ea typeface="Work Sans"/>
-                <a:cs typeface="Work Sans"/>
-                <a:sym typeface="Work Sans"/>
-              </a:rPr>
-              <a:t>compétitif</a:t>
-            </a:r>
-            <a:r>
-              <a:rPr lang="en-US" sz="2800" dirty="0">
-                <a:solidFill>
-                  <a:schemeClr val="dk1"/>
-                </a:solidFill>
-                <a:latin typeface="Work Sans"/>
-                <a:ea typeface="Work Sans"/>
-                <a:cs typeface="Work Sans"/>
-                <a:sym typeface="Work Sans"/>
-              </a:rPr>
-              <a:t> et pertinent dans </a:t>
-            </a:r>
-            <a:r>
-              <a:rPr lang="en-US" sz="2800" dirty="0" err="1">
-                <a:solidFill>
-                  <a:schemeClr val="dk1"/>
-                </a:solidFill>
-                <a:latin typeface="Work Sans"/>
-                <a:ea typeface="Work Sans"/>
-                <a:cs typeface="Work Sans"/>
-                <a:sym typeface="Work Sans"/>
-              </a:rPr>
-              <a:t>votre</a:t>
-            </a:r>
-            <a:r>
-              <a:rPr lang="en-US" sz="2800" dirty="0">
-                <a:solidFill>
-                  <a:schemeClr val="dk1"/>
-                </a:solidFill>
-                <a:latin typeface="Work Sans"/>
-                <a:ea typeface="Work Sans"/>
-                <a:cs typeface="Work Sans"/>
-                <a:sym typeface="Work Sans"/>
-              </a:rPr>
-              <a:t> </a:t>
-            </a:r>
-            <a:r>
-              <a:rPr lang="en-US" sz="2800" dirty="0" err="1">
-                <a:solidFill>
-                  <a:schemeClr val="dk1"/>
-                </a:solidFill>
-                <a:latin typeface="Work Sans"/>
-                <a:ea typeface="Work Sans"/>
-                <a:cs typeface="Work Sans"/>
-                <a:sym typeface="Work Sans"/>
-              </a:rPr>
-              <a:t>domaine</a:t>
-            </a:r>
-            <a:r>
-              <a:rPr lang="en-US" sz="2800" dirty="0">
-                <a:solidFill>
-                  <a:schemeClr val="dk1"/>
-                </a:solidFill>
-                <a:latin typeface="Work Sans"/>
-                <a:ea typeface="Work Sans"/>
-                <a:cs typeface="Work Sans"/>
-                <a:sym typeface="Work Sans"/>
-              </a:rPr>
-              <a:t>. </a:t>
-            </a:r>
-            <a:r>
-              <a:rPr lang="en-US" sz="2800" dirty="0" err="1">
-                <a:solidFill>
-                  <a:schemeClr val="dk1"/>
-                </a:solidFill>
-                <a:latin typeface="Work Sans"/>
-                <a:ea typeface="Work Sans"/>
-                <a:cs typeface="Work Sans"/>
-                <a:sym typeface="Work Sans"/>
-              </a:rPr>
-              <a:t>C'est</a:t>
-            </a:r>
-            <a:r>
-              <a:rPr lang="en-US" sz="2800" dirty="0">
-                <a:solidFill>
-                  <a:schemeClr val="dk1"/>
-                </a:solidFill>
-                <a:latin typeface="Work Sans"/>
-                <a:ea typeface="Work Sans"/>
-                <a:cs typeface="Work Sans"/>
-                <a:sym typeface="Work Sans"/>
-              </a:rPr>
-              <a:t> un </a:t>
-            </a:r>
-            <a:r>
-              <a:rPr lang="en-US" sz="2800" dirty="0" err="1">
-                <a:solidFill>
-                  <a:schemeClr val="dk1"/>
-                </a:solidFill>
-                <a:latin typeface="Work Sans"/>
-                <a:ea typeface="Work Sans"/>
-                <a:cs typeface="Work Sans"/>
-                <a:sym typeface="Work Sans"/>
-              </a:rPr>
-              <a:t>outil</a:t>
-            </a:r>
-            <a:r>
-              <a:rPr lang="en-US" sz="2800" dirty="0">
-                <a:solidFill>
-                  <a:schemeClr val="dk1"/>
-                </a:solidFill>
-                <a:latin typeface="Work Sans"/>
-                <a:ea typeface="Work Sans"/>
-                <a:cs typeface="Work Sans"/>
-                <a:sym typeface="Work Sans"/>
-              </a:rPr>
-              <a:t> </a:t>
-            </a:r>
-            <a:r>
-              <a:rPr lang="en-US" sz="2800" dirty="0" err="1">
-                <a:solidFill>
-                  <a:schemeClr val="dk1"/>
-                </a:solidFill>
-                <a:latin typeface="Work Sans"/>
-                <a:ea typeface="Work Sans"/>
-                <a:cs typeface="Work Sans"/>
-                <a:sym typeface="Work Sans"/>
-              </a:rPr>
-              <a:t>précieux</a:t>
-            </a:r>
-            <a:r>
-              <a:rPr lang="en-US" sz="2800" dirty="0">
-                <a:solidFill>
-                  <a:schemeClr val="dk1"/>
-                </a:solidFill>
-                <a:latin typeface="Work Sans"/>
-                <a:ea typeface="Work Sans"/>
-                <a:cs typeface="Work Sans"/>
-                <a:sym typeface="Work Sans"/>
-              </a:rPr>
-              <a:t> pour </a:t>
-            </a:r>
-            <a:r>
-              <a:rPr lang="en-US" sz="2800" dirty="0" err="1">
-                <a:solidFill>
-                  <a:schemeClr val="dk1"/>
-                </a:solidFill>
-                <a:latin typeface="Work Sans"/>
-                <a:ea typeface="Work Sans"/>
-                <a:cs typeface="Work Sans"/>
-                <a:sym typeface="Work Sans"/>
-              </a:rPr>
-              <a:t>toute</a:t>
-            </a:r>
-            <a:r>
-              <a:rPr lang="en-US" sz="2800" dirty="0">
-                <a:solidFill>
-                  <a:schemeClr val="dk1"/>
-                </a:solidFill>
-                <a:latin typeface="Work Sans"/>
-                <a:ea typeface="Work Sans"/>
-                <a:cs typeface="Work Sans"/>
-                <a:sym typeface="Work Sans"/>
-              </a:rPr>
-              <a:t> </a:t>
-            </a:r>
-            <a:r>
-              <a:rPr lang="en-US" sz="2800" dirty="0" err="1">
-                <a:solidFill>
-                  <a:schemeClr val="dk1"/>
-                </a:solidFill>
-                <a:latin typeface="Work Sans"/>
-                <a:ea typeface="Work Sans"/>
-                <a:cs typeface="Work Sans"/>
-                <a:sym typeface="Work Sans"/>
-              </a:rPr>
-              <a:t>personne</a:t>
-            </a:r>
-            <a:r>
-              <a:rPr lang="en-US" sz="2800" dirty="0">
-                <a:solidFill>
-                  <a:schemeClr val="dk1"/>
-                </a:solidFill>
-                <a:latin typeface="Work Sans"/>
-                <a:ea typeface="Work Sans"/>
-                <a:cs typeface="Work Sans"/>
-                <a:sym typeface="Work Sans"/>
-              </a:rPr>
-              <a:t> </a:t>
-            </a:r>
-            <a:r>
-              <a:rPr lang="en-US" sz="2800" dirty="0" err="1">
-                <a:solidFill>
-                  <a:schemeClr val="dk1"/>
-                </a:solidFill>
-                <a:latin typeface="Work Sans"/>
-                <a:ea typeface="Work Sans"/>
-                <a:cs typeface="Work Sans"/>
-                <a:sym typeface="Work Sans"/>
-              </a:rPr>
-              <a:t>cherchant</a:t>
-            </a:r>
-            <a:r>
-              <a:rPr lang="en-US" sz="2800" dirty="0">
-                <a:solidFill>
-                  <a:schemeClr val="dk1"/>
-                </a:solidFill>
-                <a:latin typeface="Work Sans"/>
-                <a:ea typeface="Work Sans"/>
-                <a:cs typeface="Work Sans"/>
-                <a:sym typeface="Work Sans"/>
-              </a:rPr>
-              <a:t> à </a:t>
-            </a:r>
-            <a:r>
-              <a:rPr lang="en-US" sz="2800" dirty="0" err="1">
-                <a:solidFill>
-                  <a:schemeClr val="dk1"/>
-                </a:solidFill>
-                <a:latin typeface="Work Sans"/>
-                <a:ea typeface="Work Sans"/>
-                <a:cs typeface="Work Sans"/>
-                <a:sym typeface="Work Sans"/>
-              </a:rPr>
-              <a:t>rester</a:t>
-            </a:r>
-            <a:r>
-              <a:rPr lang="en-US" sz="2800" dirty="0">
-                <a:solidFill>
-                  <a:schemeClr val="dk1"/>
-                </a:solidFill>
-                <a:latin typeface="Work Sans"/>
-                <a:ea typeface="Work Sans"/>
-                <a:cs typeface="Work Sans"/>
-                <a:sym typeface="Work Sans"/>
-              </a:rPr>
-              <a:t> à la pointe de son </a:t>
-            </a:r>
-            <a:r>
-              <a:rPr lang="en-US" sz="2800" dirty="0" err="1">
-                <a:solidFill>
-                  <a:schemeClr val="dk1"/>
-                </a:solidFill>
-                <a:latin typeface="Work Sans"/>
-                <a:ea typeface="Work Sans"/>
-                <a:cs typeface="Work Sans"/>
-                <a:sym typeface="Work Sans"/>
-              </a:rPr>
-              <a:t>domaine</a:t>
-            </a:r>
-            <a:r>
-              <a:rPr lang="en-US" sz="2800" dirty="0">
-                <a:solidFill>
-                  <a:schemeClr val="dk1"/>
-                </a:solidFill>
-                <a:latin typeface="Work Sans"/>
-                <a:ea typeface="Work Sans"/>
-                <a:cs typeface="Work Sans"/>
-                <a:sym typeface="Work Sans"/>
-              </a:rPr>
-              <a:t> </a:t>
-            </a:r>
-            <a:r>
-              <a:rPr lang="en-US" sz="2800" dirty="0" err="1">
-                <a:solidFill>
-                  <a:schemeClr val="dk1"/>
-                </a:solidFill>
-                <a:latin typeface="Work Sans"/>
-                <a:ea typeface="Work Sans"/>
-                <a:cs typeface="Work Sans"/>
-                <a:sym typeface="Work Sans"/>
-              </a:rPr>
-              <a:t>d'expertise</a:t>
-            </a:r>
-            <a:r>
-              <a:rPr lang="en-US" sz="2800" dirty="0">
-                <a:solidFill>
-                  <a:schemeClr val="dk1"/>
-                </a:solidFill>
-                <a:latin typeface="Work Sans"/>
-                <a:ea typeface="Work Sans"/>
-                <a:cs typeface="Work Sans"/>
-                <a:sym typeface="Work Sans"/>
-              </a:rPr>
-              <a:t>.</a:t>
-            </a:r>
-            <a:endParaRPr sz="2800" dirty="0">
-              <a:solidFill>
-                <a:schemeClr val="dk1"/>
-              </a:solidFill>
-              <a:latin typeface="Work Sans"/>
-              <a:ea typeface="Work Sans"/>
-              <a:cs typeface="Work Sans"/>
-              <a:sym typeface="Work Sans"/>
-            </a:endParaRPr>
-          </a:p>
-        </p:txBody>
-      </p:sp>
-      <p:sp>
-        <p:nvSpPr>
-          <p:cNvPr id="220" name="Google Shape;220;p24"/>
-          <p:cNvSpPr txBox="1">
-            <a:spLocks noGrp="1"/>
-          </p:cNvSpPr>
-          <p:nvPr>
-            <p:ph type="sldNum" idx="12"/>
-          </p:nvPr>
-        </p:nvSpPr>
-        <p:spPr>
-          <a:xfrm>
-            <a:off x="0" y="9921900"/>
-            <a:ext cx="2133600" cy="365100"/>
-          </a:xfrm>
-          <a:prstGeom prst="rect">
-            <a:avLst/>
-          </a:prstGeom>
-        </p:spPr>
-        <p:txBody>
-          <a:bodyPr spcFirstLastPara="1" wrap="square" lIns="91425" tIns="45700" rIns="91425" bIns="45700" anchor="ctr" anchorCtr="0">
-            <a:noAutofit/>
-          </a:bodyPr>
-          <a:lstStyle/>
-          <a:p>
-            <a:pPr marL="0" lvl="0" indent="0" algn="r" rtl="0">
-              <a:spcBef>
-                <a:spcPts val="0"/>
-              </a:spcBef>
-              <a:spcAft>
-                <a:spcPts val="0"/>
-              </a:spcAft>
-              <a:buClr>
-                <a:srgbClr val="000000"/>
-              </a:buClr>
-              <a:buFont typeface="Arial"/>
-              <a:buNone/>
-            </a:pPr>
-            <a:fld id="{00000000-1234-1234-1234-123412341234}" type="slidenum">
-              <a:rPr lang="en-US"/>
-              <a:t>12</a:t>
-            </a:fld>
-            <a:endParaRPr/>
-          </a:p>
-        </p:txBody>
-      </p:sp>
-      <p:pic>
-        <p:nvPicPr>
-          <p:cNvPr id="221" name="Google Shape;221;p24"/>
-          <p:cNvPicPr preferRelativeResize="0"/>
-          <p:nvPr/>
-        </p:nvPicPr>
-        <p:blipFill>
-          <a:blip r:embed="rId3">
-            <a:alphaModFix/>
-          </a:blip>
-          <a:stretch>
-            <a:fillRect/>
-          </a:stretch>
-        </p:blipFill>
-        <p:spPr>
-          <a:xfrm>
-            <a:off x="0" y="0"/>
-            <a:ext cx="1454400" cy="666550"/>
-          </a:xfrm>
-          <a:prstGeom prst="rect">
-            <a:avLst/>
-          </a:prstGeom>
-          <a:noFill/>
-          <a:ln>
-            <a:noFill/>
-          </a:ln>
-        </p:spPr>
-      </p:pic>
-      <p:pic>
-        <p:nvPicPr>
-          <p:cNvPr id="222" name="Google Shape;222;p24"/>
-          <p:cNvPicPr preferRelativeResize="0"/>
-          <p:nvPr/>
-        </p:nvPicPr>
-        <p:blipFill rotWithShape="1">
-          <a:blip r:embed="rId4">
-            <a:alphaModFix/>
-          </a:blip>
-          <a:srcRect r="35562"/>
-          <a:stretch/>
-        </p:blipFill>
-        <p:spPr>
-          <a:xfrm>
-            <a:off x="830625" y="2380825"/>
-            <a:ext cx="6630676" cy="7327899"/>
-          </a:xfrm>
-          <a:prstGeom prst="rect">
-            <a:avLst/>
-          </a:prstGeom>
-          <a:solidFill>
-            <a:schemeClr val="lt1"/>
-          </a:solidFill>
-          <a:ln w="9525" cap="flat" cmpd="sng">
-            <a:solidFill>
-              <a:srgbClr val="C5A073"/>
-            </a:solidFill>
-            <a:prstDash val="solid"/>
-            <a:round/>
-            <a:headEnd type="none" w="sm" len="sm"/>
-            <a:tailEnd type="none" w="sm" len="sm"/>
-          </a:ln>
-        </p:spPr>
-      </p:pic>
-    </p:spTree>
-  </p:cSld>
-  <p:clrMapOvr>
-    <a:masterClrMapping/>
-  </p:clrMapOvr>
-  <p:timing>
-    <p:tnLst>
-      <p:par>
-        <p:cTn id="1" dur="indefinite" restart="never" nodeType="tmRoot">
-          <p:childTnLst>
-            <p:seq concurrent="1" nextAc="seek">
-              <p:cTn id="2" dur="indefinite" nodeType="mainSeq">
-                <p:childTnLst>
-                  <p:par>
-                    <p:cTn id="3" fill="hold">
-                      <p:stCondLst>
-                        <p:cond delay="indefinite"/>
-                      </p:stCondLst>
-                      <p:childTnLst>
-                        <p:par>
-                          <p:cTn id="4" fill="hold">
-                            <p:stCondLst>
-                              <p:cond delay="0"/>
-                            </p:stCondLst>
-                            <p:childTnLst>
-                              <p:par>
-                                <p:cTn id="5" presetID="10" presetClass="entr" presetSubtype="0" fill="hold" nodeType="clickEffect">
-                                  <p:stCondLst>
-                                    <p:cond delay="0"/>
-                                  </p:stCondLst>
-                                  <p:childTnLst>
-                                    <p:set>
-                                      <p:cBhvr>
-                                        <p:cTn id="6" dur="1" fill="hold">
-                                          <p:stCondLst>
-                                            <p:cond delay="0"/>
-                                          </p:stCondLst>
-                                        </p:cTn>
-                                        <p:tgtEl>
-                                          <p:spTgt spid="222"/>
-                                        </p:tgtEl>
-                                        <p:attrNameLst>
-                                          <p:attrName>style.visibility</p:attrName>
-                                        </p:attrNameLst>
-                                      </p:cBhvr>
-                                      <p:to>
-                                        <p:strVal val="visible"/>
-                                      </p:to>
-                                    </p:set>
-                                    <p:animEffect transition="in" filter="fade">
-                                      <p:cBhvr>
-                                        <p:cTn id="7" dur="500"/>
-                                        <p:tgtEl>
-                                          <p:spTgt spid="222"/>
-                                        </p:tgtEl>
-                                      </p:cBhvr>
-                                    </p:animEffect>
-                                  </p:childTnLst>
-                                </p:cTn>
-                              </p:par>
-                              <p:par>
-                                <p:cTn id="8" presetID="10" presetClass="entr" presetSubtype="0" fill="hold" grpId="0" nodeType="withEffect">
-                                  <p:stCondLst>
-                                    <p:cond delay="0"/>
-                                  </p:stCondLst>
-                                  <p:childTnLst>
-                                    <p:set>
-                                      <p:cBhvr>
-                                        <p:cTn id="9" dur="1" fill="hold">
-                                          <p:stCondLst>
-                                            <p:cond delay="0"/>
-                                          </p:stCondLst>
-                                        </p:cTn>
-                                        <p:tgtEl>
-                                          <p:spTgt spid="219"/>
-                                        </p:tgtEl>
-                                        <p:attrNameLst>
-                                          <p:attrName>style.visibility</p:attrName>
-                                        </p:attrNameLst>
-                                      </p:cBhvr>
-                                      <p:to>
-                                        <p:strVal val="visible"/>
-                                      </p:to>
-                                    </p:set>
-                                    <p:animEffect transition="in" filter="fade">
-                                      <p:cBhvr>
-                                        <p:cTn id="10" dur="500"/>
-                                        <p:tgtEl>
-                                          <p:spTgt spid="219"/>
-                                        </p:tgtEl>
-                                      </p:cBhvr>
-                                    </p:animEffect>
-                                  </p:childTnLst>
-                                </p:cTn>
-                              </p:par>
-                            </p:childTnLst>
-                          </p:cTn>
-                        </p:par>
-                      </p:childTnLst>
-                    </p:cTn>
-                  </p:par>
-                </p:childTnLst>
-              </p:cTn>
-              <p:prevCondLst>
-                <p:cond evt="onPrev" delay="0">
-                  <p:tgtEl>
-                    <p:sldTgt/>
-                  </p:tgtEl>
-                </p:cond>
-              </p:prevCondLst>
-              <p:nextCondLst>
-                <p:cond evt="onNext" delay="0">
-                  <p:tgtEl>
-                    <p:sldTgt/>
-                  </p:tgtEl>
-                </p:cond>
-              </p:nextCondLst>
-            </p:seq>
-          </p:childTnLst>
-        </p:cTn>
-      </p:par>
-    </p:tnLst>
-    <p:bldLst>
-      <p:bldP spid="219" grpId="0"/>
-    </p:bldLst>
-  </p:timing>
-</p:sld>
-</file>
-
-<file path=ppt/slides/slide13.xml><?xml version="1.0" encoding="utf-8"?>
-<p:sld xmlns:a="http://schemas.openxmlformats.org/drawingml/2006/main" xmlns:r="http://schemas.openxmlformats.org/officeDocument/2006/relationships" xmlns:p="http://schemas.openxmlformats.org/presentationml/2006/main">
-  <p:cSld>
-    <p:spTree>
-      <p:nvGrpSpPr>
         <p:cNvPr id="1" name="Shape 237"/>
         <p:cNvGrpSpPr/>
         <p:nvPr/>
@@ -17738,7 +15939,7 @@
             </a:pPr>
             <a:fld id="{00000000-1234-1234-1234-123412341234}" type="slidenum">
               <a:rPr lang="en-US"/>
-              <a:t>13</a:t>
+              <a:t>12</a:t>
             </a:fld>
             <a:endParaRPr/>
           </a:p>

--- a/4_Presentation_générale/Sourice_Pierre_4_solution technique_08022024.pptx
+++ b/4_Presentation_générale/Sourice_Pierre_4_solution technique_08022024.pptx
@@ -15,10 +15,10 @@
     <p:sldId id="260" r:id="rId6"/>
     <p:sldId id="261" r:id="rId7"/>
     <p:sldId id="270" r:id="rId8"/>
-    <p:sldId id="262" r:id="rId9"/>
-    <p:sldId id="263" r:id="rId10"/>
-    <p:sldId id="264" r:id="rId11"/>
-    <p:sldId id="265" r:id="rId12"/>
+    <p:sldId id="264" r:id="rId9"/>
+    <p:sldId id="265" r:id="rId10"/>
+    <p:sldId id="262" r:id="rId11"/>
+    <p:sldId id="263" r:id="rId12"/>
     <p:sldId id="269" r:id="rId13"/>
   </p:sldIdLst>
   <p:sldSz cx="18288000" cy="10287000"/>
@@ -851,7 +851,7 @@
   <p:cSld>
     <p:spTree>
       <p:nvGrpSpPr>
-        <p:cNvPr id="1" name="Shape 192"/>
+        <p:cNvPr id="1" name="Shape 171"/>
         <p:cNvGrpSpPr/>
         <p:nvPr/>
       </p:nvGrpSpPr>
@@ -865,7 +865,7 @@
       </p:grpSpPr>
       <p:sp>
         <p:nvSpPr>
-          <p:cNvPr id="193" name="Google Shape;193;g2bb40ad0cf6_0_232:notes"/>
+          <p:cNvPr id="172" name="Google Shape;172;g2bb40ad0cf6_0_116:notes"/>
           <p:cNvSpPr>
             <a:spLocks noGrp="1" noRot="1" noChangeAspect="1"/>
           </p:cNvSpPr>
@@ -906,7 +906,7 @@
       </p:sp>
       <p:sp>
         <p:nvSpPr>
-          <p:cNvPr id="194" name="Google Shape;194;g2bb40ad0cf6_0_232:notes"/>
+          <p:cNvPr id="173" name="Google Shape;173;g2bb40ad0cf6_0_116:notes"/>
           <p:cNvSpPr txBox="1">
             <a:spLocks noGrp="1"/>
           </p:cNvSpPr>
@@ -938,7 +938,7 @@
               </a:spcAft>
               <a:buNone/>
             </a:pPr>
-            <a:endParaRPr/>
+            <a:endParaRPr dirty="0"/>
           </a:p>
         </p:txBody>
       </p:sp>
@@ -2292,6 +2292,214 @@
   <p:cSld>
     <p:spTree>
       <p:nvGrpSpPr>
+        <p:cNvPr id="1" name="Shape 182"/>
+        <p:cNvGrpSpPr/>
+        <p:nvPr/>
+      </p:nvGrpSpPr>
+      <p:grpSpPr>
+        <a:xfrm>
+          <a:off x="0" y="0"/>
+          <a:ext cx="0" cy="0"/>
+          <a:chOff x="0" y="0"/>
+          <a:chExt cx="0" cy="0"/>
+        </a:xfrm>
+      </p:grpSpPr>
+      <p:sp>
+        <p:nvSpPr>
+          <p:cNvPr id="183" name="Google Shape;183;g2bb40ad0cf6_0_139:notes"/>
+          <p:cNvSpPr>
+            <a:spLocks noGrp="1" noRot="1" noChangeAspect="1"/>
+          </p:cNvSpPr>
+          <p:nvPr>
+            <p:ph type="sldImg" idx="2"/>
+          </p:nvPr>
+        </p:nvSpPr>
+        <p:spPr>
+          <a:xfrm>
+            <a:off x="381000" y="685800"/>
+            <a:ext cx="6096000" cy="3429000"/>
+          </a:xfrm>
+          <a:custGeom>
+            <a:avLst/>
+            <a:gdLst/>
+            <a:ahLst/>
+            <a:cxnLst/>
+            <a:rect l="l" t="t" r="r" b="b"/>
+            <a:pathLst>
+              <a:path w="120000" h="120000" extrusionOk="0">
+                <a:moveTo>
+                  <a:pt x="0" y="0"/>
+                </a:moveTo>
+                <a:lnTo>
+                  <a:pt x="120000" y="0"/>
+                </a:lnTo>
+                <a:lnTo>
+                  <a:pt x="120000" y="120000"/>
+                </a:lnTo>
+                <a:lnTo>
+                  <a:pt x="0" y="120000"/>
+                </a:lnTo>
+                <a:close/>
+              </a:path>
+            </a:pathLst>
+          </a:custGeom>
+        </p:spPr>
+      </p:sp>
+      <p:sp>
+        <p:nvSpPr>
+          <p:cNvPr id="184" name="Google Shape;184;g2bb40ad0cf6_0_139:notes"/>
+          <p:cNvSpPr txBox="1">
+            <a:spLocks noGrp="1"/>
+          </p:cNvSpPr>
+          <p:nvPr>
+            <p:ph type="body" idx="1"/>
+          </p:nvPr>
+        </p:nvSpPr>
+        <p:spPr>
+          <a:xfrm>
+            <a:off x="685800" y="4343400"/>
+            <a:ext cx="5486400" cy="4114800"/>
+          </a:xfrm>
+          <a:prstGeom prst="rect">
+            <a:avLst/>
+          </a:prstGeom>
+        </p:spPr>
+        <p:txBody>
+          <a:bodyPr spcFirstLastPara="1" wrap="square" lIns="91425" tIns="91425" rIns="91425" bIns="91425" anchor="t" anchorCtr="0">
+            <a:noAutofit/>
+          </a:bodyPr>
+          <a:lstStyle/>
+          <a:p>
+            <a:pPr marL="0" lvl="0" indent="0" algn="l" rtl="0">
+              <a:spcBef>
+                <a:spcPts val="0"/>
+              </a:spcBef>
+              <a:spcAft>
+                <a:spcPts val="0"/>
+              </a:spcAft>
+              <a:buNone/>
+            </a:pPr>
+            <a:endParaRPr/>
+          </a:p>
+        </p:txBody>
+      </p:sp>
+    </p:spTree>
+  </p:cSld>
+  <p:clrMapOvr>
+    <a:masterClrMapping/>
+  </p:clrMapOvr>
+</p:notes>
+</file>
+
+<file path=ppt/notesSlides/notesSlide8.xml><?xml version="1.0" encoding="utf-8"?>
+<p:notes xmlns:a="http://schemas.openxmlformats.org/drawingml/2006/main" xmlns:r="http://schemas.openxmlformats.org/officeDocument/2006/relationships" xmlns:p="http://schemas.openxmlformats.org/presentationml/2006/main" showMasterSp="0" showMasterPhAnim="0">
+  <p:cSld>
+    <p:spTree>
+      <p:nvGrpSpPr>
+        <p:cNvPr id="1" name="Shape 192"/>
+        <p:cNvGrpSpPr/>
+        <p:nvPr/>
+      </p:nvGrpSpPr>
+      <p:grpSpPr>
+        <a:xfrm>
+          <a:off x="0" y="0"/>
+          <a:ext cx="0" cy="0"/>
+          <a:chOff x="0" y="0"/>
+          <a:chExt cx="0" cy="0"/>
+        </a:xfrm>
+      </p:grpSpPr>
+      <p:sp>
+        <p:nvSpPr>
+          <p:cNvPr id="193" name="Google Shape;193;g2bb40ad0cf6_0_232:notes"/>
+          <p:cNvSpPr>
+            <a:spLocks noGrp="1" noRot="1" noChangeAspect="1"/>
+          </p:cNvSpPr>
+          <p:nvPr>
+            <p:ph type="sldImg" idx="2"/>
+          </p:nvPr>
+        </p:nvSpPr>
+        <p:spPr>
+          <a:xfrm>
+            <a:off x="381000" y="685800"/>
+            <a:ext cx="6096000" cy="3429000"/>
+          </a:xfrm>
+          <a:custGeom>
+            <a:avLst/>
+            <a:gdLst/>
+            <a:ahLst/>
+            <a:cxnLst/>
+            <a:rect l="l" t="t" r="r" b="b"/>
+            <a:pathLst>
+              <a:path w="120000" h="120000" extrusionOk="0">
+                <a:moveTo>
+                  <a:pt x="0" y="0"/>
+                </a:moveTo>
+                <a:lnTo>
+                  <a:pt x="120000" y="0"/>
+                </a:lnTo>
+                <a:lnTo>
+                  <a:pt x="120000" y="120000"/>
+                </a:lnTo>
+                <a:lnTo>
+                  <a:pt x="0" y="120000"/>
+                </a:lnTo>
+                <a:close/>
+              </a:path>
+            </a:pathLst>
+          </a:custGeom>
+        </p:spPr>
+      </p:sp>
+      <p:sp>
+        <p:nvSpPr>
+          <p:cNvPr id="194" name="Google Shape;194;g2bb40ad0cf6_0_232:notes"/>
+          <p:cNvSpPr txBox="1">
+            <a:spLocks noGrp="1"/>
+          </p:cNvSpPr>
+          <p:nvPr>
+            <p:ph type="body" idx="1"/>
+          </p:nvPr>
+        </p:nvSpPr>
+        <p:spPr>
+          <a:xfrm>
+            <a:off x="685800" y="4343400"/>
+            <a:ext cx="5486400" cy="4114800"/>
+          </a:xfrm>
+          <a:prstGeom prst="rect">
+            <a:avLst/>
+          </a:prstGeom>
+        </p:spPr>
+        <p:txBody>
+          <a:bodyPr spcFirstLastPara="1" wrap="square" lIns="91425" tIns="91425" rIns="91425" bIns="91425" anchor="t" anchorCtr="0">
+            <a:noAutofit/>
+          </a:bodyPr>
+          <a:lstStyle/>
+          <a:p>
+            <a:pPr marL="0" lvl="0" indent="0" algn="l" rtl="0">
+              <a:spcBef>
+                <a:spcPts val="0"/>
+              </a:spcBef>
+              <a:spcAft>
+                <a:spcPts val="0"/>
+              </a:spcAft>
+              <a:buNone/>
+            </a:pPr>
+            <a:endParaRPr/>
+          </a:p>
+        </p:txBody>
+      </p:sp>
+    </p:spTree>
+  </p:cSld>
+  <p:clrMapOvr>
+    <a:masterClrMapping/>
+  </p:clrMapOvr>
+</p:notes>
+</file>
+
+<file path=ppt/notesSlides/notesSlide9.xml><?xml version="1.0" encoding="utf-8"?>
+<p:notes xmlns:a="http://schemas.openxmlformats.org/drawingml/2006/main" xmlns:r="http://schemas.openxmlformats.org/officeDocument/2006/relationships" xmlns:p="http://schemas.openxmlformats.org/presentationml/2006/main" showMasterSp="0" showMasterPhAnim="0">
+  <p:cSld>
+    <p:spTree>
+      <p:nvGrpSpPr>
         <p:cNvPr id="1" name="Shape 161"/>
         <p:cNvGrpSpPr/>
         <p:nvPr/>
@@ -2348,214 +2556,6 @@
       <p:sp>
         <p:nvSpPr>
           <p:cNvPr id="163" name="Google Shape;163;g2bb40ad0cf6_0_105:notes"/>
-          <p:cNvSpPr txBox="1">
-            <a:spLocks noGrp="1"/>
-          </p:cNvSpPr>
-          <p:nvPr>
-            <p:ph type="body" idx="1"/>
-          </p:nvPr>
-        </p:nvSpPr>
-        <p:spPr>
-          <a:xfrm>
-            <a:off x="685800" y="4343400"/>
-            <a:ext cx="5486400" cy="4114800"/>
-          </a:xfrm>
-          <a:prstGeom prst="rect">
-            <a:avLst/>
-          </a:prstGeom>
-        </p:spPr>
-        <p:txBody>
-          <a:bodyPr spcFirstLastPara="1" wrap="square" lIns="91425" tIns="91425" rIns="91425" bIns="91425" anchor="t" anchorCtr="0">
-            <a:noAutofit/>
-          </a:bodyPr>
-          <a:lstStyle/>
-          <a:p>
-            <a:pPr marL="0" lvl="0" indent="0" algn="l" rtl="0">
-              <a:spcBef>
-                <a:spcPts val="0"/>
-              </a:spcBef>
-              <a:spcAft>
-                <a:spcPts val="0"/>
-              </a:spcAft>
-              <a:buNone/>
-            </a:pPr>
-            <a:endParaRPr/>
-          </a:p>
-        </p:txBody>
-      </p:sp>
-    </p:spTree>
-  </p:cSld>
-  <p:clrMapOvr>
-    <a:masterClrMapping/>
-  </p:clrMapOvr>
-</p:notes>
-</file>
-
-<file path=ppt/notesSlides/notesSlide8.xml><?xml version="1.0" encoding="utf-8"?>
-<p:notes xmlns:a="http://schemas.openxmlformats.org/drawingml/2006/main" xmlns:r="http://schemas.openxmlformats.org/officeDocument/2006/relationships" xmlns:p="http://schemas.openxmlformats.org/presentationml/2006/main" showMasterSp="0" showMasterPhAnim="0">
-  <p:cSld>
-    <p:spTree>
-      <p:nvGrpSpPr>
-        <p:cNvPr id="1" name="Shape 171"/>
-        <p:cNvGrpSpPr/>
-        <p:nvPr/>
-      </p:nvGrpSpPr>
-      <p:grpSpPr>
-        <a:xfrm>
-          <a:off x="0" y="0"/>
-          <a:ext cx="0" cy="0"/>
-          <a:chOff x="0" y="0"/>
-          <a:chExt cx="0" cy="0"/>
-        </a:xfrm>
-      </p:grpSpPr>
-      <p:sp>
-        <p:nvSpPr>
-          <p:cNvPr id="172" name="Google Shape;172;g2bb40ad0cf6_0_116:notes"/>
-          <p:cNvSpPr>
-            <a:spLocks noGrp="1" noRot="1" noChangeAspect="1"/>
-          </p:cNvSpPr>
-          <p:nvPr>
-            <p:ph type="sldImg" idx="2"/>
-          </p:nvPr>
-        </p:nvSpPr>
-        <p:spPr>
-          <a:xfrm>
-            <a:off x="381000" y="685800"/>
-            <a:ext cx="6096000" cy="3429000"/>
-          </a:xfrm>
-          <a:custGeom>
-            <a:avLst/>
-            <a:gdLst/>
-            <a:ahLst/>
-            <a:cxnLst/>
-            <a:rect l="l" t="t" r="r" b="b"/>
-            <a:pathLst>
-              <a:path w="120000" h="120000" extrusionOk="0">
-                <a:moveTo>
-                  <a:pt x="0" y="0"/>
-                </a:moveTo>
-                <a:lnTo>
-                  <a:pt x="120000" y="0"/>
-                </a:lnTo>
-                <a:lnTo>
-                  <a:pt x="120000" y="120000"/>
-                </a:lnTo>
-                <a:lnTo>
-                  <a:pt x="0" y="120000"/>
-                </a:lnTo>
-                <a:close/>
-              </a:path>
-            </a:pathLst>
-          </a:custGeom>
-        </p:spPr>
-      </p:sp>
-      <p:sp>
-        <p:nvSpPr>
-          <p:cNvPr id="173" name="Google Shape;173;g2bb40ad0cf6_0_116:notes"/>
-          <p:cNvSpPr txBox="1">
-            <a:spLocks noGrp="1"/>
-          </p:cNvSpPr>
-          <p:nvPr>
-            <p:ph type="body" idx="1"/>
-          </p:nvPr>
-        </p:nvSpPr>
-        <p:spPr>
-          <a:xfrm>
-            <a:off x="685800" y="4343400"/>
-            <a:ext cx="5486400" cy="4114800"/>
-          </a:xfrm>
-          <a:prstGeom prst="rect">
-            <a:avLst/>
-          </a:prstGeom>
-        </p:spPr>
-        <p:txBody>
-          <a:bodyPr spcFirstLastPara="1" wrap="square" lIns="91425" tIns="91425" rIns="91425" bIns="91425" anchor="t" anchorCtr="0">
-            <a:noAutofit/>
-          </a:bodyPr>
-          <a:lstStyle/>
-          <a:p>
-            <a:pPr marL="0" lvl="0" indent="0" algn="l" rtl="0">
-              <a:spcBef>
-                <a:spcPts val="0"/>
-              </a:spcBef>
-              <a:spcAft>
-                <a:spcPts val="0"/>
-              </a:spcAft>
-              <a:buNone/>
-            </a:pPr>
-            <a:endParaRPr dirty="0"/>
-          </a:p>
-        </p:txBody>
-      </p:sp>
-    </p:spTree>
-  </p:cSld>
-  <p:clrMapOvr>
-    <a:masterClrMapping/>
-  </p:clrMapOvr>
-</p:notes>
-</file>
-
-<file path=ppt/notesSlides/notesSlide9.xml><?xml version="1.0" encoding="utf-8"?>
-<p:notes xmlns:a="http://schemas.openxmlformats.org/drawingml/2006/main" xmlns:r="http://schemas.openxmlformats.org/officeDocument/2006/relationships" xmlns:p="http://schemas.openxmlformats.org/presentationml/2006/main" showMasterSp="0" showMasterPhAnim="0">
-  <p:cSld>
-    <p:spTree>
-      <p:nvGrpSpPr>
-        <p:cNvPr id="1" name="Shape 182"/>
-        <p:cNvGrpSpPr/>
-        <p:nvPr/>
-      </p:nvGrpSpPr>
-      <p:grpSpPr>
-        <a:xfrm>
-          <a:off x="0" y="0"/>
-          <a:ext cx="0" cy="0"/>
-          <a:chOff x="0" y="0"/>
-          <a:chExt cx="0" cy="0"/>
-        </a:xfrm>
-      </p:grpSpPr>
-      <p:sp>
-        <p:nvSpPr>
-          <p:cNvPr id="183" name="Google Shape;183;g2bb40ad0cf6_0_139:notes"/>
-          <p:cNvSpPr>
-            <a:spLocks noGrp="1" noRot="1" noChangeAspect="1"/>
-          </p:cNvSpPr>
-          <p:nvPr>
-            <p:ph type="sldImg" idx="2"/>
-          </p:nvPr>
-        </p:nvSpPr>
-        <p:spPr>
-          <a:xfrm>
-            <a:off x="381000" y="685800"/>
-            <a:ext cx="6096000" cy="3429000"/>
-          </a:xfrm>
-          <a:custGeom>
-            <a:avLst/>
-            <a:gdLst/>
-            <a:ahLst/>
-            <a:cxnLst/>
-            <a:rect l="l" t="t" r="r" b="b"/>
-            <a:pathLst>
-              <a:path w="120000" h="120000" extrusionOk="0">
-                <a:moveTo>
-                  <a:pt x="0" y="0"/>
-                </a:moveTo>
-                <a:lnTo>
-                  <a:pt x="120000" y="0"/>
-                </a:lnTo>
-                <a:lnTo>
-                  <a:pt x="120000" y="120000"/>
-                </a:lnTo>
-                <a:lnTo>
-                  <a:pt x="0" y="120000"/>
-                </a:lnTo>
-                <a:close/>
-              </a:path>
-            </a:pathLst>
-          </a:custGeom>
-        </p:spPr>
-      </p:sp>
-      <p:sp>
-        <p:nvSpPr>
-          <p:cNvPr id="184" name="Google Shape;184;g2bb40ad0cf6_0_139:notes"/>
           <p:cNvSpPr txBox="1">
             <a:spLocks noGrp="1"/>
           </p:cNvSpPr>
@@ -13394,6 +13394,59 @@
                       </p:childTnLst>
                     </p:cTn>
                   </p:par>
+                  <p:par>
+                    <p:cTn id="25" fill="hold">
+                      <p:stCondLst>
+                        <p:cond delay="indefinite"/>
+                      </p:stCondLst>
+                      <p:childTnLst>
+                        <p:par>
+                          <p:cTn id="26" fill="hold">
+                            <p:stCondLst>
+                              <p:cond delay="0"/>
+                            </p:stCondLst>
+                            <p:childTnLst>
+                              <p:par>
+                                <p:cTn id="27" presetID="10" presetClass="entr" presetSubtype="0" fill="hold" nodeType="clickEffect">
+                                  <p:stCondLst>
+                                    <p:cond delay="0"/>
+                                  </p:stCondLst>
+                                  <p:childTnLst>
+                                    <p:set>
+                                      <p:cBhvr>
+                                        <p:cTn id="28" dur="1" fill="hold">
+                                          <p:stCondLst>
+                                            <p:cond delay="0"/>
+                                          </p:stCondLst>
+                                        </p:cTn>
+                                        <p:tgtEl>
+                                          <p:spTgt spid="95"/>
+                                        </p:tgtEl>
+                                        <p:attrNameLst>
+                                          <p:attrName>style.visibility</p:attrName>
+                                        </p:attrNameLst>
+                                      </p:cBhvr>
+                                      <p:to>
+                                        <p:strVal val="visible"/>
+                                      </p:to>
+                                    </p:set>
+                                    <p:animEffect transition="in" filter="fade">
+                                      <p:cBhvr>
+                                        <p:cTn id="29" dur="500"/>
+                                        <p:tgtEl>
+                                          <p:spTgt spid="95"/>
+                                        </p:tgtEl>
+                                      </p:cBhvr>
+                                    </p:animEffect>
+                                  </p:childTnLst>
+                                </p:cTn>
+                              </p:par>
+                            </p:childTnLst>
+                          </p:cTn>
+                        </p:par>
+                      </p:childTnLst>
+                    </p:cTn>
+                  </p:par>
                 </p:childTnLst>
               </p:cTn>
               <p:prevCondLst>
@@ -13424,7 +13477,7 @@
   <p:cSld>
     <p:spTree>
       <p:nvGrpSpPr>
-        <p:cNvPr id="1" name="Shape 185"/>
+        <p:cNvPr id="1" name="Shape 164"/>
         <p:cNvGrpSpPr/>
         <p:nvPr/>
       </p:nvGrpSpPr>
@@ -13438,14 +13491,14 @@
       </p:grpSpPr>
       <p:sp>
         <p:nvSpPr>
-          <p:cNvPr id="186" name="Google Shape;186;p21"/>
+          <p:cNvPr id="165" name="Google Shape;165;p19"/>
           <p:cNvSpPr/>
           <p:nvPr/>
         </p:nvSpPr>
         <p:spPr>
           <a:xfrm>
-            <a:off x="604050" y="2380825"/>
-            <a:ext cx="17079900" cy="7541100"/>
+            <a:off x="604050" y="1734625"/>
+            <a:ext cx="17079900" cy="8187300"/>
           </a:xfrm>
           <a:prstGeom prst="rect">
             <a:avLst/>
@@ -13487,14 +13540,14 @@
       </p:sp>
       <p:sp>
         <p:nvSpPr>
-          <p:cNvPr id="187" name="Google Shape;187;p21"/>
+          <p:cNvPr id="166" name="Google Shape;166;p19"/>
           <p:cNvSpPr/>
           <p:nvPr/>
         </p:nvSpPr>
         <p:spPr>
           <a:xfrm>
-            <a:off x="716325" y="2278225"/>
-            <a:ext cx="17079900" cy="7541100"/>
+            <a:off x="716325" y="1632050"/>
+            <a:ext cx="17079900" cy="8187300"/>
           </a:xfrm>
           <a:prstGeom prst="rect">
             <a:avLst/>
@@ -13538,13 +13591,13 @@
       </p:sp>
       <p:sp>
         <p:nvSpPr>
-          <p:cNvPr id="188" name="Google Shape;188;p21"/>
+          <p:cNvPr id="167" name="Google Shape;167;p19"/>
           <p:cNvSpPr txBox="1"/>
           <p:nvPr/>
         </p:nvSpPr>
         <p:spPr>
           <a:xfrm>
-            <a:off x="1021947" y="805261"/>
+            <a:off x="1021947" y="185236"/>
             <a:ext cx="16244100" cy="1154400"/>
           </a:xfrm>
           <a:prstGeom prst="rect">
@@ -13583,7 +13636,7 @@
                 <a:cs typeface="Epilogue"/>
                 <a:sym typeface="Epilogue"/>
               </a:rPr>
-              <a:t>L’organisation</a:t>
+              <a:t>La méthodologie</a:t>
             </a:r>
             <a:endParaRPr b="1">
               <a:latin typeface="Epilogue"/>
@@ -13596,421 +13649,7 @@
       </p:sp>
       <p:sp>
         <p:nvSpPr>
-          <p:cNvPr id="189" name="Google Shape;189;p21"/>
-          <p:cNvSpPr txBox="1"/>
-          <p:nvPr/>
-        </p:nvSpPr>
-        <p:spPr>
-          <a:xfrm>
-            <a:off x="1021950" y="2278100"/>
-            <a:ext cx="16774200" cy="7541100"/>
-          </a:xfrm>
-          <a:prstGeom prst="rect">
-            <a:avLst/>
-          </a:prstGeom>
-          <a:noFill/>
-          <a:ln>
-            <a:noFill/>
-          </a:ln>
-        </p:spPr>
-        <p:txBody>
-          <a:bodyPr spcFirstLastPara="1" wrap="square" lIns="91425" tIns="91425" rIns="91425" bIns="91425" anchor="ctr" anchorCtr="0">
-            <a:noAutofit/>
-          </a:bodyPr>
-          <a:lstStyle/>
-          <a:p>
-            <a:pPr marL="0" lvl="0" indent="0" algn="ctr" rtl="0">
-              <a:lnSpc>
-                <a:spcPct val="115000"/>
-              </a:lnSpc>
-              <a:spcBef>
-                <a:spcPts val="0"/>
-              </a:spcBef>
-              <a:spcAft>
-                <a:spcPts val="0"/>
-              </a:spcAft>
-              <a:buNone/>
-            </a:pPr>
-            <a:r>
-              <a:rPr lang="en-US" sz="2800" b="1" dirty="0">
-                <a:solidFill>
-                  <a:schemeClr val="dk1"/>
-                </a:solidFill>
-                <a:latin typeface="Work Sans"/>
-                <a:ea typeface="Work Sans"/>
-                <a:cs typeface="Work Sans"/>
-                <a:sym typeface="Work Sans"/>
-              </a:rPr>
-              <a:t>Team </a:t>
-            </a:r>
-            <a:r>
-              <a:rPr lang="en-US" sz="2800" b="1" dirty="0" err="1">
-                <a:solidFill>
-                  <a:schemeClr val="dk1"/>
-                </a:solidFill>
-                <a:latin typeface="Work Sans"/>
-                <a:ea typeface="Work Sans"/>
-                <a:cs typeface="Work Sans"/>
-                <a:sym typeface="Work Sans"/>
-              </a:rPr>
-              <a:t>Développement</a:t>
-            </a:r>
-            <a:endParaRPr sz="2800" b="1" dirty="0">
-              <a:solidFill>
-                <a:schemeClr val="dk1"/>
-              </a:solidFill>
-              <a:latin typeface="Work Sans"/>
-              <a:ea typeface="Work Sans"/>
-              <a:cs typeface="Work Sans"/>
-              <a:sym typeface="Work Sans"/>
-            </a:endParaRPr>
-          </a:p>
-          <a:p>
-            <a:pPr marL="0" lvl="0" indent="0" algn="ctr" rtl="0">
-              <a:lnSpc>
-                <a:spcPct val="115000"/>
-              </a:lnSpc>
-              <a:spcBef>
-                <a:spcPts val="0"/>
-              </a:spcBef>
-              <a:spcAft>
-                <a:spcPts val="0"/>
-              </a:spcAft>
-              <a:buNone/>
-            </a:pPr>
-            <a:r>
-              <a:rPr lang="en-US" sz="2800" dirty="0">
-                <a:solidFill>
-                  <a:schemeClr val="dk1"/>
-                </a:solidFill>
-                <a:latin typeface="Work Sans"/>
-                <a:ea typeface="Work Sans"/>
-                <a:cs typeface="Work Sans"/>
-                <a:sym typeface="Work Sans"/>
-              </a:rPr>
-              <a:t>1 </a:t>
-            </a:r>
-            <a:r>
-              <a:rPr lang="en-US" sz="2800" dirty="0" err="1">
-                <a:solidFill>
-                  <a:schemeClr val="dk1"/>
-                </a:solidFill>
-                <a:latin typeface="Work Sans"/>
-                <a:ea typeface="Work Sans"/>
-                <a:cs typeface="Work Sans"/>
-                <a:sym typeface="Work Sans"/>
-              </a:rPr>
-              <a:t>binômes</a:t>
-            </a:r>
-            <a:r>
-              <a:rPr lang="en-US" sz="2800" dirty="0">
-                <a:solidFill>
-                  <a:schemeClr val="dk1"/>
-                </a:solidFill>
-                <a:latin typeface="Work Sans"/>
-                <a:ea typeface="Work Sans"/>
-                <a:cs typeface="Work Sans"/>
-                <a:sym typeface="Work Sans"/>
-              </a:rPr>
-              <a:t> </a:t>
-            </a:r>
-            <a:r>
-              <a:rPr lang="en-US" sz="2800" dirty="0" err="1">
-                <a:solidFill>
-                  <a:schemeClr val="dk1"/>
-                </a:solidFill>
-                <a:latin typeface="Work Sans"/>
-                <a:ea typeface="Work Sans"/>
-                <a:cs typeface="Work Sans"/>
-                <a:sym typeface="Work Sans"/>
-              </a:rPr>
-              <a:t>FrontEnd</a:t>
-            </a:r>
-            <a:endParaRPr sz="2800" dirty="0">
-              <a:solidFill>
-                <a:schemeClr val="dk1"/>
-              </a:solidFill>
-              <a:latin typeface="Work Sans"/>
-              <a:ea typeface="Work Sans"/>
-              <a:cs typeface="Work Sans"/>
-              <a:sym typeface="Work Sans"/>
-            </a:endParaRPr>
-          </a:p>
-          <a:p>
-            <a:pPr marL="0" lvl="0" indent="0" algn="ctr" rtl="0">
-              <a:lnSpc>
-                <a:spcPct val="115000"/>
-              </a:lnSpc>
-              <a:spcBef>
-                <a:spcPts val="0"/>
-              </a:spcBef>
-              <a:spcAft>
-                <a:spcPts val="0"/>
-              </a:spcAft>
-              <a:buNone/>
-            </a:pPr>
-            <a:r>
-              <a:rPr lang="en-US" sz="2800" dirty="0">
-                <a:solidFill>
-                  <a:schemeClr val="dk1"/>
-                </a:solidFill>
-                <a:latin typeface="Work Sans"/>
-                <a:ea typeface="Work Sans"/>
-                <a:cs typeface="Work Sans"/>
-                <a:sym typeface="Work Sans"/>
-              </a:rPr>
-              <a:t>1 </a:t>
-            </a:r>
-            <a:r>
-              <a:rPr lang="en-US" sz="2800" dirty="0" err="1">
-                <a:solidFill>
-                  <a:schemeClr val="dk1"/>
-                </a:solidFill>
-                <a:latin typeface="Work Sans"/>
-                <a:ea typeface="Work Sans"/>
-                <a:cs typeface="Work Sans"/>
-                <a:sym typeface="Work Sans"/>
-              </a:rPr>
-              <a:t>binômes</a:t>
-            </a:r>
-            <a:r>
-              <a:rPr lang="en-US" sz="2800" dirty="0">
-                <a:solidFill>
-                  <a:schemeClr val="dk1"/>
-                </a:solidFill>
-                <a:latin typeface="Work Sans"/>
-                <a:ea typeface="Work Sans"/>
-                <a:cs typeface="Work Sans"/>
-                <a:sym typeface="Work Sans"/>
-              </a:rPr>
-              <a:t> </a:t>
-            </a:r>
-            <a:r>
-              <a:rPr lang="en-US" sz="2800" dirty="0" err="1">
-                <a:solidFill>
-                  <a:schemeClr val="dk1"/>
-                </a:solidFill>
-                <a:latin typeface="Work Sans"/>
-                <a:ea typeface="Work Sans"/>
-                <a:cs typeface="Work Sans"/>
-                <a:sym typeface="Work Sans"/>
-              </a:rPr>
-              <a:t>BackEnd</a:t>
-            </a:r>
-            <a:endParaRPr sz="2800" dirty="0">
-              <a:solidFill>
-                <a:schemeClr val="dk1"/>
-              </a:solidFill>
-              <a:latin typeface="Work Sans"/>
-              <a:ea typeface="Work Sans"/>
-              <a:cs typeface="Work Sans"/>
-              <a:sym typeface="Work Sans"/>
-            </a:endParaRPr>
-          </a:p>
-          <a:p>
-            <a:pPr marL="0" lvl="0" indent="0" algn="ctr" rtl="0">
-              <a:lnSpc>
-                <a:spcPct val="115000"/>
-              </a:lnSpc>
-              <a:spcBef>
-                <a:spcPts val="0"/>
-              </a:spcBef>
-              <a:spcAft>
-                <a:spcPts val="0"/>
-              </a:spcAft>
-              <a:buNone/>
-            </a:pPr>
-            <a:endParaRPr sz="2800" dirty="0">
-              <a:solidFill>
-                <a:schemeClr val="dk1"/>
-              </a:solidFill>
-              <a:latin typeface="Work Sans"/>
-              <a:ea typeface="Work Sans"/>
-              <a:cs typeface="Work Sans"/>
-              <a:sym typeface="Work Sans"/>
-            </a:endParaRPr>
-          </a:p>
-          <a:p>
-            <a:pPr marL="0" lvl="0" indent="0" algn="ctr" rtl="0">
-              <a:lnSpc>
-                <a:spcPct val="115000"/>
-              </a:lnSpc>
-              <a:spcBef>
-                <a:spcPts val="0"/>
-              </a:spcBef>
-              <a:spcAft>
-                <a:spcPts val="0"/>
-              </a:spcAft>
-              <a:buNone/>
-            </a:pPr>
-            <a:endParaRPr sz="2800" dirty="0">
-              <a:solidFill>
-                <a:schemeClr val="dk1"/>
-              </a:solidFill>
-              <a:latin typeface="Work Sans"/>
-              <a:ea typeface="Work Sans"/>
-              <a:cs typeface="Work Sans"/>
-              <a:sym typeface="Work Sans"/>
-            </a:endParaRPr>
-          </a:p>
-          <a:p>
-            <a:pPr marL="0" lvl="0" indent="0" algn="ctr" rtl="0">
-              <a:lnSpc>
-                <a:spcPct val="115000"/>
-              </a:lnSpc>
-              <a:spcBef>
-                <a:spcPts val="0"/>
-              </a:spcBef>
-              <a:spcAft>
-                <a:spcPts val="0"/>
-              </a:spcAft>
-              <a:buNone/>
-            </a:pPr>
-            <a:r>
-              <a:rPr lang="en-US" sz="2800" b="1" dirty="0">
-                <a:solidFill>
-                  <a:schemeClr val="dk1"/>
-                </a:solidFill>
-                <a:latin typeface="Work Sans"/>
-                <a:ea typeface="Work Sans"/>
-                <a:cs typeface="Work Sans"/>
-                <a:sym typeface="Work Sans"/>
-              </a:rPr>
-              <a:t>Temps </a:t>
-            </a:r>
-            <a:r>
-              <a:rPr lang="en-US" sz="2800" b="1" dirty="0" err="1">
-                <a:solidFill>
-                  <a:schemeClr val="dk1"/>
-                </a:solidFill>
-                <a:latin typeface="Work Sans"/>
-                <a:ea typeface="Work Sans"/>
-                <a:cs typeface="Work Sans"/>
-                <a:sym typeface="Work Sans"/>
-              </a:rPr>
-              <a:t>estimé</a:t>
-            </a:r>
-            <a:endParaRPr sz="2800" b="1" dirty="0">
-              <a:solidFill>
-                <a:schemeClr val="dk1"/>
-              </a:solidFill>
-              <a:latin typeface="Work Sans"/>
-              <a:ea typeface="Work Sans"/>
-              <a:cs typeface="Work Sans"/>
-              <a:sym typeface="Work Sans"/>
-            </a:endParaRPr>
-          </a:p>
-          <a:p>
-            <a:pPr marL="0" lvl="0" indent="0" algn="ctr" rtl="0">
-              <a:lnSpc>
-                <a:spcPct val="115000"/>
-              </a:lnSpc>
-              <a:spcBef>
-                <a:spcPts val="0"/>
-              </a:spcBef>
-              <a:spcAft>
-                <a:spcPts val="0"/>
-              </a:spcAft>
-              <a:buNone/>
-            </a:pPr>
-            <a:r>
-              <a:rPr lang="en-US" sz="2800" dirty="0">
-                <a:solidFill>
-                  <a:schemeClr val="dk1"/>
-                </a:solidFill>
-                <a:latin typeface="Work Sans"/>
-                <a:ea typeface="Work Sans"/>
-                <a:cs typeface="Work Sans"/>
-                <a:sym typeface="Work Sans"/>
-              </a:rPr>
-              <a:t>Environ 3 à 4 </a:t>
-            </a:r>
-            <a:r>
-              <a:rPr lang="en-US" sz="2800" dirty="0" err="1">
-                <a:solidFill>
-                  <a:schemeClr val="dk1"/>
-                </a:solidFill>
-                <a:latin typeface="Work Sans"/>
-                <a:ea typeface="Work Sans"/>
-                <a:cs typeface="Work Sans"/>
-                <a:sym typeface="Work Sans"/>
-              </a:rPr>
-              <a:t>mois</a:t>
-            </a:r>
-            <a:endParaRPr sz="2800" dirty="0">
-              <a:solidFill>
-                <a:schemeClr val="dk1"/>
-              </a:solidFill>
-              <a:latin typeface="Work Sans"/>
-              <a:ea typeface="Work Sans"/>
-              <a:cs typeface="Work Sans"/>
-              <a:sym typeface="Work Sans"/>
-            </a:endParaRPr>
-          </a:p>
-          <a:p>
-            <a:pPr marL="0" lvl="0" indent="0" algn="ctr" rtl="0">
-              <a:lnSpc>
-                <a:spcPct val="115000"/>
-              </a:lnSpc>
-              <a:spcBef>
-                <a:spcPts val="0"/>
-              </a:spcBef>
-              <a:spcAft>
-                <a:spcPts val="0"/>
-              </a:spcAft>
-              <a:buNone/>
-            </a:pPr>
-            <a:r>
-              <a:rPr lang="en-US" sz="2800" dirty="0">
-                <a:solidFill>
-                  <a:schemeClr val="dk1"/>
-                </a:solidFill>
-                <a:latin typeface="Work Sans"/>
-                <a:ea typeface="Work Sans"/>
-                <a:cs typeface="Work Sans"/>
-                <a:sym typeface="Work Sans"/>
-              </a:rPr>
-              <a:t>Avec des sprints de 2 </a:t>
-            </a:r>
-            <a:r>
-              <a:rPr lang="en-US" sz="2800" dirty="0" err="1">
-                <a:solidFill>
-                  <a:schemeClr val="dk1"/>
-                </a:solidFill>
-                <a:latin typeface="Work Sans"/>
-                <a:ea typeface="Work Sans"/>
-                <a:cs typeface="Work Sans"/>
-                <a:sym typeface="Work Sans"/>
-              </a:rPr>
-              <a:t>semaines</a:t>
-            </a:r>
-            <a:r>
-              <a:rPr lang="en-US" sz="2800" dirty="0">
-                <a:solidFill>
-                  <a:schemeClr val="dk1"/>
-                </a:solidFill>
-                <a:latin typeface="Work Sans"/>
-                <a:ea typeface="Work Sans"/>
-                <a:cs typeface="Work Sans"/>
-                <a:sym typeface="Work Sans"/>
-              </a:rPr>
-              <a:t>.</a:t>
-            </a:r>
-            <a:endParaRPr sz="2800" dirty="0">
-              <a:solidFill>
-                <a:schemeClr val="dk1"/>
-              </a:solidFill>
-              <a:latin typeface="Work Sans"/>
-              <a:ea typeface="Work Sans"/>
-              <a:cs typeface="Work Sans"/>
-              <a:sym typeface="Work Sans"/>
-            </a:endParaRPr>
-          </a:p>
-        </p:txBody>
-      </p:sp>
-      <p:sp>
-        <p:nvSpPr>
-          <p:cNvPr id="190" name="Google Shape;190;p21"/>
+          <p:cNvPr id="168" name="Google Shape;168;p19"/>
           <p:cNvSpPr txBox="1">
             <a:spLocks noGrp="1"/>
           </p:cNvSpPr>
@@ -14056,7 +13695,7 @@
       </p:sp>
       <p:pic>
         <p:nvPicPr>
-          <p:cNvPr id="191" name="Google Shape;191;p21"/>
+          <p:cNvPr id="169" name="Google Shape;169;p19"/>
           <p:cNvPicPr preferRelativeResize="0"/>
           <p:nvPr/>
         </p:nvPicPr>
@@ -14082,6 +13721,2532 @@
           </a:ln>
         </p:spPr>
       </p:pic>
+      <p:pic>
+        <p:nvPicPr>
+          <p:cNvPr id="170" name="Google Shape;170;p19"/>
+          <p:cNvPicPr preferRelativeResize="0"/>
+          <p:nvPr/>
+        </p:nvPicPr>
+        <p:blipFill>
+          <a:blip r:embed="rId4">
+            <a:alphaModFix/>
+          </a:blip>
+          <a:stretch>
+            <a:fillRect/>
+          </a:stretch>
+        </p:blipFill>
+        <p:spPr>
+          <a:xfrm>
+            <a:off x="1342301" y="1607138"/>
+            <a:ext cx="15603387" cy="8289875"/>
+          </a:xfrm>
+          <a:prstGeom prst="rect">
+            <a:avLst/>
+          </a:prstGeom>
+          <a:noFill/>
+          <a:ln>
+            <a:noFill/>
+          </a:ln>
+        </p:spPr>
+      </p:pic>
+    </p:spTree>
+  </p:cSld>
+  <p:clrMapOvr>
+    <a:masterClrMapping/>
+  </p:clrMapOvr>
+  <p:timing>
+    <p:tnLst>
+      <p:par>
+        <p:cTn id="1" dur="indefinite" restart="never" nodeType="tmRoot">
+          <p:childTnLst>
+            <p:seq concurrent="1" nextAc="seek">
+              <p:cTn id="2" dur="indefinite" nodeType="mainSeq">
+                <p:childTnLst>
+                  <p:par>
+                    <p:cTn id="3" fill="hold">
+                      <p:stCondLst>
+                        <p:cond delay="indefinite"/>
+                      </p:stCondLst>
+                      <p:childTnLst>
+                        <p:par>
+                          <p:cTn id="4" fill="hold">
+                            <p:stCondLst>
+                              <p:cond delay="0"/>
+                            </p:stCondLst>
+                            <p:childTnLst>
+                              <p:par>
+                                <p:cTn id="5" presetID="10" presetClass="entr" presetSubtype="0" fill="hold" nodeType="clickEffect">
+                                  <p:stCondLst>
+                                    <p:cond delay="0"/>
+                                  </p:stCondLst>
+                                  <p:childTnLst>
+                                    <p:set>
+                                      <p:cBhvr>
+                                        <p:cTn id="6" dur="1" fill="hold">
+                                          <p:stCondLst>
+                                            <p:cond delay="0"/>
+                                          </p:stCondLst>
+                                        </p:cTn>
+                                        <p:tgtEl>
+                                          <p:spTgt spid="170"/>
+                                        </p:tgtEl>
+                                        <p:attrNameLst>
+                                          <p:attrName>style.visibility</p:attrName>
+                                        </p:attrNameLst>
+                                      </p:cBhvr>
+                                      <p:to>
+                                        <p:strVal val="visible"/>
+                                      </p:to>
+                                    </p:set>
+                                    <p:animEffect transition="in" filter="fade">
+                                      <p:cBhvr>
+                                        <p:cTn id="7" dur="500"/>
+                                        <p:tgtEl>
+                                          <p:spTgt spid="170"/>
+                                        </p:tgtEl>
+                                      </p:cBhvr>
+                                    </p:animEffect>
+                                  </p:childTnLst>
+                                </p:cTn>
+                              </p:par>
+                            </p:childTnLst>
+                          </p:cTn>
+                        </p:par>
+                      </p:childTnLst>
+                    </p:cTn>
+                  </p:par>
+                </p:childTnLst>
+              </p:cTn>
+              <p:prevCondLst>
+                <p:cond evt="onPrev" delay="0">
+                  <p:tgtEl>
+                    <p:sldTgt/>
+                  </p:tgtEl>
+                </p:cond>
+              </p:prevCondLst>
+              <p:nextCondLst>
+                <p:cond evt="onNext" delay="0">
+                  <p:tgtEl>
+                    <p:sldTgt/>
+                  </p:tgtEl>
+                </p:cond>
+              </p:nextCondLst>
+            </p:seq>
+          </p:childTnLst>
+        </p:cTn>
+      </p:par>
+    </p:tnLst>
+  </p:timing>
+</p:sld>
+</file>
+
+<file path=ppt/slides/slide11.xml><?xml version="1.0" encoding="utf-8"?>
+<p:sld xmlns:a="http://schemas.openxmlformats.org/drawingml/2006/main" xmlns:r="http://schemas.openxmlformats.org/officeDocument/2006/relationships" xmlns:p="http://schemas.openxmlformats.org/presentationml/2006/main">
+  <p:cSld>
+    <p:spTree>
+      <p:nvGrpSpPr>
+        <p:cNvPr id="1" name="Shape 174"/>
+        <p:cNvGrpSpPr/>
+        <p:nvPr/>
+      </p:nvGrpSpPr>
+      <p:grpSpPr>
+        <a:xfrm>
+          <a:off x="0" y="0"/>
+          <a:ext cx="0" cy="0"/>
+          <a:chOff x="0" y="0"/>
+          <a:chExt cx="0" cy="0"/>
+        </a:xfrm>
+      </p:grpSpPr>
+      <p:sp>
+        <p:nvSpPr>
+          <p:cNvPr id="175" name="Google Shape;175;p20"/>
+          <p:cNvSpPr/>
+          <p:nvPr/>
+        </p:nvSpPr>
+        <p:spPr>
+          <a:xfrm>
+            <a:off x="604050" y="1734625"/>
+            <a:ext cx="17079900" cy="8187300"/>
+          </a:xfrm>
+          <a:prstGeom prst="rect">
+            <a:avLst/>
+          </a:prstGeom>
+          <a:noFill/>
+          <a:ln w="9525" cap="flat" cmpd="sng">
+            <a:solidFill>
+              <a:srgbClr val="C5A073"/>
+            </a:solidFill>
+            <a:prstDash val="solid"/>
+            <a:round/>
+            <a:headEnd type="none" w="sm" len="sm"/>
+            <a:tailEnd type="none" w="sm" len="sm"/>
+          </a:ln>
+        </p:spPr>
+        <p:txBody>
+          <a:bodyPr spcFirstLastPara="1" wrap="square" lIns="91425" tIns="91425" rIns="91425" bIns="91425" anchor="ctr" anchorCtr="0">
+            <a:noAutofit/>
+          </a:bodyPr>
+          <a:lstStyle/>
+          <a:p>
+            <a:pPr marL="0" lvl="0" indent="0" algn="ctr" rtl="0">
+              <a:spcBef>
+                <a:spcPts val="0"/>
+              </a:spcBef>
+              <a:spcAft>
+                <a:spcPts val="0"/>
+              </a:spcAft>
+              <a:buNone/>
+            </a:pPr>
+            <a:endParaRPr>
+              <a:latin typeface="Calibri"/>
+              <a:ea typeface="Calibri"/>
+              <a:cs typeface="Calibri"/>
+              <a:sym typeface="Calibri"/>
+            </a:endParaRPr>
+          </a:p>
+        </p:txBody>
+      </p:sp>
+      <p:sp>
+        <p:nvSpPr>
+          <p:cNvPr id="176" name="Google Shape;176;p20"/>
+          <p:cNvSpPr/>
+          <p:nvPr/>
+        </p:nvSpPr>
+        <p:spPr>
+          <a:xfrm>
+            <a:off x="716325" y="1632050"/>
+            <a:ext cx="17079900" cy="8187300"/>
+          </a:xfrm>
+          <a:prstGeom prst="rect">
+            <a:avLst/>
+          </a:prstGeom>
+          <a:solidFill>
+            <a:schemeClr val="lt1"/>
+          </a:solidFill>
+          <a:ln w="9525" cap="flat" cmpd="sng">
+            <a:solidFill>
+              <a:srgbClr val="C5A073"/>
+            </a:solidFill>
+            <a:prstDash val="solid"/>
+            <a:round/>
+            <a:headEnd type="none" w="sm" len="sm"/>
+            <a:tailEnd type="none" w="sm" len="sm"/>
+          </a:ln>
+        </p:spPr>
+        <p:txBody>
+          <a:bodyPr spcFirstLastPara="1" wrap="square" lIns="91425" tIns="91425" rIns="91425" bIns="91425" anchor="ctr" anchorCtr="0">
+            <a:noAutofit/>
+          </a:bodyPr>
+          <a:lstStyle/>
+          <a:p>
+            <a:pPr marL="0" lvl="0" indent="0" algn="ctr" rtl="0">
+              <a:spcBef>
+                <a:spcPts val="0"/>
+              </a:spcBef>
+              <a:spcAft>
+                <a:spcPts val="0"/>
+              </a:spcAft>
+              <a:buNone/>
+            </a:pPr>
+            <a:endParaRPr>
+              <a:latin typeface="Calibri"/>
+              <a:ea typeface="Calibri"/>
+              <a:cs typeface="Calibri"/>
+              <a:sym typeface="Calibri"/>
+            </a:endParaRPr>
+          </a:p>
+        </p:txBody>
+      </p:sp>
+      <p:sp>
+        <p:nvSpPr>
+          <p:cNvPr id="177" name="Google Shape;177;p20"/>
+          <p:cNvSpPr txBox="1"/>
+          <p:nvPr/>
+        </p:nvSpPr>
+        <p:spPr>
+          <a:xfrm>
+            <a:off x="1021947" y="185236"/>
+            <a:ext cx="16244100" cy="1154400"/>
+          </a:xfrm>
+          <a:prstGeom prst="rect">
+            <a:avLst/>
+          </a:prstGeom>
+          <a:noFill/>
+          <a:ln>
+            <a:noFill/>
+          </a:ln>
+        </p:spPr>
+        <p:txBody>
+          <a:bodyPr spcFirstLastPara="1" wrap="square" lIns="0" tIns="0" rIns="0" bIns="0" anchor="t" anchorCtr="0">
+            <a:spAutoFit/>
+          </a:bodyPr>
+          <a:lstStyle/>
+          <a:p>
+            <a:pPr marL="0" marR="0" lvl="0" indent="0" algn="ctr" rtl="0">
+              <a:lnSpc>
+                <a:spcPct val="120000"/>
+              </a:lnSpc>
+              <a:spcBef>
+                <a:spcPts val="0"/>
+              </a:spcBef>
+              <a:spcAft>
+                <a:spcPts val="0"/>
+              </a:spcAft>
+              <a:buNone/>
+            </a:pPr>
+            <a:r>
+              <a:rPr lang="en-US" sz="7500" b="1">
+                <a:solidFill>
+                  <a:srgbClr val="0B1320"/>
+                </a:solidFill>
+                <a:latin typeface="Epilogue"/>
+                <a:ea typeface="Epilogue"/>
+                <a:cs typeface="Epilogue"/>
+                <a:sym typeface="Epilogue"/>
+              </a:rPr>
+              <a:t>La méthodologie</a:t>
+            </a:r>
+            <a:endParaRPr b="1">
+              <a:latin typeface="Epilogue"/>
+              <a:ea typeface="Epilogue"/>
+              <a:cs typeface="Epilogue"/>
+              <a:sym typeface="Epilogue"/>
+            </a:endParaRPr>
+          </a:p>
+        </p:txBody>
+      </p:sp>
+      <p:sp>
+        <p:nvSpPr>
+          <p:cNvPr id="178" name="Google Shape;178;p20"/>
+          <p:cNvSpPr txBox="1">
+            <a:spLocks noGrp="1"/>
+          </p:cNvSpPr>
+          <p:nvPr>
+            <p:ph type="sldNum" idx="12"/>
+          </p:nvPr>
+        </p:nvSpPr>
+        <p:spPr>
+          <a:xfrm>
+            <a:off x="0" y="9921900"/>
+            <a:ext cx="2133600" cy="365100"/>
+          </a:xfrm>
+          <a:prstGeom prst="rect">
+            <a:avLst/>
+          </a:prstGeom>
+        </p:spPr>
+        <p:txBody>
+          <a:bodyPr spcFirstLastPara="1" wrap="square" lIns="91425" tIns="45700" rIns="91425" bIns="45700" anchor="ctr" anchorCtr="0">
+            <a:noAutofit/>
+          </a:bodyPr>
+          <a:lstStyle/>
+          <a:p>
+            <a:pPr marL="0" lvl="0" indent="0" algn="r" rtl="0">
+              <a:spcBef>
+                <a:spcPts val="0"/>
+              </a:spcBef>
+              <a:spcAft>
+                <a:spcPts val="0"/>
+              </a:spcAft>
+              <a:buClr>
+                <a:srgbClr val="000000"/>
+              </a:buClr>
+              <a:buFont typeface="Arial"/>
+              <a:buNone/>
+            </a:pPr>
+            <a:fld id="{00000000-1234-1234-1234-123412341234}" type="slidenum">
+              <a:rPr lang="en-US"/>
+              <a:t>11</a:t>
+            </a:fld>
+            <a:endParaRPr/>
+          </a:p>
+        </p:txBody>
+      </p:sp>
+      <p:pic>
+        <p:nvPicPr>
+          <p:cNvPr id="179" name="Google Shape;179;p20"/>
+          <p:cNvPicPr preferRelativeResize="0"/>
+          <p:nvPr/>
+        </p:nvPicPr>
+        <p:blipFill>
+          <a:blip r:embed="rId3">
+            <a:alphaModFix/>
+          </a:blip>
+          <a:stretch>
+            <a:fillRect/>
+          </a:stretch>
+        </p:blipFill>
+        <p:spPr>
+          <a:xfrm>
+            <a:off x="0" y="0"/>
+            <a:ext cx="1454400" cy="666550"/>
+          </a:xfrm>
+          <a:prstGeom prst="rect">
+            <a:avLst/>
+          </a:prstGeom>
+          <a:noFill/>
+          <a:ln>
+            <a:noFill/>
+          </a:ln>
+        </p:spPr>
+      </p:pic>
+      <p:sp>
+        <p:nvSpPr>
+          <p:cNvPr id="180" name="Google Shape;180;p20"/>
+          <p:cNvSpPr txBox="1"/>
+          <p:nvPr/>
+        </p:nvSpPr>
+        <p:spPr>
+          <a:xfrm>
+            <a:off x="716325" y="1638875"/>
+            <a:ext cx="7711500" cy="8187300"/>
+          </a:xfrm>
+          <a:prstGeom prst="rect">
+            <a:avLst/>
+          </a:prstGeom>
+          <a:noFill/>
+          <a:ln>
+            <a:noFill/>
+          </a:ln>
+        </p:spPr>
+        <p:txBody>
+          <a:bodyPr spcFirstLastPara="1" wrap="square" lIns="91425" tIns="91425" rIns="91425" bIns="91425" anchor="ctr" anchorCtr="0">
+            <a:noAutofit/>
+          </a:bodyPr>
+          <a:lstStyle/>
+          <a:p>
+            <a:pPr marL="0" lvl="0" indent="0" algn="ctr" rtl="0">
+              <a:spcBef>
+                <a:spcPts val="0"/>
+              </a:spcBef>
+              <a:spcAft>
+                <a:spcPts val="0"/>
+              </a:spcAft>
+              <a:buClr>
+                <a:schemeClr val="dk1"/>
+              </a:buClr>
+              <a:buSzPts val="1100"/>
+              <a:buFont typeface="Arial"/>
+              <a:buNone/>
+            </a:pPr>
+            <a:r>
+              <a:rPr lang="en-US" sz="3200" dirty="0">
+                <a:solidFill>
+                  <a:schemeClr val="dk1"/>
+                </a:solidFill>
+                <a:latin typeface="Work Sans"/>
+                <a:ea typeface="Work Sans"/>
+                <a:cs typeface="Work Sans"/>
+                <a:sym typeface="Work Sans"/>
+              </a:rPr>
+              <a:t>La </a:t>
+            </a:r>
+            <a:r>
+              <a:rPr lang="en-US" sz="3200" dirty="0" err="1">
+                <a:solidFill>
+                  <a:schemeClr val="dk1"/>
+                </a:solidFill>
+                <a:latin typeface="Work Sans"/>
+                <a:ea typeface="Work Sans"/>
+                <a:cs typeface="Work Sans"/>
+                <a:sym typeface="Work Sans"/>
+              </a:rPr>
+              <a:t>réunion</a:t>
+            </a:r>
+            <a:r>
+              <a:rPr lang="en-US" sz="3200" dirty="0">
+                <a:solidFill>
+                  <a:schemeClr val="dk1"/>
+                </a:solidFill>
+                <a:latin typeface="Work Sans"/>
+                <a:ea typeface="Work Sans"/>
+                <a:cs typeface="Work Sans"/>
+                <a:sym typeface="Work Sans"/>
+              </a:rPr>
+              <a:t> </a:t>
+            </a:r>
+            <a:r>
+              <a:rPr lang="en-US" sz="3200" dirty="0" err="1">
+                <a:solidFill>
+                  <a:schemeClr val="dk1"/>
+                </a:solidFill>
+                <a:latin typeface="Work Sans"/>
+                <a:ea typeface="Work Sans"/>
+                <a:cs typeface="Work Sans"/>
+                <a:sym typeface="Work Sans"/>
+              </a:rPr>
+              <a:t>adoptera</a:t>
+            </a:r>
+            <a:r>
+              <a:rPr lang="en-US" sz="3200" dirty="0">
+                <a:solidFill>
+                  <a:schemeClr val="dk1"/>
+                </a:solidFill>
+                <a:latin typeface="Work Sans"/>
+                <a:ea typeface="Work Sans"/>
+                <a:cs typeface="Work Sans"/>
+                <a:sym typeface="Work Sans"/>
+              </a:rPr>
+              <a:t> la </a:t>
+            </a:r>
+            <a:r>
+              <a:rPr lang="en-US" sz="3200" dirty="0" err="1">
+                <a:solidFill>
+                  <a:schemeClr val="dk1"/>
+                </a:solidFill>
+                <a:latin typeface="Work Sans"/>
+                <a:ea typeface="Work Sans"/>
+                <a:cs typeface="Work Sans"/>
+                <a:sym typeface="Work Sans"/>
+              </a:rPr>
+              <a:t>méthodologie</a:t>
+            </a:r>
+            <a:r>
+              <a:rPr lang="en-US" sz="3200" dirty="0">
+                <a:solidFill>
+                  <a:schemeClr val="dk1"/>
+                </a:solidFill>
+                <a:latin typeface="Work Sans"/>
+                <a:ea typeface="Work Sans"/>
+                <a:cs typeface="Work Sans"/>
+                <a:sym typeface="Work Sans"/>
+              </a:rPr>
+              <a:t> </a:t>
+            </a:r>
+            <a:r>
+              <a:rPr lang="en-US" sz="3200" b="1" dirty="0">
+                <a:solidFill>
+                  <a:schemeClr val="dk1"/>
+                </a:solidFill>
+                <a:latin typeface="Work Sans"/>
+                <a:ea typeface="Work Sans"/>
+                <a:cs typeface="Work Sans"/>
+                <a:sym typeface="Work Sans"/>
+              </a:rPr>
+              <a:t>agile</a:t>
+            </a:r>
+            <a:r>
+              <a:rPr lang="en-US" sz="3200" dirty="0">
+                <a:solidFill>
+                  <a:schemeClr val="dk1"/>
+                </a:solidFill>
+                <a:latin typeface="Work Sans"/>
+                <a:ea typeface="Work Sans"/>
+                <a:cs typeface="Work Sans"/>
+                <a:sym typeface="Work Sans"/>
+              </a:rPr>
+              <a:t>, </a:t>
+            </a:r>
+            <a:r>
+              <a:rPr lang="en-US" sz="3200" dirty="0" err="1">
+                <a:solidFill>
+                  <a:schemeClr val="dk1"/>
+                </a:solidFill>
+                <a:latin typeface="Work Sans"/>
+                <a:ea typeface="Work Sans"/>
+                <a:cs typeface="Work Sans"/>
+                <a:sym typeface="Work Sans"/>
+              </a:rPr>
+              <a:t>promouvant</a:t>
+            </a:r>
+            <a:r>
+              <a:rPr lang="en-US" sz="3200" dirty="0">
+                <a:solidFill>
+                  <a:schemeClr val="dk1"/>
+                </a:solidFill>
+                <a:latin typeface="Work Sans"/>
+                <a:ea typeface="Work Sans"/>
+                <a:cs typeface="Work Sans"/>
+                <a:sym typeface="Work Sans"/>
+              </a:rPr>
+              <a:t> la collaboration et un </a:t>
+            </a:r>
+            <a:r>
+              <a:rPr lang="en-US" sz="3200" b="1" dirty="0">
+                <a:solidFill>
+                  <a:schemeClr val="dk1"/>
+                </a:solidFill>
+                <a:latin typeface="Work Sans"/>
+                <a:ea typeface="Work Sans"/>
+                <a:cs typeface="Work Sans"/>
+                <a:sym typeface="Work Sans"/>
+              </a:rPr>
+              <a:t>dialogue transparent </a:t>
+            </a:r>
+            <a:r>
+              <a:rPr lang="en-US" sz="3200" b="1" dirty="0" err="1">
+                <a:solidFill>
+                  <a:schemeClr val="dk1"/>
+                </a:solidFill>
+                <a:latin typeface="Work Sans"/>
+                <a:ea typeface="Work Sans"/>
+                <a:cs typeface="Work Sans"/>
+                <a:sym typeface="Work Sans"/>
+              </a:rPr>
+              <a:t>parmi</a:t>
+            </a:r>
+            <a:r>
+              <a:rPr lang="en-US" sz="3200" b="1" dirty="0">
+                <a:solidFill>
+                  <a:schemeClr val="dk1"/>
+                </a:solidFill>
+                <a:latin typeface="Work Sans"/>
+                <a:ea typeface="Work Sans"/>
+                <a:cs typeface="Work Sans"/>
+                <a:sym typeface="Work Sans"/>
+              </a:rPr>
+              <a:t> les équipes</a:t>
+            </a:r>
+            <a:r>
+              <a:rPr lang="en-US" sz="3200" dirty="0">
+                <a:solidFill>
+                  <a:schemeClr val="dk1"/>
+                </a:solidFill>
+                <a:latin typeface="Work Sans"/>
+                <a:ea typeface="Work Sans"/>
+                <a:cs typeface="Work Sans"/>
+                <a:sym typeface="Work Sans"/>
+              </a:rPr>
+              <a:t>.</a:t>
+            </a:r>
+          </a:p>
+          <a:p>
+            <a:pPr marL="0" lvl="0" indent="0" algn="ctr" rtl="0">
+              <a:spcBef>
+                <a:spcPts val="0"/>
+              </a:spcBef>
+              <a:spcAft>
+                <a:spcPts val="0"/>
+              </a:spcAft>
+              <a:buClr>
+                <a:schemeClr val="dk1"/>
+              </a:buClr>
+              <a:buSzPts val="1100"/>
+              <a:buFont typeface="Arial"/>
+              <a:buNone/>
+            </a:pPr>
+            <a:endParaRPr lang="en-US" sz="3200" dirty="0">
+              <a:solidFill>
+                <a:schemeClr val="dk1"/>
+              </a:solidFill>
+              <a:latin typeface="Work Sans"/>
+              <a:ea typeface="Work Sans"/>
+              <a:cs typeface="Work Sans"/>
+              <a:sym typeface="Work Sans"/>
+            </a:endParaRPr>
+          </a:p>
+          <a:p>
+            <a:pPr marL="0" lvl="0" indent="0" algn="ctr" rtl="0">
+              <a:spcBef>
+                <a:spcPts val="0"/>
+              </a:spcBef>
+              <a:spcAft>
+                <a:spcPts val="0"/>
+              </a:spcAft>
+              <a:buClr>
+                <a:schemeClr val="dk1"/>
+              </a:buClr>
+              <a:buSzPts val="1100"/>
+              <a:buFont typeface="Arial"/>
+              <a:buNone/>
+            </a:pPr>
+            <a:r>
+              <a:rPr lang="en-US" sz="3200" dirty="0" err="1">
+                <a:solidFill>
+                  <a:schemeClr val="dk1"/>
+                </a:solidFill>
+                <a:latin typeface="Work Sans"/>
+                <a:ea typeface="Work Sans"/>
+                <a:cs typeface="Work Sans"/>
+                <a:sym typeface="Work Sans"/>
+              </a:rPr>
+              <a:t>Chaque</a:t>
+            </a:r>
+            <a:r>
+              <a:rPr lang="en-US" sz="3200" dirty="0">
+                <a:solidFill>
+                  <a:schemeClr val="dk1"/>
+                </a:solidFill>
+                <a:latin typeface="Work Sans"/>
+                <a:ea typeface="Work Sans"/>
+                <a:cs typeface="Work Sans"/>
+                <a:sym typeface="Work Sans"/>
+              </a:rPr>
+              <a:t> </a:t>
+            </a:r>
+            <a:r>
+              <a:rPr lang="en-US" sz="3200" dirty="0" err="1">
+                <a:solidFill>
+                  <a:schemeClr val="dk1"/>
+                </a:solidFill>
+                <a:latin typeface="Work Sans"/>
+                <a:ea typeface="Work Sans"/>
+                <a:cs typeface="Work Sans"/>
+                <a:sym typeface="Work Sans"/>
+              </a:rPr>
+              <a:t>membre</a:t>
+            </a:r>
+            <a:r>
+              <a:rPr lang="en-US" sz="3200" dirty="0">
+                <a:solidFill>
+                  <a:schemeClr val="dk1"/>
+                </a:solidFill>
+                <a:latin typeface="Work Sans"/>
+                <a:ea typeface="Work Sans"/>
+                <a:cs typeface="Work Sans"/>
+                <a:sym typeface="Work Sans"/>
+              </a:rPr>
+              <a:t> </a:t>
+            </a:r>
+            <a:r>
+              <a:rPr lang="en-US" sz="3200" dirty="0" err="1">
+                <a:solidFill>
+                  <a:schemeClr val="dk1"/>
+                </a:solidFill>
+                <a:latin typeface="Work Sans"/>
+                <a:ea typeface="Work Sans"/>
+                <a:cs typeface="Work Sans"/>
+                <a:sym typeface="Work Sans"/>
+              </a:rPr>
+              <a:t>est</a:t>
+            </a:r>
+            <a:r>
+              <a:rPr lang="en-US" sz="3200" dirty="0">
+                <a:solidFill>
+                  <a:schemeClr val="dk1"/>
+                </a:solidFill>
+                <a:latin typeface="Work Sans"/>
+                <a:ea typeface="Work Sans"/>
+                <a:cs typeface="Work Sans"/>
+                <a:sym typeface="Work Sans"/>
+              </a:rPr>
+              <a:t> </a:t>
+            </a:r>
+            <a:r>
+              <a:rPr lang="en-US" sz="3200" dirty="0" err="1">
+                <a:solidFill>
+                  <a:schemeClr val="dk1"/>
+                </a:solidFill>
+                <a:latin typeface="Work Sans"/>
+                <a:ea typeface="Work Sans"/>
+                <a:cs typeface="Work Sans"/>
+                <a:sym typeface="Work Sans"/>
+              </a:rPr>
+              <a:t>invité</a:t>
+            </a:r>
+            <a:r>
+              <a:rPr lang="en-US" sz="3200" dirty="0">
+                <a:solidFill>
+                  <a:schemeClr val="dk1"/>
+                </a:solidFill>
+                <a:latin typeface="Work Sans"/>
+                <a:ea typeface="Work Sans"/>
+                <a:cs typeface="Work Sans"/>
+                <a:sym typeface="Work Sans"/>
+              </a:rPr>
+              <a:t> à </a:t>
+            </a:r>
+            <a:r>
+              <a:rPr lang="en-US" sz="3200" dirty="0" err="1">
+                <a:solidFill>
+                  <a:schemeClr val="dk1"/>
+                </a:solidFill>
+                <a:latin typeface="Work Sans"/>
+                <a:ea typeface="Work Sans"/>
+                <a:cs typeface="Work Sans"/>
+                <a:sym typeface="Work Sans"/>
+              </a:rPr>
+              <a:t>exprimer</a:t>
+            </a:r>
+            <a:r>
+              <a:rPr lang="en-US" sz="3200" dirty="0">
+                <a:solidFill>
+                  <a:schemeClr val="dk1"/>
+                </a:solidFill>
+                <a:latin typeface="Work Sans"/>
+                <a:ea typeface="Work Sans"/>
+                <a:cs typeface="Work Sans"/>
+                <a:sym typeface="Work Sans"/>
+              </a:rPr>
+              <a:t> </a:t>
+            </a:r>
+            <a:r>
+              <a:rPr lang="en-US" sz="3200" dirty="0" err="1">
+                <a:solidFill>
+                  <a:schemeClr val="dk1"/>
+                </a:solidFill>
+                <a:latin typeface="Work Sans"/>
+                <a:ea typeface="Work Sans"/>
+                <a:cs typeface="Work Sans"/>
+                <a:sym typeface="Work Sans"/>
+              </a:rPr>
+              <a:t>ses</a:t>
+            </a:r>
+            <a:r>
+              <a:rPr lang="en-US" sz="3200" dirty="0">
+                <a:solidFill>
+                  <a:schemeClr val="dk1"/>
+                </a:solidFill>
+                <a:latin typeface="Work Sans"/>
+                <a:ea typeface="Work Sans"/>
+                <a:cs typeface="Work Sans"/>
+                <a:sym typeface="Work Sans"/>
+              </a:rPr>
+              <a:t> </a:t>
+            </a:r>
+            <a:r>
+              <a:rPr lang="en-US" sz="3200" b="1" dirty="0">
+                <a:solidFill>
+                  <a:schemeClr val="dk1"/>
+                </a:solidFill>
+                <a:latin typeface="Work Sans"/>
+                <a:ea typeface="Work Sans"/>
+                <a:cs typeface="Work Sans"/>
+                <a:sym typeface="Work Sans"/>
+              </a:rPr>
+              <a:t>remarques</a:t>
+            </a:r>
+            <a:r>
+              <a:rPr lang="en-US" sz="3200" dirty="0">
+                <a:solidFill>
+                  <a:schemeClr val="dk1"/>
+                </a:solidFill>
+                <a:latin typeface="Work Sans"/>
+                <a:ea typeface="Work Sans"/>
+                <a:cs typeface="Work Sans"/>
+                <a:sym typeface="Work Sans"/>
+              </a:rPr>
+              <a:t>, à signaler les </a:t>
+            </a:r>
+            <a:r>
+              <a:rPr lang="en-US" sz="3200" b="1" dirty="0">
+                <a:solidFill>
+                  <a:schemeClr val="dk1"/>
+                </a:solidFill>
+                <a:latin typeface="Work Sans"/>
+                <a:ea typeface="Work Sans"/>
+                <a:cs typeface="Work Sans"/>
+                <a:sym typeface="Work Sans"/>
+              </a:rPr>
+              <a:t>obstacles </a:t>
+            </a:r>
+            <a:r>
+              <a:rPr lang="en-US" sz="3200" dirty="0" err="1">
+                <a:solidFill>
+                  <a:schemeClr val="dk1"/>
+                </a:solidFill>
+                <a:latin typeface="Work Sans"/>
+                <a:ea typeface="Work Sans"/>
+                <a:cs typeface="Work Sans"/>
+                <a:sym typeface="Work Sans"/>
+              </a:rPr>
+              <a:t>rencontrés</a:t>
+            </a:r>
+            <a:r>
+              <a:rPr lang="en-US" sz="3200" dirty="0">
+                <a:solidFill>
+                  <a:schemeClr val="dk1"/>
+                </a:solidFill>
+                <a:latin typeface="Work Sans"/>
+                <a:ea typeface="Work Sans"/>
+                <a:cs typeface="Work Sans"/>
+                <a:sym typeface="Work Sans"/>
+              </a:rPr>
+              <a:t> et à </a:t>
+            </a:r>
+            <a:r>
+              <a:rPr lang="en-US" sz="3200" dirty="0" err="1">
+                <a:solidFill>
+                  <a:schemeClr val="dk1"/>
+                </a:solidFill>
+                <a:latin typeface="Work Sans"/>
+                <a:ea typeface="Work Sans"/>
+                <a:cs typeface="Work Sans"/>
+                <a:sym typeface="Work Sans"/>
+              </a:rPr>
+              <a:t>participer</a:t>
+            </a:r>
+            <a:r>
+              <a:rPr lang="en-US" sz="3200" dirty="0">
+                <a:solidFill>
+                  <a:schemeClr val="dk1"/>
+                </a:solidFill>
+                <a:latin typeface="Work Sans"/>
+                <a:ea typeface="Work Sans"/>
+                <a:cs typeface="Work Sans"/>
+                <a:sym typeface="Work Sans"/>
+              </a:rPr>
+              <a:t> aux </a:t>
+            </a:r>
+            <a:r>
+              <a:rPr lang="en-US" sz="3200" dirty="0" err="1">
+                <a:solidFill>
+                  <a:schemeClr val="dk1"/>
+                </a:solidFill>
+                <a:latin typeface="Work Sans"/>
+                <a:ea typeface="Work Sans"/>
+                <a:cs typeface="Work Sans"/>
+                <a:sym typeface="Work Sans"/>
+              </a:rPr>
+              <a:t>échanges</a:t>
+            </a:r>
+            <a:r>
+              <a:rPr lang="en-US" sz="3200" dirty="0">
+                <a:solidFill>
+                  <a:schemeClr val="dk1"/>
+                </a:solidFill>
+                <a:latin typeface="Work Sans"/>
+                <a:ea typeface="Work Sans"/>
+                <a:cs typeface="Work Sans"/>
+                <a:sym typeface="Work Sans"/>
+              </a:rPr>
+              <a:t> pour </a:t>
+            </a:r>
+            <a:r>
+              <a:rPr lang="en-US" sz="3200" b="1" dirty="0" err="1">
+                <a:solidFill>
+                  <a:schemeClr val="dk1"/>
+                </a:solidFill>
+                <a:latin typeface="Work Sans"/>
+                <a:ea typeface="Work Sans"/>
+                <a:cs typeface="Work Sans"/>
+                <a:sym typeface="Work Sans"/>
+              </a:rPr>
+              <a:t>optimiser</a:t>
+            </a:r>
+            <a:r>
+              <a:rPr lang="en-US" sz="3200" b="1" dirty="0">
+                <a:solidFill>
+                  <a:schemeClr val="dk1"/>
+                </a:solidFill>
+                <a:latin typeface="Work Sans"/>
+                <a:ea typeface="Work Sans"/>
+                <a:cs typeface="Work Sans"/>
+                <a:sym typeface="Work Sans"/>
+              </a:rPr>
+              <a:t> </a:t>
+            </a:r>
+            <a:r>
+              <a:rPr lang="en-US" sz="3200" b="1" dirty="0" err="1">
+                <a:solidFill>
+                  <a:schemeClr val="dk1"/>
+                </a:solidFill>
+                <a:latin typeface="Work Sans"/>
+                <a:ea typeface="Work Sans"/>
+                <a:cs typeface="Work Sans"/>
+                <a:sym typeface="Work Sans"/>
+              </a:rPr>
+              <a:t>notre</a:t>
+            </a:r>
+            <a:r>
+              <a:rPr lang="en-US" sz="3200" b="1" dirty="0">
+                <a:solidFill>
+                  <a:schemeClr val="dk1"/>
+                </a:solidFill>
+                <a:latin typeface="Work Sans"/>
+                <a:ea typeface="Work Sans"/>
+                <a:cs typeface="Work Sans"/>
+                <a:sym typeface="Work Sans"/>
+              </a:rPr>
+              <a:t> </a:t>
+            </a:r>
+            <a:r>
+              <a:rPr lang="en-US" sz="3200" b="1" dirty="0" err="1">
+                <a:solidFill>
+                  <a:schemeClr val="dk1"/>
+                </a:solidFill>
+                <a:latin typeface="Work Sans"/>
+                <a:ea typeface="Work Sans"/>
+                <a:cs typeface="Work Sans"/>
+                <a:sym typeface="Work Sans"/>
+              </a:rPr>
+              <a:t>méthode</a:t>
+            </a:r>
+            <a:r>
+              <a:rPr lang="en-US" sz="3200" b="1" dirty="0">
+                <a:solidFill>
+                  <a:schemeClr val="dk1"/>
+                </a:solidFill>
+                <a:latin typeface="Work Sans"/>
+                <a:ea typeface="Work Sans"/>
+                <a:cs typeface="Work Sans"/>
+                <a:sym typeface="Work Sans"/>
+              </a:rPr>
+              <a:t> de travail</a:t>
+            </a:r>
+            <a:r>
+              <a:rPr lang="en-US" sz="3200" dirty="0">
+                <a:solidFill>
+                  <a:schemeClr val="dk1"/>
+                </a:solidFill>
+                <a:latin typeface="Work Sans"/>
+                <a:ea typeface="Work Sans"/>
+                <a:cs typeface="Work Sans"/>
+                <a:sym typeface="Work Sans"/>
+              </a:rPr>
+              <a:t>.</a:t>
+            </a:r>
+            <a:endParaRPr sz="3200" dirty="0">
+              <a:solidFill>
+                <a:schemeClr val="dk1"/>
+              </a:solidFill>
+              <a:latin typeface="Work Sans"/>
+              <a:ea typeface="Work Sans"/>
+              <a:cs typeface="Work Sans"/>
+              <a:sym typeface="Work Sans"/>
+            </a:endParaRPr>
+          </a:p>
+          <a:p>
+            <a:pPr marL="0" lvl="0" indent="0" algn="l" rtl="0">
+              <a:spcBef>
+                <a:spcPts val="0"/>
+              </a:spcBef>
+              <a:spcAft>
+                <a:spcPts val="0"/>
+              </a:spcAft>
+              <a:buNone/>
+            </a:pPr>
+            <a:endParaRPr sz="3200" dirty="0">
+              <a:solidFill>
+                <a:schemeClr val="dk1"/>
+              </a:solidFill>
+              <a:latin typeface="Work Sans"/>
+              <a:ea typeface="Work Sans"/>
+              <a:cs typeface="Work Sans"/>
+              <a:sym typeface="Work Sans"/>
+            </a:endParaRPr>
+          </a:p>
+        </p:txBody>
+      </p:sp>
+      <p:sp>
+        <p:nvSpPr>
+          <p:cNvPr id="181" name="Google Shape;181;p20"/>
+          <p:cNvSpPr txBox="1"/>
+          <p:nvPr/>
+        </p:nvSpPr>
+        <p:spPr>
+          <a:xfrm>
+            <a:off x="9158325" y="1638875"/>
+            <a:ext cx="8442000" cy="8187300"/>
+          </a:xfrm>
+          <a:prstGeom prst="rect">
+            <a:avLst/>
+          </a:prstGeom>
+          <a:noFill/>
+          <a:ln>
+            <a:noFill/>
+          </a:ln>
+        </p:spPr>
+        <p:txBody>
+          <a:bodyPr spcFirstLastPara="1" wrap="square" lIns="91425" tIns="91425" rIns="91425" bIns="91425" anchor="t" anchorCtr="0">
+            <a:noAutofit/>
+          </a:bodyPr>
+          <a:lstStyle/>
+          <a:p>
+            <a:pPr marL="0" lvl="0" indent="0" algn="l" rtl="0">
+              <a:spcBef>
+                <a:spcPts val="0"/>
+              </a:spcBef>
+              <a:spcAft>
+                <a:spcPts val="0"/>
+              </a:spcAft>
+              <a:buNone/>
+            </a:pPr>
+            <a:r>
+              <a:rPr lang="en-US" sz="2200" dirty="0" err="1">
+                <a:solidFill>
+                  <a:schemeClr val="dk1"/>
+                </a:solidFill>
+                <a:latin typeface="Work Sans"/>
+                <a:ea typeface="Work Sans"/>
+                <a:cs typeface="Work Sans"/>
+                <a:sym typeface="Work Sans"/>
+              </a:rPr>
+              <a:t>Exemple</a:t>
+            </a:r>
+            <a:r>
+              <a:rPr lang="en-US" sz="2200" dirty="0">
+                <a:solidFill>
+                  <a:schemeClr val="dk1"/>
+                </a:solidFill>
+                <a:latin typeface="Work Sans"/>
+                <a:ea typeface="Work Sans"/>
+                <a:cs typeface="Work Sans"/>
+                <a:sym typeface="Work Sans"/>
+              </a:rPr>
+              <a:t> de </a:t>
+            </a:r>
+            <a:r>
+              <a:rPr lang="en-US" sz="2200" dirty="0" err="1">
+                <a:solidFill>
+                  <a:schemeClr val="dk1"/>
+                </a:solidFill>
+                <a:latin typeface="Work Sans"/>
+                <a:ea typeface="Work Sans"/>
+                <a:cs typeface="Work Sans"/>
+                <a:sym typeface="Work Sans"/>
+              </a:rPr>
+              <a:t>réunion</a:t>
+            </a:r>
+            <a:r>
+              <a:rPr lang="en-US" sz="2200" dirty="0">
+                <a:solidFill>
+                  <a:schemeClr val="dk1"/>
+                </a:solidFill>
+                <a:latin typeface="Work Sans"/>
+                <a:ea typeface="Work Sans"/>
+                <a:cs typeface="Work Sans"/>
+                <a:sym typeface="Work Sans"/>
+              </a:rPr>
+              <a:t> : </a:t>
+            </a:r>
+            <a:endParaRPr sz="2200" dirty="0">
+              <a:solidFill>
+                <a:schemeClr val="dk1"/>
+              </a:solidFill>
+              <a:latin typeface="Work Sans"/>
+              <a:ea typeface="Work Sans"/>
+              <a:cs typeface="Work Sans"/>
+              <a:sym typeface="Work Sans"/>
+            </a:endParaRPr>
+          </a:p>
+          <a:p>
+            <a:pPr marL="0" lvl="0" indent="0" algn="ctr" rtl="0">
+              <a:spcBef>
+                <a:spcPts val="0"/>
+              </a:spcBef>
+              <a:spcAft>
+                <a:spcPts val="0"/>
+              </a:spcAft>
+              <a:buNone/>
+            </a:pPr>
+            <a:r>
+              <a:rPr lang="en-US" sz="2000" b="1" dirty="0">
+                <a:solidFill>
+                  <a:schemeClr val="dk1"/>
+                </a:solidFill>
+                <a:latin typeface="Work Sans"/>
+                <a:ea typeface="Work Sans"/>
+                <a:cs typeface="Work Sans"/>
+                <a:sym typeface="Work Sans"/>
+              </a:rPr>
+              <a:t>Revue du Sprint </a:t>
+            </a:r>
+            <a:r>
+              <a:rPr lang="en-US" sz="2000" b="1" dirty="0" err="1">
+                <a:solidFill>
+                  <a:schemeClr val="dk1"/>
+                </a:solidFill>
+                <a:latin typeface="Work Sans"/>
+                <a:ea typeface="Work Sans"/>
+                <a:cs typeface="Work Sans"/>
+                <a:sym typeface="Work Sans"/>
+              </a:rPr>
+              <a:t>Précédent</a:t>
+            </a:r>
+            <a:r>
+              <a:rPr lang="en-US" sz="2000" b="1" dirty="0">
+                <a:solidFill>
+                  <a:schemeClr val="dk1"/>
+                </a:solidFill>
+                <a:latin typeface="Work Sans"/>
+                <a:ea typeface="Work Sans"/>
+                <a:cs typeface="Work Sans"/>
+                <a:sym typeface="Work Sans"/>
+              </a:rPr>
+              <a:t> (15 minutes)</a:t>
+            </a:r>
+            <a:endParaRPr sz="2000" b="1" dirty="0">
+              <a:solidFill>
+                <a:schemeClr val="dk1"/>
+              </a:solidFill>
+              <a:latin typeface="Work Sans"/>
+              <a:ea typeface="Work Sans"/>
+              <a:cs typeface="Work Sans"/>
+              <a:sym typeface="Work Sans"/>
+            </a:endParaRPr>
+          </a:p>
+          <a:p>
+            <a:pPr marL="0" lvl="0" indent="0" algn="ctr" rtl="0">
+              <a:spcBef>
+                <a:spcPts val="0"/>
+              </a:spcBef>
+              <a:spcAft>
+                <a:spcPts val="0"/>
+              </a:spcAft>
+              <a:buNone/>
+            </a:pPr>
+            <a:r>
+              <a:rPr lang="en-US" sz="2000" dirty="0" err="1">
+                <a:solidFill>
+                  <a:schemeClr val="dk1"/>
+                </a:solidFill>
+                <a:latin typeface="Work Sans"/>
+                <a:ea typeface="Work Sans"/>
+                <a:cs typeface="Work Sans"/>
+                <a:sym typeface="Work Sans"/>
+              </a:rPr>
+              <a:t>Présentation</a:t>
+            </a:r>
+            <a:r>
+              <a:rPr lang="en-US" sz="2000" dirty="0">
+                <a:solidFill>
+                  <a:schemeClr val="dk1"/>
+                </a:solidFill>
+                <a:latin typeface="Work Sans"/>
+                <a:ea typeface="Work Sans"/>
+                <a:cs typeface="Work Sans"/>
+                <a:sym typeface="Work Sans"/>
+              </a:rPr>
+              <a:t> des </a:t>
+            </a:r>
+            <a:r>
+              <a:rPr lang="en-US" sz="2000" dirty="0" err="1">
+                <a:solidFill>
+                  <a:schemeClr val="dk1"/>
+                </a:solidFill>
+                <a:latin typeface="Work Sans"/>
+                <a:ea typeface="Work Sans"/>
+                <a:cs typeface="Work Sans"/>
+                <a:sym typeface="Work Sans"/>
+              </a:rPr>
+              <a:t>fonctionnalités</a:t>
+            </a:r>
+            <a:r>
+              <a:rPr lang="en-US" sz="2000" dirty="0">
+                <a:solidFill>
+                  <a:schemeClr val="dk1"/>
+                </a:solidFill>
+                <a:latin typeface="Work Sans"/>
+                <a:ea typeface="Work Sans"/>
+                <a:cs typeface="Work Sans"/>
+                <a:sym typeface="Work Sans"/>
+              </a:rPr>
+              <a:t> </a:t>
+            </a:r>
+            <a:r>
+              <a:rPr lang="en-US" sz="2000" dirty="0" err="1">
+                <a:solidFill>
+                  <a:schemeClr val="dk1"/>
+                </a:solidFill>
+                <a:latin typeface="Work Sans"/>
+                <a:ea typeface="Work Sans"/>
+                <a:cs typeface="Work Sans"/>
+                <a:sym typeface="Work Sans"/>
+              </a:rPr>
+              <a:t>achevées</a:t>
+            </a:r>
+            <a:r>
+              <a:rPr lang="en-US" sz="2000" dirty="0">
+                <a:solidFill>
+                  <a:schemeClr val="dk1"/>
+                </a:solidFill>
+                <a:latin typeface="Work Sans"/>
+                <a:ea typeface="Work Sans"/>
+                <a:cs typeface="Work Sans"/>
+                <a:sym typeface="Work Sans"/>
+              </a:rPr>
+              <a:t>.</a:t>
+            </a:r>
+            <a:endParaRPr sz="2000" dirty="0">
+              <a:solidFill>
+                <a:schemeClr val="dk1"/>
+              </a:solidFill>
+              <a:latin typeface="Work Sans"/>
+              <a:ea typeface="Work Sans"/>
+              <a:cs typeface="Work Sans"/>
+              <a:sym typeface="Work Sans"/>
+            </a:endParaRPr>
+          </a:p>
+          <a:p>
+            <a:pPr marL="0" lvl="0" indent="0" algn="ctr" rtl="0">
+              <a:spcBef>
+                <a:spcPts val="0"/>
+              </a:spcBef>
+              <a:spcAft>
+                <a:spcPts val="0"/>
+              </a:spcAft>
+              <a:buNone/>
+            </a:pPr>
+            <a:r>
+              <a:rPr lang="en-US" sz="2000" dirty="0">
+                <a:solidFill>
+                  <a:schemeClr val="dk1"/>
+                </a:solidFill>
+                <a:latin typeface="Work Sans"/>
+                <a:ea typeface="Work Sans"/>
+                <a:cs typeface="Work Sans"/>
+                <a:sym typeface="Work Sans"/>
+              </a:rPr>
+              <a:t>Discussion sur les </a:t>
+            </a:r>
+            <a:r>
+              <a:rPr lang="en-US" sz="2000" dirty="0" err="1">
+                <a:solidFill>
+                  <a:schemeClr val="dk1"/>
+                </a:solidFill>
+                <a:latin typeface="Work Sans"/>
+                <a:ea typeface="Work Sans"/>
+                <a:cs typeface="Work Sans"/>
+                <a:sym typeface="Work Sans"/>
+              </a:rPr>
+              <a:t>éventuels</a:t>
+            </a:r>
+            <a:r>
+              <a:rPr lang="en-US" sz="2000" dirty="0">
+                <a:solidFill>
+                  <a:schemeClr val="dk1"/>
+                </a:solidFill>
+                <a:latin typeface="Work Sans"/>
+                <a:ea typeface="Work Sans"/>
+                <a:cs typeface="Work Sans"/>
+                <a:sym typeface="Work Sans"/>
+              </a:rPr>
+              <a:t> obstacles </a:t>
+            </a:r>
+            <a:r>
+              <a:rPr lang="en-US" sz="2000" dirty="0" err="1">
+                <a:solidFill>
+                  <a:schemeClr val="dk1"/>
+                </a:solidFill>
+                <a:latin typeface="Work Sans"/>
+                <a:ea typeface="Work Sans"/>
+                <a:cs typeface="Work Sans"/>
+                <a:sym typeface="Work Sans"/>
+              </a:rPr>
+              <a:t>rencontrés</a:t>
+            </a:r>
+            <a:r>
+              <a:rPr lang="en-US" sz="2000" dirty="0">
+                <a:solidFill>
+                  <a:schemeClr val="dk1"/>
+                </a:solidFill>
+                <a:latin typeface="Work Sans"/>
+                <a:ea typeface="Work Sans"/>
+                <a:cs typeface="Work Sans"/>
+                <a:sym typeface="Work Sans"/>
+              </a:rPr>
+              <a:t>.</a:t>
+            </a:r>
+            <a:endParaRPr sz="2000" dirty="0">
+              <a:solidFill>
+                <a:schemeClr val="dk1"/>
+              </a:solidFill>
+              <a:latin typeface="Work Sans"/>
+              <a:ea typeface="Work Sans"/>
+              <a:cs typeface="Work Sans"/>
+              <a:sym typeface="Work Sans"/>
+            </a:endParaRPr>
+          </a:p>
+          <a:p>
+            <a:pPr marL="0" lvl="0" indent="0" algn="ctr" rtl="0">
+              <a:spcBef>
+                <a:spcPts val="0"/>
+              </a:spcBef>
+              <a:spcAft>
+                <a:spcPts val="0"/>
+              </a:spcAft>
+              <a:buNone/>
+            </a:pPr>
+            <a:r>
+              <a:rPr lang="en-US" sz="2000" dirty="0">
+                <a:solidFill>
+                  <a:schemeClr val="dk1"/>
+                </a:solidFill>
+                <a:latin typeface="Work Sans"/>
+                <a:ea typeface="Work Sans"/>
+                <a:cs typeface="Work Sans"/>
+                <a:sym typeface="Work Sans"/>
+              </a:rPr>
+              <a:t>Retours </a:t>
+            </a:r>
+            <a:r>
+              <a:rPr lang="en-US" sz="2000" dirty="0" err="1">
+                <a:solidFill>
+                  <a:schemeClr val="dk1"/>
+                </a:solidFill>
+                <a:latin typeface="Work Sans"/>
+                <a:ea typeface="Work Sans"/>
+                <a:cs typeface="Work Sans"/>
+                <a:sym typeface="Work Sans"/>
+              </a:rPr>
+              <a:t>d'utilisateurs</a:t>
+            </a:r>
+            <a:r>
+              <a:rPr lang="en-US" sz="2000" dirty="0">
+                <a:solidFill>
+                  <a:schemeClr val="dk1"/>
+                </a:solidFill>
+                <a:latin typeface="Work Sans"/>
+                <a:ea typeface="Work Sans"/>
+                <a:cs typeface="Work Sans"/>
+                <a:sym typeface="Work Sans"/>
+              </a:rPr>
+              <a:t>.</a:t>
+            </a:r>
+            <a:endParaRPr sz="2000" dirty="0">
+              <a:solidFill>
+                <a:schemeClr val="dk1"/>
+              </a:solidFill>
+              <a:latin typeface="Work Sans"/>
+              <a:ea typeface="Work Sans"/>
+              <a:cs typeface="Work Sans"/>
+              <a:sym typeface="Work Sans"/>
+            </a:endParaRPr>
+          </a:p>
+          <a:p>
+            <a:pPr marL="0" lvl="0" indent="0" algn="ctr" rtl="0">
+              <a:spcBef>
+                <a:spcPts val="0"/>
+              </a:spcBef>
+              <a:spcAft>
+                <a:spcPts val="0"/>
+              </a:spcAft>
+              <a:buNone/>
+            </a:pPr>
+            <a:endParaRPr sz="2000" dirty="0">
+              <a:solidFill>
+                <a:schemeClr val="dk1"/>
+              </a:solidFill>
+              <a:latin typeface="Work Sans"/>
+              <a:ea typeface="Work Sans"/>
+              <a:cs typeface="Work Sans"/>
+              <a:sym typeface="Work Sans"/>
+            </a:endParaRPr>
+          </a:p>
+          <a:p>
+            <a:pPr marL="0" lvl="0" indent="0" algn="ctr" rtl="0">
+              <a:spcBef>
+                <a:spcPts val="0"/>
+              </a:spcBef>
+              <a:spcAft>
+                <a:spcPts val="0"/>
+              </a:spcAft>
+              <a:buNone/>
+            </a:pPr>
+            <a:r>
+              <a:rPr lang="en-US" sz="2000" b="1" dirty="0">
+                <a:solidFill>
+                  <a:schemeClr val="dk1"/>
+                </a:solidFill>
+                <a:latin typeface="Work Sans"/>
+                <a:ea typeface="Work Sans"/>
+                <a:cs typeface="Work Sans"/>
+                <a:sym typeface="Work Sans"/>
+              </a:rPr>
+              <a:t>Planification du Sprint </a:t>
+            </a:r>
+            <a:r>
+              <a:rPr lang="en-US" sz="2000" b="1" dirty="0" err="1">
+                <a:solidFill>
+                  <a:schemeClr val="dk1"/>
+                </a:solidFill>
+                <a:latin typeface="Work Sans"/>
+                <a:ea typeface="Work Sans"/>
+                <a:cs typeface="Work Sans"/>
+                <a:sym typeface="Work Sans"/>
+              </a:rPr>
+              <a:t>Actuel</a:t>
+            </a:r>
+            <a:r>
+              <a:rPr lang="en-US" sz="2000" b="1" dirty="0">
+                <a:solidFill>
+                  <a:schemeClr val="dk1"/>
+                </a:solidFill>
+                <a:latin typeface="Work Sans"/>
+                <a:ea typeface="Work Sans"/>
+                <a:cs typeface="Work Sans"/>
+                <a:sym typeface="Work Sans"/>
+              </a:rPr>
+              <a:t> (20 minutes)</a:t>
+            </a:r>
+            <a:endParaRPr sz="2000" b="1" dirty="0">
+              <a:solidFill>
+                <a:schemeClr val="dk1"/>
+              </a:solidFill>
+              <a:latin typeface="Work Sans"/>
+              <a:ea typeface="Work Sans"/>
+              <a:cs typeface="Work Sans"/>
+              <a:sym typeface="Work Sans"/>
+            </a:endParaRPr>
+          </a:p>
+          <a:p>
+            <a:pPr marL="0" lvl="0" indent="0" algn="ctr" rtl="0">
+              <a:spcBef>
+                <a:spcPts val="0"/>
+              </a:spcBef>
+              <a:spcAft>
+                <a:spcPts val="0"/>
+              </a:spcAft>
+              <a:buNone/>
+            </a:pPr>
+            <a:r>
+              <a:rPr lang="en-US" sz="2000" dirty="0">
+                <a:solidFill>
+                  <a:schemeClr val="dk1"/>
+                </a:solidFill>
+                <a:latin typeface="Work Sans"/>
+                <a:ea typeface="Work Sans"/>
+                <a:cs typeface="Work Sans"/>
+                <a:sym typeface="Work Sans"/>
+              </a:rPr>
+              <a:t>Estimation des efforts pour les </a:t>
+            </a:r>
+            <a:r>
+              <a:rPr lang="en-US" sz="2000" dirty="0" err="1">
+                <a:solidFill>
+                  <a:schemeClr val="dk1"/>
+                </a:solidFill>
+                <a:latin typeface="Work Sans"/>
+                <a:ea typeface="Work Sans"/>
+                <a:cs typeface="Work Sans"/>
+                <a:sym typeface="Work Sans"/>
+              </a:rPr>
+              <a:t>tâches</a:t>
+            </a:r>
+            <a:r>
+              <a:rPr lang="en-US" sz="2000" dirty="0">
+                <a:solidFill>
+                  <a:schemeClr val="dk1"/>
+                </a:solidFill>
+                <a:latin typeface="Work Sans"/>
+                <a:ea typeface="Work Sans"/>
+                <a:cs typeface="Work Sans"/>
+                <a:sym typeface="Work Sans"/>
+              </a:rPr>
+              <a:t> </a:t>
+            </a:r>
+            <a:r>
+              <a:rPr lang="en-US" sz="2000" dirty="0" err="1">
+                <a:solidFill>
+                  <a:schemeClr val="dk1"/>
+                </a:solidFill>
+                <a:latin typeface="Work Sans"/>
+                <a:ea typeface="Work Sans"/>
+                <a:cs typeface="Work Sans"/>
+                <a:sym typeface="Work Sans"/>
+              </a:rPr>
+              <a:t>planifiées</a:t>
+            </a:r>
+            <a:r>
+              <a:rPr lang="en-US" sz="2000" dirty="0">
+                <a:solidFill>
+                  <a:schemeClr val="dk1"/>
+                </a:solidFill>
+                <a:latin typeface="Work Sans"/>
+                <a:ea typeface="Work Sans"/>
+                <a:cs typeface="Work Sans"/>
+                <a:sym typeface="Work Sans"/>
+              </a:rPr>
+              <a:t>.</a:t>
+            </a:r>
+            <a:endParaRPr sz="2000" dirty="0">
+              <a:solidFill>
+                <a:schemeClr val="dk1"/>
+              </a:solidFill>
+              <a:latin typeface="Work Sans"/>
+              <a:ea typeface="Work Sans"/>
+              <a:cs typeface="Work Sans"/>
+              <a:sym typeface="Work Sans"/>
+            </a:endParaRPr>
+          </a:p>
+          <a:p>
+            <a:pPr marL="0" lvl="0" indent="0" algn="ctr" rtl="0">
+              <a:spcBef>
+                <a:spcPts val="0"/>
+              </a:spcBef>
+              <a:spcAft>
+                <a:spcPts val="0"/>
+              </a:spcAft>
+              <a:buNone/>
+            </a:pPr>
+            <a:r>
+              <a:rPr lang="en-US" sz="2000" dirty="0">
+                <a:solidFill>
+                  <a:schemeClr val="dk1"/>
+                </a:solidFill>
+                <a:latin typeface="Work Sans"/>
+                <a:ea typeface="Work Sans"/>
+                <a:cs typeface="Work Sans"/>
+                <a:sym typeface="Work Sans"/>
+              </a:rPr>
+              <a:t>Assignation des </a:t>
+            </a:r>
+            <a:r>
+              <a:rPr lang="en-US" sz="2000" dirty="0" err="1">
+                <a:solidFill>
+                  <a:schemeClr val="dk1"/>
+                </a:solidFill>
+                <a:latin typeface="Work Sans"/>
+                <a:ea typeface="Work Sans"/>
+                <a:cs typeface="Work Sans"/>
+                <a:sym typeface="Work Sans"/>
+              </a:rPr>
+              <a:t>responsabilités</a:t>
+            </a:r>
+            <a:r>
+              <a:rPr lang="en-US" sz="2000" dirty="0">
+                <a:solidFill>
+                  <a:schemeClr val="dk1"/>
+                </a:solidFill>
+                <a:latin typeface="Work Sans"/>
+                <a:ea typeface="Work Sans"/>
+                <a:cs typeface="Work Sans"/>
+                <a:sym typeface="Work Sans"/>
+              </a:rPr>
+              <a:t>.</a:t>
+            </a:r>
+            <a:endParaRPr sz="2000" dirty="0">
+              <a:solidFill>
+                <a:schemeClr val="dk1"/>
+              </a:solidFill>
+              <a:latin typeface="Work Sans"/>
+              <a:ea typeface="Work Sans"/>
+              <a:cs typeface="Work Sans"/>
+              <a:sym typeface="Work Sans"/>
+            </a:endParaRPr>
+          </a:p>
+          <a:p>
+            <a:pPr marL="0" lvl="0" indent="0" algn="ctr" rtl="0">
+              <a:spcBef>
+                <a:spcPts val="0"/>
+              </a:spcBef>
+              <a:spcAft>
+                <a:spcPts val="0"/>
+              </a:spcAft>
+              <a:buNone/>
+            </a:pPr>
+            <a:r>
+              <a:rPr lang="en-US" sz="2000" dirty="0" err="1">
+                <a:solidFill>
+                  <a:schemeClr val="dk1"/>
+                </a:solidFill>
+                <a:latin typeface="Work Sans"/>
+                <a:ea typeface="Work Sans"/>
+                <a:cs typeface="Work Sans"/>
+                <a:sym typeface="Work Sans"/>
+              </a:rPr>
+              <a:t>Définition</a:t>
+            </a:r>
+            <a:r>
+              <a:rPr lang="en-US" sz="2000" dirty="0">
+                <a:solidFill>
+                  <a:schemeClr val="dk1"/>
+                </a:solidFill>
+                <a:latin typeface="Work Sans"/>
+                <a:ea typeface="Work Sans"/>
+                <a:cs typeface="Work Sans"/>
+                <a:sym typeface="Work Sans"/>
+              </a:rPr>
+              <a:t> des </a:t>
+            </a:r>
+            <a:r>
+              <a:rPr lang="en-US" sz="2000" dirty="0" err="1">
+                <a:solidFill>
+                  <a:schemeClr val="dk1"/>
+                </a:solidFill>
+                <a:latin typeface="Work Sans"/>
+                <a:ea typeface="Work Sans"/>
+                <a:cs typeface="Work Sans"/>
+                <a:sym typeface="Work Sans"/>
+              </a:rPr>
+              <a:t>objectifs</a:t>
+            </a:r>
+            <a:r>
+              <a:rPr lang="en-US" sz="2000" dirty="0">
+                <a:solidFill>
+                  <a:schemeClr val="dk1"/>
+                </a:solidFill>
+                <a:latin typeface="Work Sans"/>
+                <a:ea typeface="Work Sans"/>
+                <a:cs typeface="Work Sans"/>
+                <a:sym typeface="Work Sans"/>
+              </a:rPr>
+              <a:t> du sprint.</a:t>
+            </a:r>
+            <a:endParaRPr sz="2000" dirty="0">
+              <a:solidFill>
+                <a:schemeClr val="dk1"/>
+              </a:solidFill>
+              <a:latin typeface="Work Sans"/>
+              <a:ea typeface="Work Sans"/>
+              <a:cs typeface="Work Sans"/>
+              <a:sym typeface="Work Sans"/>
+            </a:endParaRPr>
+          </a:p>
+          <a:p>
+            <a:pPr marL="0" lvl="0" indent="0" algn="ctr" rtl="0">
+              <a:spcBef>
+                <a:spcPts val="0"/>
+              </a:spcBef>
+              <a:spcAft>
+                <a:spcPts val="0"/>
+              </a:spcAft>
+              <a:buNone/>
+            </a:pPr>
+            <a:endParaRPr sz="2000" dirty="0">
+              <a:solidFill>
+                <a:schemeClr val="dk1"/>
+              </a:solidFill>
+              <a:latin typeface="Work Sans"/>
+              <a:ea typeface="Work Sans"/>
+              <a:cs typeface="Work Sans"/>
+              <a:sym typeface="Work Sans"/>
+            </a:endParaRPr>
+          </a:p>
+          <a:p>
+            <a:pPr marL="0" lvl="0" indent="0" algn="ctr" rtl="0">
+              <a:spcBef>
+                <a:spcPts val="0"/>
+              </a:spcBef>
+              <a:spcAft>
+                <a:spcPts val="0"/>
+              </a:spcAft>
+              <a:buNone/>
+            </a:pPr>
+            <a:r>
+              <a:rPr lang="en-US" sz="2000" b="1" dirty="0">
+                <a:solidFill>
+                  <a:schemeClr val="dk1"/>
+                </a:solidFill>
+                <a:latin typeface="Work Sans"/>
+                <a:ea typeface="Work Sans"/>
+                <a:cs typeface="Work Sans"/>
+                <a:sym typeface="Work Sans"/>
+              </a:rPr>
+              <a:t>Points </a:t>
+            </a:r>
+            <a:r>
+              <a:rPr lang="en-US" sz="2000" b="1" dirty="0" err="1">
+                <a:solidFill>
+                  <a:schemeClr val="dk1"/>
+                </a:solidFill>
+                <a:latin typeface="Work Sans"/>
+                <a:ea typeface="Work Sans"/>
+                <a:cs typeface="Work Sans"/>
+                <a:sym typeface="Work Sans"/>
+              </a:rPr>
+              <a:t>Bloquants</a:t>
+            </a:r>
+            <a:r>
+              <a:rPr lang="en-US" sz="2000" b="1" dirty="0">
+                <a:solidFill>
+                  <a:schemeClr val="dk1"/>
+                </a:solidFill>
+                <a:latin typeface="Work Sans"/>
+                <a:ea typeface="Work Sans"/>
+                <a:cs typeface="Work Sans"/>
+                <a:sym typeface="Work Sans"/>
+              </a:rPr>
+              <a:t> (10 minutes)</a:t>
+            </a:r>
+            <a:endParaRPr sz="2000" b="1" dirty="0">
+              <a:solidFill>
+                <a:schemeClr val="dk1"/>
+              </a:solidFill>
+              <a:latin typeface="Work Sans"/>
+              <a:ea typeface="Work Sans"/>
+              <a:cs typeface="Work Sans"/>
+              <a:sym typeface="Work Sans"/>
+            </a:endParaRPr>
+          </a:p>
+          <a:p>
+            <a:pPr marL="0" lvl="0" indent="0" algn="ctr" rtl="0">
+              <a:spcBef>
+                <a:spcPts val="0"/>
+              </a:spcBef>
+              <a:spcAft>
+                <a:spcPts val="0"/>
+              </a:spcAft>
+              <a:buNone/>
+            </a:pPr>
+            <a:r>
+              <a:rPr lang="en-US" sz="2000" dirty="0">
+                <a:solidFill>
+                  <a:schemeClr val="dk1"/>
+                </a:solidFill>
+                <a:latin typeface="Work Sans"/>
+                <a:ea typeface="Work Sans"/>
+                <a:cs typeface="Work Sans"/>
+                <a:sym typeface="Work Sans"/>
+              </a:rPr>
+              <a:t>Identification des </a:t>
+            </a:r>
+            <a:r>
+              <a:rPr lang="en-US" sz="2000" dirty="0" err="1">
+                <a:solidFill>
+                  <a:schemeClr val="dk1"/>
+                </a:solidFill>
+                <a:latin typeface="Work Sans"/>
+                <a:ea typeface="Work Sans"/>
+                <a:cs typeface="Work Sans"/>
+                <a:sym typeface="Work Sans"/>
+              </a:rPr>
+              <a:t>problèmes</a:t>
+            </a:r>
+            <a:r>
+              <a:rPr lang="en-US" sz="2000" dirty="0">
+                <a:solidFill>
+                  <a:schemeClr val="dk1"/>
+                </a:solidFill>
+                <a:latin typeface="Work Sans"/>
+                <a:ea typeface="Work Sans"/>
+                <a:cs typeface="Work Sans"/>
+                <a:sym typeface="Work Sans"/>
+              </a:rPr>
+              <a:t> </a:t>
+            </a:r>
+            <a:r>
+              <a:rPr lang="en-US" sz="2000" dirty="0" err="1">
+                <a:solidFill>
+                  <a:schemeClr val="dk1"/>
+                </a:solidFill>
+                <a:latin typeface="Work Sans"/>
+                <a:ea typeface="Work Sans"/>
+                <a:cs typeface="Work Sans"/>
+                <a:sym typeface="Work Sans"/>
+              </a:rPr>
+              <a:t>actuels</a:t>
+            </a:r>
+            <a:r>
+              <a:rPr lang="en-US" sz="2000" dirty="0">
+                <a:solidFill>
+                  <a:schemeClr val="dk1"/>
+                </a:solidFill>
+                <a:latin typeface="Work Sans"/>
+                <a:ea typeface="Work Sans"/>
+                <a:cs typeface="Work Sans"/>
+                <a:sym typeface="Work Sans"/>
+              </a:rPr>
+              <a:t>.</a:t>
+            </a:r>
+            <a:endParaRPr sz="2000" dirty="0">
+              <a:solidFill>
+                <a:schemeClr val="dk1"/>
+              </a:solidFill>
+              <a:latin typeface="Work Sans"/>
+              <a:ea typeface="Work Sans"/>
+              <a:cs typeface="Work Sans"/>
+              <a:sym typeface="Work Sans"/>
+            </a:endParaRPr>
+          </a:p>
+          <a:p>
+            <a:pPr marL="0" lvl="0" indent="0" algn="ctr" rtl="0">
+              <a:spcBef>
+                <a:spcPts val="0"/>
+              </a:spcBef>
+              <a:spcAft>
+                <a:spcPts val="0"/>
+              </a:spcAft>
+              <a:buNone/>
+            </a:pPr>
+            <a:r>
+              <a:rPr lang="en-US" sz="2000" dirty="0">
+                <a:solidFill>
+                  <a:schemeClr val="dk1"/>
+                </a:solidFill>
+                <a:latin typeface="Work Sans"/>
+                <a:ea typeface="Work Sans"/>
+                <a:cs typeface="Work Sans"/>
+                <a:sym typeface="Work Sans"/>
+              </a:rPr>
+              <a:t>Proposition de solutions </a:t>
+            </a:r>
+            <a:r>
+              <a:rPr lang="en-US" sz="2000" dirty="0" err="1">
+                <a:solidFill>
+                  <a:schemeClr val="dk1"/>
+                </a:solidFill>
+                <a:latin typeface="Work Sans"/>
+                <a:ea typeface="Work Sans"/>
+                <a:cs typeface="Work Sans"/>
+                <a:sym typeface="Work Sans"/>
+              </a:rPr>
+              <a:t>ou</a:t>
+            </a:r>
+            <a:r>
+              <a:rPr lang="en-US" sz="2000" dirty="0">
+                <a:solidFill>
+                  <a:schemeClr val="dk1"/>
+                </a:solidFill>
+                <a:latin typeface="Work Sans"/>
+                <a:ea typeface="Work Sans"/>
+                <a:cs typeface="Work Sans"/>
+                <a:sym typeface="Work Sans"/>
+              </a:rPr>
+              <a:t> </a:t>
+            </a:r>
+            <a:r>
+              <a:rPr lang="en-US" sz="2000" dirty="0" err="1">
+                <a:solidFill>
+                  <a:schemeClr val="dk1"/>
+                </a:solidFill>
+                <a:latin typeface="Work Sans"/>
+                <a:ea typeface="Work Sans"/>
+                <a:cs typeface="Work Sans"/>
+                <a:sym typeface="Work Sans"/>
+              </a:rPr>
+              <a:t>demande</a:t>
+            </a:r>
+            <a:r>
+              <a:rPr lang="en-US" sz="2000" dirty="0">
+                <a:solidFill>
+                  <a:schemeClr val="dk1"/>
+                </a:solidFill>
+                <a:latin typeface="Work Sans"/>
+                <a:ea typeface="Work Sans"/>
+                <a:cs typeface="Work Sans"/>
+                <a:sym typeface="Work Sans"/>
+              </a:rPr>
+              <a:t> de support.</a:t>
+            </a:r>
+            <a:endParaRPr sz="2000" dirty="0">
+              <a:solidFill>
+                <a:schemeClr val="dk1"/>
+              </a:solidFill>
+              <a:latin typeface="Work Sans"/>
+              <a:ea typeface="Work Sans"/>
+              <a:cs typeface="Work Sans"/>
+              <a:sym typeface="Work Sans"/>
+            </a:endParaRPr>
+          </a:p>
+          <a:p>
+            <a:pPr marL="0" lvl="0" indent="0" algn="ctr" rtl="0">
+              <a:spcBef>
+                <a:spcPts val="0"/>
+              </a:spcBef>
+              <a:spcAft>
+                <a:spcPts val="0"/>
+              </a:spcAft>
+              <a:buNone/>
+            </a:pPr>
+            <a:endParaRPr sz="2000" dirty="0">
+              <a:solidFill>
+                <a:schemeClr val="dk1"/>
+              </a:solidFill>
+              <a:latin typeface="Work Sans"/>
+              <a:ea typeface="Work Sans"/>
+              <a:cs typeface="Work Sans"/>
+              <a:sym typeface="Work Sans"/>
+            </a:endParaRPr>
+          </a:p>
+          <a:p>
+            <a:pPr marL="0" lvl="0" indent="0" algn="ctr" rtl="0">
+              <a:spcBef>
+                <a:spcPts val="0"/>
+              </a:spcBef>
+              <a:spcAft>
+                <a:spcPts val="0"/>
+              </a:spcAft>
+              <a:buNone/>
+            </a:pPr>
+            <a:r>
+              <a:rPr lang="en-US" sz="2000" b="1" dirty="0" err="1">
+                <a:solidFill>
+                  <a:schemeClr val="dk1"/>
+                </a:solidFill>
+                <a:latin typeface="Work Sans"/>
+                <a:ea typeface="Work Sans"/>
+                <a:cs typeface="Work Sans"/>
+                <a:sym typeface="Work Sans"/>
+              </a:rPr>
+              <a:t>Améliorations</a:t>
+            </a:r>
+            <a:r>
+              <a:rPr lang="en-US" sz="2000" b="1" dirty="0">
+                <a:solidFill>
+                  <a:schemeClr val="dk1"/>
+                </a:solidFill>
+                <a:latin typeface="Work Sans"/>
+                <a:ea typeface="Work Sans"/>
+                <a:cs typeface="Work Sans"/>
+                <a:sym typeface="Work Sans"/>
+              </a:rPr>
+              <a:t> Continues (10 minutes)</a:t>
+            </a:r>
+            <a:endParaRPr sz="2000" b="1" dirty="0">
+              <a:solidFill>
+                <a:schemeClr val="dk1"/>
+              </a:solidFill>
+              <a:latin typeface="Work Sans"/>
+              <a:ea typeface="Work Sans"/>
+              <a:cs typeface="Work Sans"/>
+              <a:sym typeface="Work Sans"/>
+            </a:endParaRPr>
+          </a:p>
+          <a:p>
+            <a:pPr marL="0" lvl="0" indent="0" algn="ctr" rtl="0">
+              <a:spcBef>
+                <a:spcPts val="0"/>
+              </a:spcBef>
+              <a:spcAft>
+                <a:spcPts val="0"/>
+              </a:spcAft>
+              <a:buNone/>
+            </a:pPr>
+            <a:r>
+              <a:rPr lang="en-US" sz="2000" dirty="0">
+                <a:solidFill>
+                  <a:schemeClr val="dk1"/>
+                </a:solidFill>
+                <a:latin typeface="Work Sans"/>
+                <a:ea typeface="Work Sans"/>
+                <a:cs typeface="Work Sans"/>
+                <a:sym typeface="Work Sans"/>
+              </a:rPr>
+              <a:t>Retours sur le processus de </a:t>
+            </a:r>
+            <a:r>
+              <a:rPr lang="en-US" sz="2000" dirty="0" err="1">
+                <a:solidFill>
+                  <a:schemeClr val="dk1"/>
+                </a:solidFill>
+                <a:latin typeface="Work Sans"/>
+                <a:ea typeface="Work Sans"/>
+                <a:cs typeface="Work Sans"/>
+                <a:sym typeface="Work Sans"/>
+              </a:rPr>
+              <a:t>développement</a:t>
+            </a:r>
+            <a:r>
+              <a:rPr lang="en-US" sz="2000" dirty="0">
+                <a:solidFill>
+                  <a:schemeClr val="dk1"/>
+                </a:solidFill>
+                <a:latin typeface="Work Sans"/>
+                <a:ea typeface="Work Sans"/>
+                <a:cs typeface="Work Sans"/>
+                <a:sym typeface="Work Sans"/>
+              </a:rPr>
+              <a:t>.</a:t>
+            </a:r>
+            <a:endParaRPr sz="2000" dirty="0">
+              <a:solidFill>
+                <a:schemeClr val="dk1"/>
+              </a:solidFill>
+              <a:latin typeface="Work Sans"/>
+              <a:ea typeface="Work Sans"/>
+              <a:cs typeface="Work Sans"/>
+              <a:sym typeface="Work Sans"/>
+            </a:endParaRPr>
+          </a:p>
+          <a:p>
+            <a:pPr marL="0" lvl="0" indent="0" algn="ctr" rtl="0">
+              <a:spcBef>
+                <a:spcPts val="0"/>
+              </a:spcBef>
+              <a:spcAft>
+                <a:spcPts val="0"/>
+              </a:spcAft>
+              <a:buNone/>
+            </a:pPr>
+            <a:r>
+              <a:rPr lang="en-US" sz="2000" dirty="0">
+                <a:solidFill>
+                  <a:schemeClr val="dk1"/>
+                </a:solidFill>
+                <a:latin typeface="Work Sans"/>
+                <a:ea typeface="Work Sans"/>
+                <a:cs typeface="Work Sans"/>
+                <a:sym typeface="Work Sans"/>
+              </a:rPr>
+              <a:t>Suggestions pour </a:t>
+            </a:r>
+            <a:r>
+              <a:rPr lang="en-US" sz="2000" dirty="0" err="1">
+                <a:solidFill>
+                  <a:schemeClr val="dk1"/>
+                </a:solidFill>
+                <a:latin typeface="Work Sans"/>
+                <a:ea typeface="Work Sans"/>
+                <a:cs typeface="Work Sans"/>
+                <a:sym typeface="Work Sans"/>
+              </a:rPr>
+              <a:t>améliorer</a:t>
+            </a:r>
+            <a:r>
+              <a:rPr lang="en-US" sz="2000" dirty="0">
+                <a:solidFill>
+                  <a:schemeClr val="dk1"/>
+                </a:solidFill>
+                <a:latin typeface="Work Sans"/>
+                <a:ea typeface="Work Sans"/>
+                <a:cs typeface="Work Sans"/>
+                <a:sym typeface="Work Sans"/>
+              </a:rPr>
+              <a:t> </a:t>
+            </a:r>
+            <a:r>
+              <a:rPr lang="en-US" sz="2000" dirty="0" err="1">
+                <a:solidFill>
+                  <a:schemeClr val="dk1"/>
+                </a:solidFill>
+                <a:latin typeface="Work Sans"/>
+                <a:ea typeface="Work Sans"/>
+                <a:cs typeface="Work Sans"/>
+                <a:sym typeface="Work Sans"/>
+              </a:rPr>
+              <a:t>l'efficacité</a:t>
+            </a:r>
+            <a:r>
+              <a:rPr lang="en-US" sz="2000" dirty="0">
+                <a:solidFill>
+                  <a:schemeClr val="dk1"/>
+                </a:solidFill>
+                <a:latin typeface="Work Sans"/>
+                <a:ea typeface="Work Sans"/>
+                <a:cs typeface="Work Sans"/>
+                <a:sym typeface="Work Sans"/>
+              </a:rPr>
+              <a:t> de </a:t>
+            </a:r>
+            <a:r>
+              <a:rPr lang="en-US" sz="2000" dirty="0" err="1">
+                <a:solidFill>
+                  <a:schemeClr val="dk1"/>
+                </a:solidFill>
+                <a:latin typeface="Work Sans"/>
+                <a:ea typeface="Work Sans"/>
+                <a:cs typeface="Work Sans"/>
+                <a:sym typeface="Work Sans"/>
+              </a:rPr>
+              <a:t>l'équipe</a:t>
+            </a:r>
+            <a:r>
+              <a:rPr lang="en-US" sz="2000" dirty="0">
+                <a:solidFill>
+                  <a:schemeClr val="dk1"/>
+                </a:solidFill>
+                <a:latin typeface="Work Sans"/>
+                <a:ea typeface="Work Sans"/>
+                <a:cs typeface="Work Sans"/>
+                <a:sym typeface="Work Sans"/>
+              </a:rPr>
+              <a:t>.</a:t>
+            </a:r>
+            <a:endParaRPr sz="2000" dirty="0">
+              <a:solidFill>
+                <a:schemeClr val="dk1"/>
+              </a:solidFill>
+              <a:latin typeface="Work Sans"/>
+              <a:ea typeface="Work Sans"/>
+              <a:cs typeface="Work Sans"/>
+              <a:sym typeface="Work Sans"/>
+            </a:endParaRPr>
+          </a:p>
+          <a:p>
+            <a:pPr marL="0" lvl="0" indent="0" algn="ctr" rtl="0">
+              <a:spcBef>
+                <a:spcPts val="0"/>
+              </a:spcBef>
+              <a:spcAft>
+                <a:spcPts val="0"/>
+              </a:spcAft>
+              <a:buNone/>
+            </a:pPr>
+            <a:endParaRPr sz="2000" dirty="0">
+              <a:solidFill>
+                <a:schemeClr val="dk1"/>
+              </a:solidFill>
+              <a:latin typeface="Work Sans"/>
+              <a:ea typeface="Work Sans"/>
+              <a:cs typeface="Work Sans"/>
+              <a:sym typeface="Work Sans"/>
+            </a:endParaRPr>
+          </a:p>
+          <a:p>
+            <a:pPr marL="0" lvl="0" indent="0" algn="ctr" rtl="0">
+              <a:spcBef>
+                <a:spcPts val="0"/>
+              </a:spcBef>
+              <a:spcAft>
+                <a:spcPts val="0"/>
+              </a:spcAft>
+              <a:buNone/>
+            </a:pPr>
+            <a:r>
+              <a:rPr lang="en-US" sz="2000" b="1" dirty="0">
+                <a:solidFill>
+                  <a:schemeClr val="dk1"/>
+                </a:solidFill>
+                <a:latin typeface="Work Sans"/>
+                <a:ea typeface="Work Sans"/>
+                <a:cs typeface="Work Sans"/>
+                <a:sym typeface="Work Sans"/>
+              </a:rPr>
+              <a:t>Divers (5 minutes)</a:t>
+            </a:r>
+            <a:endParaRPr sz="2000" b="1" dirty="0">
+              <a:solidFill>
+                <a:schemeClr val="dk1"/>
+              </a:solidFill>
+              <a:latin typeface="Work Sans"/>
+              <a:ea typeface="Work Sans"/>
+              <a:cs typeface="Work Sans"/>
+              <a:sym typeface="Work Sans"/>
+            </a:endParaRPr>
+          </a:p>
+          <a:p>
+            <a:pPr marL="0" lvl="0" indent="0" algn="ctr" rtl="0">
+              <a:spcBef>
+                <a:spcPts val="0"/>
+              </a:spcBef>
+              <a:spcAft>
+                <a:spcPts val="0"/>
+              </a:spcAft>
+              <a:buNone/>
+            </a:pPr>
+            <a:r>
+              <a:rPr lang="en-US" sz="2000" dirty="0" err="1">
+                <a:solidFill>
+                  <a:schemeClr val="dk1"/>
+                </a:solidFill>
+                <a:latin typeface="Work Sans"/>
+                <a:ea typeface="Work Sans"/>
+                <a:cs typeface="Work Sans"/>
+                <a:sym typeface="Work Sans"/>
+              </a:rPr>
+              <a:t>Annonces</a:t>
+            </a:r>
+            <a:r>
+              <a:rPr lang="en-US" sz="2000" dirty="0">
+                <a:solidFill>
+                  <a:schemeClr val="dk1"/>
+                </a:solidFill>
+                <a:latin typeface="Work Sans"/>
+                <a:ea typeface="Work Sans"/>
+                <a:cs typeface="Work Sans"/>
+                <a:sym typeface="Work Sans"/>
+              </a:rPr>
+              <a:t> </a:t>
+            </a:r>
+            <a:r>
+              <a:rPr lang="en-US" sz="2000" dirty="0" err="1">
+                <a:solidFill>
+                  <a:schemeClr val="dk1"/>
+                </a:solidFill>
+                <a:latin typeface="Work Sans"/>
+                <a:ea typeface="Work Sans"/>
+                <a:cs typeface="Work Sans"/>
+                <a:sym typeface="Work Sans"/>
+              </a:rPr>
+              <a:t>générales</a:t>
+            </a:r>
+            <a:r>
+              <a:rPr lang="en-US" sz="2000" dirty="0">
+                <a:solidFill>
+                  <a:schemeClr val="dk1"/>
+                </a:solidFill>
+                <a:latin typeface="Work Sans"/>
+                <a:ea typeface="Work Sans"/>
+                <a:cs typeface="Work Sans"/>
+                <a:sym typeface="Work Sans"/>
+              </a:rPr>
+              <a:t>.</a:t>
+            </a:r>
+            <a:endParaRPr sz="2000" dirty="0">
+              <a:solidFill>
+                <a:schemeClr val="dk1"/>
+              </a:solidFill>
+              <a:latin typeface="Work Sans"/>
+              <a:ea typeface="Work Sans"/>
+              <a:cs typeface="Work Sans"/>
+              <a:sym typeface="Work Sans"/>
+            </a:endParaRPr>
+          </a:p>
+          <a:p>
+            <a:pPr marL="0" lvl="0" indent="0" algn="ctr" rtl="0">
+              <a:spcBef>
+                <a:spcPts val="0"/>
+              </a:spcBef>
+              <a:spcAft>
+                <a:spcPts val="0"/>
+              </a:spcAft>
+              <a:buNone/>
+            </a:pPr>
+            <a:r>
+              <a:rPr lang="en-US" sz="2000" dirty="0">
+                <a:solidFill>
+                  <a:schemeClr val="dk1"/>
+                </a:solidFill>
+                <a:latin typeface="Work Sans"/>
+                <a:ea typeface="Work Sans"/>
+                <a:cs typeface="Work Sans"/>
+                <a:sym typeface="Work Sans"/>
+              </a:rPr>
+              <a:t>Questions </a:t>
+            </a:r>
+            <a:r>
+              <a:rPr lang="en-US" sz="2000" dirty="0" err="1">
+                <a:solidFill>
+                  <a:schemeClr val="dk1"/>
+                </a:solidFill>
+                <a:latin typeface="Work Sans"/>
+                <a:ea typeface="Work Sans"/>
+                <a:cs typeface="Work Sans"/>
+                <a:sym typeface="Work Sans"/>
+              </a:rPr>
+              <a:t>ou</a:t>
+            </a:r>
+            <a:r>
+              <a:rPr lang="en-US" sz="2000" dirty="0">
+                <a:solidFill>
+                  <a:schemeClr val="dk1"/>
+                </a:solidFill>
+                <a:latin typeface="Work Sans"/>
+                <a:ea typeface="Work Sans"/>
+                <a:cs typeface="Work Sans"/>
+                <a:sym typeface="Work Sans"/>
+              </a:rPr>
+              <a:t> </a:t>
+            </a:r>
+            <a:r>
+              <a:rPr lang="en-US" sz="2000" dirty="0" err="1">
+                <a:solidFill>
+                  <a:schemeClr val="dk1"/>
+                </a:solidFill>
+                <a:latin typeface="Work Sans"/>
+                <a:ea typeface="Work Sans"/>
+                <a:cs typeface="Work Sans"/>
+                <a:sym typeface="Work Sans"/>
+              </a:rPr>
+              <a:t>sujets</a:t>
+            </a:r>
+            <a:r>
+              <a:rPr lang="en-US" sz="2000" dirty="0">
+                <a:solidFill>
+                  <a:schemeClr val="dk1"/>
+                </a:solidFill>
+                <a:latin typeface="Work Sans"/>
+                <a:ea typeface="Work Sans"/>
+                <a:cs typeface="Work Sans"/>
+                <a:sym typeface="Work Sans"/>
+              </a:rPr>
+              <a:t> divers.</a:t>
+            </a:r>
+            <a:endParaRPr sz="2000" dirty="0">
+              <a:solidFill>
+                <a:schemeClr val="dk1"/>
+              </a:solidFill>
+              <a:latin typeface="Work Sans"/>
+              <a:ea typeface="Work Sans"/>
+              <a:cs typeface="Work Sans"/>
+              <a:sym typeface="Work Sans"/>
+            </a:endParaRPr>
+          </a:p>
+          <a:p>
+            <a:pPr marL="0" lvl="0" indent="0" algn="ctr" rtl="0">
+              <a:spcBef>
+                <a:spcPts val="0"/>
+              </a:spcBef>
+              <a:spcAft>
+                <a:spcPts val="0"/>
+              </a:spcAft>
+              <a:buNone/>
+            </a:pPr>
+            <a:endParaRPr sz="2000" dirty="0">
+              <a:solidFill>
+                <a:schemeClr val="dk1"/>
+              </a:solidFill>
+              <a:latin typeface="Work Sans"/>
+              <a:ea typeface="Work Sans"/>
+              <a:cs typeface="Work Sans"/>
+              <a:sym typeface="Work Sans"/>
+            </a:endParaRPr>
+          </a:p>
+          <a:p>
+            <a:pPr marL="0" lvl="0" indent="0" algn="ctr" rtl="0">
+              <a:spcBef>
+                <a:spcPts val="0"/>
+              </a:spcBef>
+              <a:spcAft>
+                <a:spcPts val="0"/>
+              </a:spcAft>
+              <a:buNone/>
+            </a:pPr>
+            <a:r>
+              <a:rPr lang="en-US" sz="2000" b="1" dirty="0">
+                <a:solidFill>
+                  <a:schemeClr val="dk1"/>
+                </a:solidFill>
+                <a:latin typeface="Work Sans"/>
+                <a:ea typeface="Work Sans"/>
+                <a:cs typeface="Work Sans"/>
+                <a:sym typeface="Work Sans"/>
+              </a:rPr>
+              <a:t>Planification de la </a:t>
+            </a:r>
+            <a:r>
+              <a:rPr lang="en-US" sz="2000" b="1" dirty="0" err="1">
+                <a:solidFill>
+                  <a:schemeClr val="dk1"/>
+                </a:solidFill>
+                <a:latin typeface="Work Sans"/>
+                <a:ea typeface="Work Sans"/>
+                <a:cs typeface="Work Sans"/>
+                <a:sym typeface="Work Sans"/>
+              </a:rPr>
+              <a:t>Prochaine</a:t>
+            </a:r>
+            <a:r>
+              <a:rPr lang="en-US" sz="2000" b="1" dirty="0">
+                <a:solidFill>
+                  <a:schemeClr val="dk1"/>
+                </a:solidFill>
+                <a:latin typeface="Work Sans"/>
+                <a:ea typeface="Work Sans"/>
+                <a:cs typeface="Work Sans"/>
+                <a:sym typeface="Work Sans"/>
+              </a:rPr>
+              <a:t> Réunion (5 minutes)</a:t>
+            </a:r>
+            <a:endParaRPr sz="2000" b="1" dirty="0">
+              <a:solidFill>
+                <a:schemeClr val="dk1"/>
+              </a:solidFill>
+              <a:latin typeface="Work Sans"/>
+              <a:ea typeface="Work Sans"/>
+              <a:cs typeface="Work Sans"/>
+              <a:sym typeface="Work Sans"/>
+            </a:endParaRPr>
+          </a:p>
+          <a:p>
+            <a:pPr marL="0" lvl="0" indent="0" algn="ctr" rtl="0">
+              <a:spcBef>
+                <a:spcPts val="0"/>
+              </a:spcBef>
+              <a:spcAft>
+                <a:spcPts val="0"/>
+              </a:spcAft>
+              <a:buNone/>
+            </a:pPr>
+            <a:r>
+              <a:rPr lang="en-US" sz="2000" dirty="0">
+                <a:solidFill>
+                  <a:schemeClr val="dk1"/>
+                </a:solidFill>
+                <a:latin typeface="Work Sans"/>
+                <a:ea typeface="Work Sans"/>
+                <a:cs typeface="Work Sans"/>
+                <a:sym typeface="Work Sans"/>
+              </a:rPr>
+              <a:t>Choix de la date et de </a:t>
+            </a:r>
+            <a:r>
+              <a:rPr lang="en-US" sz="2000" dirty="0" err="1">
+                <a:solidFill>
+                  <a:schemeClr val="dk1"/>
+                </a:solidFill>
+                <a:latin typeface="Work Sans"/>
+                <a:ea typeface="Work Sans"/>
+                <a:cs typeface="Work Sans"/>
+                <a:sym typeface="Work Sans"/>
+              </a:rPr>
+              <a:t>l'heure</a:t>
+            </a:r>
+            <a:r>
+              <a:rPr lang="en-US" sz="2000" dirty="0">
+                <a:solidFill>
+                  <a:schemeClr val="dk1"/>
+                </a:solidFill>
+                <a:latin typeface="Work Sans"/>
+                <a:ea typeface="Work Sans"/>
+                <a:cs typeface="Work Sans"/>
+                <a:sym typeface="Work Sans"/>
+              </a:rPr>
+              <a:t>.</a:t>
+            </a:r>
+            <a:endParaRPr sz="2000" dirty="0">
+              <a:solidFill>
+                <a:schemeClr val="dk1"/>
+              </a:solidFill>
+              <a:latin typeface="Work Sans"/>
+              <a:ea typeface="Work Sans"/>
+              <a:cs typeface="Work Sans"/>
+              <a:sym typeface="Work Sans"/>
+            </a:endParaRPr>
+          </a:p>
+          <a:p>
+            <a:pPr marL="0" lvl="0" indent="0" algn="ctr" rtl="0">
+              <a:spcBef>
+                <a:spcPts val="0"/>
+              </a:spcBef>
+              <a:spcAft>
+                <a:spcPts val="0"/>
+              </a:spcAft>
+              <a:buNone/>
+            </a:pPr>
+            <a:r>
+              <a:rPr lang="en-US" sz="2000" dirty="0">
+                <a:solidFill>
+                  <a:schemeClr val="dk1"/>
+                </a:solidFill>
+                <a:latin typeface="Work Sans"/>
+                <a:ea typeface="Work Sans"/>
+                <a:cs typeface="Work Sans"/>
+                <a:sym typeface="Work Sans"/>
+              </a:rPr>
+              <a:t>Propositions </a:t>
+            </a:r>
+            <a:r>
+              <a:rPr lang="en-US" sz="2000" dirty="0" err="1">
+                <a:solidFill>
+                  <a:schemeClr val="dk1"/>
+                </a:solidFill>
+                <a:latin typeface="Work Sans"/>
+                <a:ea typeface="Work Sans"/>
+                <a:cs typeface="Work Sans"/>
+                <a:sym typeface="Work Sans"/>
+              </a:rPr>
+              <a:t>d'ajustements</a:t>
+            </a:r>
+            <a:r>
+              <a:rPr lang="en-US" sz="2000" dirty="0">
+                <a:solidFill>
+                  <a:schemeClr val="dk1"/>
+                </a:solidFill>
+                <a:latin typeface="Work Sans"/>
+                <a:ea typeface="Work Sans"/>
+                <a:cs typeface="Work Sans"/>
+                <a:sym typeface="Work Sans"/>
+              </a:rPr>
+              <a:t> à </a:t>
+            </a:r>
+            <a:r>
+              <a:rPr lang="en-US" sz="2000" dirty="0" err="1">
+                <a:solidFill>
+                  <a:schemeClr val="dk1"/>
+                </a:solidFill>
+                <a:latin typeface="Work Sans"/>
+                <a:ea typeface="Work Sans"/>
+                <a:cs typeface="Work Sans"/>
+                <a:sym typeface="Work Sans"/>
+              </a:rPr>
+              <a:t>l'ordre</a:t>
+            </a:r>
+            <a:r>
+              <a:rPr lang="en-US" sz="2000" dirty="0">
+                <a:solidFill>
+                  <a:schemeClr val="dk1"/>
+                </a:solidFill>
+                <a:latin typeface="Work Sans"/>
+                <a:ea typeface="Work Sans"/>
+                <a:cs typeface="Work Sans"/>
+                <a:sym typeface="Work Sans"/>
+              </a:rPr>
+              <a:t> du jour.</a:t>
+            </a:r>
+            <a:endParaRPr sz="2000" dirty="0">
+              <a:solidFill>
+                <a:schemeClr val="dk1"/>
+              </a:solidFill>
+              <a:latin typeface="Work Sans"/>
+              <a:ea typeface="Work Sans"/>
+              <a:cs typeface="Work Sans"/>
+              <a:sym typeface="Work Sans"/>
+            </a:endParaRPr>
+          </a:p>
+        </p:txBody>
+      </p:sp>
     </p:spTree>
   </p:cSld>
   <p:clrMapOvr>
@@ -14121,7 +16286,7 @@
                                           </p:stCondLst>
                                         </p:cTn>
                                         <p:tgtEl>
-                                          <p:spTgt spid="189"/>
+                                          <p:spTgt spid="180"/>
                                         </p:tgtEl>
                                         <p:attrNameLst>
                                           <p:attrName>style.visibility</p:attrName>
@@ -14135,7 +16300,60 @@
                                       <p:cBhvr>
                                         <p:cTn id="7" dur="500"/>
                                         <p:tgtEl>
-                                          <p:spTgt spid="189"/>
+                                          <p:spTgt spid="180"/>
+                                        </p:tgtEl>
+                                      </p:cBhvr>
+                                    </p:animEffect>
+                                  </p:childTnLst>
+                                </p:cTn>
+                              </p:par>
+                            </p:childTnLst>
+                          </p:cTn>
+                        </p:par>
+                      </p:childTnLst>
+                    </p:cTn>
+                  </p:par>
+                  <p:par>
+                    <p:cTn id="8" fill="hold">
+                      <p:stCondLst>
+                        <p:cond delay="indefinite"/>
+                      </p:stCondLst>
+                      <p:childTnLst>
+                        <p:par>
+                          <p:cTn id="9" fill="hold">
+                            <p:stCondLst>
+                              <p:cond delay="0"/>
+                            </p:stCondLst>
+                            <p:childTnLst>
+                              <p:par>
+                                <p:cTn id="10" presetID="10" presetClass="entr" presetSubtype="0" fill="hold" grpId="0" nodeType="clickEffect">
+                                  <p:stCondLst>
+                                    <p:cond delay="0"/>
+                                  </p:stCondLst>
+                                  <p:childTnLst>
+                                    <p:set>
+                                      <p:cBhvr>
+                                        <p:cTn id="11" dur="1" fill="hold">
+                                          <p:stCondLst>
+                                            <p:cond delay="0"/>
+                                          </p:stCondLst>
+                                        </p:cTn>
+                                        <p:tgtEl>
+                                          <p:spTgt spid="181"/>
+                                        </p:tgtEl>
+                                        <p:attrNameLst>
+                                          <p:attrName>style.visibility</p:attrName>
+                                        </p:attrNameLst>
+                                      </p:cBhvr>
+                                      <p:to>
+                                        <p:strVal val="visible"/>
+                                      </p:to>
+                                    </p:set>
+                                    <p:animEffect transition="in" filter="fade">
+                                      <p:cBhvr>
+                                        <p:cTn id="12" dur="500"/>
+                                        <p:tgtEl>
+                                          <p:spTgt spid="181"/>
                                         </p:tgtEl>
                                       </p:cBhvr>
                                     </p:animEffect>
@@ -14170,923 +16388,8 @@
       </p:par>
     </p:tnLst>
     <p:bldLst>
-      <p:bldP spid="189" grpId="0"/>
-    </p:bldLst>
-  </p:timing>
-</p:sld>
-</file>
-
-<file path=ppt/slides/slide11.xml><?xml version="1.0" encoding="utf-8"?>
-<p:sld xmlns:a="http://schemas.openxmlformats.org/drawingml/2006/main" xmlns:r="http://schemas.openxmlformats.org/officeDocument/2006/relationships" xmlns:p="http://schemas.openxmlformats.org/presentationml/2006/main">
-  <p:cSld>
-    <p:spTree>
-      <p:nvGrpSpPr>
-        <p:cNvPr id="1" name="Shape 195"/>
-        <p:cNvGrpSpPr/>
-        <p:nvPr/>
-      </p:nvGrpSpPr>
-      <p:grpSpPr>
-        <a:xfrm>
-          <a:off x="0" y="0"/>
-          <a:ext cx="0" cy="0"/>
-          <a:chOff x="0" y="0"/>
-          <a:chExt cx="0" cy="0"/>
-        </a:xfrm>
-      </p:grpSpPr>
-      <p:sp>
-        <p:nvSpPr>
-          <p:cNvPr id="196" name="Google Shape;196;p22"/>
-          <p:cNvSpPr/>
-          <p:nvPr/>
-        </p:nvSpPr>
-        <p:spPr>
-          <a:xfrm>
-            <a:off x="604050" y="2380825"/>
-            <a:ext cx="17079900" cy="7541100"/>
-          </a:xfrm>
-          <a:prstGeom prst="rect">
-            <a:avLst/>
-          </a:prstGeom>
-          <a:noFill/>
-          <a:ln w="9525" cap="flat" cmpd="sng">
-            <a:solidFill>
-              <a:srgbClr val="C5A073"/>
-            </a:solidFill>
-            <a:prstDash val="solid"/>
-            <a:round/>
-            <a:headEnd type="none" w="sm" len="sm"/>
-            <a:tailEnd type="none" w="sm" len="sm"/>
-          </a:ln>
-        </p:spPr>
-        <p:txBody>
-          <a:bodyPr spcFirstLastPara="1" wrap="square" lIns="91425" tIns="91425" rIns="91425" bIns="91425" anchor="ctr" anchorCtr="0">
-            <a:noAutofit/>
-          </a:bodyPr>
-          <a:lstStyle/>
-          <a:p>
-            <a:pPr marL="0" lvl="0" indent="0" algn="ctr" rtl="0">
-              <a:spcBef>
-                <a:spcPts val="0"/>
-              </a:spcBef>
-              <a:spcAft>
-                <a:spcPts val="0"/>
-              </a:spcAft>
-              <a:buNone/>
-            </a:pPr>
-            <a:endParaRPr>
-              <a:latin typeface="Calibri"/>
-              <a:ea typeface="Calibri"/>
-              <a:cs typeface="Calibri"/>
-              <a:sym typeface="Calibri"/>
-            </a:endParaRPr>
-          </a:p>
-        </p:txBody>
-      </p:sp>
-      <p:sp>
-        <p:nvSpPr>
-          <p:cNvPr id="197" name="Google Shape;197;p22"/>
-          <p:cNvSpPr/>
-          <p:nvPr/>
-        </p:nvSpPr>
-        <p:spPr>
-          <a:xfrm>
-            <a:off x="716325" y="2278225"/>
-            <a:ext cx="17079900" cy="7541100"/>
-          </a:xfrm>
-          <a:prstGeom prst="rect">
-            <a:avLst/>
-          </a:prstGeom>
-          <a:solidFill>
-            <a:schemeClr val="lt1"/>
-          </a:solidFill>
-          <a:ln w="9525" cap="flat" cmpd="sng">
-            <a:solidFill>
-              <a:srgbClr val="C5A073"/>
-            </a:solidFill>
-            <a:prstDash val="solid"/>
-            <a:round/>
-            <a:headEnd type="none" w="sm" len="sm"/>
-            <a:tailEnd type="none" w="sm" len="sm"/>
-          </a:ln>
-        </p:spPr>
-        <p:txBody>
-          <a:bodyPr spcFirstLastPara="1" wrap="square" lIns="91425" tIns="91425" rIns="91425" bIns="91425" anchor="ctr" anchorCtr="0">
-            <a:noAutofit/>
-          </a:bodyPr>
-          <a:lstStyle/>
-          <a:p>
-            <a:pPr marL="0" lvl="0" indent="0" algn="ctr" rtl="0">
-              <a:spcBef>
-                <a:spcPts val="0"/>
-              </a:spcBef>
-              <a:spcAft>
-                <a:spcPts val="0"/>
-              </a:spcAft>
-              <a:buNone/>
-            </a:pPr>
-            <a:endParaRPr>
-              <a:latin typeface="Calibri"/>
-              <a:ea typeface="Calibri"/>
-              <a:cs typeface="Calibri"/>
-              <a:sym typeface="Calibri"/>
-            </a:endParaRPr>
-          </a:p>
-        </p:txBody>
-      </p:sp>
-      <p:sp>
-        <p:nvSpPr>
-          <p:cNvPr id="198" name="Google Shape;198;p22"/>
-          <p:cNvSpPr txBox="1"/>
-          <p:nvPr/>
-        </p:nvSpPr>
-        <p:spPr>
-          <a:xfrm>
-            <a:off x="1021947" y="805261"/>
-            <a:ext cx="16244100" cy="1154400"/>
-          </a:xfrm>
-          <a:prstGeom prst="rect">
-            <a:avLst/>
-          </a:prstGeom>
-          <a:noFill/>
-          <a:ln>
-            <a:noFill/>
-          </a:ln>
-        </p:spPr>
-        <p:txBody>
-          <a:bodyPr spcFirstLastPara="1" wrap="square" lIns="0" tIns="0" rIns="0" bIns="0" anchor="t" anchorCtr="0">
-            <a:spAutoFit/>
-          </a:bodyPr>
-          <a:lstStyle/>
-          <a:p>
-            <a:pPr marL="0" marR="0" lvl="0" indent="0" algn="ctr" rtl="0">
-              <a:lnSpc>
-                <a:spcPct val="120000"/>
-              </a:lnSpc>
-              <a:spcBef>
-                <a:spcPts val="0"/>
-              </a:spcBef>
-              <a:spcAft>
-                <a:spcPts val="0"/>
-              </a:spcAft>
-              <a:buNone/>
-            </a:pPr>
-            <a:r>
-              <a:rPr lang="en-US" sz="7500" b="1" dirty="0">
-                <a:solidFill>
-                  <a:srgbClr val="0B1320"/>
-                </a:solidFill>
-                <a:latin typeface="Epilogue"/>
-                <a:ea typeface="Epilogue"/>
-                <a:cs typeface="Epilogue"/>
-                <a:sym typeface="Epilogue"/>
-              </a:rPr>
-              <a:t>Les </a:t>
-            </a:r>
-            <a:r>
-              <a:rPr lang="en-US" sz="7500" b="1" dirty="0" err="1">
-                <a:solidFill>
-                  <a:srgbClr val="0B1320"/>
-                </a:solidFill>
-                <a:latin typeface="Epilogue"/>
-                <a:ea typeface="Epilogue"/>
-                <a:cs typeface="Epilogue"/>
-                <a:sym typeface="Epilogue"/>
-              </a:rPr>
-              <a:t>différents</a:t>
-            </a:r>
-            <a:r>
-              <a:rPr lang="en-US" sz="7500" b="1" dirty="0">
-                <a:solidFill>
-                  <a:srgbClr val="0B1320"/>
-                </a:solidFill>
-                <a:latin typeface="Epilogue"/>
-                <a:ea typeface="Epilogue"/>
-                <a:cs typeface="Epilogue"/>
-                <a:sym typeface="Epilogue"/>
-              </a:rPr>
-              <a:t> </a:t>
-            </a:r>
-            <a:r>
-              <a:rPr lang="en-US" sz="7500" b="1" dirty="0" err="1">
-                <a:solidFill>
-                  <a:srgbClr val="0B1320"/>
-                </a:solidFill>
-                <a:latin typeface="Epilogue"/>
-                <a:ea typeface="Epilogue"/>
-                <a:cs typeface="Epilogue"/>
-                <a:sym typeface="Epilogue"/>
-              </a:rPr>
-              <a:t>collaborateurs</a:t>
-            </a:r>
-            <a:endParaRPr b="1" dirty="0">
-              <a:latin typeface="Epilogue"/>
-              <a:ea typeface="Epilogue"/>
-              <a:cs typeface="Epilogue"/>
-              <a:sym typeface="Epilogue"/>
-            </a:endParaRPr>
-          </a:p>
-        </p:txBody>
-      </p:sp>
-      <p:sp>
-        <p:nvSpPr>
-          <p:cNvPr id="199" name="Google Shape;199;p22"/>
-          <p:cNvSpPr txBox="1"/>
-          <p:nvPr/>
-        </p:nvSpPr>
-        <p:spPr>
-          <a:xfrm>
-            <a:off x="716325" y="2278225"/>
-            <a:ext cx="7875600" cy="7541100"/>
-          </a:xfrm>
-          <a:prstGeom prst="rect">
-            <a:avLst/>
-          </a:prstGeom>
-          <a:noFill/>
-          <a:ln>
-            <a:noFill/>
-          </a:ln>
-        </p:spPr>
-        <p:txBody>
-          <a:bodyPr spcFirstLastPara="1" wrap="square" lIns="91425" tIns="91425" rIns="91425" bIns="91425" anchor="ctr" anchorCtr="0">
-            <a:noAutofit/>
-          </a:bodyPr>
-          <a:lstStyle/>
-          <a:p>
-            <a:pPr marL="0" lvl="0" indent="0" algn="ctr" rtl="0">
-              <a:lnSpc>
-                <a:spcPct val="115000"/>
-              </a:lnSpc>
-              <a:spcBef>
-                <a:spcPts val="0"/>
-              </a:spcBef>
-              <a:spcAft>
-                <a:spcPts val="0"/>
-              </a:spcAft>
-              <a:buNone/>
-            </a:pPr>
-            <a:r>
-              <a:rPr lang="en-US" sz="2800" b="1" dirty="0" err="1">
-                <a:solidFill>
-                  <a:schemeClr val="dk1"/>
-                </a:solidFill>
-                <a:latin typeface="Work Sans"/>
-                <a:ea typeface="Work Sans"/>
-                <a:cs typeface="Work Sans"/>
-                <a:sym typeface="Work Sans"/>
-              </a:rPr>
-              <a:t>Qwenta</a:t>
-            </a:r>
-            <a:endParaRPr sz="2800" b="1" dirty="0">
-              <a:solidFill>
-                <a:schemeClr val="dk1"/>
-              </a:solidFill>
-              <a:latin typeface="Work Sans"/>
-              <a:ea typeface="Work Sans"/>
-              <a:cs typeface="Work Sans"/>
-              <a:sym typeface="Work Sans"/>
-            </a:endParaRPr>
-          </a:p>
-          <a:p>
-            <a:pPr marL="0" lvl="0" indent="0" algn="ctr" rtl="0">
-              <a:lnSpc>
-                <a:spcPct val="115000"/>
-              </a:lnSpc>
-              <a:spcBef>
-                <a:spcPts val="0"/>
-              </a:spcBef>
-              <a:spcAft>
-                <a:spcPts val="0"/>
-              </a:spcAft>
-              <a:buNone/>
-            </a:pPr>
-            <a:r>
-              <a:rPr lang="en-US" sz="2800" dirty="0">
-                <a:solidFill>
-                  <a:schemeClr val="dk1"/>
-                </a:solidFill>
-                <a:latin typeface="Work Sans"/>
-                <a:ea typeface="Work Sans"/>
-                <a:cs typeface="Work Sans"/>
-                <a:sym typeface="Work Sans"/>
-              </a:rPr>
-              <a:t>John, chef de </a:t>
-            </a:r>
-            <a:r>
-              <a:rPr lang="en-US" sz="2800" dirty="0" err="1">
-                <a:solidFill>
-                  <a:schemeClr val="dk1"/>
-                </a:solidFill>
-                <a:latin typeface="Work Sans"/>
-                <a:ea typeface="Work Sans"/>
-                <a:cs typeface="Work Sans"/>
-                <a:sym typeface="Work Sans"/>
-              </a:rPr>
-              <a:t>projet</a:t>
-            </a:r>
-            <a:endParaRPr sz="2800" dirty="0">
-              <a:solidFill>
-                <a:schemeClr val="dk1"/>
-              </a:solidFill>
-              <a:latin typeface="Work Sans"/>
-              <a:ea typeface="Work Sans"/>
-              <a:cs typeface="Work Sans"/>
-              <a:sym typeface="Work Sans"/>
-            </a:endParaRPr>
-          </a:p>
-          <a:p>
-            <a:pPr marL="0" lvl="0" indent="0" algn="ctr" rtl="0">
-              <a:lnSpc>
-                <a:spcPct val="115000"/>
-              </a:lnSpc>
-              <a:spcBef>
-                <a:spcPts val="0"/>
-              </a:spcBef>
-              <a:spcAft>
-                <a:spcPts val="0"/>
-              </a:spcAft>
-              <a:buNone/>
-            </a:pPr>
-            <a:endParaRPr sz="2800" dirty="0">
-              <a:solidFill>
-                <a:schemeClr val="dk1"/>
-              </a:solidFill>
-              <a:latin typeface="Work Sans"/>
-              <a:ea typeface="Work Sans"/>
-              <a:cs typeface="Work Sans"/>
-              <a:sym typeface="Work Sans"/>
-            </a:endParaRPr>
-          </a:p>
-          <a:p>
-            <a:pPr marL="0" lvl="0" indent="0" algn="ctr" rtl="0">
-              <a:lnSpc>
-                <a:spcPct val="115000"/>
-              </a:lnSpc>
-              <a:spcBef>
-                <a:spcPts val="0"/>
-              </a:spcBef>
-              <a:spcAft>
-                <a:spcPts val="0"/>
-              </a:spcAft>
-              <a:buNone/>
-            </a:pPr>
-            <a:endParaRPr sz="2800" dirty="0">
-              <a:solidFill>
-                <a:schemeClr val="dk1"/>
-              </a:solidFill>
-              <a:latin typeface="Work Sans"/>
-              <a:ea typeface="Work Sans"/>
-              <a:cs typeface="Work Sans"/>
-              <a:sym typeface="Work Sans"/>
-            </a:endParaRPr>
-          </a:p>
-          <a:p>
-            <a:pPr marL="0" lvl="0" indent="0" algn="ctr" rtl="0">
-              <a:lnSpc>
-                <a:spcPct val="115000"/>
-              </a:lnSpc>
-              <a:spcBef>
-                <a:spcPts val="0"/>
-              </a:spcBef>
-              <a:spcAft>
-                <a:spcPts val="0"/>
-              </a:spcAft>
-              <a:buNone/>
-            </a:pPr>
-            <a:r>
-              <a:rPr lang="en-US" sz="2800" b="1" dirty="0" err="1">
-                <a:solidFill>
-                  <a:schemeClr val="dk1"/>
-                </a:solidFill>
-                <a:latin typeface="Work Sans"/>
-                <a:ea typeface="Work Sans"/>
-                <a:cs typeface="Work Sans"/>
-                <a:sym typeface="Work Sans"/>
-              </a:rPr>
-              <a:t>Webgencia</a:t>
-            </a:r>
-            <a:endParaRPr sz="2800" b="1" dirty="0">
-              <a:solidFill>
-                <a:schemeClr val="dk1"/>
-              </a:solidFill>
-              <a:latin typeface="Work Sans"/>
-              <a:ea typeface="Work Sans"/>
-              <a:cs typeface="Work Sans"/>
-              <a:sym typeface="Work Sans"/>
-            </a:endParaRPr>
-          </a:p>
-          <a:p>
-            <a:pPr marL="0" lvl="0" indent="0" algn="ctr" rtl="0">
-              <a:lnSpc>
-                <a:spcPct val="115000"/>
-              </a:lnSpc>
-              <a:spcBef>
-                <a:spcPts val="0"/>
-              </a:spcBef>
-              <a:spcAft>
-                <a:spcPts val="0"/>
-              </a:spcAft>
-              <a:buNone/>
-            </a:pPr>
-            <a:r>
-              <a:rPr lang="en-US" sz="2800" dirty="0">
-                <a:solidFill>
-                  <a:schemeClr val="dk1"/>
-                </a:solidFill>
-                <a:latin typeface="Work Sans"/>
-                <a:ea typeface="Work Sans"/>
-                <a:cs typeface="Work Sans"/>
-                <a:sym typeface="Work Sans"/>
-              </a:rPr>
-              <a:t>Issam, gestion de </a:t>
-            </a:r>
-            <a:r>
-              <a:rPr lang="en-US" sz="2800" dirty="0" err="1">
-                <a:solidFill>
-                  <a:schemeClr val="dk1"/>
-                </a:solidFill>
-                <a:latin typeface="Work Sans"/>
-                <a:ea typeface="Work Sans"/>
-                <a:cs typeface="Work Sans"/>
-                <a:sym typeface="Work Sans"/>
-              </a:rPr>
-              <a:t>projet</a:t>
-            </a:r>
-            <a:endParaRPr sz="2800" dirty="0">
-              <a:solidFill>
-                <a:schemeClr val="dk1"/>
-              </a:solidFill>
-              <a:latin typeface="Work Sans"/>
-              <a:ea typeface="Work Sans"/>
-              <a:cs typeface="Work Sans"/>
-              <a:sym typeface="Work Sans"/>
-            </a:endParaRPr>
-          </a:p>
-          <a:p>
-            <a:pPr marL="0" lvl="0" indent="0" algn="ctr" rtl="0">
-              <a:lnSpc>
-                <a:spcPct val="115000"/>
-              </a:lnSpc>
-              <a:spcBef>
-                <a:spcPts val="0"/>
-              </a:spcBef>
-              <a:spcAft>
-                <a:spcPts val="0"/>
-              </a:spcAft>
-              <a:buNone/>
-            </a:pPr>
-            <a:r>
-              <a:rPr lang="en-US" sz="2800" dirty="0">
-                <a:solidFill>
-                  <a:schemeClr val="dk1"/>
-                </a:solidFill>
-                <a:latin typeface="Work Sans"/>
-                <a:ea typeface="Work Sans"/>
-                <a:cs typeface="Work Sans"/>
-                <a:sym typeface="Work Sans"/>
-              </a:rPr>
-              <a:t>Soufiane, product owner</a:t>
-            </a:r>
-            <a:endParaRPr sz="2800" dirty="0">
-              <a:solidFill>
-                <a:schemeClr val="dk1"/>
-              </a:solidFill>
-              <a:latin typeface="Work Sans"/>
-              <a:ea typeface="Work Sans"/>
-              <a:cs typeface="Work Sans"/>
-              <a:sym typeface="Work Sans"/>
-            </a:endParaRPr>
-          </a:p>
-          <a:p>
-            <a:pPr marL="0" lvl="0" indent="0" algn="ctr" rtl="0">
-              <a:lnSpc>
-                <a:spcPct val="115000"/>
-              </a:lnSpc>
-              <a:spcBef>
-                <a:spcPts val="0"/>
-              </a:spcBef>
-              <a:spcAft>
-                <a:spcPts val="0"/>
-              </a:spcAft>
-              <a:buNone/>
-            </a:pPr>
-            <a:r>
-              <a:rPr lang="en-US" sz="2800" dirty="0">
-                <a:solidFill>
-                  <a:schemeClr val="dk1"/>
-                </a:solidFill>
-                <a:latin typeface="Work Sans"/>
-                <a:ea typeface="Work Sans"/>
-                <a:cs typeface="Work Sans"/>
-                <a:sym typeface="Work Sans"/>
-              </a:rPr>
-              <a:t>Team </a:t>
-            </a:r>
-            <a:r>
-              <a:rPr lang="en-US" sz="2800" dirty="0" err="1">
-                <a:solidFill>
-                  <a:schemeClr val="dk1"/>
-                </a:solidFill>
-                <a:latin typeface="Work Sans"/>
-                <a:ea typeface="Work Sans"/>
-                <a:cs typeface="Work Sans"/>
-                <a:sym typeface="Work Sans"/>
-              </a:rPr>
-              <a:t>développement</a:t>
-            </a:r>
-            <a:r>
-              <a:rPr lang="en-US" sz="2800" dirty="0">
-                <a:solidFill>
-                  <a:schemeClr val="dk1"/>
-                </a:solidFill>
-                <a:latin typeface="Work Sans"/>
-                <a:ea typeface="Work Sans"/>
-                <a:cs typeface="Work Sans"/>
-                <a:sym typeface="Work Sans"/>
-              </a:rPr>
-              <a:t> - Backend</a:t>
-            </a:r>
-            <a:endParaRPr sz="2800" dirty="0">
-              <a:solidFill>
-                <a:schemeClr val="dk1"/>
-              </a:solidFill>
-              <a:latin typeface="Work Sans"/>
-              <a:ea typeface="Work Sans"/>
-              <a:cs typeface="Work Sans"/>
-              <a:sym typeface="Work Sans"/>
-            </a:endParaRPr>
-          </a:p>
-          <a:p>
-            <a:pPr marL="0" lvl="0" indent="0" algn="ctr" rtl="0">
-              <a:lnSpc>
-                <a:spcPct val="115000"/>
-              </a:lnSpc>
-              <a:spcBef>
-                <a:spcPts val="0"/>
-              </a:spcBef>
-              <a:spcAft>
-                <a:spcPts val="0"/>
-              </a:spcAft>
-              <a:buNone/>
-            </a:pPr>
-            <a:r>
-              <a:rPr lang="en-US" sz="2800" dirty="0">
-                <a:solidFill>
-                  <a:schemeClr val="dk1"/>
-                </a:solidFill>
-                <a:latin typeface="Work Sans"/>
-                <a:ea typeface="Work Sans"/>
-                <a:cs typeface="Work Sans"/>
-                <a:sym typeface="Work Sans"/>
-              </a:rPr>
-              <a:t>Team </a:t>
-            </a:r>
-            <a:r>
-              <a:rPr lang="en-US" sz="2800" dirty="0" err="1">
-                <a:solidFill>
-                  <a:schemeClr val="dk1"/>
-                </a:solidFill>
-                <a:latin typeface="Work Sans"/>
-                <a:ea typeface="Work Sans"/>
-                <a:cs typeface="Work Sans"/>
-                <a:sym typeface="Work Sans"/>
-              </a:rPr>
-              <a:t>développement</a:t>
-            </a:r>
-            <a:r>
-              <a:rPr lang="en-US" sz="2800" dirty="0">
-                <a:solidFill>
-                  <a:schemeClr val="dk1"/>
-                </a:solidFill>
-                <a:latin typeface="Work Sans"/>
-                <a:ea typeface="Work Sans"/>
-                <a:cs typeface="Work Sans"/>
-                <a:sym typeface="Work Sans"/>
-              </a:rPr>
-              <a:t> – Frontend</a:t>
-            </a:r>
-          </a:p>
-          <a:p>
-            <a:pPr marL="0" lvl="0" indent="0" algn="ctr" rtl="0">
-              <a:lnSpc>
-                <a:spcPct val="115000"/>
-              </a:lnSpc>
-              <a:spcBef>
-                <a:spcPts val="0"/>
-              </a:spcBef>
-              <a:spcAft>
-                <a:spcPts val="0"/>
-              </a:spcAft>
-              <a:buNone/>
-            </a:pPr>
-            <a:endParaRPr lang="en-US" sz="2800" dirty="0">
-              <a:solidFill>
-                <a:schemeClr val="dk1"/>
-              </a:solidFill>
-              <a:latin typeface="Work Sans"/>
-              <a:ea typeface="Work Sans"/>
-              <a:cs typeface="Work Sans"/>
-              <a:sym typeface="Work Sans"/>
-            </a:endParaRPr>
-          </a:p>
-          <a:p>
-            <a:pPr marL="0" lvl="0" indent="0" algn="ctr" rtl="0">
-              <a:lnSpc>
-                <a:spcPct val="115000"/>
-              </a:lnSpc>
-              <a:spcBef>
-                <a:spcPts val="0"/>
-              </a:spcBef>
-              <a:spcAft>
-                <a:spcPts val="0"/>
-              </a:spcAft>
-              <a:buNone/>
-            </a:pPr>
-            <a:r>
-              <a:rPr lang="en-US" sz="2800" dirty="0" err="1">
-                <a:solidFill>
-                  <a:schemeClr val="dk1"/>
-                </a:solidFill>
-                <a:latin typeface="Work Sans"/>
-                <a:ea typeface="Work Sans"/>
-                <a:cs typeface="Work Sans"/>
-                <a:sym typeface="Work Sans"/>
-              </a:rPr>
-              <a:t>Suivi</a:t>
-            </a:r>
-            <a:r>
-              <a:rPr lang="en-US" sz="2800" dirty="0">
-                <a:solidFill>
-                  <a:schemeClr val="dk1"/>
-                </a:solidFill>
-                <a:latin typeface="Work Sans"/>
-                <a:ea typeface="Work Sans"/>
-                <a:cs typeface="Work Sans"/>
-                <a:sym typeface="Work Sans"/>
-              </a:rPr>
-              <a:t> de </a:t>
-            </a:r>
-            <a:r>
-              <a:rPr lang="en-US" sz="2800" dirty="0" err="1">
-                <a:solidFill>
-                  <a:schemeClr val="dk1"/>
-                </a:solidFill>
-                <a:latin typeface="Work Sans"/>
-                <a:ea typeface="Work Sans"/>
-                <a:cs typeface="Work Sans"/>
-                <a:sym typeface="Work Sans"/>
-              </a:rPr>
-              <a:t>projet</a:t>
-            </a:r>
-            <a:r>
-              <a:rPr lang="en-US" sz="2800" dirty="0">
-                <a:solidFill>
-                  <a:schemeClr val="dk1"/>
-                </a:solidFill>
-                <a:latin typeface="Work Sans"/>
-                <a:ea typeface="Work Sans"/>
-                <a:cs typeface="Work Sans"/>
-                <a:sym typeface="Work Sans"/>
-              </a:rPr>
-              <a:t> avec Notion</a:t>
-            </a:r>
-            <a:endParaRPr sz="2800" dirty="0">
-              <a:solidFill>
-                <a:schemeClr val="dk1"/>
-              </a:solidFill>
-              <a:latin typeface="Work Sans"/>
-              <a:ea typeface="Work Sans"/>
-              <a:cs typeface="Work Sans"/>
-              <a:sym typeface="Work Sans"/>
-            </a:endParaRPr>
-          </a:p>
-        </p:txBody>
-      </p:sp>
-      <p:sp>
-        <p:nvSpPr>
-          <p:cNvPr id="200" name="Google Shape;200;p22"/>
-          <p:cNvSpPr txBox="1">
-            <a:spLocks noGrp="1"/>
-          </p:cNvSpPr>
-          <p:nvPr>
-            <p:ph type="sldNum" idx="12"/>
-          </p:nvPr>
-        </p:nvSpPr>
-        <p:spPr>
-          <a:xfrm>
-            <a:off x="0" y="9921900"/>
-            <a:ext cx="2133600" cy="365100"/>
-          </a:xfrm>
-          <a:prstGeom prst="rect">
-            <a:avLst/>
-          </a:prstGeom>
-        </p:spPr>
-        <p:txBody>
-          <a:bodyPr spcFirstLastPara="1" wrap="square" lIns="91425" tIns="45700" rIns="91425" bIns="45700" anchor="ctr" anchorCtr="0">
-            <a:noAutofit/>
-          </a:bodyPr>
-          <a:lstStyle/>
-          <a:p>
-            <a:pPr marL="0" lvl="0" indent="0" algn="r" rtl="0">
-              <a:spcBef>
-                <a:spcPts val="0"/>
-              </a:spcBef>
-              <a:spcAft>
-                <a:spcPts val="0"/>
-              </a:spcAft>
-              <a:buClr>
-                <a:srgbClr val="000000"/>
-              </a:buClr>
-              <a:buFont typeface="Arial"/>
-              <a:buNone/>
-            </a:pPr>
-            <a:fld id="{00000000-1234-1234-1234-123412341234}" type="slidenum">
-              <a:rPr lang="en-US"/>
-              <a:t>11</a:t>
-            </a:fld>
-            <a:endParaRPr/>
-          </a:p>
-        </p:txBody>
-      </p:sp>
-      <p:pic>
-        <p:nvPicPr>
-          <p:cNvPr id="201" name="Google Shape;201;p22"/>
-          <p:cNvPicPr preferRelativeResize="0"/>
-          <p:nvPr/>
-        </p:nvPicPr>
-        <p:blipFill>
-          <a:blip r:embed="rId3">
-            <a:alphaModFix/>
-          </a:blip>
-          <a:stretch>
-            <a:fillRect/>
-          </a:stretch>
-        </p:blipFill>
-        <p:spPr>
-          <a:xfrm>
-            <a:off x="0" y="0"/>
-            <a:ext cx="1454400" cy="666550"/>
-          </a:xfrm>
-          <a:prstGeom prst="rect">
-            <a:avLst/>
-          </a:prstGeom>
-          <a:noFill/>
-          <a:ln>
-            <a:noFill/>
-          </a:ln>
-        </p:spPr>
-      </p:pic>
-      <p:pic>
-        <p:nvPicPr>
-          <p:cNvPr id="202" name="Google Shape;202;p22"/>
-          <p:cNvPicPr preferRelativeResize="0"/>
-          <p:nvPr/>
-        </p:nvPicPr>
-        <p:blipFill>
-          <a:blip r:embed="rId4">
-            <a:alphaModFix/>
-          </a:blip>
-          <a:stretch>
-            <a:fillRect/>
-          </a:stretch>
-        </p:blipFill>
-        <p:spPr>
-          <a:xfrm>
-            <a:off x="9051575" y="3587650"/>
-            <a:ext cx="7875600" cy="4922237"/>
-          </a:xfrm>
-          <a:prstGeom prst="rect">
-            <a:avLst/>
-          </a:prstGeom>
-          <a:noFill/>
-          <a:ln>
-            <a:noFill/>
-          </a:ln>
-        </p:spPr>
-      </p:pic>
-    </p:spTree>
-  </p:cSld>
-  <p:clrMapOvr>
-    <a:masterClrMapping/>
-  </p:clrMapOvr>
-  <p:timing>
-    <p:tnLst>
-      <p:par>
-        <p:cTn id="1" dur="indefinite" restart="never" nodeType="tmRoot">
-          <p:childTnLst>
-            <p:seq concurrent="1" nextAc="seek">
-              <p:cTn id="2" dur="indefinite" nodeType="mainSeq">
-                <p:childTnLst>
-                  <p:par>
-                    <p:cTn id="3" fill="hold">
-                      <p:stCondLst>
-                        <p:cond delay="indefinite"/>
-                      </p:stCondLst>
-                      <p:childTnLst>
-                        <p:par>
-                          <p:cTn id="4" fill="hold">
-                            <p:stCondLst>
-                              <p:cond delay="0"/>
-                            </p:stCondLst>
-                            <p:childTnLst>
-                              <p:par>
-                                <p:cTn id="5" presetID="10" presetClass="entr" presetSubtype="0" fill="hold" grpId="0" nodeType="clickEffect">
-                                  <p:stCondLst>
-                                    <p:cond delay="0"/>
-                                  </p:stCondLst>
-                                  <p:childTnLst>
-                                    <p:set>
-                                      <p:cBhvr>
-                                        <p:cTn id="6" dur="1" fill="hold">
-                                          <p:stCondLst>
-                                            <p:cond delay="0"/>
-                                          </p:stCondLst>
-                                        </p:cTn>
-                                        <p:tgtEl>
-                                          <p:spTgt spid="199"/>
-                                        </p:tgtEl>
-                                        <p:attrNameLst>
-                                          <p:attrName>style.visibility</p:attrName>
-                                        </p:attrNameLst>
-                                      </p:cBhvr>
-                                      <p:to>
-                                        <p:strVal val="visible"/>
-                                      </p:to>
-                                    </p:set>
-                                    <p:animEffect transition="in" filter="fade">
-                                      <p:cBhvr>
-                                        <p:cTn id="7" dur="500"/>
-                                        <p:tgtEl>
-                                          <p:spTgt spid="199"/>
-                                        </p:tgtEl>
-                                      </p:cBhvr>
-                                    </p:animEffect>
-                                  </p:childTnLst>
-                                </p:cTn>
-                              </p:par>
-                              <p:par>
-                                <p:cTn id="8" presetID="10" presetClass="entr" presetSubtype="0" fill="hold" nodeType="withEffect">
-                                  <p:stCondLst>
-                                    <p:cond delay="0"/>
-                                  </p:stCondLst>
-                                  <p:childTnLst>
-                                    <p:set>
-                                      <p:cBhvr>
-                                        <p:cTn id="9" dur="1" fill="hold">
-                                          <p:stCondLst>
-                                            <p:cond delay="0"/>
-                                          </p:stCondLst>
-                                        </p:cTn>
-                                        <p:tgtEl>
-                                          <p:spTgt spid="202"/>
-                                        </p:tgtEl>
-                                        <p:attrNameLst>
-                                          <p:attrName>style.visibility</p:attrName>
-                                        </p:attrNameLst>
-                                      </p:cBhvr>
-                                      <p:to>
-                                        <p:strVal val="visible"/>
-                                      </p:to>
-                                    </p:set>
-                                    <p:animEffect transition="in" filter="fade">
-                                      <p:cBhvr>
-                                        <p:cTn id="10" dur="500"/>
-                                        <p:tgtEl>
-                                          <p:spTgt spid="202"/>
-                                        </p:tgtEl>
-                                      </p:cBhvr>
-                                    </p:animEffect>
-                                  </p:childTnLst>
-                                </p:cTn>
-                              </p:par>
-                            </p:childTnLst>
-                          </p:cTn>
-                        </p:par>
-                      </p:childTnLst>
-                    </p:cTn>
-                  </p:par>
-                </p:childTnLst>
-              </p:cTn>
-              <p:prevCondLst>
-                <p:cond evt="onPrev" delay="0">
-                  <p:tgtEl>
-                    <p:sldTgt/>
-                  </p:tgtEl>
-                </p:cond>
-              </p:prevCondLst>
-              <p:nextCondLst>
-                <p:cond evt="onNext" delay="0">
-                  <p:tgtEl>
-                    <p:sldTgt/>
-                  </p:tgtEl>
-                </p:cond>
-              </p:nextCondLst>
-            </p:seq>
-          </p:childTnLst>
-        </p:cTn>
-      </p:par>
-    </p:tnLst>
-    <p:bldLst>
-      <p:bldP spid="199" grpId="0"/>
+      <p:bldP spid="180" grpId="0"/>
+      <p:bldP spid="181" grpId="0"/>
     </p:bldLst>
   </p:timing>
 </p:sld>
@@ -16254,6 +17557,54 @@
               <a:t> de proposer </a:t>
             </a:r>
             <a:r>
+              <a:rPr lang="en-US" sz="2800" b="1" dirty="0" err="1">
+                <a:solidFill>
+                  <a:schemeClr val="dk1"/>
+                </a:solidFill>
+                <a:latin typeface="Work Sans"/>
+                <a:ea typeface="Work Sans"/>
+                <a:cs typeface="Work Sans"/>
+                <a:sym typeface="Work Sans"/>
+              </a:rPr>
+              <a:t>une</a:t>
+            </a:r>
+            <a:r>
+              <a:rPr lang="en-US" sz="2800" b="1" dirty="0">
+                <a:solidFill>
+                  <a:schemeClr val="dk1"/>
+                </a:solidFill>
+                <a:latin typeface="Work Sans"/>
+                <a:ea typeface="Work Sans"/>
+                <a:cs typeface="Work Sans"/>
+                <a:sym typeface="Work Sans"/>
+              </a:rPr>
+              <a:t> interface </a:t>
+            </a:r>
+            <a:r>
+              <a:rPr lang="en-US" sz="2800" b="1" dirty="0" err="1">
+                <a:solidFill>
+                  <a:schemeClr val="dk1"/>
+                </a:solidFill>
+                <a:latin typeface="Work Sans"/>
+                <a:ea typeface="Work Sans"/>
+                <a:cs typeface="Work Sans"/>
+                <a:sym typeface="Work Sans"/>
+              </a:rPr>
+              <a:t>conviviale</a:t>
+            </a:r>
+            <a:r>
+              <a:rPr lang="en-US" sz="2800" dirty="0">
+                <a:solidFill>
+                  <a:schemeClr val="dk1"/>
+                </a:solidFill>
+                <a:latin typeface="Work Sans"/>
+                <a:ea typeface="Work Sans"/>
+                <a:cs typeface="Work Sans"/>
+                <a:sym typeface="Work Sans"/>
+              </a:rPr>
+              <a:t> qui </a:t>
+            </a:r>
+            <a:r>
               <a:rPr lang="en-US" sz="2800" dirty="0" err="1">
                 <a:solidFill>
                   <a:schemeClr val="dk1"/>
@@ -16263,7 +17614,7 @@
                 <a:cs typeface="Work Sans"/>
                 <a:sym typeface="Work Sans"/>
               </a:rPr>
-              <a:t>une</a:t>
+              <a:t>permet</a:t>
             </a:r>
             <a:r>
               <a:rPr lang="en-US" sz="2800" dirty="0">
@@ -16275,7 +17626,7 @@
                 <a:cs typeface="Work Sans"/>
                 <a:sym typeface="Work Sans"/>
               </a:rPr>
-              <a:t> interface </a:t>
+              <a:t> aux restaurateurs de </a:t>
             </a:r>
             <a:r>
               <a:rPr lang="en-US" sz="2800" dirty="0" err="1">
@@ -16287,7 +17638,7 @@
                 <a:cs typeface="Work Sans"/>
                 <a:sym typeface="Work Sans"/>
               </a:rPr>
-              <a:t>conviviale</a:t>
+              <a:t>concevoir</a:t>
             </a:r>
             <a:r>
               <a:rPr lang="en-US" sz="2800" dirty="0">
@@ -16299,7 +17650,7 @@
                 <a:cs typeface="Work Sans"/>
                 <a:sym typeface="Work Sans"/>
               </a:rPr>
-              <a:t> qui </a:t>
+              <a:t>, </a:t>
             </a:r>
             <a:r>
               <a:rPr lang="en-US" sz="2800" dirty="0" err="1">
@@ -16311,7 +17662,7 @@
                 <a:cs typeface="Work Sans"/>
                 <a:sym typeface="Work Sans"/>
               </a:rPr>
-              <a:t>permet</a:t>
+              <a:t>personnaliser</a:t>
             </a:r>
             <a:r>
               <a:rPr lang="en-US" sz="2800" dirty="0">
@@ -16323,7 +17674,7 @@
                 <a:cs typeface="Work Sans"/>
                 <a:sym typeface="Work Sans"/>
               </a:rPr>
-              <a:t> aux restaurateurs de </a:t>
+              <a:t> et diffuser </a:t>
             </a:r>
             <a:r>
               <a:rPr lang="en-US" sz="2800" dirty="0" err="1">
@@ -16335,7 +17686,7 @@
                 <a:cs typeface="Work Sans"/>
                 <a:sym typeface="Work Sans"/>
               </a:rPr>
-              <a:t>concevoir</a:t>
+              <a:t>leurs</a:t>
             </a:r>
             <a:r>
               <a:rPr lang="en-US" sz="2800" dirty="0">
@@ -16347,7 +17698,7 @@
                 <a:cs typeface="Work Sans"/>
                 <a:sym typeface="Work Sans"/>
               </a:rPr>
-              <a:t>, </a:t>
+              <a:t> menus de manière </a:t>
             </a:r>
             <a:r>
               <a:rPr lang="en-US" sz="2800" dirty="0" err="1">
@@ -16359,7 +17710,7 @@
                 <a:cs typeface="Work Sans"/>
                 <a:sym typeface="Work Sans"/>
               </a:rPr>
-              <a:t>personnaliser</a:t>
+              <a:t>efficace</a:t>
             </a:r>
             <a:r>
               <a:rPr lang="en-US" sz="2800" dirty="0">
@@ -16371,7 +17722,7 @@
                 <a:cs typeface="Work Sans"/>
                 <a:sym typeface="Work Sans"/>
               </a:rPr>
-              <a:t> et diffuser </a:t>
+              <a:t>. En </a:t>
             </a:r>
             <a:r>
               <a:rPr lang="en-US" sz="2800" dirty="0" err="1">
@@ -16383,7 +17734,7 @@
                 <a:cs typeface="Work Sans"/>
                 <a:sym typeface="Work Sans"/>
               </a:rPr>
-              <a:t>leurs</a:t>
+              <a:t>privilégiant</a:t>
             </a:r>
             <a:r>
               <a:rPr lang="en-US" sz="2800" dirty="0">
@@ -16395,58 +17746,10 @@
                 <a:cs typeface="Work Sans"/>
                 <a:sym typeface="Work Sans"/>
               </a:rPr>
-              <a:t> menus de manière </a:t>
-            </a:r>
-            <a:r>
-              <a:rPr lang="en-US" sz="2800" dirty="0" err="1">
-                <a:solidFill>
-                  <a:schemeClr val="dk1"/>
-                </a:solidFill>
-                <a:latin typeface="Work Sans"/>
-                <a:ea typeface="Work Sans"/>
-                <a:cs typeface="Work Sans"/>
-                <a:sym typeface="Work Sans"/>
-              </a:rPr>
-              <a:t>efficace</a:t>
-            </a:r>
-            <a:r>
-              <a:rPr lang="en-US" sz="2800" dirty="0">
-                <a:solidFill>
-                  <a:schemeClr val="dk1"/>
-                </a:solidFill>
-                <a:latin typeface="Work Sans"/>
-                <a:ea typeface="Work Sans"/>
-                <a:cs typeface="Work Sans"/>
-                <a:sym typeface="Work Sans"/>
-              </a:rPr>
-              <a:t>. En </a:t>
-            </a:r>
-            <a:r>
-              <a:rPr lang="en-US" sz="2800" dirty="0" err="1">
-                <a:solidFill>
-                  <a:schemeClr val="dk1"/>
-                </a:solidFill>
-                <a:latin typeface="Work Sans"/>
-                <a:ea typeface="Work Sans"/>
-                <a:cs typeface="Work Sans"/>
-                <a:sym typeface="Work Sans"/>
-              </a:rPr>
-              <a:t>privilégiant</a:t>
-            </a:r>
-            <a:r>
-              <a:rPr lang="en-US" sz="2800" dirty="0">
-                <a:solidFill>
-                  <a:schemeClr val="dk1"/>
-                </a:solidFill>
-                <a:latin typeface="Work Sans"/>
-                <a:ea typeface="Work Sans"/>
-                <a:cs typeface="Work Sans"/>
-                <a:sym typeface="Work Sans"/>
-              </a:rPr>
               <a:t> la </a:t>
             </a:r>
             <a:r>
-              <a:rPr lang="en-US" sz="2800" dirty="0" err="1">
+              <a:rPr lang="en-US" sz="2800" b="1" dirty="0" err="1">
                 <a:solidFill>
                   <a:schemeClr val="dk1"/>
                 </a:solidFill>
@@ -16458,7 +17761,7 @@
               <a:t>simplicité</a:t>
             </a:r>
             <a:r>
-              <a:rPr lang="en-US" sz="2800" dirty="0">
+              <a:rPr lang="en-US" sz="2800" b="1" dirty="0">
                 <a:solidFill>
                   <a:schemeClr val="dk1"/>
                 </a:solidFill>
@@ -16470,7 +17773,7 @@
               <a:t> </a:t>
             </a:r>
             <a:r>
-              <a:rPr lang="en-US" sz="2800" dirty="0" err="1">
+              <a:rPr lang="en-US" sz="2800" b="1" dirty="0" err="1">
                 <a:solidFill>
                   <a:schemeClr val="dk1"/>
                 </a:solidFill>
@@ -16624,6 +17927,30 @@
               <a:t> proposant des </a:t>
             </a:r>
             <a:r>
+              <a:rPr lang="en-US" sz="2800" b="1" dirty="0" err="1">
+                <a:solidFill>
+                  <a:schemeClr val="dk1"/>
+                </a:solidFill>
+                <a:latin typeface="Work Sans"/>
+                <a:ea typeface="Work Sans"/>
+                <a:cs typeface="Work Sans"/>
+                <a:sym typeface="Work Sans"/>
+              </a:rPr>
+              <a:t>fonctionnalités</a:t>
+            </a:r>
+            <a:r>
+              <a:rPr lang="en-US" sz="2800" dirty="0">
+                <a:solidFill>
+                  <a:schemeClr val="dk1"/>
+                </a:solidFill>
+                <a:latin typeface="Work Sans"/>
+                <a:ea typeface="Work Sans"/>
+                <a:cs typeface="Work Sans"/>
+                <a:sym typeface="Work Sans"/>
+              </a:rPr>
+              <a:t> </a:t>
+            </a:r>
+            <a:r>
               <a:rPr lang="en-US" sz="2800" dirty="0" err="1">
                 <a:solidFill>
                   <a:schemeClr val="dk1"/>
@@ -16633,7 +17960,7 @@
                 <a:cs typeface="Work Sans"/>
                 <a:sym typeface="Work Sans"/>
               </a:rPr>
-              <a:t>fonctionnalités</a:t>
+              <a:t>comme</a:t>
             </a:r>
             <a:r>
               <a:rPr lang="en-US" sz="2800" dirty="0">
@@ -16645,9 +17972,105 @@
                 <a:cs typeface="Work Sans"/>
                 <a:sym typeface="Work Sans"/>
               </a:rPr>
+              <a:t> la </a:t>
+            </a:r>
+            <a:r>
+              <a:rPr lang="en-US" sz="2800" b="1" dirty="0" err="1">
+                <a:solidFill>
+                  <a:schemeClr val="dk1"/>
+                </a:solidFill>
+                <a:latin typeface="Work Sans"/>
+                <a:ea typeface="Work Sans"/>
+                <a:cs typeface="Work Sans"/>
+                <a:sym typeface="Work Sans"/>
+              </a:rPr>
+              <a:t>création</a:t>
+            </a:r>
+            <a:r>
+              <a:rPr lang="en-US" sz="2800" b="1" dirty="0">
+                <a:solidFill>
+                  <a:schemeClr val="dk1"/>
+                </a:solidFill>
+                <a:latin typeface="Work Sans"/>
+                <a:ea typeface="Work Sans"/>
+                <a:cs typeface="Work Sans"/>
+                <a:sym typeface="Work Sans"/>
+              </a:rPr>
+              <a:t> de </a:t>
+            </a:r>
+            <a:r>
+              <a:rPr lang="en-US" sz="2800" b="1" dirty="0" err="1">
+                <a:solidFill>
+                  <a:schemeClr val="dk1"/>
+                </a:solidFill>
+                <a:latin typeface="Work Sans"/>
+                <a:ea typeface="Work Sans"/>
+                <a:cs typeface="Work Sans"/>
+                <a:sym typeface="Work Sans"/>
+              </a:rPr>
+              <a:t>catégories</a:t>
+            </a:r>
+            <a:r>
+              <a:rPr lang="en-US" sz="2800" b="1" dirty="0">
+                <a:solidFill>
+                  <a:schemeClr val="dk1"/>
+                </a:solidFill>
+                <a:latin typeface="Work Sans"/>
+                <a:ea typeface="Work Sans"/>
+                <a:cs typeface="Work Sans"/>
+                <a:sym typeface="Work Sans"/>
+              </a:rPr>
               <a:t> </a:t>
             </a:r>
             <a:r>
+              <a:rPr lang="en-US" sz="2800" dirty="0">
+                <a:solidFill>
+                  <a:schemeClr val="dk1"/>
+                </a:solidFill>
+                <a:latin typeface="Work Sans"/>
+                <a:ea typeface="Work Sans"/>
+                <a:cs typeface="Work Sans"/>
+                <a:sym typeface="Work Sans"/>
+              </a:rPr>
+              <a:t>et de plats, la </a:t>
+            </a:r>
+            <a:r>
+              <a:rPr lang="en-US" sz="2800" b="1" dirty="0" err="1">
+                <a:solidFill>
+                  <a:schemeClr val="dk1"/>
+                </a:solidFill>
+                <a:latin typeface="Work Sans"/>
+                <a:ea typeface="Work Sans"/>
+                <a:cs typeface="Work Sans"/>
+                <a:sym typeface="Work Sans"/>
+              </a:rPr>
+              <a:t>personnalisation</a:t>
+            </a:r>
+            <a:r>
+              <a:rPr lang="en-US" sz="2800" b="1" dirty="0">
+                <a:solidFill>
+                  <a:schemeClr val="dk1"/>
+                </a:solidFill>
+                <a:latin typeface="Work Sans"/>
+                <a:ea typeface="Work Sans"/>
+                <a:cs typeface="Work Sans"/>
+                <a:sym typeface="Work Sans"/>
+              </a:rPr>
+              <a:t> du style du menu</a:t>
+            </a:r>
+            <a:r>
+              <a:rPr lang="en-US" sz="2800" dirty="0">
+                <a:solidFill>
+                  <a:schemeClr val="dk1"/>
+                </a:solidFill>
+                <a:latin typeface="Work Sans"/>
+                <a:ea typeface="Work Sans"/>
+                <a:cs typeface="Work Sans"/>
+                <a:sym typeface="Work Sans"/>
+              </a:rPr>
+              <a:t>, </a:t>
+            </a:r>
+            <a:r>
               <a:rPr lang="en-US" sz="2800" dirty="0" err="1">
                 <a:solidFill>
                   <a:schemeClr val="dk1"/>
@@ -16657,7 +18080,7 @@
                 <a:cs typeface="Work Sans"/>
                 <a:sym typeface="Work Sans"/>
               </a:rPr>
-              <a:t>comme</a:t>
+              <a:t>l’exportation</a:t>
             </a:r>
             <a:r>
               <a:rPr lang="en-US" sz="2800" dirty="0">
@@ -16669,7 +18092,7 @@
                 <a:cs typeface="Work Sans"/>
                 <a:sym typeface="Work Sans"/>
               </a:rPr>
-              <a:t> la </a:t>
+              <a:t> </a:t>
             </a:r>
             <a:r>
               <a:rPr lang="en-US" sz="2800" dirty="0" err="1">
@@ -16681,7 +18104,7 @@
                 <a:cs typeface="Work Sans"/>
                 <a:sym typeface="Work Sans"/>
               </a:rPr>
-              <a:t>création</a:t>
+              <a:t>en</a:t>
             </a:r>
             <a:r>
               <a:rPr lang="en-US" sz="2800" dirty="0">
@@ -16693,19 +18116,79 @@
                 <a:cs typeface="Work Sans"/>
                 <a:sym typeface="Work Sans"/>
               </a:rPr>
+              <a:t> PDF, </a:t>
+            </a:r>
+            <a:r>
+              <a:rPr lang="en-US" sz="2800" b="1" dirty="0" err="1">
+                <a:solidFill>
+                  <a:schemeClr val="dk1"/>
+                </a:solidFill>
+                <a:latin typeface="Work Sans"/>
+                <a:ea typeface="Work Sans"/>
+                <a:cs typeface="Work Sans"/>
+                <a:sym typeface="Work Sans"/>
+              </a:rPr>
+              <a:t>l’impression</a:t>
+            </a:r>
+            <a:r>
+              <a:rPr lang="en-US" sz="2800" dirty="0">
+                <a:solidFill>
+                  <a:schemeClr val="dk1"/>
+                </a:solidFill>
+                <a:latin typeface="Work Sans"/>
+                <a:ea typeface="Work Sans"/>
+                <a:cs typeface="Work Sans"/>
+                <a:sym typeface="Work Sans"/>
+              </a:rPr>
+              <a:t>, et la </a:t>
+            </a:r>
+            <a:r>
+              <a:rPr lang="en-US" sz="2800" dirty="0" err="1">
+                <a:solidFill>
+                  <a:schemeClr val="dk1"/>
+                </a:solidFill>
+                <a:latin typeface="Work Sans"/>
+                <a:ea typeface="Work Sans"/>
+                <a:cs typeface="Work Sans"/>
+                <a:sym typeface="Work Sans"/>
+              </a:rPr>
+              <a:t>possibilité</a:t>
+            </a:r>
+            <a:r>
+              <a:rPr lang="en-US" sz="2800" dirty="0">
+                <a:solidFill>
+                  <a:schemeClr val="dk1"/>
+                </a:solidFill>
+                <a:latin typeface="Work Sans"/>
+                <a:ea typeface="Work Sans"/>
+                <a:cs typeface="Work Sans"/>
+                <a:sym typeface="Work Sans"/>
+              </a:rPr>
               <a:t> de </a:t>
             </a:r>
             <a:r>
-              <a:rPr lang="en-US" sz="2800" dirty="0" err="1">
-                <a:solidFill>
-                  <a:schemeClr val="dk1"/>
-                </a:solidFill>
-                <a:latin typeface="Work Sans"/>
-                <a:ea typeface="Work Sans"/>
-                <a:cs typeface="Work Sans"/>
-                <a:sym typeface="Work Sans"/>
-              </a:rPr>
-              <a:t>catégories</a:t>
+              <a:rPr lang="en-US" sz="2800" b="1" dirty="0" err="1">
+                <a:solidFill>
+                  <a:schemeClr val="dk1"/>
+                </a:solidFill>
+                <a:latin typeface="Work Sans"/>
+                <a:ea typeface="Work Sans"/>
+                <a:cs typeface="Work Sans"/>
+                <a:sym typeface="Work Sans"/>
+              </a:rPr>
+              <a:t>partager</a:t>
+            </a:r>
+            <a:r>
+              <a:rPr lang="en-US" sz="2800" b="1" dirty="0">
+                <a:solidFill>
+                  <a:schemeClr val="dk1"/>
+                </a:solidFill>
+                <a:latin typeface="Work Sans"/>
+                <a:ea typeface="Work Sans"/>
+                <a:cs typeface="Work Sans"/>
+                <a:sym typeface="Work Sans"/>
+              </a:rPr>
+              <a:t> les menus </a:t>
             </a:r>
             <a:r>
               <a:rPr lang="en-US" sz="2800" dirty="0">
@@ -16717,151 +18200,7 @@
                 <a:cs typeface="Work Sans"/>
                 <a:sym typeface="Work Sans"/>
               </a:rPr>
-              <a:t> et de plats, la </a:t>
-            </a:r>
-            <a:r>
-              <a:rPr lang="en-US" sz="2800" dirty="0" err="1">
-                <a:solidFill>
-                  <a:schemeClr val="dk1"/>
-                </a:solidFill>
-                <a:latin typeface="Work Sans"/>
-                <a:ea typeface="Work Sans"/>
-                <a:cs typeface="Work Sans"/>
-                <a:sym typeface="Work Sans"/>
-              </a:rPr>
-              <a:t>personnalisation</a:t>
-            </a:r>
-            <a:r>
-              <a:rPr lang="en-US" sz="2800" dirty="0">
-                <a:solidFill>
-                  <a:schemeClr val="dk1"/>
-                </a:solidFill>
-                <a:latin typeface="Work Sans"/>
-                <a:ea typeface="Work Sans"/>
-                <a:cs typeface="Work Sans"/>
-                <a:sym typeface="Work Sans"/>
-              </a:rPr>
-              <a:t> du style du menu, </a:t>
-            </a:r>
-            <a:r>
-              <a:rPr lang="en-US" sz="2800" dirty="0" err="1">
-                <a:solidFill>
-                  <a:schemeClr val="dk1"/>
-                </a:solidFill>
-                <a:latin typeface="Work Sans"/>
-                <a:ea typeface="Work Sans"/>
-                <a:cs typeface="Work Sans"/>
-                <a:sym typeface="Work Sans"/>
-              </a:rPr>
-              <a:t>l’exportation</a:t>
-            </a:r>
-            <a:r>
-              <a:rPr lang="en-US" sz="2800" dirty="0">
-                <a:solidFill>
-                  <a:schemeClr val="dk1"/>
-                </a:solidFill>
-                <a:latin typeface="Work Sans"/>
-                <a:ea typeface="Work Sans"/>
-                <a:cs typeface="Work Sans"/>
-                <a:sym typeface="Work Sans"/>
-              </a:rPr>
-              <a:t> </a:t>
-            </a:r>
-            <a:r>
-              <a:rPr lang="en-US" sz="2800" dirty="0" err="1">
-                <a:solidFill>
-                  <a:schemeClr val="dk1"/>
-                </a:solidFill>
-                <a:latin typeface="Work Sans"/>
-                <a:ea typeface="Work Sans"/>
-                <a:cs typeface="Work Sans"/>
-                <a:sym typeface="Work Sans"/>
-              </a:rPr>
-              <a:t>en</a:t>
-            </a:r>
-            <a:r>
-              <a:rPr lang="en-US" sz="2800" dirty="0">
-                <a:solidFill>
-                  <a:schemeClr val="dk1"/>
-                </a:solidFill>
-                <a:latin typeface="Work Sans"/>
-                <a:ea typeface="Work Sans"/>
-                <a:cs typeface="Work Sans"/>
-                <a:sym typeface="Work Sans"/>
-              </a:rPr>
-              <a:t> PDF, </a:t>
-            </a:r>
-            <a:r>
-              <a:rPr lang="en-US" sz="2800" dirty="0" err="1">
-                <a:solidFill>
-                  <a:schemeClr val="dk1"/>
-                </a:solidFill>
-                <a:latin typeface="Work Sans"/>
-                <a:ea typeface="Work Sans"/>
-                <a:cs typeface="Work Sans"/>
-                <a:sym typeface="Work Sans"/>
-              </a:rPr>
-              <a:t>l’impression</a:t>
-            </a:r>
-            <a:r>
-              <a:rPr lang="en-US" sz="2800" dirty="0">
-                <a:solidFill>
-                  <a:schemeClr val="dk1"/>
-                </a:solidFill>
-                <a:latin typeface="Work Sans"/>
-                <a:ea typeface="Work Sans"/>
-                <a:cs typeface="Work Sans"/>
-                <a:sym typeface="Work Sans"/>
-              </a:rPr>
-              <a:t>, et la </a:t>
-            </a:r>
-            <a:r>
-              <a:rPr lang="en-US" sz="2800" dirty="0" err="1">
-                <a:solidFill>
-                  <a:schemeClr val="dk1"/>
-                </a:solidFill>
-                <a:latin typeface="Work Sans"/>
-                <a:ea typeface="Work Sans"/>
-                <a:cs typeface="Work Sans"/>
-                <a:sym typeface="Work Sans"/>
-              </a:rPr>
-              <a:t>possibilité</a:t>
-            </a:r>
-            <a:r>
-              <a:rPr lang="en-US" sz="2800" dirty="0">
-                <a:solidFill>
-                  <a:schemeClr val="dk1"/>
-                </a:solidFill>
-                <a:latin typeface="Work Sans"/>
-                <a:ea typeface="Work Sans"/>
-                <a:cs typeface="Work Sans"/>
-                <a:sym typeface="Work Sans"/>
-              </a:rPr>
-              <a:t> de </a:t>
-            </a:r>
-            <a:r>
-              <a:rPr lang="en-US" sz="2800" dirty="0" err="1">
-                <a:solidFill>
-                  <a:schemeClr val="dk1"/>
-                </a:solidFill>
-                <a:latin typeface="Work Sans"/>
-                <a:ea typeface="Work Sans"/>
-                <a:cs typeface="Work Sans"/>
-                <a:sym typeface="Work Sans"/>
-              </a:rPr>
-              <a:t>partager</a:t>
-            </a:r>
-            <a:r>
-              <a:rPr lang="en-US" sz="2800" dirty="0">
-                <a:solidFill>
-                  <a:schemeClr val="dk1"/>
-                </a:solidFill>
-                <a:latin typeface="Work Sans"/>
-                <a:ea typeface="Work Sans"/>
-                <a:cs typeface="Work Sans"/>
-                <a:sym typeface="Work Sans"/>
-              </a:rPr>
-              <a:t> les menus sur des </a:t>
+              <a:t>sur des </a:t>
             </a:r>
             <a:r>
               <a:rPr lang="en-US" sz="2800" dirty="0" err="1">
@@ -21874,7 +23213,7 @@
   <p:cSld>
     <p:spTree>
       <p:nvGrpSpPr>
-        <p:cNvPr id="1" name="Shape 164"/>
+        <p:cNvPr id="1" name="Shape 185"/>
         <p:cNvGrpSpPr/>
         <p:nvPr/>
       </p:nvGrpSpPr>
@@ -21888,14 +23227,14 @@
       </p:grpSpPr>
       <p:sp>
         <p:nvSpPr>
-          <p:cNvPr id="165" name="Google Shape;165;p19"/>
+          <p:cNvPr id="186" name="Google Shape;186;p21"/>
           <p:cNvSpPr/>
           <p:nvPr/>
         </p:nvSpPr>
         <p:spPr>
           <a:xfrm>
-            <a:off x="604050" y="1734625"/>
-            <a:ext cx="17079900" cy="8187300"/>
+            <a:off x="604050" y="2380825"/>
+            <a:ext cx="17079900" cy="7541100"/>
           </a:xfrm>
           <a:prstGeom prst="rect">
             <a:avLst/>
@@ -21937,14 +23276,14 @@
       </p:sp>
       <p:sp>
         <p:nvSpPr>
-          <p:cNvPr id="166" name="Google Shape;166;p19"/>
+          <p:cNvPr id="187" name="Google Shape;187;p21"/>
           <p:cNvSpPr/>
           <p:nvPr/>
         </p:nvSpPr>
         <p:spPr>
           <a:xfrm>
-            <a:off x="716325" y="1632050"/>
-            <a:ext cx="17079900" cy="8187300"/>
+            <a:off x="716325" y="2278225"/>
+            <a:ext cx="17079900" cy="7541100"/>
           </a:xfrm>
           <a:prstGeom prst="rect">
             <a:avLst/>
@@ -21988,13 +23327,13 @@
       </p:sp>
       <p:sp>
         <p:nvSpPr>
-          <p:cNvPr id="167" name="Google Shape;167;p19"/>
+          <p:cNvPr id="188" name="Google Shape;188;p21"/>
           <p:cNvSpPr txBox="1"/>
           <p:nvPr/>
         </p:nvSpPr>
         <p:spPr>
           <a:xfrm>
-            <a:off x="1021947" y="185236"/>
+            <a:off x="1021947" y="805261"/>
             <a:ext cx="16244100" cy="1154400"/>
           </a:xfrm>
           <a:prstGeom prst="rect">
@@ -22033,7 +23372,7 @@
                 <a:cs typeface="Epilogue"/>
                 <a:sym typeface="Epilogue"/>
               </a:rPr>
-              <a:t>La méthodologie</a:t>
+              <a:t>L’organisation</a:t>
             </a:r>
             <a:endParaRPr b="1">
               <a:latin typeface="Epilogue"/>
@@ -22046,7 +23385,421 @@
       </p:sp>
       <p:sp>
         <p:nvSpPr>
-          <p:cNvPr id="168" name="Google Shape;168;p19"/>
+          <p:cNvPr id="189" name="Google Shape;189;p21"/>
+          <p:cNvSpPr txBox="1"/>
+          <p:nvPr/>
+        </p:nvSpPr>
+        <p:spPr>
+          <a:xfrm>
+            <a:off x="1021950" y="2278100"/>
+            <a:ext cx="16774200" cy="7541100"/>
+          </a:xfrm>
+          <a:prstGeom prst="rect">
+            <a:avLst/>
+          </a:prstGeom>
+          <a:noFill/>
+          <a:ln>
+            <a:noFill/>
+          </a:ln>
+        </p:spPr>
+        <p:txBody>
+          <a:bodyPr spcFirstLastPara="1" wrap="square" lIns="91425" tIns="91425" rIns="91425" bIns="91425" anchor="ctr" anchorCtr="0">
+            <a:noAutofit/>
+          </a:bodyPr>
+          <a:lstStyle/>
+          <a:p>
+            <a:pPr marL="0" lvl="0" indent="0" algn="ctr" rtl="0">
+              <a:lnSpc>
+                <a:spcPct val="115000"/>
+              </a:lnSpc>
+              <a:spcBef>
+                <a:spcPts val="0"/>
+              </a:spcBef>
+              <a:spcAft>
+                <a:spcPts val="0"/>
+              </a:spcAft>
+              <a:buNone/>
+            </a:pPr>
+            <a:r>
+              <a:rPr lang="en-US" sz="2800" b="1" dirty="0">
+                <a:solidFill>
+                  <a:schemeClr val="dk1"/>
+                </a:solidFill>
+                <a:latin typeface="Work Sans"/>
+                <a:ea typeface="Work Sans"/>
+                <a:cs typeface="Work Sans"/>
+                <a:sym typeface="Work Sans"/>
+              </a:rPr>
+              <a:t>Team </a:t>
+            </a:r>
+            <a:r>
+              <a:rPr lang="en-US" sz="2800" b="1" dirty="0" err="1">
+                <a:solidFill>
+                  <a:schemeClr val="dk1"/>
+                </a:solidFill>
+                <a:latin typeface="Work Sans"/>
+                <a:ea typeface="Work Sans"/>
+                <a:cs typeface="Work Sans"/>
+                <a:sym typeface="Work Sans"/>
+              </a:rPr>
+              <a:t>Développement</a:t>
+            </a:r>
+            <a:endParaRPr sz="2800" b="1" dirty="0">
+              <a:solidFill>
+                <a:schemeClr val="dk1"/>
+              </a:solidFill>
+              <a:latin typeface="Work Sans"/>
+              <a:ea typeface="Work Sans"/>
+              <a:cs typeface="Work Sans"/>
+              <a:sym typeface="Work Sans"/>
+            </a:endParaRPr>
+          </a:p>
+          <a:p>
+            <a:pPr marL="0" lvl="0" indent="0" algn="ctr" rtl="0">
+              <a:lnSpc>
+                <a:spcPct val="115000"/>
+              </a:lnSpc>
+              <a:spcBef>
+                <a:spcPts val="0"/>
+              </a:spcBef>
+              <a:spcAft>
+                <a:spcPts val="0"/>
+              </a:spcAft>
+              <a:buNone/>
+            </a:pPr>
+            <a:r>
+              <a:rPr lang="en-US" sz="2800" dirty="0">
+                <a:solidFill>
+                  <a:schemeClr val="dk1"/>
+                </a:solidFill>
+                <a:latin typeface="Work Sans"/>
+                <a:ea typeface="Work Sans"/>
+                <a:cs typeface="Work Sans"/>
+                <a:sym typeface="Work Sans"/>
+              </a:rPr>
+              <a:t>1 </a:t>
+            </a:r>
+            <a:r>
+              <a:rPr lang="en-US" sz="2800" dirty="0" err="1">
+                <a:solidFill>
+                  <a:schemeClr val="dk1"/>
+                </a:solidFill>
+                <a:latin typeface="Work Sans"/>
+                <a:ea typeface="Work Sans"/>
+                <a:cs typeface="Work Sans"/>
+                <a:sym typeface="Work Sans"/>
+              </a:rPr>
+              <a:t>binômes</a:t>
+            </a:r>
+            <a:r>
+              <a:rPr lang="en-US" sz="2800" dirty="0">
+                <a:solidFill>
+                  <a:schemeClr val="dk1"/>
+                </a:solidFill>
+                <a:latin typeface="Work Sans"/>
+                <a:ea typeface="Work Sans"/>
+                <a:cs typeface="Work Sans"/>
+                <a:sym typeface="Work Sans"/>
+              </a:rPr>
+              <a:t> </a:t>
+            </a:r>
+            <a:r>
+              <a:rPr lang="en-US" sz="2800" dirty="0" err="1">
+                <a:solidFill>
+                  <a:schemeClr val="dk1"/>
+                </a:solidFill>
+                <a:latin typeface="Work Sans"/>
+                <a:ea typeface="Work Sans"/>
+                <a:cs typeface="Work Sans"/>
+                <a:sym typeface="Work Sans"/>
+              </a:rPr>
+              <a:t>FrontEnd</a:t>
+            </a:r>
+            <a:endParaRPr sz="2800" dirty="0">
+              <a:solidFill>
+                <a:schemeClr val="dk1"/>
+              </a:solidFill>
+              <a:latin typeface="Work Sans"/>
+              <a:ea typeface="Work Sans"/>
+              <a:cs typeface="Work Sans"/>
+              <a:sym typeface="Work Sans"/>
+            </a:endParaRPr>
+          </a:p>
+          <a:p>
+            <a:pPr marL="0" lvl="0" indent="0" algn="ctr" rtl="0">
+              <a:lnSpc>
+                <a:spcPct val="115000"/>
+              </a:lnSpc>
+              <a:spcBef>
+                <a:spcPts val="0"/>
+              </a:spcBef>
+              <a:spcAft>
+                <a:spcPts val="0"/>
+              </a:spcAft>
+              <a:buNone/>
+            </a:pPr>
+            <a:r>
+              <a:rPr lang="en-US" sz="2800" dirty="0">
+                <a:solidFill>
+                  <a:schemeClr val="dk1"/>
+                </a:solidFill>
+                <a:latin typeface="Work Sans"/>
+                <a:ea typeface="Work Sans"/>
+                <a:cs typeface="Work Sans"/>
+                <a:sym typeface="Work Sans"/>
+              </a:rPr>
+              <a:t>1 </a:t>
+            </a:r>
+            <a:r>
+              <a:rPr lang="en-US" sz="2800" dirty="0" err="1">
+                <a:solidFill>
+                  <a:schemeClr val="dk1"/>
+                </a:solidFill>
+                <a:latin typeface="Work Sans"/>
+                <a:ea typeface="Work Sans"/>
+                <a:cs typeface="Work Sans"/>
+                <a:sym typeface="Work Sans"/>
+              </a:rPr>
+              <a:t>binômes</a:t>
+            </a:r>
+            <a:r>
+              <a:rPr lang="en-US" sz="2800" dirty="0">
+                <a:solidFill>
+                  <a:schemeClr val="dk1"/>
+                </a:solidFill>
+                <a:latin typeface="Work Sans"/>
+                <a:ea typeface="Work Sans"/>
+                <a:cs typeface="Work Sans"/>
+                <a:sym typeface="Work Sans"/>
+              </a:rPr>
+              <a:t> </a:t>
+            </a:r>
+            <a:r>
+              <a:rPr lang="en-US" sz="2800" dirty="0" err="1">
+                <a:solidFill>
+                  <a:schemeClr val="dk1"/>
+                </a:solidFill>
+                <a:latin typeface="Work Sans"/>
+                <a:ea typeface="Work Sans"/>
+                <a:cs typeface="Work Sans"/>
+                <a:sym typeface="Work Sans"/>
+              </a:rPr>
+              <a:t>BackEnd</a:t>
+            </a:r>
+            <a:endParaRPr sz="2800" dirty="0">
+              <a:solidFill>
+                <a:schemeClr val="dk1"/>
+              </a:solidFill>
+              <a:latin typeface="Work Sans"/>
+              <a:ea typeface="Work Sans"/>
+              <a:cs typeface="Work Sans"/>
+              <a:sym typeface="Work Sans"/>
+            </a:endParaRPr>
+          </a:p>
+          <a:p>
+            <a:pPr marL="0" lvl="0" indent="0" algn="ctr" rtl="0">
+              <a:lnSpc>
+                <a:spcPct val="115000"/>
+              </a:lnSpc>
+              <a:spcBef>
+                <a:spcPts val="0"/>
+              </a:spcBef>
+              <a:spcAft>
+                <a:spcPts val="0"/>
+              </a:spcAft>
+              <a:buNone/>
+            </a:pPr>
+            <a:endParaRPr sz="2800" dirty="0">
+              <a:solidFill>
+                <a:schemeClr val="dk1"/>
+              </a:solidFill>
+              <a:latin typeface="Work Sans"/>
+              <a:ea typeface="Work Sans"/>
+              <a:cs typeface="Work Sans"/>
+              <a:sym typeface="Work Sans"/>
+            </a:endParaRPr>
+          </a:p>
+          <a:p>
+            <a:pPr marL="0" lvl="0" indent="0" algn="ctr" rtl="0">
+              <a:lnSpc>
+                <a:spcPct val="115000"/>
+              </a:lnSpc>
+              <a:spcBef>
+                <a:spcPts val="0"/>
+              </a:spcBef>
+              <a:spcAft>
+                <a:spcPts val="0"/>
+              </a:spcAft>
+              <a:buNone/>
+            </a:pPr>
+            <a:endParaRPr sz="2800" dirty="0">
+              <a:solidFill>
+                <a:schemeClr val="dk1"/>
+              </a:solidFill>
+              <a:latin typeface="Work Sans"/>
+              <a:ea typeface="Work Sans"/>
+              <a:cs typeface="Work Sans"/>
+              <a:sym typeface="Work Sans"/>
+            </a:endParaRPr>
+          </a:p>
+          <a:p>
+            <a:pPr marL="0" lvl="0" indent="0" algn="ctr" rtl="0">
+              <a:lnSpc>
+                <a:spcPct val="115000"/>
+              </a:lnSpc>
+              <a:spcBef>
+                <a:spcPts val="0"/>
+              </a:spcBef>
+              <a:spcAft>
+                <a:spcPts val="0"/>
+              </a:spcAft>
+              <a:buNone/>
+            </a:pPr>
+            <a:r>
+              <a:rPr lang="en-US" sz="2800" b="1" dirty="0">
+                <a:solidFill>
+                  <a:schemeClr val="dk1"/>
+                </a:solidFill>
+                <a:latin typeface="Work Sans"/>
+                <a:ea typeface="Work Sans"/>
+                <a:cs typeface="Work Sans"/>
+                <a:sym typeface="Work Sans"/>
+              </a:rPr>
+              <a:t>Temps </a:t>
+            </a:r>
+            <a:r>
+              <a:rPr lang="en-US" sz="2800" b="1" dirty="0" err="1">
+                <a:solidFill>
+                  <a:schemeClr val="dk1"/>
+                </a:solidFill>
+                <a:latin typeface="Work Sans"/>
+                <a:ea typeface="Work Sans"/>
+                <a:cs typeface="Work Sans"/>
+                <a:sym typeface="Work Sans"/>
+              </a:rPr>
+              <a:t>estimé</a:t>
+            </a:r>
+            <a:endParaRPr sz="2800" b="1" dirty="0">
+              <a:solidFill>
+                <a:schemeClr val="dk1"/>
+              </a:solidFill>
+              <a:latin typeface="Work Sans"/>
+              <a:ea typeface="Work Sans"/>
+              <a:cs typeface="Work Sans"/>
+              <a:sym typeface="Work Sans"/>
+            </a:endParaRPr>
+          </a:p>
+          <a:p>
+            <a:pPr marL="0" lvl="0" indent="0" algn="ctr" rtl="0">
+              <a:lnSpc>
+                <a:spcPct val="115000"/>
+              </a:lnSpc>
+              <a:spcBef>
+                <a:spcPts val="0"/>
+              </a:spcBef>
+              <a:spcAft>
+                <a:spcPts val="0"/>
+              </a:spcAft>
+              <a:buNone/>
+            </a:pPr>
+            <a:r>
+              <a:rPr lang="en-US" sz="2800" dirty="0">
+                <a:solidFill>
+                  <a:schemeClr val="dk1"/>
+                </a:solidFill>
+                <a:latin typeface="Work Sans"/>
+                <a:ea typeface="Work Sans"/>
+                <a:cs typeface="Work Sans"/>
+                <a:sym typeface="Work Sans"/>
+              </a:rPr>
+              <a:t>Environ 3 à 4 </a:t>
+            </a:r>
+            <a:r>
+              <a:rPr lang="en-US" sz="2800" dirty="0" err="1">
+                <a:solidFill>
+                  <a:schemeClr val="dk1"/>
+                </a:solidFill>
+                <a:latin typeface="Work Sans"/>
+                <a:ea typeface="Work Sans"/>
+                <a:cs typeface="Work Sans"/>
+                <a:sym typeface="Work Sans"/>
+              </a:rPr>
+              <a:t>mois</a:t>
+            </a:r>
+            <a:endParaRPr sz="2800" dirty="0">
+              <a:solidFill>
+                <a:schemeClr val="dk1"/>
+              </a:solidFill>
+              <a:latin typeface="Work Sans"/>
+              <a:ea typeface="Work Sans"/>
+              <a:cs typeface="Work Sans"/>
+              <a:sym typeface="Work Sans"/>
+            </a:endParaRPr>
+          </a:p>
+          <a:p>
+            <a:pPr marL="0" lvl="0" indent="0" algn="ctr" rtl="0">
+              <a:lnSpc>
+                <a:spcPct val="115000"/>
+              </a:lnSpc>
+              <a:spcBef>
+                <a:spcPts val="0"/>
+              </a:spcBef>
+              <a:spcAft>
+                <a:spcPts val="0"/>
+              </a:spcAft>
+              <a:buNone/>
+            </a:pPr>
+            <a:r>
+              <a:rPr lang="en-US" sz="2800" dirty="0">
+                <a:solidFill>
+                  <a:schemeClr val="dk1"/>
+                </a:solidFill>
+                <a:latin typeface="Work Sans"/>
+                <a:ea typeface="Work Sans"/>
+                <a:cs typeface="Work Sans"/>
+                <a:sym typeface="Work Sans"/>
+              </a:rPr>
+              <a:t>Avec des sprints de 2 </a:t>
+            </a:r>
+            <a:r>
+              <a:rPr lang="en-US" sz="2800" dirty="0" err="1">
+                <a:solidFill>
+                  <a:schemeClr val="dk1"/>
+                </a:solidFill>
+                <a:latin typeface="Work Sans"/>
+                <a:ea typeface="Work Sans"/>
+                <a:cs typeface="Work Sans"/>
+                <a:sym typeface="Work Sans"/>
+              </a:rPr>
+              <a:t>semaines</a:t>
+            </a:r>
+            <a:r>
+              <a:rPr lang="en-US" sz="2800" dirty="0">
+                <a:solidFill>
+                  <a:schemeClr val="dk1"/>
+                </a:solidFill>
+                <a:latin typeface="Work Sans"/>
+                <a:ea typeface="Work Sans"/>
+                <a:cs typeface="Work Sans"/>
+                <a:sym typeface="Work Sans"/>
+              </a:rPr>
+              <a:t>.</a:t>
+            </a:r>
+            <a:endParaRPr sz="2800" dirty="0">
+              <a:solidFill>
+                <a:schemeClr val="dk1"/>
+              </a:solidFill>
+              <a:latin typeface="Work Sans"/>
+              <a:ea typeface="Work Sans"/>
+              <a:cs typeface="Work Sans"/>
+              <a:sym typeface="Work Sans"/>
+            </a:endParaRPr>
+          </a:p>
+        </p:txBody>
+      </p:sp>
+      <p:sp>
+        <p:nvSpPr>
+          <p:cNvPr id="190" name="Google Shape;190;p21"/>
           <p:cNvSpPr txBox="1">
             <a:spLocks noGrp="1"/>
           </p:cNvSpPr>
@@ -22092,7 +23845,7 @@
       </p:sp>
       <p:pic>
         <p:nvPicPr>
-          <p:cNvPr id="169" name="Google Shape;169;p19"/>
+          <p:cNvPr id="191" name="Google Shape;191;p21"/>
           <p:cNvPicPr preferRelativeResize="0"/>
           <p:nvPr/>
         </p:nvPicPr>
@@ -22118,2532 +23871,6 @@
           </a:ln>
         </p:spPr>
       </p:pic>
-      <p:pic>
-        <p:nvPicPr>
-          <p:cNvPr id="170" name="Google Shape;170;p19"/>
-          <p:cNvPicPr preferRelativeResize="0"/>
-          <p:nvPr/>
-        </p:nvPicPr>
-        <p:blipFill>
-          <a:blip r:embed="rId4">
-            <a:alphaModFix/>
-          </a:blip>
-          <a:stretch>
-            <a:fillRect/>
-          </a:stretch>
-        </p:blipFill>
-        <p:spPr>
-          <a:xfrm>
-            <a:off x="1342301" y="1607138"/>
-            <a:ext cx="15603387" cy="8289875"/>
-          </a:xfrm>
-          <a:prstGeom prst="rect">
-            <a:avLst/>
-          </a:prstGeom>
-          <a:noFill/>
-          <a:ln>
-            <a:noFill/>
-          </a:ln>
-        </p:spPr>
-      </p:pic>
-    </p:spTree>
-  </p:cSld>
-  <p:clrMapOvr>
-    <a:masterClrMapping/>
-  </p:clrMapOvr>
-  <p:timing>
-    <p:tnLst>
-      <p:par>
-        <p:cTn id="1" dur="indefinite" restart="never" nodeType="tmRoot">
-          <p:childTnLst>
-            <p:seq concurrent="1" nextAc="seek">
-              <p:cTn id="2" dur="indefinite" nodeType="mainSeq">
-                <p:childTnLst>
-                  <p:par>
-                    <p:cTn id="3" fill="hold">
-                      <p:stCondLst>
-                        <p:cond delay="indefinite"/>
-                      </p:stCondLst>
-                      <p:childTnLst>
-                        <p:par>
-                          <p:cTn id="4" fill="hold">
-                            <p:stCondLst>
-                              <p:cond delay="0"/>
-                            </p:stCondLst>
-                            <p:childTnLst>
-                              <p:par>
-                                <p:cTn id="5" presetID="10" presetClass="entr" presetSubtype="0" fill="hold" nodeType="clickEffect">
-                                  <p:stCondLst>
-                                    <p:cond delay="0"/>
-                                  </p:stCondLst>
-                                  <p:childTnLst>
-                                    <p:set>
-                                      <p:cBhvr>
-                                        <p:cTn id="6" dur="1" fill="hold">
-                                          <p:stCondLst>
-                                            <p:cond delay="0"/>
-                                          </p:stCondLst>
-                                        </p:cTn>
-                                        <p:tgtEl>
-                                          <p:spTgt spid="170"/>
-                                        </p:tgtEl>
-                                        <p:attrNameLst>
-                                          <p:attrName>style.visibility</p:attrName>
-                                        </p:attrNameLst>
-                                      </p:cBhvr>
-                                      <p:to>
-                                        <p:strVal val="visible"/>
-                                      </p:to>
-                                    </p:set>
-                                    <p:animEffect transition="in" filter="fade">
-                                      <p:cBhvr>
-                                        <p:cTn id="7" dur="500"/>
-                                        <p:tgtEl>
-                                          <p:spTgt spid="170"/>
-                                        </p:tgtEl>
-                                      </p:cBhvr>
-                                    </p:animEffect>
-                                  </p:childTnLst>
-                                </p:cTn>
-                              </p:par>
-                            </p:childTnLst>
-                          </p:cTn>
-                        </p:par>
-                      </p:childTnLst>
-                    </p:cTn>
-                  </p:par>
-                </p:childTnLst>
-              </p:cTn>
-              <p:prevCondLst>
-                <p:cond evt="onPrev" delay="0">
-                  <p:tgtEl>
-                    <p:sldTgt/>
-                  </p:tgtEl>
-                </p:cond>
-              </p:prevCondLst>
-              <p:nextCondLst>
-                <p:cond evt="onNext" delay="0">
-                  <p:tgtEl>
-                    <p:sldTgt/>
-                  </p:tgtEl>
-                </p:cond>
-              </p:nextCondLst>
-            </p:seq>
-          </p:childTnLst>
-        </p:cTn>
-      </p:par>
-    </p:tnLst>
-  </p:timing>
-</p:sld>
-</file>
-
-<file path=ppt/slides/slide9.xml><?xml version="1.0" encoding="utf-8"?>
-<p:sld xmlns:a="http://schemas.openxmlformats.org/drawingml/2006/main" xmlns:r="http://schemas.openxmlformats.org/officeDocument/2006/relationships" xmlns:p="http://schemas.openxmlformats.org/presentationml/2006/main">
-  <p:cSld>
-    <p:spTree>
-      <p:nvGrpSpPr>
-        <p:cNvPr id="1" name="Shape 174"/>
-        <p:cNvGrpSpPr/>
-        <p:nvPr/>
-      </p:nvGrpSpPr>
-      <p:grpSpPr>
-        <a:xfrm>
-          <a:off x="0" y="0"/>
-          <a:ext cx="0" cy="0"/>
-          <a:chOff x="0" y="0"/>
-          <a:chExt cx="0" cy="0"/>
-        </a:xfrm>
-      </p:grpSpPr>
-      <p:sp>
-        <p:nvSpPr>
-          <p:cNvPr id="175" name="Google Shape;175;p20"/>
-          <p:cNvSpPr/>
-          <p:nvPr/>
-        </p:nvSpPr>
-        <p:spPr>
-          <a:xfrm>
-            <a:off x="604050" y="1734625"/>
-            <a:ext cx="17079900" cy="8187300"/>
-          </a:xfrm>
-          <a:prstGeom prst="rect">
-            <a:avLst/>
-          </a:prstGeom>
-          <a:noFill/>
-          <a:ln w="9525" cap="flat" cmpd="sng">
-            <a:solidFill>
-              <a:srgbClr val="C5A073"/>
-            </a:solidFill>
-            <a:prstDash val="solid"/>
-            <a:round/>
-            <a:headEnd type="none" w="sm" len="sm"/>
-            <a:tailEnd type="none" w="sm" len="sm"/>
-          </a:ln>
-        </p:spPr>
-        <p:txBody>
-          <a:bodyPr spcFirstLastPara="1" wrap="square" lIns="91425" tIns="91425" rIns="91425" bIns="91425" anchor="ctr" anchorCtr="0">
-            <a:noAutofit/>
-          </a:bodyPr>
-          <a:lstStyle/>
-          <a:p>
-            <a:pPr marL="0" lvl="0" indent="0" algn="ctr" rtl="0">
-              <a:spcBef>
-                <a:spcPts val="0"/>
-              </a:spcBef>
-              <a:spcAft>
-                <a:spcPts val="0"/>
-              </a:spcAft>
-              <a:buNone/>
-            </a:pPr>
-            <a:endParaRPr>
-              <a:latin typeface="Calibri"/>
-              <a:ea typeface="Calibri"/>
-              <a:cs typeface="Calibri"/>
-              <a:sym typeface="Calibri"/>
-            </a:endParaRPr>
-          </a:p>
-        </p:txBody>
-      </p:sp>
-      <p:sp>
-        <p:nvSpPr>
-          <p:cNvPr id="176" name="Google Shape;176;p20"/>
-          <p:cNvSpPr/>
-          <p:nvPr/>
-        </p:nvSpPr>
-        <p:spPr>
-          <a:xfrm>
-            <a:off x="716325" y="1632050"/>
-            <a:ext cx="17079900" cy="8187300"/>
-          </a:xfrm>
-          <a:prstGeom prst="rect">
-            <a:avLst/>
-          </a:prstGeom>
-          <a:solidFill>
-            <a:schemeClr val="lt1"/>
-          </a:solidFill>
-          <a:ln w="9525" cap="flat" cmpd="sng">
-            <a:solidFill>
-              <a:srgbClr val="C5A073"/>
-            </a:solidFill>
-            <a:prstDash val="solid"/>
-            <a:round/>
-            <a:headEnd type="none" w="sm" len="sm"/>
-            <a:tailEnd type="none" w="sm" len="sm"/>
-          </a:ln>
-        </p:spPr>
-        <p:txBody>
-          <a:bodyPr spcFirstLastPara="1" wrap="square" lIns="91425" tIns="91425" rIns="91425" bIns="91425" anchor="ctr" anchorCtr="0">
-            <a:noAutofit/>
-          </a:bodyPr>
-          <a:lstStyle/>
-          <a:p>
-            <a:pPr marL="0" lvl="0" indent="0" algn="ctr" rtl="0">
-              <a:spcBef>
-                <a:spcPts val="0"/>
-              </a:spcBef>
-              <a:spcAft>
-                <a:spcPts val="0"/>
-              </a:spcAft>
-              <a:buNone/>
-            </a:pPr>
-            <a:endParaRPr>
-              <a:latin typeface="Calibri"/>
-              <a:ea typeface="Calibri"/>
-              <a:cs typeface="Calibri"/>
-              <a:sym typeface="Calibri"/>
-            </a:endParaRPr>
-          </a:p>
-        </p:txBody>
-      </p:sp>
-      <p:sp>
-        <p:nvSpPr>
-          <p:cNvPr id="177" name="Google Shape;177;p20"/>
-          <p:cNvSpPr txBox="1"/>
-          <p:nvPr/>
-        </p:nvSpPr>
-        <p:spPr>
-          <a:xfrm>
-            <a:off x="1021947" y="185236"/>
-            <a:ext cx="16244100" cy="1154400"/>
-          </a:xfrm>
-          <a:prstGeom prst="rect">
-            <a:avLst/>
-          </a:prstGeom>
-          <a:noFill/>
-          <a:ln>
-            <a:noFill/>
-          </a:ln>
-        </p:spPr>
-        <p:txBody>
-          <a:bodyPr spcFirstLastPara="1" wrap="square" lIns="0" tIns="0" rIns="0" bIns="0" anchor="t" anchorCtr="0">
-            <a:spAutoFit/>
-          </a:bodyPr>
-          <a:lstStyle/>
-          <a:p>
-            <a:pPr marL="0" marR="0" lvl="0" indent="0" algn="ctr" rtl="0">
-              <a:lnSpc>
-                <a:spcPct val="120000"/>
-              </a:lnSpc>
-              <a:spcBef>
-                <a:spcPts val="0"/>
-              </a:spcBef>
-              <a:spcAft>
-                <a:spcPts val="0"/>
-              </a:spcAft>
-              <a:buNone/>
-            </a:pPr>
-            <a:r>
-              <a:rPr lang="en-US" sz="7500" b="1">
-                <a:solidFill>
-                  <a:srgbClr val="0B1320"/>
-                </a:solidFill>
-                <a:latin typeface="Epilogue"/>
-                <a:ea typeface="Epilogue"/>
-                <a:cs typeface="Epilogue"/>
-                <a:sym typeface="Epilogue"/>
-              </a:rPr>
-              <a:t>La méthodologie</a:t>
-            </a:r>
-            <a:endParaRPr b="1">
-              <a:latin typeface="Epilogue"/>
-              <a:ea typeface="Epilogue"/>
-              <a:cs typeface="Epilogue"/>
-              <a:sym typeface="Epilogue"/>
-            </a:endParaRPr>
-          </a:p>
-        </p:txBody>
-      </p:sp>
-      <p:sp>
-        <p:nvSpPr>
-          <p:cNvPr id="178" name="Google Shape;178;p20"/>
-          <p:cNvSpPr txBox="1">
-            <a:spLocks noGrp="1"/>
-          </p:cNvSpPr>
-          <p:nvPr>
-            <p:ph type="sldNum" idx="12"/>
-          </p:nvPr>
-        </p:nvSpPr>
-        <p:spPr>
-          <a:xfrm>
-            <a:off x="0" y="9921900"/>
-            <a:ext cx="2133600" cy="365100"/>
-          </a:xfrm>
-          <a:prstGeom prst="rect">
-            <a:avLst/>
-          </a:prstGeom>
-        </p:spPr>
-        <p:txBody>
-          <a:bodyPr spcFirstLastPara="1" wrap="square" lIns="91425" tIns="45700" rIns="91425" bIns="45700" anchor="ctr" anchorCtr="0">
-            <a:noAutofit/>
-          </a:bodyPr>
-          <a:lstStyle/>
-          <a:p>
-            <a:pPr marL="0" lvl="0" indent="0" algn="r" rtl="0">
-              <a:spcBef>
-                <a:spcPts val="0"/>
-              </a:spcBef>
-              <a:spcAft>
-                <a:spcPts val="0"/>
-              </a:spcAft>
-              <a:buClr>
-                <a:srgbClr val="000000"/>
-              </a:buClr>
-              <a:buFont typeface="Arial"/>
-              <a:buNone/>
-            </a:pPr>
-            <a:fld id="{00000000-1234-1234-1234-123412341234}" type="slidenum">
-              <a:rPr lang="en-US"/>
-              <a:t>9</a:t>
-            </a:fld>
-            <a:endParaRPr/>
-          </a:p>
-        </p:txBody>
-      </p:sp>
-      <p:pic>
-        <p:nvPicPr>
-          <p:cNvPr id="179" name="Google Shape;179;p20"/>
-          <p:cNvPicPr preferRelativeResize="0"/>
-          <p:nvPr/>
-        </p:nvPicPr>
-        <p:blipFill>
-          <a:blip r:embed="rId3">
-            <a:alphaModFix/>
-          </a:blip>
-          <a:stretch>
-            <a:fillRect/>
-          </a:stretch>
-        </p:blipFill>
-        <p:spPr>
-          <a:xfrm>
-            <a:off x="0" y="0"/>
-            <a:ext cx="1454400" cy="666550"/>
-          </a:xfrm>
-          <a:prstGeom prst="rect">
-            <a:avLst/>
-          </a:prstGeom>
-          <a:noFill/>
-          <a:ln>
-            <a:noFill/>
-          </a:ln>
-        </p:spPr>
-      </p:pic>
-      <p:sp>
-        <p:nvSpPr>
-          <p:cNvPr id="180" name="Google Shape;180;p20"/>
-          <p:cNvSpPr txBox="1"/>
-          <p:nvPr/>
-        </p:nvSpPr>
-        <p:spPr>
-          <a:xfrm>
-            <a:off x="716325" y="1638875"/>
-            <a:ext cx="7711500" cy="8187300"/>
-          </a:xfrm>
-          <a:prstGeom prst="rect">
-            <a:avLst/>
-          </a:prstGeom>
-          <a:noFill/>
-          <a:ln>
-            <a:noFill/>
-          </a:ln>
-        </p:spPr>
-        <p:txBody>
-          <a:bodyPr spcFirstLastPara="1" wrap="square" lIns="91425" tIns="91425" rIns="91425" bIns="91425" anchor="ctr" anchorCtr="0">
-            <a:noAutofit/>
-          </a:bodyPr>
-          <a:lstStyle/>
-          <a:p>
-            <a:pPr marL="0" lvl="0" indent="0" algn="ctr" rtl="0">
-              <a:spcBef>
-                <a:spcPts val="0"/>
-              </a:spcBef>
-              <a:spcAft>
-                <a:spcPts val="0"/>
-              </a:spcAft>
-              <a:buClr>
-                <a:schemeClr val="dk1"/>
-              </a:buClr>
-              <a:buSzPts val="1100"/>
-              <a:buFont typeface="Arial"/>
-              <a:buNone/>
-            </a:pPr>
-            <a:r>
-              <a:rPr lang="en-US" sz="3200" dirty="0">
-                <a:solidFill>
-                  <a:schemeClr val="dk1"/>
-                </a:solidFill>
-                <a:latin typeface="Work Sans"/>
-                <a:ea typeface="Work Sans"/>
-                <a:cs typeface="Work Sans"/>
-                <a:sym typeface="Work Sans"/>
-              </a:rPr>
-              <a:t>La </a:t>
-            </a:r>
-            <a:r>
-              <a:rPr lang="en-US" sz="3200" dirty="0" err="1">
-                <a:solidFill>
-                  <a:schemeClr val="dk1"/>
-                </a:solidFill>
-                <a:latin typeface="Work Sans"/>
-                <a:ea typeface="Work Sans"/>
-                <a:cs typeface="Work Sans"/>
-                <a:sym typeface="Work Sans"/>
-              </a:rPr>
-              <a:t>réunion</a:t>
-            </a:r>
-            <a:r>
-              <a:rPr lang="en-US" sz="3200" dirty="0">
-                <a:solidFill>
-                  <a:schemeClr val="dk1"/>
-                </a:solidFill>
-                <a:latin typeface="Work Sans"/>
-                <a:ea typeface="Work Sans"/>
-                <a:cs typeface="Work Sans"/>
-                <a:sym typeface="Work Sans"/>
-              </a:rPr>
-              <a:t> </a:t>
-            </a:r>
-            <a:r>
-              <a:rPr lang="en-US" sz="3200" dirty="0" err="1">
-                <a:solidFill>
-                  <a:schemeClr val="dk1"/>
-                </a:solidFill>
-                <a:latin typeface="Work Sans"/>
-                <a:ea typeface="Work Sans"/>
-                <a:cs typeface="Work Sans"/>
-                <a:sym typeface="Work Sans"/>
-              </a:rPr>
-              <a:t>adoptera</a:t>
-            </a:r>
-            <a:r>
-              <a:rPr lang="en-US" sz="3200" dirty="0">
-                <a:solidFill>
-                  <a:schemeClr val="dk1"/>
-                </a:solidFill>
-                <a:latin typeface="Work Sans"/>
-                <a:ea typeface="Work Sans"/>
-                <a:cs typeface="Work Sans"/>
-                <a:sym typeface="Work Sans"/>
-              </a:rPr>
-              <a:t> la </a:t>
-            </a:r>
-            <a:r>
-              <a:rPr lang="en-US" sz="3200" dirty="0" err="1">
-                <a:solidFill>
-                  <a:schemeClr val="dk1"/>
-                </a:solidFill>
-                <a:latin typeface="Work Sans"/>
-                <a:ea typeface="Work Sans"/>
-                <a:cs typeface="Work Sans"/>
-                <a:sym typeface="Work Sans"/>
-              </a:rPr>
-              <a:t>méthodologie</a:t>
-            </a:r>
-            <a:r>
-              <a:rPr lang="en-US" sz="3200" dirty="0">
-                <a:solidFill>
-                  <a:schemeClr val="dk1"/>
-                </a:solidFill>
-                <a:latin typeface="Work Sans"/>
-                <a:ea typeface="Work Sans"/>
-                <a:cs typeface="Work Sans"/>
-                <a:sym typeface="Work Sans"/>
-              </a:rPr>
-              <a:t> </a:t>
-            </a:r>
-            <a:r>
-              <a:rPr lang="en-US" sz="3200" b="1" dirty="0">
-                <a:solidFill>
-                  <a:schemeClr val="dk1"/>
-                </a:solidFill>
-                <a:latin typeface="Work Sans"/>
-                <a:ea typeface="Work Sans"/>
-                <a:cs typeface="Work Sans"/>
-                <a:sym typeface="Work Sans"/>
-              </a:rPr>
-              <a:t>agile</a:t>
-            </a:r>
-            <a:r>
-              <a:rPr lang="en-US" sz="3200" dirty="0">
-                <a:solidFill>
-                  <a:schemeClr val="dk1"/>
-                </a:solidFill>
-                <a:latin typeface="Work Sans"/>
-                <a:ea typeface="Work Sans"/>
-                <a:cs typeface="Work Sans"/>
-                <a:sym typeface="Work Sans"/>
-              </a:rPr>
-              <a:t>, </a:t>
-            </a:r>
-            <a:r>
-              <a:rPr lang="en-US" sz="3200" dirty="0" err="1">
-                <a:solidFill>
-                  <a:schemeClr val="dk1"/>
-                </a:solidFill>
-                <a:latin typeface="Work Sans"/>
-                <a:ea typeface="Work Sans"/>
-                <a:cs typeface="Work Sans"/>
-                <a:sym typeface="Work Sans"/>
-              </a:rPr>
-              <a:t>promouvant</a:t>
-            </a:r>
-            <a:r>
-              <a:rPr lang="en-US" sz="3200" dirty="0">
-                <a:solidFill>
-                  <a:schemeClr val="dk1"/>
-                </a:solidFill>
-                <a:latin typeface="Work Sans"/>
-                <a:ea typeface="Work Sans"/>
-                <a:cs typeface="Work Sans"/>
-                <a:sym typeface="Work Sans"/>
-              </a:rPr>
-              <a:t> la collaboration et un </a:t>
-            </a:r>
-            <a:r>
-              <a:rPr lang="en-US" sz="3200" b="1" dirty="0">
-                <a:solidFill>
-                  <a:schemeClr val="dk1"/>
-                </a:solidFill>
-                <a:latin typeface="Work Sans"/>
-                <a:ea typeface="Work Sans"/>
-                <a:cs typeface="Work Sans"/>
-                <a:sym typeface="Work Sans"/>
-              </a:rPr>
-              <a:t>dialogue transparent </a:t>
-            </a:r>
-            <a:r>
-              <a:rPr lang="en-US" sz="3200" b="1" dirty="0" err="1">
-                <a:solidFill>
-                  <a:schemeClr val="dk1"/>
-                </a:solidFill>
-                <a:latin typeface="Work Sans"/>
-                <a:ea typeface="Work Sans"/>
-                <a:cs typeface="Work Sans"/>
-                <a:sym typeface="Work Sans"/>
-              </a:rPr>
-              <a:t>parmi</a:t>
-            </a:r>
-            <a:r>
-              <a:rPr lang="en-US" sz="3200" b="1" dirty="0">
-                <a:solidFill>
-                  <a:schemeClr val="dk1"/>
-                </a:solidFill>
-                <a:latin typeface="Work Sans"/>
-                <a:ea typeface="Work Sans"/>
-                <a:cs typeface="Work Sans"/>
-                <a:sym typeface="Work Sans"/>
-              </a:rPr>
-              <a:t> les équipes</a:t>
-            </a:r>
-            <a:r>
-              <a:rPr lang="en-US" sz="3200" dirty="0">
-                <a:solidFill>
-                  <a:schemeClr val="dk1"/>
-                </a:solidFill>
-                <a:latin typeface="Work Sans"/>
-                <a:ea typeface="Work Sans"/>
-                <a:cs typeface="Work Sans"/>
-                <a:sym typeface="Work Sans"/>
-              </a:rPr>
-              <a:t>.</a:t>
-            </a:r>
-          </a:p>
-          <a:p>
-            <a:pPr marL="0" lvl="0" indent="0" algn="ctr" rtl="0">
-              <a:spcBef>
-                <a:spcPts val="0"/>
-              </a:spcBef>
-              <a:spcAft>
-                <a:spcPts val="0"/>
-              </a:spcAft>
-              <a:buClr>
-                <a:schemeClr val="dk1"/>
-              </a:buClr>
-              <a:buSzPts val="1100"/>
-              <a:buFont typeface="Arial"/>
-              <a:buNone/>
-            </a:pPr>
-            <a:endParaRPr lang="en-US" sz="3200" dirty="0">
-              <a:solidFill>
-                <a:schemeClr val="dk1"/>
-              </a:solidFill>
-              <a:latin typeface="Work Sans"/>
-              <a:ea typeface="Work Sans"/>
-              <a:cs typeface="Work Sans"/>
-              <a:sym typeface="Work Sans"/>
-            </a:endParaRPr>
-          </a:p>
-          <a:p>
-            <a:pPr marL="0" lvl="0" indent="0" algn="ctr" rtl="0">
-              <a:spcBef>
-                <a:spcPts val="0"/>
-              </a:spcBef>
-              <a:spcAft>
-                <a:spcPts val="0"/>
-              </a:spcAft>
-              <a:buClr>
-                <a:schemeClr val="dk1"/>
-              </a:buClr>
-              <a:buSzPts val="1100"/>
-              <a:buFont typeface="Arial"/>
-              <a:buNone/>
-            </a:pPr>
-            <a:r>
-              <a:rPr lang="en-US" sz="3200" dirty="0" err="1">
-                <a:solidFill>
-                  <a:schemeClr val="dk1"/>
-                </a:solidFill>
-                <a:latin typeface="Work Sans"/>
-                <a:ea typeface="Work Sans"/>
-                <a:cs typeface="Work Sans"/>
-                <a:sym typeface="Work Sans"/>
-              </a:rPr>
-              <a:t>Chaque</a:t>
-            </a:r>
-            <a:r>
-              <a:rPr lang="en-US" sz="3200" dirty="0">
-                <a:solidFill>
-                  <a:schemeClr val="dk1"/>
-                </a:solidFill>
-                <a:latin typeface="Work Sans"/>
-                <a:ea typeface="Work Sans"/>
-                <a:cs typeface="Work Sans"/>
-                <a:sym typeface="Work Sans"/>
-              </a:rPr>
-              <a:t> </a:t>
-            </a:r>
-            <a:r>
-              <a:rPr lang="en-US" sz="3200" dirty="0" err="1">
-                <a:solidFill>
-                  <a:schemeClr val="dk1"/>
-                </a:solidFill>
-                <a:latin typeface="Work Sans"/>
-                <a:ea typeface="Work Sans"/>
-                <a:cs typeface="Work Sans"/>
-                <a:sym typeface="Work Sans"/>
-              </a:rPr>
-              <a:t>membre</a:t>
-            </a:r>
-            <a:r>
-              <a:rPr lang="en-US" sz="3200" dirty="0">
-                <a:solidFill>
-                  <a:schemeClr val="dk1"/>
-                </a:solidFill>
-                <a:latin typeface="Work Sans"/>
-                <a:ea typeface="Work Sans"/>
-                <a:cs typeface="Work Sans"/>
-                <a:sym typeface="Work Sans"/>
-              </a:rPr>
-              <a:t> </a:t>
-            </a:r>
-            <a:r>
-              <a:rPr lang="en-US" sz="3200" dirty="0" err="1">
-                <a:solidFill>
-                  <a:schemeClr val="dk1"/>
-                </a:solidFill>
-                <a:latin typeface="Work Sans"/>
-                <a:ea typeface="Work Sans"/>
-                <a:cs typeface="Work Sans"/>
-                <a:sym typeface="Work Sans"/>
-              </a:rPr>
-              <a:t>est</a:t>
-            </a:r>
-            <a:r>
-              <a:rPr lang="en-US" sz="3200" dirty="0">
-                <a:solidFill>
-                  <a:schemeClr val="dk1"/>
-                </a:solidFill>
-                <a:latin typeface="Work Sans"/>
-                <a:ea typeface="Work Sans"/>
-                <a:cs typeface="Work Sans"/>
-                <a:sym typeface="Work Sans"/>
-              </a:rPr>
-              <a:t> </a:t>
-            </a:r>
-            <a:r>
-              <a:rPr lang="en-US" sz="3200" dirty="0" err="1">
-                <a:solidFill>
-                  <a:schemeClr val="dk1"/>
-                </a:solidFill>
-                <a:latin typeface="Work Sans"/>
-                <a:ea typeface="Work Sans"/>
-                <a:cs typeface="Work Sans"/>
-                <a:sym typeface="Work Sans"/>
-              </a:rPr>
-              <a:t>invité</a:t>
-            </a:r>
-            <a:r>
-              <a:rPr lang="en-US" sz="3200" dirty="0">
-                <a:solidFill>
-                  <a:schemeClr val="dk1"/>
-                </a:solidFill>
-                <a:latin typeface="Work Sans"/>
-                <a:ea typeface="Work Sans"/>
-                <a:cs typeface="Work Sans"/>
-                <a:sym typeface="Work Sans"/>
-              </a:rPr>
-              <a:t> à </a:t>
-            </a:r>
-            <a:r>
-              <a:rPr lang="en-US" sz="3200" dirty="0" err="1">
-                <a:solidFill>
-                  <a:schemeClr val="dk1"/>
-                </a:solidFill>
-                <a:latin typeface="Work Sans"/>
-                <a:ea typeface="Work Sans"/>
-                <a:cs typeface="Work Sans"/>
-                <a:sym typeface="Work Sans"/>
-              </a:rPr>
-              <a:t>exprimer</a:t>
-            </a:r>
-            <a:r>
-              <a:rPr lang="en-US" sz="3200" dirty="0">
-                <a:solidFill>
-                  <a:schemeClr val="dk1"/>
-                </a:solidFill>
-                <a:latin typeface="Work Sans"/>
-                <a:ea typeface="Work Sans"/>
-                <a:cs typeface="Work Sans"/>
-                <a:sym typeface="Work Sans"/>
-              </a:rPr>
-              <a:t> </a:t>
-            </a:r>
-            <a:r>
-              <a:rPr lang="en-US" sz="3200" dirty="0" err="1">
-                <a:solidFill>
-                  <a:schemeClr val="dk1"/>
-                </a:solidFill>
-                <a:latin typeface="Work Sans"/>
-                <a:ea typeface="Work Sans"/>
-                <a:cs typeface="Work Sans"/>
-                <a:sym typeface="Work Sans"/>
-              </a:rPr>
-              <a:t>ses</a:t>
-            </a:r>
-            <a:r>
-              <a:rPr lang="en-US" sz="3200" dirty="0">
-                <a:solidFill>
-                  <a:schemeClr val="dk1"/>
-                </a:solidFill>
-                <a:latin typeface="Work Sans"/>
-                <a:ea typeface="Work Sans"/>
-                <a:cs typeface="Work Sans"/>
-                <a:sym typeface="Work Sans"/>
-              </a:rPr>
-              <a:t> </a:t>
-            </a:r>
-            <a:r>
-              <a:rPr lang="en-US" sz="3200" b="1" dirty="0">
-                <a:solidFill>
-                  <a:schemeClr val="dk1"/>
-                </a:solidFill>
-                <a:latin typeface="Work Sans"/>
-                <a:ea typeface="Work Sans"/>
-                <a:cs typeface="Work Sans"/>
-                <a:sym typeface="Work Sans"/>
-              </a:rPr>
-              <a:t>remarques</a:t>
-            </a:r>
-            <a:r>
-              <a:rPr lang="en-US" sz="3200" dirty="0">
-                <a:solidFill>
-                  <a:schemeClr val="dk1"/>
-                </a:solidFill>
-                <a:latin typeface="Work Sans"/>
-                <a:ea typeface="Work Sans"/>
-                <a:cs typeface="Work Sans"/>
-                <a:sym typeface="Work Sans"/>
-              </a:rPr>
-              <a:t>, à signaler les </a:t>
-            </a:r>
-            <a:r>
-              <a:rPr lang="en-US" sz="3200" b="1" dirty="0">
-                <a:solidFill>
-                  <a:schemeClr val="dk1"/>
-                </a:solidFill>
-                <a:latin typeface="Work Sans"/>
-                <a:ea typeface="Work Sans"/>
-                <a:cs typeface="Work Sans"/>
-                <a:sym typeface="Work Sans"/>
-              </a:rPr>
-              <a:t>obstacles </a:t>
-            </a:r>
-            <a:r>
-              <a:rPr lang="en-US" sz="3200" dirty="0" err="1">
-                <a:solidFill>
-                  <a:schemeClr val="dk1"/>
-                </a:solidFill>
-                <a:latin typeface="Work Sans"/>
-                <a:ea typeface="Work Sans"/>
-                <a:cs typeface="Work Sans"/>
-                <a:sym typeface="Work Sans"/>
-              </a:rPr>
-              <a:t>rencontrés</a:t>
-            </a:r>
-            <a:r>
-              <a:rPr lang="en-US" sz="3200" dirty="0">
-                <a:solidFill>
-                  <a:schemeClr val="dk1"/>
-                </a:solidFill>
-                <a:latin typeface="Work Sans"/>
-                <a:ea typeface="Work Sans"/>
-                <a:cs typeface="Work Sans"/>
-                <a:sym typeface="Work Sans"/>
-              </a:rPr>
-              <a:t> et à </a:t>
-            </a:r>
-            <a:r>
-              <a:rPr lang="en-US" sz="3200" dirty="0" err="1">
-                <a:solidFill>
-                  <a:schemeClr val="dk1"/>
-                </a:solidFill>
-                <a:latin typeface="Work Sans"/>
-                <a:ea typeface="Work Sans"/>
-                <a:cs typeface="Work Sans"/>
-                <a:sym typeface="Work Sans"/>
-              </a:rPr>
-              <a:t>participer</a:t>
-            </a:r>
-            <a:r>
-              <a:rPr lang="en-US" sz="3200" dirty="0">
-                <a:solidFill>
-                  <a:schemeClr val="dk1"/>
-                </a:solidFill>
-                <a:latin typeface="Work Sans"/>
-                <a:ea typeface="Work Sans"/>
-                <a:cs typeface="Work Sans"/>
-                <a:sym typeface="Work Sans"/>
-              </a:rPr>
-              <a:t> aux </a:t>
-            </a:r>
-            <a:r>
-              <a:rPr lang="en-US" sz="3200" dirty="0" err="1">
-                <a:solidFill>
-                  <a:schemeClr val="dk1"/>
-                </a:solidFill>
-                <a:latin typeface="Work Sans"/>
-                <a:ea typeface="Work Sans"/>
-                <a:cs typeface="Work Sans"/>
-                <a:sym typeface="Work Sans"/>
-              </a:rPr>
-              <a:t>échanges</a:t>
-            </a:r>
-            <a:r>
-              <a:rPr lang="en-US" sz="3200" dirty="0">
-                <a:solidFill>
-                  <a:schemeClr val="dk1"/>
-                </a:solidFill>
-                <a:latin typeface="Work Sans"/>
-                <a:ea typeface="Work Sans"/>
-                <a:cs typeface="Work Sans"/>
-                <a:sym typeface="Work Sans"/>
-              </a:rPr>
-              <a:t> pour </a:t>
-            </a:r>
-            <a:r>
-              <a:rPr lang="en-US" sz="3200" b="1" dirty="0" err="1">
-                <a:solidFill>
-                  <a:schemeClr val="dk1"/>
-                </a:solidFill>
-                <a:latin typeface="Work Sans"/>
-                <a:ea typeface="Work Sans"/>
-                <a:cs typeface="Work Sans"/>
-                <a:sym typeface="Work Sans"/>
-              </a:rPr>
-              <a:t>optimiser</a:t>
-            </a:r>
-            <a:r>
-              <a:rPr lang="en-US" sz="3200" b="1" dirty="0">
-                <a:solidFill>
-                  <a:schemeClr val="dk1"/>
-                </a:solidFill>
-                <a:latin typeface="Work Sans"/>
-                <a:ea typeface="Work Sans"/>
-                <a:cs typeface="Work Sans"/>
-                <a:sym typeface="Work Sans"/>
-              </a:rPr>
-              <a:t> </a:t>
-            </a:r>
-            <a:r>
-              <a:rPr lang="en-US" sz="3200" b="1" dirty="0" err="1">
-                <a:solidFill>
-                  <a:schemeClr val="dk1"/>
-                </a:solidFill>
-                <a:latin typeface="Work Sans"/>
-                <a:ea typeface="Work Sans"/>
-                <a:cs typeface="Work Sans"/>
-                <a:sym typeface="Work Sans"/>
-              </a:rPr>
-              <a:t>notre</a:t>
-            </a:r>
-            <a:r>
-              <a:rPr lang="en-US" sz="3200" b="1" dirty="0">
-                <a:solidFill>
-                  <a:schemeClr val="dk1"/>
-                </a:solidFill>
-                <a:latin typeface="Work Sans"/>
-                <a:ea typeface="Work Sans"/>
-                <a:cs typeface="Work Sans"/>
-                <a:sym typeface="Work Sans"/>
-              </a:rPr>
-              <a:t> </a:t>
-            </a:r>
-            <a:r>
-              <a:rPr lang="en-US" sz="3200" b="1" dirty="0" err="1">
-                <a:solidFill>
-                  <a:schemeClr val="dk1"/>
-                </a:solidFill>
-                <a:latin typeface="Work Sans"/>
-                <a:ea typeface="Work Sans"/>
-                <a:cs typeface="Work Sans"/>
-                <a:sym typeface="Work Sans"/>
-              </a:rPr>
-              <a:t>méthode</a:t>
-            </a:r>
-            <a:r>
-              <a:rPr lang="en-US" sz="3200" b="1" dirty="0">
-                <a:solidFill>
-                  <a:schemeClr val="dk1"/>
-                </a:solidFill>
-                <a:latin typeface="Work Sans"/>
-                <a:ea typeface="Work Sans"/>
-                <a:cs typeface="Work Sans"/>
-                <a:sym typeface="Work Sans"/>
-              </a:rPr>
-              <a:t> de travail</a:t>
-            </a:r>
-            <a:r>
-              <a:rPr lang="en-US" sz="3200" dirty="0">
-                <a:solidFill>
-                  <a:schemeClr val="dk1"/>
-                </a:solidFill>
-                <a:latin typeface="Work Sans"/>
-                <a:ea typeface="Work Sans"/>
-                <a:cs typeface="Work Sans"/>
-                <a:sym typeface="Work Sans"/>
-              </a:rPr>
-              <a:t>.</a:t>
-            </a:r>
-            <a:endParaRPr sz="3200" dirty="0">
-              <a:solidFill>
-                <a:schemeClr val="dk1"/>
-              </a:solidFill>
-              <a:latin typeface="Work Sans"/>
-              <a:ea typeface="Work Sans"/>
-              <a:cs typeface="Work Sans"/>
-              <a:sym typeface="Work Sans"/>
-            </a:endParaRPr>
-          </a:p>
-          <a:p>
-            <a:pPr marL="0" lvl="0" indent="0" algn="l" rtl="0">
-              <a:spcBef>
-                <a:spcPts val="0"/>
-              </a:spcBef>
-              <a:spcAft>
-                <a:spcPts val="0"/>
-              </a:spcAft>
-              <a:buNone/>
-            </a:pPr>
-            <a:endParaRPr sz="3200" dirty="0">
-              <a:solidFill>
-                <a:schemeClr val="dk1"/>
-              </a:solidFill>
-              <a:latin typeface="Work Sans"/>
-              <a:ea typeface="Work Sans"/>
-              <a:cs typeface="Work Sans"/>
-              <a:sym typeface="Work Sans"/>
-            </a:endParaRPr>
-          </a:p>
-        </p:txBody>
-      </p:sp>
-      <p:sp>
-        <p:nvSpPr>
-          <p:cNvPr id="181" name="Google Shape;181;p20"/>
-          <p:cNvSpPr txBox="1"/>
-          <p:nvPr/>
-        </p:nvSpPr>
-        <p:spPr>
-          <a:xfrm>
-            <a:off x="9158325" y="1638875"/>
-            <a:ext cx="8442000" cy="8187300"/>
-          </a:xfrm>
-          <a:prstGeom prst="rect">
-            <a:avLst/>
-          </a:prstGeom>
-          <a:noFill/>
-          <a:ln>
-            <a:noFill/>
-          </a:ln>
-        </p:spPr>
-        <p:txBody>
-          <a:bodyPr spcFirstLastPara="1" wrap="square" lIns="91425" tIns="91425" rIns="91425" bIns="91425" anchor="t" anchorCtr="0">
-            <a:noAutofit/>
-          </a:bodyPr>
-          <a:lstStyle/>
-          <a:p>
-            <a:pPr marL="0" lvl="0" indent="0" algn="l" rtl="0">
-              <a:spcBef>
-                <a:spcPts val="0"/>
-              </a:spcBef>
-              <a:spcAft>
-                <a:spcPts val="0"/>
-              </a:spcAft>
-              <a:buNone/>
-            </a:pPr>
-            <a:r>
-              <a:rPr lang="en-US" sz="2200" dirty="0" err="1">
-                <a:solidFill>
-                  <a:schemeClr val="dk1"/>
-                </a:solidFill>
-                <a:latin typeface="Work Sans"/>
-                <a:ea typeface="Work Sans"/>
-                <a:cs typeface="Work Sans"/>
-                <a:sym typeface="Work Sans"/>
-              </a:rPr>
-              <a:t>Exemple</a:t>
-            </a:r>
-            <a:r>
-              <a:rPr lang="en-US" sz="2200" dirty="0">
-                <a:solidFill>
-                  <a:schemeClr val="dk1"/>
-                </a:solidFill>
-                <a:latin typeface="Work Sans"/>
-                <a:ea typeface="Work Sans"/>
-                <a:cs typeface="Work Sans"/>
-                <a:sym typeface="Work Sans"/>
-              </a:rPr>
-              <a:t> de </a:t>
-            </a:r>
-            <a:r>
-              <a:rPr lang="en-US" sz="2200" dirty="0" err="1">
-                <a:solidFill>
-                  <a:schemeClr val="dk1"/>
-                </a:solidFill>
-                <a:latin typeface="Work Sans"/>
-                <a:ea typeface="Work Sans"/>
-                <a:cs typeface="Work Sans"/>
-                <a:sym typeface="Work Sans"/>
-              </a:rPr>
-              <a:t>réunion</a:t>
-            </a:r>
-            <a:r>
-              <a:rPr lang="en-US" sz="2200" dirty="0">
-                <a:solidFill>
-                  <a:schemeClr val="dk1"/>
-                </a:solidFill>
-                <a:latin typeface="Work Sans"/>
-                <a:ea typeface="Work Sans"/>
-                <a:cs typeface="Work Sans"/>
-                <a:sym typeface="Work Sans"/>
-              </a:rPr>
-              <a:t> : </a:t>
-            </a:r>
-            <a:endParaRPr sz="2200" dirty="0">
-              <a:solidFill>
-                <a:schemeClr val="dk1"/>
-              </a:solidFill>
-              <a:latin typeface="Work Sans"/>
-              <a:ea typeface="Work Sans"/>
-              <a:cs typeface="Work Sans"/>
-              <a:sym typeface="Work Sans"/>
-            </a:endParaRPr>
-          </a:p>
-          <a:p>
-            <a:pPr marL="0" lvl="0" indent="0" algn="ctr" rtl="0">
-              <a:spcBef>
-                <a:spcPts val="0"/>
-              </a:spcBef>
-              <a:spcAft>
-                <a:spcPts val="0"/>
-              </a:spcAft>
-              <a:buNone/>
-            </a:pPr>
-            <a:r>
-              <a:rPr lang="en-US" sz="2000" b="1" dirty="0">
-                <a:solidFill>
-                  <a:schemeClr val="dk1"/>
-                </a:solidFill>
-                <a:latin typeface="Work Sans"/>
-                <a:ea typeface="Work Sans"/>
-                <a:cs typeface="Work Sans"/>
-                <a:sym typeface="Work Sans"/>
-              </a:rPr>
-              <a:t>Revue du Sprint </a:t>
-            </a:r>
-            <a:r>
-              <a:rPr lang="en-US" sz="2000" b="1" dirty="0" err="1">
-                <a:solidFill>
-                  <a:schemeClr val="dk1"/>
-                </a:solidFill>
-                <a:latin typeface="Work Sans"/>
-                <a:ea typeface="Work Sans"/>
-                <a:cs typeface="Work Sans"/>
-                <a:sym typeface="Work Sans"/>
-              </a:rPr>
-              <a:t>Précédent</a:t>
-            </a:r>
-            <a:r>
-              <a:rPr lang="en-US" sz="2000" b="1" dirty="0">
-                <a:solidFill>
-                  <a:schemeClr val="dk1"/>
-                </a:solidFill>
-                <a:latin typeface="Work Sans"/>
-                <a:ea typeface="Work Sans"/>
-                <a:cs typeface="Work Sans"/>
-                <a:sym typeface="Work Sans"/>
-              </a:rPr>
-              <a:t> (15 minutes)</a:t>
-            </a:r>
-            <a:endParaRPr sz="2000" b="1" dirty="0">
-              <a:solidFill>
-                <a:schemeClr val="dk1"/>
-              </a:solidFill>
-              <a:latin typeface="Work Sans"/>
-              <a:ea typeface="Work Sans"/>
-              <a:cs typeface="Work Sans"/>
-              <a:sym typeface="Work Sans"/>
-            </a:endParaRPr>
-          </a:p>
-          <a:p>
-            <a:pPr marL="0" lvl="0" indent="0" algn="ctr" rtl="0">
-              <a:spcBef>
-                <a:spcPts val="0"/>
-              </a:spcBef>
-              <a:spcAft>
-                <a:spcPts val="0"/>
-              </a:spcAft>
-              <a:buNone/>
-            </a:pPr>
-            <a:r>
-              <a:rPr lang="en-US" sz="2000" dirty="0" err="1">
-                <a:solidFill>
-                  <a:schemeClr val="dk1"/>
-                </a:solidFill>
-                <a:latin typeface="Work Sans"/>
-                <a:ea typeface="Work Sans"/>
-                <a:cs typeface="Work Sans"/>
-                <a:sym typeface="Work Sans"/>
-              </a:rPr>
-              <a:t>Présentation</a:t>
-            </a:r>
-            <a:r>
-              <a:rPr lang="en-US" sz="2000" dirty="0">
-                <a:solidFill>
-                  <a:schemeClr val="dk1"/>
-                </a:solidFill>
-                <a:latin typeface="Work Sans"/>
-                <a:ea typeface="Work Sans"/>
-                <a:cs typeface="Work Sans"/>
-                <a:sym typeface="Work Sans"/>
-              </a:rPr>
-              <a:t> des </a:t>
-            </a:r>
-            <a:r>
-              <a:rPr lang="en-US" sz="2000" dirty="0" err="1">
-                <a:solidFill>
-                  <a:schemeClr val="dk1"/>
-                </a:solidFill>
-                <a:latin typeface="Work Sans"/>
-                <a:ea typeface="Work Sans"/>
-                <a:cs typeface="Work Sans"/>
-                <a:sym typeface="Work Sans"/>
-              </a:rPr>
-              <a:t>fonctionnalités</a:t>
-            </a:r>
-            <a:r>
-              <a:rPr lang="en-US" sz="2000" dirty="0">
-                <a:solidFill>
-                  <a:schemeClr val="dk1"/>
-                </a:solidFill>
-                <a:latin typeface="Work Sans"/>
-                <a:ea typeface="Work Sans"/>
-                <a:cs typeface="Work Sans"/>
-                <a:sym typeface="Work Sans"/>
-              </a:rPr>
-              <a:t> </a:t>
-            </a:r>
-            <a:r>
-              <a:rPr lang="en-US" sz="2000" dirty="0" err="1">
-                <a:solidFill>
-                  <a:schemeClr val="dk1"/>
-                </a:solidFill>
-                <a:latin typeface="Work Sans"/>
-                <a:ea typeface="Work Sans"/>
-                <a:cs typeface="Work Sans"/>
-                <a:sym typeface="Work Sans"/>
-              </a:rPr>
-              <a:t>achevées</a:t>
-            </a:r>
-            <a:r>
-              <a:rPr lang="en-US" sz="2000" dirty="0">
-                <a:solidFill>
-                  <a:schemeClr val="dk1"/>
-                </a:solidFill>
-                <a:latin typeface="Work Sans"/>
-                <a:ea typeface="Work Sans"/>
-                <a:cs typeface="Work Sans"/>
-                <a:sym typeface="Work Sans"/>
-              </a:rPr>
-              <a:t>.</a:t>
-            </a:r>
-            <a:endParaRPr sz="2000" dirty="0">
-              <a:solidFill>
-                <a:schemeClr val="dk1"/>
-              </a:solidFill>
-              <a:latin typeface="Work Sans"/>
-              <a:ea typeface="Work Sans"/>
-              <a:cs typeface="Work Sans"/>
-              <a:sym typeface="Work Sans"/>
-            </a:endParaRPr>
-          </a:p>
-          <a:p>
-            <a:pPr marL="0" lvl="0" indent="0" algn="ctr" rtl="0">
-              <a:spcBef>
-                <a:spcPts val="0"/>
-              </a:spcBef>
-              <a:spcAft>
-                <a:spcPts val="0"/>
-              </a:spcAft>
-              <a:buNone/>
-            </a:pPr>
-            <a:r>
-              <a:rPr lang="en-US" sz="2000" dirty="0">
-                <a:solidFill>
-                  <a:schemeClr val="dk1"/>
-                </a:solidFill>
-                <a:latin typeface="Work Sans"/>
-                <a:ea typeface="Work Sans"/>
-                <a:cs typeface="Work Sans"/>
-                <a:sym typeface="Work Sans"/>
-              </a:rPr>
-              <a:t>Discussion sur les </a:t>
-            </a:r>
-            <a:r>
-              <a:rPr lang="en-US" sz="2000" dirty="0" err="1">
-                <a:solidFill>
-                  <a:schemeClr val="dk1"/>
-                </a:solidFill>
-                <a:latin typeface="Work Sans"/>
-                <a:ea typeface="Work Sans"/>
-                <a:cs typeface="Work Sans"/>
-                <a:sym typeface="Work Sans"/>
-              </a:rPr>
-              <a:t>éventuels</a:t>
-            </a:r>
-            <a:r>
-              <a:rPr lang="en-US" sz="2000" dirty="0">
-                <a:solidFill>
-                  <a:schemeClr val="dk1"/>
-                </a:solidFill>
-                <a:latin typeface="Work Sans"/>
-                <a:ea typeface="Work Sans"/>
-                <a:cs typeface="Work Sans"/>
-                <a:sym typeface="Work Sans"/>
-              </a:rPr>
-              <a:t> obstacles </a:t>
-            </a:r>
-            <a:r>
-              <a:rPr lang="en-US" sz="2000" dirty="0" err="1">
-                <a:solidFill>
-                  <a:schemeClr val="dk1"/>
-                </a:solidFill>
-                <a:latin typeface="Work Sans"/>
-                <a:ea typeface="Work Sans"/>
-                <a:cs typeface="Work Sans"/>
-                <a:sym typeface="Work Sans"/>
-              </a:rPr>
-              <a:t>rencontrés</a:t>
-            </a:r>
-            <a:r>
-              <a:rPr lang="en-US" sz="2000" dirty="0">
-                <a:solidFill>
-                  <a:schemeClr val="dk1"/>
-                </a:solidFill>
-                <a:latin typeface="Work Sans"/>
-                <a:ea typeface="Work Sans"/>
-                <a:cs typeface="Work Sans"/>
-                <a:sym typeface="Work Sans"/>
-              </a:rPr>
-              <a:t>.</a:t>
-            </a:r>
-            <a:endParaRPr sz="2000" dirty="0">
-              <a:solidFill>
-                <a:schemeClr val="dk1"/>
-              </a:solidFill>
-              <a:latin typeface="Work Sans"/>
-              <a:ea typeface="Work Sans"/>
-              <a:cs typeface="Work Sans"/>
-              <a:sym typeface="Work Sans"/>
-            </a:endParaRPr>
-          </a:p>
-          <a:p>
-            <a:pPr marL="0" lvl="0" indent="0" algn="ctr" rtl="0">
-              <a:spcBef>
-                <a:spcPts val="0"/>
-              </a:spcBef>
-              <a:spcAft>
-                <a:spcPts val="0"/>
-              </a:spcAft>
-              <a:buNone/>
-            </a:pPr>
-            <a:r>
-              <a:rPr lang="en-US" sz="2000" dirty="0">
-                <a:solidFill>
-                  <a:schemeClr val="dk1"/>
-                </a:solidFill>
-                <a:latin typeface="Work Sans"/>
-                <a:ea typeface="Work Sans"/>
-                <a:cs typeface="Work Sans"/>
-                <a:sym typeface="Work Sans"/>
-              </a:rPr>
-              <a:t>Retours </a:t>
-            </a:r>
-            <a:r>
-              <a:rPr lang="en-US" sz="2000" dirty="0" err="1">
-                <a:solidFill>
-                  <a:schemeClr val="dk1"/>
-                </a:solidFill>
-                <a:latin typeface="Work Sans"/>
-                <a:ea typeface="Work Sans"/>
-                <a:cs typeface="Work Sans"/>
-                <a:sym typeface="Work Sans"/>
-              </a:rPr>
-              <a:t>d'utilisateurs</a:t>
-            </a:r>
-            <a:r>
-              <a:rPr lang="en-US" sz="2000" dirty="0">
-                <a:solidFill>
-                  <a:schemeClr val="dk1"/>
-                </a:solidFill>
-                <a:latin typeface="Work Sans"/>
-                <a:ea typeface="Work Sans"/>
-                <a:cs typeface="Work Sans"/>
-                <a:sym typeface="Work Sans"/>
-              </a:rPr>
-              <a:t>.</a:t>
-            </a:r>
-            <a:endParaRPr sz="2000" dirty="0">
-              <a:solidFill>
-                <a:schemeClr val="dk1"/>
-              </a:solidFill>
-              <a:latin typeface="Work Sans"/>
-              <a:ea typeface="Work Sans"/>
-              <a:cs typeface="Work Sans"/>
-              <a:sym typeface="Work Sans"/>
-            </a:endParaRPr>
-          </a:p>
-          <a:p>
-            <a:pPr marL="0" lvl="0" indent="0" algn="ctr" rtl="0">
-              <a:spcBef>
-                <a:spcPts val="0"/>
-              </a:spcBef>
-              <a:spcAft>
-                <a:spcPts val="0"/>
-              </a:spcAft>
-              <a:buNone/>
-            </a:pPr>
-            <a:endParaRPr sz="2000" dirty="0">
-              <a:solidFill>
-                <a:schemeClr val="dk1"/>
-              </a:solidFill>
-              <a:latin typeface="Work Sans"/>
-              <a:ea typeface="Work Sans"/>
-              <a:cs typeface="Work Sans"/>
-              <a:sym typeface="Work Sans"/>
-            </a:endParaRPr>
-          </a:p>
-          <a:p>
-            <a:pPr marL="0" lvl="0" indent="0" algn="ctr" rtl="0">
-              <a:spcBef>
-                <a:spcPts val="0"/>
-              </a:spcBef>
-              <a:spcAft>
-                <a:spcPts val="0"/>
-              </a:spcAft>
-              <a:buNone/>
-            </a:pPr>
-            <a:r>
-              <a:rPr lang="en-US" sz="2000" b="1" dirty="0">
-                <a:solidFill>
-                  <a:schemeClr val="dk1"/>
-                </a:solidFill>
-                <a:latin typeface="Work Sans"/>
-                <a:ea typeface="Work Sans"/>
-                <a:cs typeface="Work Sans"/>
-                <a:sym typeface="Work Sans"/>
-              </a:rPr>
-              <a:t>Planification du Sprint </a:t>
-            </a:r>
-            <a:r>
-              <a:rPr lang="en-US" sz="2000" b="1" dirty="0" err="1">
-                <a:solidFill>
-                  <a:schemeClr val="dk1"/>
-                </a:solidFill>
-                <a:latin typeface="Work Sans"/>
-                <a:ea typeface="Work Sans"/>
-                <a:cs typeface="Work Sans"/>
-                <a:sym typeface="Work Sans"/>
-              </a:rPr>
-              <a:t>Actuel</a:t>
-            </a:r>
-            <a:r>
-              <a:rPr lang="en-US" sz="2000" b="1" dirty="0">
-                <a:solidFill>
-                  <a:schemeClr val="dk1"/>
-                </a:solidFill>
-                <a:latin typeface="Work Sans"/>
-                <a:ea typeface="Work Sans"/>
-                <a:cs typeface="Work Sans"/>
-                <a:sym typeface="Work Sans"/>
-              </a:rPr>
-              <a:t> (20 minutes)</a:t>
-            </a:r>
-            <a:endParaRPr sz="2000" b="1" dirty="0">
-              <a:solidFill>
-                <a:schemeClr val="dk1"/>
-              </a:solidFill>
-              <a:latin typeface="Work Sans"/>
-              <a:ea typeface="Work Sans"/>
-              <a:cs typeface="Work Sans"/>
-              <a:sym typeface="Work Sans"/>
-            </a:endParaRPr>
-          </a:p>
-          <a:p>
-            <a:pPr marL="0" lvl="0" indent="0" algn="ctr" rtl="0">
-              <a:spcBef>
-                <a:spcPts val="0"/>
-              </a:spcBef>
-              <a:spcAft>
-                <a:spcPts val="0"/>
-              </a:spcAft>
-              <a:buNone/>
-            </a:pPr>
-            <a:r>
-              <a:rPr lang="en-US" sz="2000" dirty="0">
-                <a:solidFill>
-                  <a:schemeClr val="dk1"/>
-                </a:solidFill>
-                <a:latin typeface="Work Sans"/>
-                <a:ea typeface="Work Sans"/>
-                <a:cs typeface="Work Sans"/>
-                <a:sym typeface="Work Sans"/>
-              </a:rPr>
-              <a:t>Estimation des efforts pour les </a:t>
-            </a:r>
-            <a:r>
-              <a:rPr lang="en-US" sz="2000" dirty="0" err="1">
-                <a:solidFill>
-                  <a:schemeClr val="dk1"/>
-                </a:solidFill>
-                <a:latin typeface="Work Sans"/>
-                <a:ea typeface="Work Sans"/>
-                <a:cs typeface="Work Sans"/>
-                <a:sym typeface="Work Sans"/>
-              </a:rPr>
-              <a:t>tâches</a:t>
-            </a:r>
-            <a:r>
-              <a:rPr lang="en-US" sz="2000" dirty="0">
-                <a:solidFill>
-                  <a:schemeClr val="dk1"/>
-                </a:solidFill>
-                <a:latin typeface="Work Sans"/>
-                <a:ea typeface="Work Sans"/>
-                <a:cs typeface="Work Sans"/>
-                <a:sym typeface="Work Sans"/>
-              </a:rPr>
-              <a:t> </a:t>
-            </a:r>
-            <a:r>
-              <a:rPr lang="en-US" sz="2000" dirty="0" err="1">
-                <a:solidFill>
-                  <a:schemeClr val="dk1"/>
-                </a:solidFill>
-                <a:latin typeface="Work Sans"/>
-                <a:ea typeface="Work Sans"/>
-                <a:cs typeface="Work Sans"/>
-                <a:sym typeface="Work Sans"/>
-              </a:rPr>
-              <a:t>planifiées</a:t>
-            </a:r>
-            <a:r>
-              <a:rPr lang="en-US" sz="2000" dirty="0">
-                <a:solidFill>
-                  <a:schemeClr val="dk1"/>
-                </a:solidFill>
-                <a:latin typeface="Work Sans"/>
-                <a:ea typeface="Work Sans"/>
-                <a:cs typeface="Work Sans"/>
-                <a:sym typeface="Work Sans"/>
-              </a:rPr>
-              <a:t>.</a:t>
-            </a:r>
-            <a:endParaRPr sz="2000" dirty="0">
-              <a:solidFill>
-                <a:schemeClr val="dk1"/>
-              </a:solidFill>
-              <a:latin typeface="Work Sans"/>
-              <a:ea typeface="Work Sans"/>
-              <a:cs typeface="Work Sans"/>
-              <a:sym typeface="Work Sans"/>
-            </a:endParaRPr>
-          </a:p>
-          <a:p>
-            <a:pPr marL="0" lvl="0" indent="0" algn="ctr" rtl="0">
-              <a:spcBef>
-                <a:spcPts val="0"/>
-              </a:spcBef>
-              <a:spcAft>
-                <a:spcPts val="0"/>
-              </a:spcAft>
-              <a:buNone/>
-            </a:pPr>
-            <a:r>
-              <a:rPr lang="en-US" sz="2000" dirty="0">
-                <a:solidFill>
-                  <a:schemeClr val="dk1"/>
-                </a:solidFill>
-                <a:latin typeface="Work Sans"/>
-                <a:ea typeface="Work Sans"/>
-                <a:cs typeface="Work Sans"/>
-                <a:sym typeface="Work Sans"/>
-              </a:rPr>
-              <a:t>Assignation des </a:t>
-            </a:r>
-            <a:r>
-              <a:rPr lang="en-US" sz="2000" dirty="0" err="1">
-                <a:solidFill>
-                  <a:schemeClr val="dk1"/>
-                </a:solidFill>
-                <a:latin typeface="Work Sans"/>
-                <a:ea typeface="Work Sans"/>
-                <a:cs typeface="Work Sans"/>
-                <a:sym typeface="Work Sans"/>
-              </a:rPr>
-              <a:t>responsabilités</a:t>
-            </a:r>
-            <a:r>
-              <a:rPr lang="en-US" sz="2000" dirty="0">
-                <a:solidFill>
-                  <a:schemeClr val="dk1"/>
-                </a:solidFill>
-                <a:latin typeface="Work Sans"/>
-                <a:ea typeface="Work Sans"/>
-                <a:cs typeface="Work Sans"/>
-                <a:sym typeface="Work Sans"/>
-              </a:rPr>
-              <a:t>.</a:t>
-            </a:r>
-            <a:endParaRPr sz="2000" dirty="0">
-              <a:solidFill>
-                <a:schemeClr val="dk1"/>
-              </a:solidFill>
-              <a:latin typeface="Work Sans"/>
-              <a:ea typeface="Work Sans"/>
-              <a:cs typeface="Work Sans"/>
-              <a:sym typeface="Work Sans"/>
-            </a:endParaRPr>
-          </a:p>
-          <a:p>
-            <a:pPr marL="0" lvl="0" indent="0" algn="ctr" rtl="0">
-              <a:spcBef>
-                <a:spcPts val="0"/>
-              </a:spcBef>
-              <a:spcAft>
-                <a:spcPts val="0"/>
-              </a:spcAft>
-              <a:buNone/>
-            </a:pPr>
-            <a:r>
-              <a:rPr lang="en-US" sz="2000" dirty="0" err="1">
-                <a:solidFill>
-                  <a:schemeClr val="dk1"/>
-                </a:solidFill>
-                <a:latin typeface="Work Sans"/>
-                <a:ea typeface="Work Sans"/>
-                <a:cs typeface="Work Sans"/>
-                <a:sym typeface="Work Sans"/>
-              </a:rPr>
-              <a:t>Définition</a:t>
-            </a:r>
-            <a:r>
-              <a:rPr lang="en-US" sz="2000" dirty="0">
-                <a:solidFill>
-                  <a:schemeClr val="dk1"/>
-                </a:solidFill>
-                <a:latin typeface="Work Sans"/>
-                <a:ea typeface="Work Sans"/>
-                <a:cs typeface="Work Sans"/>
-                <a:sym typeface="Work Sans"/>
-              </a:rPr>
-              <a:t> des </a:t>
-            </a:r>
-            <a:r>
-              <a:rPr lang="en-US" sz="2000" dirty="0" err="1">
-                <a:solidFill>
-                  <a:schemeClr val="dk1"/>
-                </a:solidFill>
-                <a:latin typeface="Work Sans"/>
-                <a:ea typeface="Work Sans"/>
-                <a:cs typeface="Work Sans"/>
-                <a:sym typeface="Work Sans"/>
-              </a:rPr>
-              <a:t>objectifs</a:t>
-            </a:r>
-            <a:r>
-              <a:rPr lang="en-US" sz="2000" dirty="0">
-                <a:solidFill>
-                  <a:schemeClr val="dk1"/>
-                </a:solidFill>
-                <a:latin typeface="Work Sans"/>
-                <a:ea typeface="Work Sans"/>
-                <a:cs typeface="Work Sans"/>
-                <a:sym typeface="Work Sans"/>
-              </a:rPr>
-              <a:t> du sprint.</a:t>
-            </a:r>
-            <a:endParaRPr sz="2000" dirty="0">
-              <a:solidFill>
-                <a:schemeClr val="dk1"/>
-              </a:solidFill>
-              <a:latin typeface="Work Sans"/>
-              <a:ea typeface="Work Sans"/>
-              <a:cs typeface="Work Sans"/>
-              <a:sym typeface="Work Sans"/>
-            </a:endParaRPr>
-          </a:p>
-          <a:p>
-            <a:pPr marL="0" lvl="0" indent="0" algn="ctr" rtl="0">
-              <a:spcBef>
-                <a:spcPts val="0"/>
-              </a:spcBef>
-              <a:spcAft>
-                <a:spcPts val="0"/>
-              </a:spcAft>
-              <a:buNone/>
-            </a:pPr>
-            <a:endParaRPr sz="2000" dirty="0">
-              <a:solidFill>
-                <a:schemeClr val="dk1"/>
-              </a:solidFill>
-              <a:latin typeface="Work Sans"/>
-              <a:ea typeface="Work Sans"/>
-              <a:cs typeface="Work Sans"/>
-              <a:sym typeface="Work Sans"/>
-            </a:endParaRPr>
-          </a:p>
-          <a:p>
-            <a:pPr marL="0" lvl="0" indent="0" algn="ctr" rtl="0">
-              <a:spcBef>
-                <a:spcPts val="0"/>
-              </a:spcBef>
-              <a:spcAft>
-                <a:spcPts val="0"/>
-              </a:spcAft>
-              <a:buNone/>
-            </a:pPr>
-            <a:r>
-              <a:rPr lang="en-US" sz="2000" b="1" dirty="0">
-                <a:solidFill>
-                  <a:schemeClr val="dk1"/>
-                </a:solidFill>
-                <a:latin typeface="Work Sans"/>
-                <a:ea typeface="Work Sans"/>
-                <a:cs typeface="Work Sans"/>
-                <a:sym typeface="Work Sans"/>
-              </a:rPr>
-              <a:t>Points </a:t>
-            </a:r>
-            <a:r>
-              <a:rPr lang="en-US" sz="2000" b="1" dirty="0" err="1">
-                <a:solidFill>
-                  <a:schemeClr val="dk1"/>
-                </a:solidFill>
-                <a:latin typeface="Work Sans"/>
-                <a:ea typeface="Work Sans"/>
-                <a:cs typeface="Work Sans"/>
-                <a:sym typeface="Work Sans"/>
-              </a:rPr>
-              <a:t>Bloquants</a:t>
-            </a:r>
-            <a:r>
-              <a:rPr lang="en-US" sz="2000" b="1" dirty="0">
-                <a:solidFill>
-                  <a:schemeClr val="dk1"/>
-                </a:solidFill>
-                <a:latin typeface="Work Sans"/>
-                <a:ea typeface="Work Sans"/>
-                <a:cs typeface="Work Sans"/>
-                <a:sym typeface="Work Sans"/>
-              </a:rPr>
-              <a:t> (10 minutes)</a:t>
-            </a:r>
-            <a:endParaRPr sz="2000" b="1" dirty="0">
-              <a:solidFill>
-                <a:schemeClr val="dk1"/>
-              </a:solidFill>
-              <a:latin typeface="Work Sans"/>
-              <a:ea typeface="Work Sans"/>
-              <a:cs typeface="Work Sans"/>
-              <a:sym typeface="Work Sans"/>
-            </a:endParaRPr>
-          </a:p>
-          <a:p>
-            <a:pPr marL="0" lvl="0" indent="0" algn="ctr" rtl="0">
-              <a:spcBef>
-                <a:spcPts val="0"/>
-              </a:spcBef>
-              <a:spcAft>
-                <a:spcPts val="0"/>
-              </a:spcAft>
-              <a:buNone/>
-            </a:pPr>
-            <a:r>
-              <a:rPr lang="en-US" sz="2000" dirty="0">
-                <a:solidFill>
-                  <a:schemeClr val="dk1"/>
-                </a:solidFill>
-                <a:latin typeface="Work Sans"/>
-                <a:ea typeface="Work Sans"/>
-                <a:cs typeface="Work Sans"/>
-                <a:sym typeface="Work Sans"/>
-              </a:rPr>
-              <a:t>Identification des </a:t>
-            </a:r>
-            <a:r>
-              <a:rPr lang="en-US" sz="2000" dirty="0" err="1">
-                <a:solidFill>
-                  <a:schemeClr val="dk1"/>
-                </a:solidFill>
-                <a:latin typeface="Work Sans"/>
-                <a:ea typeface="Work Sans"/>
-                <a:cs typeface="Work Sans"/>
-                <a:sym typeface="Work Sans"/>
-              </a:rPr>
-              <a:t>problèmes</a:t>
-            </a:r>
-            <a:r>
-              <a:rPr lang="en-US" sz="2000" dirty="0">
-                <a:solidFill>
-                  <a:schemeClr val="dk1"/>
-                </a:solidFill>
-                <a:latin typeface="Work Sans"/>
-                <a:ea typeface="Work Sans"/>
-                <a:cs typeface="Work Sans"/>
-                <a:sym typeface="Work Sans"/>
-              </a:rPr>
-              <a:t> </a:t>
-            </a:r>
-            <a:r>
-              <a:rPr lang="en-US" sz="2000" dirty="0" err="1">
-                <a:solidFill>
-                  <a:schemeClr val="dk1"/>
-                </a:solidFill>
-                <a:latin typeface="Work Sans"/>
-                <a:ea typeface="Work Sans"/>
-                <a:cs typeface="Work Sans"/>
-                <a:sym typeface="Work Sans"/>
-              </a:rPr>
-              <a:t>actuels</a:t>
-            </a:r>
-            <a:r>
-              <a:rPr lang="en-US" sz="2000" dirty="0">
-                <a:solidFill>
-                  <a:schemeClr val="dk1"/>
-                </a:solidFill>
-                <a:latin typeface="Work Sans"/>
-                <a:ea typeface="Work Sans"/>
-                <a:cs typeface="Work Sans"/>
-                <a:sym typeface="Work Sans"/>
-              </a:rPr>
-              <a:t>.</a:t>
-            </a:r>
-            <a:endParaRPr sz="2000" dirty="0">
-              <a:solidFill>
-                <a:schemeClr val="dk1"/>
-              </a:solidFill>
-              <a:latin typeface="Work Sans"/>
-              <a:ea typeface="Work Sans"/>
-              <a:cs typeface="Work Sans"/>
-              <a:sym typeface="Work Sans"/>
-            </a:endParaRPr>
-          </a:p>
-          <a:p>
-            <a:pPr marL="0" lvl="0" indent="0" algn="ctr" rtl="0">
-              <a:spcBef>
-                <a:spcPts val="0"/>
-              </a:spcBef>
-              <a:spcAft>
-                <a:spcPts val="0"/>
-              </a:spcAft>
-              <a:buNone/>
-            </a:pPr>
-            <a:r>
-              <a:rPr lang="en-US" sz="2000" dirty="0">
-                <a:solidFill>
-                  <a:schemeClr val="dk1"/>
-                </a:solidFill>
-                <a:latin typeface="Work Sans"/>
-                <a:ea typeface="Work Sans"/>
-                <a:cs typeface="Work Sans"/>
-                <a:sym typeface="Work Sans"/>
-              </a:rPr>
-              <a:t>Proposition de solutions </a:t>
-            </a:r>
-            <a:r>
-              <a:rPr lang="en-US" sz="2000" dirty="0" err="1">
-                <a:solidFill>
-                  <a:schemeClr val="dk1"/>
-                </a:solidFill>
-                <a:latin typeface="Work Sans"/>
-                <a:ea typeface="Work Sans"/>
-                <a:cs typeface="Work Sans"/>
-                <a:sym typeface="Work Sans"/>
-              </a:rPr>
-              <a:t>ou</a:t>
-            </a:r>
-            <a:r>
-              <a:rPr lang="en-US" sz="2000" dirty="0">
-                <a:solidFill>
-                  <a:schemeClr val="dk1"/>
-                </a:solidFill>
-                <a:latin typeface="Work Sans"/>
-                <a:ea typeface="Work Sans"/>
-                <a:cs typeface="Work Sans"/>
-                <a:sym typeface="Work Sans"/>
-              </a:rPr>
-              <a:t> </a:t>
-            </a:r>
-            <a:r>
-              <a:rPr lang="en-US" sz="2000" dirty="0" err="1">
-                <a:solidFill>
-                  <a:schemeClr val="dk1"/>
-                </a:solidFill>
-                <a:latin typeface="Work Sans"/>
-                <a:ea typeface="Work Sans"/>
-                <a:cs typeface="Work Sans"/>
-                <a:sym typeface="Work Sans"/>
-              </a:rPr>
-              <a:t>demande</a:t>
-            </a:r>
-            <a:r>
-              <a:rPr lang="en-US" sz="2000" dirty="0">
-                <a:solidFill>
-                  <a:schemeClr val="dk1"/>
-                </a:solidFill>
-                <a:latin typeface="Work Sans"/>
-                <a:ea typeface="Work Sans"/>
-                <a:cs typeface="Work Sans"/>
-                <a:sym typeface="Work Sans"/>
-              </a:rPr>
-              <a:t> de support.</a:t>
-            </a:r>
-            <a:endParaRPr sz="2000" dirty="0">
-              <a:solidFill>
-                <a:schemeClr val="dk1"/>
-              </a:solidFill>
-              <a:latin typeface="Work Sans"/>
-              <a:ea typeface="Work Sans"/>
-              <a:cs typeface="Work Sans"/>
-              <a:sym typeface="Work Sans"/>
-            </a:endParaRPr>
-          </a:p>
-          <a:p>
-            <a:pPr marL="0" lvl="0" indent="0" algn="ctr" rtl="0">
-              <a:spcBef>
-                <a:spcPts val="0"/>
-              </a:spcBef>
-              <a:spcAft>
-                <a:spcPts val="0"/>
-              </a:spcAft>
-              <a:buNone/>
-            </a:pPr>
-            <a:endParaRPr sz="2000" dirty="0">
-              <a:solidFill>
-                <a:schemeClr val="dk1"/>
-              </a:solidFill>
-              <a:latin typeface="Work Sans"/>
-              <a:ea typeface="Work Sans"/>
-              <a:cs typeface="Work Sans"/>
-              <a:sym typeface="Work Sans"/>
-            </a:endParaRPr>
-          </a:p>
-          <a:p>
-            <a:pPr marL="0" lvl="0" indent="0" algn="ctr" rtl="0">
-              <a:spcBef>
-                <a:spcPts val="0"/>
-              </a:spcBef>
-              <a:spcAft>
-                <a:spcPts val="0"/>
-              </a:spcAft>
-              <a:buNone/>
-            </a:pPr>
-            <a:r>
-              <a:rPr lang="en-US" sz="2000" b="1" dirty="0" err="1">
-                <a:solidFill>
-                  <a:schemeClr val="dk1"/>
-                </a:solidFill>
-                <a:latin typeface="Work Sans"/>
-                <a:ea typeface="Work Sans"/>
-                <a:cs typeface="Work Sans"/>
-                <a:sym typeface="Work Sans"/>
-              </a:rPr>
-              <a:t>Améliorations</a:t>
-            </a:r>
-            <a:r>
-              <a:rPr lang="en-US" sz="2000" b="1" dirty="0">
-                <a:solidFill>
-                  <a:schemeClr val="dk1"/>
-                </a:solidFill>
-                <a:latin typeface="Work Sans"/>
-                <a:ea typeface="Work Sans"/>
-                <a:cs typeface="Work Sans"/>
-                <a:sym typeface="Work Sans"/>
-              </a:rPr>
-              <a:t> Continues (10 minutes)</a:t>
-            </a:r>
-            <a:endParaRPr sz="2000" b="1" dirty="0">
-              <a:solidFill>
-                <a:schemeClr val="dk1"/>
-              </a:solidFill>
-              <a:latin typeface="Work Sans"/>
-              <a:ea typeface="Work Sans"/>
-              <a:cs typeface="Work Sans"/>
-              <a:sym typeface="Work Sans"/>
-            </a:endParaRPr>
-          </a:p>
-          <a:p>
-            <a:pPr marL="0" lvl="0" indent="0" algn="ctr" rtl="0">
-              <a:spcBef>
-                <a:spcPts val="0"/>
-              </a:spcBef>
-              <a:spcAft>
-                <a:spcPts val="0"/>
-              </a:spcAft>
-              <a:buNone/>
-            </a:pPr>
-            <a:r>
-              <a:rPr lang="en-US" sz="2000" dirty="0">
-                <a:solidFill>
-                  <a:schemeClr val="dk1"/>
-                </a:solidFill>
-                <a:latin typeface="Work Sans"/>
-                <a:ea typeface="Work Sans"/>
-                <a:cs typeface="Work Sans"/>
-                <a:sym typeface="Work Sans"/>
-              </a:rPr>
-              <a:t>Retours sur le processus de </a:t>
-            </a:r>
-            <a:r>
-              <a:rPr lang="en-US" sz="2000" dirty="0" err="1">
-                <a:solidFill>
-                  <a:schemeClr val="dk1"/>
-                </a:solidFill>
-                <a:latin typeface="Work Sans"/>
-                <a:ea typeface="Work Sans"/>
-                <a:cs typeface="Work Sans"/>
-                <a:sym typeface="Work Sans"/>
-              </a:rPr>
-              <a:t>développement</a:t>
-            </a:r>
-            <a:r>
-              <a:rPr lang="en-US" sz="2000" dirty="0">
-                <a:solidFill>
-                  <a:schemeClr val="dk1"/>
-                </a:solidFill>
-                <a:latin typeface="Work Sans"/>
-                <a:ea typeface="Work Sans"/>
-                <a:cs typeface="Work Sans"/>
-                <a:sym typeface="Work Sans"/>
-              </a:rPr>
-              <a:t>.</a:t>
-            </a:r>
-            <a:endParaRPr sz="2000" dirty="0">
-              <a:solidFill>
-                <a:schemeClr val="dk1"/>
-              </a:solidFill>
-              <a:latin typeface="Work Sans"/>
-              <a:ea typeface="Work Sans"/>
-              <a:cs typeface="Work Sans"/>
-              <a:sym typeface="Work Sans"/>
-            </a:endParaRPr>
-          </a:p>
-          <a:p>
-            <a:pPr marL="0" lvl="0" indent="0" algn="ctr" rtl="0">
-              <a:spcBef>
-                <a:spcPts val="0"/>
-              </a:spcBef>
-              <a:spcAft>
-                <a:spcPts val="0"/>
-              </a:spcAft>
-              <a:buNone/>
-            </a:pPr>
-            <a:r>
-              <a:rPr lang="en-US" sz="2000" dirty="0">
-                <a:solidFill>
-                  <a:schemeClr val="dk1"/>
-                </a:solidFill>
-                <a:latin typeface="Work Sans"/>
-                <a:ea typeface="Work Sans"/>
-                <a:cs typeface="Work Sans"/>
-                <a:sym typeface="Work Sans"/>
-              </a:rPr>
-              <a:t>Suggestions pour </a:t>
-            </a:r>
-            <a:r>
-              <a:rPr lang="en-US" sz="2000" dirty="0" err="1">
-                <a:solidFill>
-                  <a:schemeClr val="dk1"/>
-                </a:solidFill>
-                <a:latin typeface="Work Sans"/>
-                <a:ea typeface="Work Sans"/>
-                <a:cs typeface="Work Sans"/>
-                <a:sym typeface="Work Sans"/>
-              </a:rPr>
-              <a:t>améliorer</a:t>
-            </a:r>
-            <a:r>
-              <a:rPr lang="en-US" sz="2000" dirty="0">
-                <a:solidFill>
-                  <a:schemeClr val="dk1"/>
-                </a:solidFill>
-                <a:latin typeface="Work Sans"/>
-                <a:ea typeface="Work Sans"/>
-                <a:cs typeface="Work Sans"/>
-                <a:sym typeface="Work Sans"/>
-              </a:rPr>
-              <a:t> </a:t>
-            </a:r>
-            <a:r>
-              <a:rPr lang="en-US" sz="2000" dirty="0" err="1">
-                <a:solidFill>
-                  <a:schemeClr val="dk1"/>
-                </a:solidFill>
-                <a:latin typeface="Work Sans"/>
-                <a:ea typeface="Work Sans"/>
-                <a:cs typeface="Work Sans"/>
-                <a:sym typeface="Work Sans"/>
-              </a:rPr>
-              <a:t>l'efficacité</a:t>
-            </a:r>
-            <a:r>
-              <a:rPr lang="en-US" sz="2000" dirty="0">
-                <a:solidFill>
-                  <a:schemeClr val="dk1"/>
-                </a:solidFill>
-                <a:latin typeface="Work Sans"/>
-                <a:ea typeface="Work Sans"/>
-                <a:cs typeface="Work Sans"/>
-                <a:sym typeface="Work Sans"/>
-              </a:rPr>
-              <a:t> de </a:t>
-            </a:r>
-            <a:r>
-              <a:rPr lang="en-US" sz="2000" dirty="0" err="1">
-                <a:solidFill>
-                  <a:schemeClr val="dk1"/>
-                </a:solidFill>
-                <a:latin typeface="Work Sans"/>
-                <a:ea typeface="Work Sans"/>
-                <a:cs typeface="Work Sans"/>
-                <a:sym typeface="Work Sans"/>
-              </a:rPr>
-              <a:t>l'équipe</a:t>
-            </a:r>
-            <a:r>
-              <a:rPr lang="en-US" sz="2000" dirty="0">
-                <a:solidFill>
-                  <a:schemeClr val="dk1"/>
-                </a:solidFill>
-                <a:latin typeface="Work Sans"/>
-                <a:ea typeface="Work Sans"/>
-                <a:cs typeface="Work Sans"/>
-                <a:sym typeface="Work Sans"/>
-              </a:rPr>
-              <a:t>.</a:t>
-            </a:r>
-            <a:endParaRPr sz="2000" dirty="0">
-              <a:solidFill>
-                <a:schemeClr val="dk1"/>
-              </a:solidFill>
-              <a:latin typeface="Work Sans"/>
-              <a:ea typeface="Work Sans"/>
-              <a:cs typeface="Work Sans"/>
-              <a:sym typeface="Work Sans"/>
-            </a:endParaRPr>
-          </a:p>
-          <a:p>
-            <a:pPr marL="0" lvl="0" indent="0" algn="ctr" rtl="0">
-              <a:spcBef>
-                <a:spcPts val="0"/>
-              </a:spcBef>
-              <a:spcAft>
-                <a:spcPts val="0"/>
-              </a:spcAft>
-              <a:buNone/>
-            </a:pPr>
-            <a:endParaRPr sz="2000" dirty="0">
-              <a:solidFill>
-                <a:schemeClr val="dk1"/>
-              </a:solidFill>
-              <a:latin typeface="Work Sans"/>
-              <a:ea typeface="Work Sans"/>
-              <a:cs typeface="Work Sans"/>
-              <a:sym typeface="Work Sans"/>
-            </a:endParaRPr>
-          </a:p>
-          <a:p>
-            <a:pPr marL="0" lvl="0" indent="0" algn="ctr" rtl="0">
-              <a:spcBef>
-                <a:spcPts val="0"/>
-              </a:spcBef>
-              <a:spcAft>
-                <a:spcPts val="0"/>
-              </a:spcAft>
-              <a:buNone/>
-            </a:pPr>
-            <a:r>
-              <a:rPr lang="en-US" sz="2000" b="1" dirty="0">
-                <a:solidFill>
-                  <a:schemeClr val="dk1"/>
-                </a:solidFill>
-                <a:latin typeface="Work Sans"/>
-                <a:ea typeface="Work Sans"/>
-                <a:cs typeface="Work Sans"/>
-                <a:sym typeface="Work Sans"/>
-              </a:rPr>
-              <a:t>Divers (5 minutes)</a:t>
-            </a:r>
-            <a:endParaRPr sz="2000" b="1" dirty="0">
-              <a:solidFill>
-                <a:schemeClr val="dk1"/>
-              </a:solidFill>
-              <a:latin typeface="Work Sans"/>
-              <a:ea typeface="Work Sans"/>
-              <a:cs typeface="Work Sans"/>
-              <a:sym typeface="Work Sans"/>
-            </a:endParaRPr>
-          </a:p>
-          <a:p>
-            <a:pPr marL="0" lvl="0" indent="0" algn="ctr" rtl="0">
-              <a:spcBef>
-                <a:spcPts val="0"/>
-              </a:spcBef>
-              <a:spcAft>
-                <a:spcPts val="0"/>
-              </a:spcAft>
-              <a:buNone/>
-            </a:pPr>
-            <a:r>
-              <a:rPr lang="en-US" sz="2000" dirty="0" err="1">
-                <a:solidFill>
-                  <a:schemeClr val="dk1"/>
-                </a:solidFill>
-                <a:latin typeface="Work Sans"/>
-                <a:ea typeface="Work Sans"/>
-                <a:cs typeface="Work Sans"/>
-                <a:sym typeface="Work Sans"/>
-              </a:rPr>
-              <a:t>Annonces</a:t>
-            </a:r>
-            <a:r>
-              <a:rPr lang="en-US" sz="2000" dirty="0">
-                <a:solidFill>
-                  <a:schemeClr val="dk1"/>
-                </a:solidFill>
-                <a:latin typeface="Work Sans"/>
-                <a:ea typeface="Work Sans"/>
-                <a:cs typeface="Work Sans"/>
-                <a:sym typeface="Work Sans"/>
-              </a:rPr>
-              <a:t> </a:t>
-            </a:r>
-            <a:r>
-              <a:rPr lang="en-US" sz="2000" dirty="0" err="1">
-                <a:solidFill>
-                  <a:schemeClr val="dk1"/>
-                </a:solidFill>
-                <a:latin typeface="Work Sans"/>
-                <a:ea typeface="Work Sans"/>
-                <a:cs typeface="Work Sans"/>
-                <a:sym typeface="Work Sans"/>
-              </a:rPr>
-              <a:t>générales</a:t>
-            </a:r>
-            <a:r>
-              <a:rPr lang="en-US" sz="2000" dirty="0">
-                <a:solidFill>
-                  <a:schemeClr val="dk1"/>
-                </a:solidFill>
-                <a:latin typeface="Work Sans"/>
-                <a:ea typeface="Work Sans"/>
-                <a:cs typeface="Work Sans"/>
-                <a:sym typeface="Work Sans"/>
-              </a:rPr>
-              <a:t>.</a:t>
-            </a:r>
-            <a:endParaRPr sz="2000" dirty="0">
-              <a:solidFill>
-                <a:schemeClr val="dk1"/>
-              </a:solidFill>
-              <a:latin typeface="Work Sans"/>
-              <a:ea typeface="Work Sans"/>
-              <a:cs typeface="Work Sans"/>
-              <a:sym typeface="Work Sans"/>
-            </a:endParaRPr>
-          </a:p>
-          <a:p>
-            <a:pPr marL="0" lvl="0" indent="0" algn="ctr" rtl="0">
-              <a:spcBef>
-                <a:spcPts val="0"/>
-              </a:spcBef>
-              <a:spcAft>
-                <a:spcPts val="0"/>
-              </a:spcAft>
-              <a:buNone/>
-            </a:pPr>
-            <a:r>
-              <a:rPr lang="en-US" sz="2000" dirty="0">
-                <a:solidFill>
-                  <a:schemeClr val="dk1"/>
-                </a:solidFill>
-                <a:latin typeface="Work Sans"/>
-                <a:ea typeface="Work Sans"/>
-                <a:cs typeface="Work Sans"/>
-                <a:sym typeface="Work Sans"/>
-              </a:rPr>
-              <a:t>Questions </a:t>
-            </a:r>
-            <a:r>
-              <a:rPr lang="en-US" sz="2000" dirty="0" err="1">
-                <a:solidFill>
-                  <a:schemeClr val="dk1"/>
-                </a:solidFill>
-                <a:latin typeface="Work Sans"/>
-                <a:ea typeface="Work Sans"/>
-                <a:cs typeface="Work Sans"/>
-                <a:sym typeface="Work Sans"/>
-              </a:rPr>
-              <a:t>ou</a:t>
-            </a:r>
-            <a:r>
-              <a:rPr lang="en-US" sz="2000" dirty="0">
-                <a:solidFill>
-                  <a:schemeClr val="dk1"/>
-                </a:solidFill>
-                <a:latin typeface="Work Sans"/>
-                <a:ea typeface="Work Sans"/>
-                <a:cs typeface="Work Sans"/>
-                <a:sym typeface="Work Sans"/>
-              </a:rPr>
-              <a:t> </a:t>
-            </a:r>
-            <a:r>
-              <a:rPr lang="en-US" sz="2000" dirty="0" err="1">
-                <a:solidFill>
-                  <a:schemeClr val="dk1"/>
-                </a:solidFill>
-                <a:latin typeface="Work Sans"/>
-                <a:ea typeface="Work Sans"/>
-                <a:cs typeface="Work Sans"/>
-                <a:sym typeface="Work Sans"/>
-              </a:rPr>
-              <a:t>sujets</a:t>
-            </a:r>
-            <a:r>
-              <a:rPr lang="en-US" sz="2000" dirty="0">
-                <a:solidFill>
-                  <a:schemeClr val="dk1"/>
-                </a:solidFill>
-                <a:latin typeface="Work Sans"/>
-                <a:ea typeface="Work Sans"/>
-                <a:cs typeface="Work Sans"/>
-                <a:sym typeface="Work Sans"/>
-              </a:rPr>
-              <a:t> divers.</a:t>
-            </a:r>
-            <a:endParaRPr sz="2000" dirty="0">
-              <a:solidFill>
-                <a:schemeClr val="dk1"/>
-              </a:solidFill>
-              <a:latin typeface="Work Sans"/>
-              <a:ea typeface="Work Sans"/>
-              <a:cs typeface="Work Sans"/>
-              <a:sym typeface="Work Sans"/>
-            </a:endParaRPr>
-          </a:p>
-          <a:p>
-            <a:pPr marL="0" lvl="0" indent="0" algn="ctr" rtl="0">
-              <a:spcBef>
-                <a:spcPts val="0"/>
-              </a:spcBef>
-              <a:spcAft>
-                <a:spcPts val="0"/>
-              </a:spcAft>
-              <a:buNone/>
-            </a:pPr>
-            <a:endParaRPr sz="2000" dirty="0">
-              <a:solidFill>
-                <a:schemeClr val="dk1"/>
-              </a:solidFill>
-              <a:latin typeface="Work Sans"/>
-              <a:ea typeface="Work Sans"/>
-              <a:cs typeface="Work Sans"/>
-              <a:sym typeface="Work Sans"/>
-            </a:endParaRPr>
-          </a:p>
-          <a:p>
-            <a:pPr marL="0" lvl="0" indent="0" algn="ctr" rtl="0">
-              <a:spcBef>
-                <a:spcPts val="0"/>
-              </a:spcBef>
-              <a:spcAft>
-                <a:spcPts val="0"/>
-              </a:spcAft>
-              <a:buNone/>
-            </a:pPr>
-            <a:r>
-              <a:rPr lang="en-US" sz="2000" b="1" dirty="0">
-                <a:solidFill>
-                  <a:schemeClr val="dk1"/>
-                </a:solidFill>
-                <a:latin typeface="Work Sans"/>
-                <a:ea typeface="Work Sans"/>
-                <a:cs typeface="Work Sans"/>
-                <a:sym typeface="Work Sans"/>
-              </a:rPr>
-              <a:t>Planification de la </a:t>
-            </a:r>
-            <a:r>
-              <a:rPr lang="en-US" sz="2000" b="1" dirty="0" err="1">
-                <a:solidFill>
-                  <a:schemeClr val="dk1"/>
-                </a:solidFill>
-                <a:latin typeface="Work Sans"/>
-                <a:ea typeface="Work Sans"/>
-                <a:cs typeface="Work Sans"/>
-                <a:sym typeface="Work Sans"/>
-              </a:rPr>
-              <a:t>Prochaine</a:t>
-            </a:r>
-            <a:r>
-              <a:rPr lang="en-US" sz="2000" b="1" dirty="0">
-                <a:solidFill>
-                  <a:schemeClr val="dk1"/>
-                </a:solidFill>
-                <a:latin typeface="Work Sans"/>
-                <a:ea typeface="Work Sans"/>
-                <a:cs typeface="Work Sans"/>
-                <a:sym typeface="Work Sans"/>
-              </a:rPr>
-              <a:t> Réunion (5 minutes)</a:t>
-            </a:r>
-            <a:endParaRPr sz="2000" b="1" dirty="0">
-              <a:solidFill>
-                <a:schemeClr val="dk1"/>
-              </a:solidFill>
-              <a:latin typeface="Work Sans"/>
-              <a:ea typeface="Work Sans"/>
-              <a:cs typeface="Work Sans"/>
-              <a:sym typeface="Work Sans"/>
-            </a:endParaRPr>
-          </a:p>
-          <a:p>
-            <a:pPr marL="0" lvl="0" indent="0" algn="ctr" rtl="0">
-              <a:spcBef>
-                <a:spcPts val="0"/>
-              </a:spcBef>
-              <a:spcAft>
-                <a:spcPts val="0"/>
-              </a:spcAft>
-              <a:buNone/>
-            </a:pPr>
-            <a:r>
-              <a:rPr lang="en-US" sz="2000" dirty="0">
-                <a:solidFill>
-                  <a:schemeClr val="dk1"/>
-                </a:solidFill>
-                <a:latin typeface="Work Sans"/>
-                <a:ea typeface="Work Sans"/>
-                <a:cs typeface="Work Sans"/>
-                <a:sym typeface="Work Sans"/>
-              </a:rPr>
-              <a:t>Choix de la date et de </a:t>
-            </a:r>
-            <a:r>
-              <a:rPr lang="en-US" sz="2000" dirty="0" err="1">
-                <a:solidFill>
-                  <a:schemeClr val="dk1"/>
-                </a:solidFill>
-                <a:latin typeface="Work Sans"/>
-                <a:ea typeface="Work Sans"/>
-                <a:cs typeface="Work Sans"/>
-                <a:sym typeface="Work Sans"/>
-              </a:rPr>
-              <a:t>l'heure</a:t>
-            </a:r>
-            <a:r>
-              <a:rPr lang="en-US" sz="2000" dirty="0">
-                <a:solidFill>
-                  <a:schemeClr val="dk1"/>
-                </a:solidFill>
-                <a:latin typeface="Work Sans"/>
-                <a:ea typeface="Work Sans"/>
-                <a:cs typeface="Work Sans"/>
-                <a:sym typeface="Work Sans"/>
-              </a:rPr>
-              <a:t>.</a:t>
-            </a:r>
-            <a:endParaRPr sz="2000" dirty="0">
-              <a:solidFill>
-                <a:schemeClr val="dk1"/>
-              </a:solidFill>
-              <a:latin typeface="Work Sans"/>
-              <a:ea typeface="Work Sans"/>
-              <a:cs typeface="Work Sans"/>
-              <a:sym typeface="Work Sans"/>
-            </a:endParaRPr>
-          </a:p>
-          <a:p>
-            <a:pPr marL="0" lvl="0" indent="0" algn="ctr" rtl="0">
-              <a:spcBef>
-                <a:spcPts val="0"/>
-              </a:spcBef>
-              <a:spcAft>
-                <a:spcPts val="0"/>
-              </a:spcAft>
-              <a:buNone/>
-            </a:pPr>
-            <a:r>
-              <a:rPr lang="en-US" sz="2000" dirty="0">
-                <a:solidFill>
-                  <a:schemeClr val="dk1"/>
-                </a:solidFill>
-                <a:latin typeface="Work Sans"/>
-                <a:ea typeface="Work Sans"/>
-                <a:cs typeface="Work Sans"/>
-                <a:sym typeface="Work Sans"/>
-              </a:rPr>
-              <a:t>Propositions </a:t>
-            </a:r>
-            <a:r>
-              <a:rPr lang="en-US" sz="2000" dirty="0" err="1">
-                <a:solidFill>
-                  <a:schemeClr val="dk1"/>
-                </a:solidFill>
-                <a:latin typeface="Work Sans"/>
-                <a:ea typeface="Work Sans"/>
-                <a:cs typeface="Work Sans"/>
-                <a:sym typeface="Work Sans"/>
-              </a:rPr>
-              <a:t>d'ajustements</a:t>
-            </a:r>
-            <a:r>
-              <a:rPr lang="en-US" sz="2000" dirty="0">
-                <a:solidFill>
-                  <a:schemeClr val="dk1"/>
-                </a:solidFill>
-                <a:latin typeface="Work Sans"/>
-                <a:ea typeface="Work Sans"/>
-                <a:cs typeface="Work Sans"/>
-                <a:sym typeface="Work Sans"/>
-              </a:rPr>
-              <a:t> à </a:t>
-            </a:r>
-            <a:r>
-              <a:rPr lang="en-US" sz="2000" dirty="0" err="1">
-                <a:solidFill>
-                  <a:schemeClr val="dk1"/>
-                </a:solidFill>
-                <a:latin typeface="Work Sans"/>
-                <a:ea typeface="Work Sans"/>
-                <a:cs typeface="Work Sans"/>
-                <a:sym typeface="Work Sans"/>
-              </a:rPr>
-              <a:t>l'ordre</a:t>
-            </a:r>
-            <a:r>
-              <a:rPr lang="en-US" sz="2000" dirty="0">
-                <a:solidFill>
-                  <a:schemeClr val="dk1"/>
-                </a:solidFill>
-                <a:latin typeface="Work Sans"/>
-                <a:ea typeface="Work Sans"/>
-                <a:cs typeface="Work Sans"/>
-                <a:sym typeface="Work Sans"/>
-              </a:rPr>
-              <a:t> du jour.</a:t>
-            </a:r>
-            <a:endParaRPr sz="2000" dirty="0">
-              <a:solidFill>
-                <a:schemeClr val="dk1"/>
-              </a:solidFill>
-              <a:latin typeface="Work Sans"/>
-              <a:ea typeface="Work Sans"/>
-              <a:cs typeface="Work Sans"/>
-              <a:sym typeface="Work Sans"/>
-            </a:endParaRPr>
-          </a:p>
-        </p:txBody>
-      </p:sp>
     </p:spTree>
   </p:cSld>
   <p:clrMapOvr>
@@ -24683,7 +23910,7 @@
                                           </p:stCondLst>
                                         </p:cTn>
                                         <p:tgtEl>
-                                          <p:spTgt spid="180"/>
+                                          <p:spTgt spid="189"/>
                                         </p:tgtEl>
                                         <p:attrNameLst>
                                           <p:attrName>style.visibility</p:attrName>
@@ -24697,60 +23924,7 @@
                                       <p:cBhvr>
                                         <p:cTn id="7" dur="500"/>
                                         <p:tgtEl>
-                                          <p:spTgt spid="180"/>
-                                        </p:tgtEl>
-                                      </p:cBhvr>
-                                    </p:animEffect>
-                                  </p:childTnLst>
-                                </p:cTn>
-                              </p:par>
-                            </p:childTnLst>
-                          </p:cTn>
-                        </p:par>
-                      </p:childTnLst>
-                    </p:cTn>
-                  </p:par>
-                  <p:par>
-                    <p:cTn id="8" fill="hold">
-                      <p:stCondLst>
-                        <p:cond delay="indefinite"/>
-                      </p:stCondLst>
-                      <p:childTnLst>
-                        <p:par>
-                          <p:cTn id="9" fill="hold">
-                            <p:stCondLst>
-                              <p:cond delay="0"/>
-                            </p:stCondLst>
-                            <p:childTnLst>
-                              <p:par>
-                                <p:cTn id="10" presetID="10" presetClass="entr" presetSubtype="0" fill="hold" grpId="0" nodeType="clickEffect">
-                                  <p:stCondLst>
-                                    <p:cond delay="0"/>
-                                  </p:stCondLst>
-                                  <p:childTnLst>
-                                    <p:set>
-                                      <p:cBhvr>
-                                        <p:cTn id="11" dur="1" fill="hold">
-                                          <p:stCondLst>
-                                            <p:cond delay="0"/>
-                                          </p:stCondLst>
-                                        </p:cTn>
-                                        <p:tgtEl>
-                                          <p:spTgt spid="181"/>
-                                        </p:tgtEl>
-                                        <p:attrNameLst>
-                                          <p:attrName>style.visibility</p:attrName>
-                                        </p:attrNameLst>
-                                      </p:cBhvr>
-                                      <p:to>
-                                        <p:strVal val="visible"/>
-                                      </p:to>
-                                    </p:set>
-                                    <p:animEffect transition="in" filter="fade">
-                                      <p:cBhvr>
-                                        <p:cTn id="12" dur="500"/>
-                                        <p:tgtEl>
-                                          <p:spTgt spid="181"/>
+                                          <p:spTgt spid="189"/>
                                         </p:tgtEl>
                                       </p:cBhvr>
                                     </p:animEffect>
@@ -24785,8 +23959,923 @@
       </p:par>
     </p:tnLst>
     <p:bldLst>
-      <p:bldP spid="180" grpId="0"/>
-      <p:bldP spid="181" grpId="0"/>
+      <p:bldP spid="189" grpId="0"/>
+    </p:bldLst>
+  </p:timing>
+</p:sld>
+</file>
+
+<file path=ppt/slides/slide9.xml><?xml version="1.0" encoding="utf-8"?>
+<p:sld xmlns:a="http://schemas.openxmlformats.org/drawingml/2006/main" xmlns:r="http://schemas.openxmlformats.org/officeDocument/2006/relationships" xmlns:p="http://schemas.openxmlformats.org/presentationml/2006/main">
+  <p:cSld>
+    <p:spTree>
+      <p:nvGrpSpPr>
+        <p:cNvPr id="1" name="Shape 195"/>
+        <p:cNvGrpSpPr/>
+        <p:nvPr/>
+      </p:nvGrpSpPr>
+      <p:grpSpPr>
+        <a:xfrm>
+          <a:off x="0" y="0"/>
+          <a:ext cx="0" cy="0"/>
+          <a:chOff x="0" y="0"/>
+          <a:chExt cx="0" cy="0"/>
+        </a:xfrm>
+      </p:grpSpPr>
+      <p:sp>
+        <p:nvSpPr>
+          <p:cNvPr id="196" name="Google Shape;196;p22"/>
+          <p:cNvSpPr/>
+          <p:nvPr/>
+        </p:nvSpPr>
+        <p:spPr>
+          <a:xfrm>
+            <a:off x="604050" y="2380825"/>
+            <a:ext cx="17079900" cy="7541100"/>
+          </a:xfrm>
+          <a:prstGeom prst="rect">
+            <a:avLst/>
+          </a:prstGeom>
+          <a:noFill/>
+          <a:ln w="9525" cap="flat" cmpd="sng">
+            <a:solidFill>
+              <a:srgbClr val="C5A073"/>
+            </a:solidFill>
+            <a:prstDash val="solid"/>
+            <a:round/>
+            <a:headEnd type="none" w="sm" len="sm"/>
+            <a:tailEnd type="none" w="sm" len="sm"/>
+          </a:ln>
+        </p:spPr>
+        <p:txBody>
+          <a:bodyPr spcFirstLastPara="1" wrap="square" lIns="91425" tIns="91425" rIns="91425" bIns="91425" anchor="ctr" anchorCtr="0">
+            <a:noAutofit/>
+          </a:bodyPr>
+          <a:lstStyle/>
+          <a:p>
+            <a:pPr marL="0" lvl="0" indent="0" algn="ctr" rtl="0">
+              <a:spcBef>
+                <a:spcPts val="0"/>
+              </a:spcBef>
+              <a:spcAft>
+                <a:spcPts val="0"/>
+              </a:spcAft>
+              <a:buNone/>
+            </a:pPr>
+            <a:endParaRPr>
+              <a:latin typeface="Calibri"/>
+              <a:ea typeface="Calibri"/>
+              <a:cs typeface="Calibri"/>
+              <a:sym typeface="Calibri"/>
+            </a:endParaRPr>
+          </a:p>
+        </p:txBody>
+      </p:sp>
+      <p:sp>
+        <p:nvSpPr>
+          <p:cNvPr id="197" name="Google Shape;197;p22"/>
+          <p:cNvSpPr/>
+          <p:nvPr/>
+        </p:nvSpPr>
+        <p:spPr>
+          <a:xfrm>
+            <a:off x="716325" y="2278225"/>
+            <a:ext cx="17079900" cy="7541100"/>
+          </a:xfrm>
+          <a:prstGeom prst="rect">
+            <a:avLst/>
+          </a:prstGeom>
+          <a:solidFill>
+            <a:schemeClr val="lt1"/>
+          </a:solidFill>
+          <a:ln w="9525" cap="flat" cmpd="sng">
+            <a:solidFill>
+              <a:srgbClr val="C5A073"/>
+            </a:solidFill>
+            <a:prstDash val="solid"/>
+            <a:round/>
+            <a:headEnd type="none" w="sm" len="sm"/>
+            <a:tailEnd type="none" w="sm" len="sm"/>
+          </a:ln>
+        </p:spPr>
+        <p:txBody>
+          <a:bodyPr spcFirstLastPara="1" wrap="square" lIns="91425" tIns="91425" rIns="91425" bIns="91425" anchor="ctr" anchorCtr="0">
+            <a:noAutofit/>
+          </a:bodyPr>
+          <a:lstStyle/>
+          <a:p>
+            <a:pPr marL="0" lvl="0" indent="0" algn="ctr" rtl="0">
+              <a:spcBef>
+                <a:spcPts val="0"/>
+              </a:spcBef>
+              <a:spcAft>
+                <a:spcPts val="0"/>
+              </a:spcAft>
+              <a:buNone/>
+            </a:pPr>
+            <a:endParaRPr>
+              <a:latin typeface="Calibri"/>
+              <a:ea typeface="Calibri"/>
+              <a:cs typeface="Calibri"/>
+              <a:sym typeface="Calibri"/>
+            </a:endParaRPr>
+          </a:p>
+        </p:txBody>
+      </p:sp>
+      <p:sp>
+        <p:nvSpPr>
+          <p:cNvPr id="198" name="Google Shape;198;p22"/>
+          <p:cNvSpPr txBox="1"/>
+          <p:nvPr/>
+        </p:nvSpPr>
+        <p:spPr>
+          <a:xfrm>
+            <a:off x="1021947" y="805261"/>
+            <a:ext cx="16244100" cy="1154400"/>
+          </a:xfrm>
+          <a:prstGeom prst="rect">
+            <a:avLst/>
+          </a:prstGeom>
+          <a:noFill/>
+          <a:ln>
+            <a:noFill/>
+          </a:ln>
+        </p:spPr>
+        <p:txBody>
+          <a:bodyPr spcFirstLastPara="1" wrap="square" lIns="0" tIns="0" rIns="0" bIns="0" anchor="t" anchorCtr="0">
+            <a:spAutoFit/>
+          </a:bodyPr>
+          <a:lstStyle/>
+          <a:p>
+            <a:pPr marL="0" marR="0" lvl="0" indent="0" algn="ctr" rtl="0">
+              <a:lnSpc>
+                <a:spcPct val="120000"/>
+              </a:lnSpc>
+              <a:spcBef>
+                <a:spcPts val="0"/>
+              </a:spcBef>
+              <a:spcAft>
+                <a:spcPts val="0"/>
+              </a:spcAft>
+              <a:buNone/>
+            </a:pPr>
+            <a:r>
+              <a:rPr lang="en-US" sz="7500" b="1" dirty="0">
+                <a:solidFill>
+                  <a:srgbClr val="0B1320"/>
+                </a:solidFill>
+                <a:latin typeface="Epilogue"/>
+                <a:ea typeface="Epilogue"/>
+                <a:cs typeface="Epilogue"/>
+                <a:sym typeface="Epilogue"/>
+              </a:rPr>
+              <a:t>Les </a:t>
+            </a:r>
+            <a:r>
+              <a:rPr lang="en-US" sz="7500" b="1" dirty="0" err="1">
+                <a:solidFill>
+                  <a:srgbClr val="0B1320"/>
+                </a:solidFill>
+                <a:latin typeface="Epilogue"/>
+                <a:ea typeface="Epilogue"/>
+                <a:cs typeface="Epilogue"/>
+                <a:sym typeface="Epilogue"/>
+              </a:rPr>
+              <a:t>différents</a:t>
+            </a:r>
+            <a:r>
+              <a:rPr lang="en-US" sz="7500" b="1" dirty="0">
+                <a:solidFill>
+                  <a:srgbClr val="0B1320"/>
+                </a:solidFill>
+                <a:latin typeface="Epilogue"/>
+                <a:ea typeface="Epilogue"/>
+                <a:cs typeface="Epilogue"/>
+                <a:sym typeface="Epilogue"/>
+              </a:rPr>
+              <a:t> </a:t>
+            </a:r>
+            <a:r>
+              <a:rPr lang="en-US" sz="7500" b="1" dirty="0" err="1">
+                <a:solidFill>
+                  <a:srgbClr val="0B1320"/>
+                </a:solidFill>
+                <a:latin typeface="Epilogue"/>
+                <a:ea typeface="Epilogue"/>
+                <a:cs typeface="Epilogue"/>
+                <a:sym typeface="Epilogue"/>
+              </a:rPr>
+              <a:t>collaborateurs</a:t>
+            </a:r>
+            <a:endParaRPr b="1" dirty="0">
+              <a:latin typeface="Epilogue"/>
+              <a:ea typeface="Epilogue"/>
+              <a:cs typeface="Epilogue"/>
+              <a:sym typeface="Epilogue"/>
+            </a:endParaRPr>
+          </a:p>
+        </p:txBody>
+      </p:sp>
+      <p:sp>
+        <p:nvSpPr>
+          <p:cNvPr id="199" name="Google Shape;199;p22"/>
+          <p:cNvSpPr txBox="1"/>
+          <p:nvPr/>
+        </p:nvSpPr>
+        <p:spPr>
+          <a:xfrm>
+            <a:off x="716325" y="2278225"/>
+            <a:ext cx="7875600" cy="7541100"/>
+          </a:xfrm>
+          <a:prstGeom prst="rect">
+            <a:avLst/>
+          </a:prstGeom>
+          <a:noFill/>
+          <a:ln>
+            <a:noFill/>
+          </a:ln>
+        </p:spPr>
+        <p:txBody>
+          <a:bodyPr spcFirstLastPara="1" wrap="square" lIns="91425" tIns="91425" rIns="91425" bIns="91425" anchor="ctr" anchorCtr="0">
+            <a:noAutofit/>
+          </a:bodyPr>
+          <a:lstStyle/>
+          <a:p>
+            <a:pPr marL="0" lvl="0" indent="0" algn="ctr" rtl="0">
+              <a:lnSpc>
+                <a:spcPct val="115000"/>
+              </a:lnSpc>
+              <a:spcBef>
+                <a:spcPts val="0"/>
+              </a:spcBef>
+              <a:spcAft>
+                <a:spcPts val="0"/>
+              </a:spcAft>
+              <a:buNone/>
+            </a:pPr>
+            <a:r>
+              <a:rPr lang="en-US" sz="2800" b="1" dirty="0" err="1">
+                <a:solidFill>
+                  <a:schemeClr val="dk1"/>
+                </a:solidFill>
+                <a:latin typeface="Work Sans"/>
+                <a:ea typeface="Work Sans"/>
+                <a:cs typeface="Work Sans"/>
+                <a:sym typeface="Work Sans"/>
+              </a:rPr>
+              <a:t>Qwenta</a:t>
+            </a:r>
+            <a:endParaRPr sz="2800" b="1" dirty="0">
+              <a:solidFill>
+                <a:schemeClr val="dk1"/>
+              </a:solidFill>
+              <a:latin typeface="Work Sans"/>
+              <a:ea typeface="Work Sans"/>
+              <a:cs typeface="Work Sans"/>
+              <a:sym typeface="Work Sans"/>
+            </a:endParaRPr>
+          </a:p>
+          <a:p>
+            <a:pPr marL="0" lvl="0" indent="0" algn="ctr" rtl="0">
+              <a:lnSpc>
+                <a:spcPct val="115000"/>
+              </a:lnSpc>
+              <a:spcBef>
+                <a:spcPts val="0"/>
+              </a:spcBef>
+              <a:spcAft>
+                <a:spcPts val="0"/>
+              </a:spcAft>
+              <a:buNone/>
+            </a:pPr>
+            <a:r>
+              <a:rPr lang="en-US" sz="2800" dirty="0">
+                <a:solidFill>
+                  <a:schemeClr val="dk1"/>
+                </a:solidFill>
+                <a:latin typeface="Work Sans"/>
+                <a:ea typeface="Work Sans"/>
+                <a:cs typeface="Work Sans"/>
+                <a:sym typeface="Work Sans"/>
+              </a:rPr>
+              <a:t>John, chef de </a:t>
+            </a:r>
+            <a:r>
+              <a:rPr lang="en-US" sz="2800" dirty="0" err="1">
+                <a:solidFill>
+                  <a:schemeClr val="dk1"/>
+                </a:solidFill>
+                <a:latin typeface="Work Sans"/>
+                <a:ea typeface="Work Sans"/>
+                <a:cs typeface="Work Sans"/>
+                <a:sym typeface="Work Sans"/>
+              </a:rPr>
+              <a:t>projet</a:t>
+            </a:r>
+            <a:endParaRPr sz="2800" dirty="0">
+              <a:solidFill>
+                <a:schemeClr val="dk1"/>
+              </a:solidFill>
+              <a:latin typeface="Work Sans"/>
+              <a:ea typeface="Work Sans"/>
+              <a:cs typeface="Work Sans"/>
+              <a:sym typeface="Work Sans"/>
+            </a:endParaRPr>
+          </a:p>
+          <a:p>
+            <a:pPr marL="0" lvl="0" indent="0" algn="ctr" rtl="0">
+              <a:lnSpc>
+                <a:spcPct val="115000"/>
+              </a:lnSpc>
+              <a:spcBef>
+                <a:spcPts val="0"/>
+              </a:spcBef>
+              <a:spcAft>
+                <a:spcPts val="0"/>
+              </a:spcAft>
+              <a:buNone/>
+            </a:pPr>
+            <a:endParaRPr sz="2800" dirty="0">
+              <a:solidFill>
+                <a:schemeClr val="dk1"/>
+              </a:solidFill>
+              <a:latin typeface="Work Sans"/>
+              <a:ea typeface="Work Sans"/>
+              <a:cs typeface="Work Sans"/>
+              <a:sym typeface="Work Sans"/>
+            </a:endParaRPr>
+          </a:p>
+          <a:p>
+            <a:pPr marL="0" lvl="0" indent="0" algn="ctr" rtl="0">
+              <a:lnSpc>
+                <a:spcPct val="115000"/>
+              </a:lnSpc>
+              <a:spcBef>
+                <a:spcPts val="0"/>
+              </a:spcBef>
+              <a:spcAft>
+                <a:spcPts val="0"/>
+              </a:spcAft>
+              <a:buNone/>
+            </a:pPr>
+            <a:endParaRPr sz="2800" dirty="0">
+              <a:solidFill>
+                <a:schemeClr val="dk1"/>
+              </a:solidFill>
+              <a:latin typeface="Work Sans"/>
+              <a:ea typeface="Work Sans"/>
+              <a:cs typeface="Work Sans"/>
+              <a:sym typeface="Work Sans"/>
+            </a:endParaRPr>
+          </a:p>
+          <a:p>
+            <a:pPr marL="0" lvl="0" indent="0" algn="ctr" rtl="0">
+              <a:lnSpc>
+                <a:spcPct val="115000"/>
+              </a:lnSpc>
+              <a:spcBef>
+                <a:spcPts val="0"/>
+              </a:spcBef>
+              <a:spcAft>
+                <a:spcPts val="0"/>
+              </a:spcAft>
+              <a:buNone/>
+            </a:pPr>
+            <a:r>
+              <a:rPr lang="en-US" sz="2800" b="1" dirty="0" err="1">
+                <a:solidFill>
+                  <a:schemeClr val="dk1"/>
+                </a:solidFill>
+                <a:latin typeface="Work Sans"/>
+                <a:ea typeface="Work Sans"/>
+                <a:cs typeface="Work Sans"/>
+                <a:sym typeface="Work Sans"/>
+              </a:rPr>
+              <a:t>Webgencia</a:t>
+            </a:r>
+            <a:endParaRPr sz="2800" b="1" dirty="0">
+              <a:solidFill>
+                <a:schemeClr val="dk1"/>
+              </a:solidFill>
+              <a:latin typeface="Work Sans"/>
+              <a:ea typeface="Work Sans"/>
+              <a:cs typeface="Work Sans"/>
+              <a:sym typeface="Work Sans"/>
+            </a:endParaRPr>
+          </a:p>
+          <a:p>
+            <a:pPr marL="0" lvl="0" indent="0" algn="ctr" rtl="0">
+              <a:lnSpc>
+                <a:spcPct val="115000"/>
+              </a:lnSpc>
+              <a:spcBef>
+                <a:spcPts val="0"/>
+              </a:spcBef>
+              <a:spcAft>
+                <a:spcPts val="0"/>
+              </a:spcAft>
+              <a:buNone/>
+            </a:pPr>
+            <a:r>
+              <a:rPr lang="en-US" sz="2800" dirty="0">
+                <a:solidFill>
+                  <a:schemeClr val="dk1"/>
+                </a:solidFill>
+                <a:latin typeface="Work Sans"/>
+                <a:ea typeface="Work Sans"/>
+                <a:cs typeface="Work Sans"/>
+                <a:sym typeface="Work Sans"/>
+              </a:rPr>
+              <a:t>Issam, gestion de </a:t>
+            </a:r>
+            <a:r>
+              <a:rPr lang="en-US" sz="2800" dirty="0" err="1">
+                <a:solidFill>
+                  <a:schemeClr val="dk1"/>
+                </a:solidFill>
+                <a:latin typeface="Work Sans"/>
+                <a:ea typeface="Work Sans"/>
+                <a:cs typeface="Work Sans"/>
+                <a:sym typeface="Work Sans"/>
+              </a:rPr>
+              <a:t>projet</a:t>
+            </a:r>
+            <a:endParaRPr sz="2800" dirty="0">
+              <a:solidFill>
+                <a:schemeClr val="dk1"/>
+              </a:solidFill>
+              <a:latin typeface="Work Sans"/>
+              <a:ea typeface="Work Sans"/>
+              <a:cs typeface="Work Sans"/>
+              <a:sym typeface="Work Sans"/>
+            </a:endParaRPr>
+          </a:p>
+          <a:p>
+            <a:pPr marL="0" lvl="0" indent="0" algn="ctr" rtl="0">
+              <a:lnSpc>
+                <a:spcPct val="115000"/>
+              </a:lnSpc>
+              <a:spcBef>
+                <a:spcPts val="0"/>
+              </a:spcBef>
+              <a:spcAft>
+                <a:spcPts val="0"/>
+              </a:spcAft>
+              <a:buNone/>
+            </a:pPr>
+            <a:r>
+              <a:rPr lang="en-US" sz="2800" dirty="0">
+                <a:solidFill>
+                  <a:schemeClr val="dk1"/>
+                </a:solidFill>
+                <a:latin typeface="Work Sans"/>
+                <a:ea typeface="Work Sans"/>
+                <a:cs typeface="Work Sans"/>
+                <a:sym typeface="Work Sans"/>
+              </a:rPr>
+              <a:t>Soufiane, product owner</a:t>
+            </a:r>
+            <a:endParaRPr sz="2800" dirty="0">
+              <a:solidFill>
+                <a:schemeClr val="dk1"/>
+              </a:solidFill>
+              <a:latin typeface="Work Sans"/>
+              <a:ea typeface="Work Sans"/>
+              <a:cs typeface="Work Sans"/>
+              <a:sym typeface="Work Sans"/>
+            </a:endParaRPr>
+          </a:p>
+          <a:p>
+            <a:pPr marL="0" lvl="0" indent="0" algn="ctr" rtl="0">
+              <a:lnSpc>
+                <a:spcPct val="115000"/>
+              </a:lnSpc>
+              <a:spcBef>
+                <a:spcPts val="0"/>
+              </a:spcBef>
+              <a:spcAft>
+                <a:spcPts val="0"/>
+              </a:spcAft>
+              <a:buNone/>
+            </a:pPr>
+            <a:r>
+              <a:rPr lang="en-US" sz="2800" dirty="0">
+                <a:solidFill>
+                  <a:schemeClr val="dk1"/>
+                </a:solidFill>
+                <a:latin typeface="Work Sans"/>
+                <a:ea typeface="Work Sans"/>
+                <a:cs typeface="Work Sans"/>
+                <a:sym typeface="Work Sans"/>
+              </a:rPr>
+              <a:t>Team </a:t>
+            </a:r>
+            <a:r>
+              <a:rPr lang="en-US" sz="2800" dirty="0" err="1">
+                <a:solidFill>
+                  <a:schemeClr val="dk1"/>
+                </a:solidFill>
+                <a:latin typeface="Work Sans"/>
+                <a:ea typeface="Work Sans"/>
+                <a:cs typeface="Work Sans"/>
+                <a:sym typeface="Work Sans"/>
+              </a:rPr>
+              <a:t>développement</a:t>
+            </a:r>
+            <a:r>
+              <a:rPr lang="en-US" sz="2800" dirty="0">
+                <a:solidFill>
+                  <a:schemeClr val="dk1"/>
+                </a:solidFill>
+                <a:latin typeface="Work Sans"/>
+                <a:ea typeface="Work Sans"/>
+                <a:cs typeface="Work Sans"/>
+                <a:sym typeface="Work Sans"/>
+              </a:rPr>
+              <a:t> - Backend</a:t>
+            </a:r>
+            <a:endParaRPr sz="2800" dirty="0">
+              <a:solidFill>
+                <a:schemeClr val="dk1"/>
+              </a:solidFill>
+              <a:latin typeface="Work Sans"/>
+              <a:ea typeface="Work Sans"/>
+              <a:cs typeface="Work Sans"/>
+              <a:sym typeface="Work Sans"/>
+            </a:endParaRPr>
+          </a:p>
+          <a:p>
+            <a:pPr marL="0" lvl="0" indent="0" algn="ctr" rtl="0">
+              <a:lnSpc>
+                <a:spcPct val="115000"/>
+              </a:lnSpc>
+              <a:spcBef>
+                <a:spcPts val="0"/>
+              </a:spcBef>
+              <a:spcAft>
+                <a:spcPts val="0"/>
+              </a:spcAft>
+              <a:buNone/>
+            </a:pPr>
+            <a:r>
+              <a:rPr lang="en-US" sz="2800" dirty="0">
+                <a:solidFill>
+                  <a:schemeClr val="dk1"/>
+                </a:solidFill>
+                <a:latin typeface="Work Sans"/>
+                <a:ea typeface="Work Sans"/>
+                <a:cs typeface="Work Sans"/>
+                <a:sym typeface="Work Sans"/>
+              </a:rPr>
+              <a:t>Team </a:t>
+            </a:r>
+            <a:r>
+              <a:rPr lang="en-US" sz="2800" dirty="0" err="1">
+                <a:solidFill>
+                  <a:schemeClr val="dk1"/>
+                </a:solidFill>
+                <a:latin typeface="Work Sans"/>
+                <a:ea typeface="Work Sans"/>
+                <a:cs typeface="Work Sans"/>
+                <a:sym typeface="Work Sans"/>
+              </a:rPr>
+              <a:t>développement</a:t>
+            </a:r>
+            <a:r>
+              <a:rPr lang="en-US" sz="2800" dirty="0">
+                <a:solidFill>
+                  <a:schemeClr val="dk1"/>
+                </a:solidFill>
+                <a:latin typeface="Work Sans"/>
+                <a:ea typeface="Work Sans"/>
+                <a:cs typeface="Work Sans"/>
+                <a:sym typeface="Work Sans"/>
+              </a:rPr>
+              <a:t> – Frontend</a:t>
+            </a:r>
+          </a:p>
+          <a:p>
+            <a:pPr marL="0" lvl="0" indent="0" algn="ctr" rtl="0">
+              <a:lnSpc>
+                <a:spcPct val="115000"/>
+              </a:lnSpc>
+              <a:spcBef>
+                <a:spcPts val="0"/>
+              </a:spcBef>
+              <a:spcAft>
+                <a:spcPts val="0"/>
+              </a:spcAft>
+              <a:buNone/>
+            </a:pPr>
+            <a:endParaRPr lang="en-US" sz="2800" dirty="0">
+              <a:solidFill>
+                <a:schemeClr val="dk1"/>
+              </a:solidFill>
+              <a:latin typeface="Work Sans"/>
+              <a:ea typeface="Work Sans"/>
+              <a:cs typeface="Work Sans"/>
+              <a:sym typeface="Work Sans"/>
+            </a:endParaRPr>
+          </a:p>
+          <a:p>
+            <a:pPr marL="0" lvl="0" indent="0" algn="ctr" rtl="0">
+              <a:lnSpc>
+                <a:spcPct val="115000"/>
+              </a:lnSpc>
+              <a:spcBef>
+                <a:spcPts val="0"/>
+              </a:spcBef>
+              <a:spcAft>
+                <a:spcPts val="0"/>
+              </a:spcAft>
+              <a:buNone/>
+            </a:pPr>
+            <a:r>
+              <a:rPr lang="en-US" sz="2800" dirty="0" err="1">
+                <a:solidFill>
+                  <a:schemeClr val="dk1"/>
+                </a:solidFill>
+                <a:latin typeface="Work Sans"/>
+                <a:ea typeface="Work Sans"/>
+                <a:cs typeface="Work Sans"/>
+                <a:sym typeface="Work Sans"/>
+              </a:rPr>
+              <a:t>Suivi</a:t>
+            </a:r>
+            <a:r>
+              <a:rPr lang="en-US" sz="2800" dirty="0">
+                <a:solidFill>
+                  <a:schemeClr val="dk1"/>
+                </a:solidFill>
+                <a:latin typeface="Work Sans"/>
+                <a:ea typeface="Work Sans"/>
+                <a:cs typeface="Work Sans"/>
+                <a:sym typeface="Work Sans"/>
+              </a:rPr>
+              <a:t> de </a:t>
+            </a:r>
+            <a:r>
+              <a:rPr lang="en-US" sz="2800" dirty="0" err="1">
+                <a:solidFill>
+                  <a:schemeClr val="dk1"/>
+                </a:solidFill>
+                <a:latin typeface="Work Sans"/>
+                <a:ea typeface="Work Sans"/>
+                <a:cs typeface="Work Sans"/>
+                <a:sym typeface="Work Sans"/>
+              </a:rPr>
+              <a:t>projet</a:t>
+            </a:r>
+            <a:r>
+              <a:rPr lang="en-US" sz="2800" dirty="0">
+                <a:solidFill>
+                  <a:schemeClr val="dk1"/>
+                </a:solidFill>
+                <a:latin typeface="Work Sans"/>
+                <a:ea typeface="Work Sans"/>
+                <a:cs typeface="Work Sans"/>
+                <a:sym typeface="Work Sans"/>
+              </a:rPr>
+              <a:t> avec Notion</a:t>
+            </a:r>
+            <a:endParaRPr sz="2800" dirty="0">
+              <a:solidFill>
+                <a:schemeClr val="dk1"/>
+              </a:solidFill>
+              <a:latin typeface="Work Sans"/>
+              <a:ea typeface="Work Sans"/>
+              <a:cs typeface="Work Sans"/>
+              <a:sym typeface="Work Sans"/>
+            </a:endParaRPr>
+          </a:p>
+        </p:txBody>
+      </p:sp>
+      <p:sp>
+        <p:nvSpPr>
+          <p:cNvPr id="200" name="Google Shape;200;p22"/>
+          <p:cNvSpPr txBox="1">
+            <a:spLocks noGrp="1"/>
+          </p:cNvSpPr>
+          <p:nvPr>
+            <p:ph type="sldNum" idx="12"/>
+          </p:nvPr>
+        </p:nvSpPr>
+        <p:spPr>
+          <a:xfrm>
+            <a:off x="0" y="9921900"/>
+            <a:ext cx="2133600" cy="365100"/>
+          </a:xfrm>
+          <a:prstGeom prst="rect">
+            <a:avLst/>
+          </a:prstGeom>
+        </p:spPr>
+        <p:txBody>
+          <a:bodyPr spcFirstLastPara="1" wrap="square" lIns="91425" tIns="45700" rIns="91425" bIns="45700" anchor="ctr" anchorCtr="0">
+            <a:noAutofit/>
+          </a:bodyPr>
+          <a:lstStyle/>
+          <a:p>
+            <a:pPr marL="0" lvl="0" indent="0" algn="r" rtl="0">
+              <a:spcBef>
+                <a:spcPts val="0"/>
+              </a:spcBef>
+              <a:spcAft>
+                <a:spcPts val="0"/>
+              </a:spcAft>
+              <a:buClr>
+                <a:srgbClr val="000000"/>
+              </a:buClr>
+              <a:buFont typeface="Arial"/>
+              <a:buNone/>
+            </a:pPr>
+            <a:fld id="{00000000-1234-1234-1234-123412341234}" type="slidenum">
+              <a:rPr lang="en-US"/>
+              <a:t>9</a:t>
+            </a:fld>
+            <a:endParaRPr/>
+          </a:p>
+        </p:txBody>
+      </p:sp>
+      <p:pic>
+        <p:nvPicPr>
+          <p:cNvPr id="201" name="Google Shape;201;p22"/>
+          <p:cNvPicPr preferRelativeResize="0"/>
+          <p:nvPr/>
+        </p:nvPicPr>
+        <p:blipFill>
+          <a:blip r:embed="rId3">
+            <a:alphaModFix/>
+          </a:blip>
+          <a:stretch>
+            <a:fillRect/>
+          </a:stretch>
+        </p:blipFill>
+        <p:spPr>
+          <a:xfrm>
+            <a:off x="0" y="0"/>
+            <a:ext cx="1454400" cy="666550"/>
+          </a:xfrm>
+          <a:prstGeom prst="rect">
+            <a:avLst/>
+          </a:prstGeom>
+          <a:noFill/>
+          <a:ln>
+            <a:noFill/>
+          </a:ln>
+        </p:spPr>
+      </p:pic>
+      <p:pic>
+        <p:nvPicPr>
+          <p:cNvPr id="202" name="Google Shape;202;p22"/>
+          <p:cNvPicPr preferRelativeResize="0"/>
+          <p:nvPr/>
+        </p:nvPicPr>
+        <p:blipFill>
+          <a:blip r:embed="rId4">
+            <a:alphaModFix/>
+          </a:blip>
+          <a:stretch>
+            <a:fillRect/>
+          </a:stretch>
+        </p:blipFill>
+        <p:spPr>
+          <a:xfrm>
+            <a:off x="9051575" y="3587650"/>
+            <a:ext cx="7875600" cy="4922237"/>
+          </a:xfrm>
+          <a:prstGeom prst="rect">
+            <a:avLst/>
+          </a:prstGeom>
+          <a:noFill/>
+          <a:ln>
+            <a:noFill/>
+          </a:ln>
+        </p:spPr>
+      </p:pic>
+    </p:spTree>
+  </p:cSld>
+  <p:clrMapOvr>
+    <a:masterClrMapping/>
+  </p:clrMapOvr>
+  <p:timing>
+    <p:tnLst>
+      <p:par>
+        <p:cTn id="1" dur="indefinite" restart="never" nodeType="tmRoot">
+          <p:childTnLst>
+            <p:seq concurrent="1" nextAc="seek">
+              <p:cTn id="2" dur="indefinite" nodeType="mainSeq">
+                <p:childTnLst>
+                  <p:par>
+                    <p:cTn id="3" fill="hold">
+                      <p:stCondLst>
+                        <p:cond delay="indefinite"/>
+                      </p:stCondLst>
+                      <p:childTnLst>
+                        <p:par>
+                          <p:cTn id="4" fill="hold">
+                            <p:stCondLst>
+                              <p:cond delay="0"/>
+                            </p:stCondLst>
+                            <p:childTnLst>
+                              <p:par>
+                                <p:cTn id="5" presetID="10" presetClass="entr" presetSubtype="0" fill="hold" grpId="0" nodeType="clickEffect">
+                                  <p:stCondLst>
+                                    <p:cond delay="0"/>
+                                  </p:stCondLst>
+                                  <p:childTnLst>
+                                    <p:set>
+                                      <p:cBhvr>
+                                        <p:cTn id="6" dur="1" fill="hold">
+                                          <p:stCondLst>
+                                            <p:cond delay="0"/>
+                                          </p:stCondLst>
+                                        </p:cTn>
+                                        <p:tgtEl>
+                                          <p:spTgt spid="199"/>
+                                        </p:tgtEl>
+                                        <p:attrNameLst>
+                                          <p:attrName>style.visibility</p:attrName>
+                                        </p:attrNameLst>
+                                      </p:cBhvr>
+                                      <p:to>
+                                        <p:strVal val="visible"/>
+                                      </p:to>
+                                    </p:set>
+                                    <p:animEffect transition="in" filter="fade">
+                                      <p:cBhvr>
+                                        <p:cTn id="7" dur="500"/>
+                                        <p:tgtEl>
+                                          <p:spTgt spid="199"/>
+                                        </p:tgtEl>
+                                      </p:cBhvr>
+                                    </p:animEffect>
+                                  </p:childTnLst>
+                                </p:cTn>
+                              </p:par>
+                              <p:par>
+                                <p:cTn id="8" presetID="10" presetClass="entr" presetSubtype="0" fill="hold" nodeType="withEffect">
+                                  <p:stCondLst>
+                                    <p:cond delay="0"/>
+                                  </p:stCondLst>
+                                  <p:childTnLst>
+                                    <p:set>
+                                      <p:cBhvr>
+                                        <p:cTn id="9" dur="1" fill="hold">
+                                          <p:stCondLst>
+                                            <p:cond delay="0"/>
+                                          </p:stCondLst>
+                                        </p:cTn>
+                                        <p:tgtEl>
+                                          <p:spTgt spid="202"/>
+                                        </p:tgtEl>
+                                        <p:attrNameLst>
+                                          <p:attrName>style.visibility</p:attrName>
+                                        </p:attrNameLst>
+                                      </p:cBhvr>
+                                      <p:to>
+                                        <p:strVal val="visible"/>
+                                      </p:to>
+                                    </p:set>
+                                    <p:animEffect transition="in" filter="fade">
+                                      <p:cBhvr>
+                                        <p:cTn id="10" dur="500"/>
+                                        <p:tgtEl>
+                                          <p:spTgt spid="202"/>
+                                        </p:tgtEl>
+                                      </p:cBhvr>
+                                    </p:animEffect>
+                                  </p:childTnLst>
+                                </p:cTn>
+                              </p:par>
+                            </p:childTnLst>
+                          </p:cTn>
+                        </p:par>
+                      </p:childTnLst>
+                    </p:cTn>
+                  </p:par>
+                </p:childTnLst>
+              </p:cTn>
+              <p:prevCondLst>
+                <p:cond evt="onPrev" delay="0">
+                  <p:tgtEl>
+                    <p:sldTgt/>
+                  </p:tgtEl>
+                </p:cond>
+              </p:prevCondLst>
+              <p:nextCondLst>
+                <p:cond evt="onNext" delay="0">
+                  <p:tgtEl>
+                    <p:sldTgt/>
+                  </p:tgtEl>
+                </p:cond>
+              </p:nextCondLst>
+            </p:seq>
+          </p:childTnLst>
+        </p:cTn>
+      </p:par>
+    </p:tnLst>
+    <p:bldLst>
+      <p:bldP spid="199" grpId="0"/>
     </p:bldLst>
   </p:timing>
 </p:sld>
